--- a/2 기능 정의 취합, 요구사항 정의서, USE FLOW/ucd.pptx
+++ b/2 기능 정의 취합, 요구사항 정의서, USE FLOW/ucd.pptx
@@ -5,11 +5,12 @@
     <p:sldMasterId id="2147483648" r:id="rId1"/>
   </p:sldMasterIdLst>
   <p:notesMasterIdLst>
-    <p:notesMasterId r:id="rId4"/>
+    <p:notesMasterId r:id="rId5"/>
   </p:notesMasterIdLst>
   <p:sldIdLst>
     <p:sldId id="258" r:id="rId2"/>
-    <p:sldId id="257" r:id="rId3"/>
+    <p:sldId id="259" r:id="rId3"/>
+    <p:sldId id="257" r:id="rId4"/>
   </p:sldIdLst>
   <p:sldSz cx="12192000" cy="6858000"/>
   <p:notesSz cx="6858000" cy="9144000"/>
@@ -110,7 +111,7 @@
   </p:defaultTextStyle>
   <p:extLst>
     <p:ext uri="{EFAFB233-063F-42B5-8137-9DF3F51BA10A}">
-      <p15:sldGuideLst xmlns:p15="http://schemas.microsoft.com/office/powerpoint/2012/main">
+      <p15:sldGuideLst xmlns:p15="http://schemas.microsoft.com/office/powerpoint/2012/main" xmlns="">
         <p15:guide id="1" orient="horz" pos="2160">
           <p15:clr>
             <a:srgbClr val="A4A3A4"/>
@@ -220,7 +221,7 @@
           <a:p>
             <a:fld id="{34A57D12-7D57-4077-B755-4C8239845BD0}" type="datetimeFigureOut">
               <a:rPr lang="ko-KR" altLang="en-US" smtClean="0"/>
-              <a:t>2020-03-28</a:t>
+              <a:t>2020-02-02</a:t>
             </a:fld>
             <a:endParaRPr lang="ko-KR" altLang="en-US"/>
           </a:p>
@@ -693,6 +694,115 @@
         </p:txBody>
       </p:sp>
     </p:spTree>
+    <p:extLst>
+      <p:ext uri="{BB962C8B-B14F-4D97-AF65-F5344CB8AC3E}">
+        <p14:creationId xmlns:p14="http://schemas.microsoft.com/office/powerpoint/2010/main" val="652517468"/>
+      </p:ext>
+    </p:extLst>
+  </p:cSld>
+  <p:clrMapOvr>
+    <a:masterClrMapping/>
+  </p:clrMapOvr>
+</p:notes>
+</file>
+
+<file path=ppt/notesSlides/notesSlide3.xml><?xml version="1.0" encoding="utf-8"?>
+<p:notes xmlns:a="http://schemas.openxmlformats.org/drawingml/2006/main" xmlns:r="http://schemas.openxmlformats.org/officeDocument/2006/relationships" xmlns:p="http://schemas.openxmlformats.org/presentationml/2006/main" showMasterSp="0" showMasterPhAnim="0">
+  <p:cSld>
+    <p:spTree>
+      <p:nvGrpSpPr>
+        <p:cNvPr id="1" name="Shape 50"/>
+        <p:cNvGrpSpPr/>
+        <p:nvPr/>
+      </p:nvGrpSpPr>
+      <p:grpSpPr>
+        <a:xfrm>
+          <a:off x="0" y="0"/>
+          <a:ext cx="0" cy="0"/>
+          <a:chOff x="0" y="0"/>
+          <a:chExt cx="0" cy="0"/>
+        </a:xfrm>
+      </p:grpSpPr>
+      <p:sp>
+        <p:nvSpPr>
+          <p:cNvPr id="51" name="Google Shape;51;p:notes"/>
+          <p:cNvSpPr>
+            <a:spLocks noGrp="1" noRot="1" noChangeAspect="1"/>
+          </p:cNvSpPr>
+          <p:nvPr>
+            <p:ph type="sldImg" idx="2"/>
+          </p:nvPr>
+        </p:nvSpPr>
+        <p:spPr>
+          <a:xfrm>
+            <a:off x="381000" y="685800"/>
+            <a:ext cx="6096000" cy="3429000"/>
+          </a:xfrm>
+          <a:custGeom>
+            <a:avLst/>
+            <a:gdLst/>
+            <a:ahLst/>
+            <a:cxnLst/>
+            <a:rect l="l" t="t" r="r" b="b"/>
+            <a:pathLst>
+              <a:path w="120000" h="120000" extrusionOk="0">
+                <a:moveTo>
+                  <a:pt x="0" y="0"/>
+                </a:moveTo>
+                <a:lnTo>
+                  <a:pt x="120000" y="0"/>
+                </a:lnTo>
+                <a:lnTo>
+                  <a:pt x="120000" y="120000"/>
+                </a:lnTo>
+                <a:lnTo>
+                  <a:pt x="0" y="120000"/>
+                </a:lnTo>
+                <a:close/>
+              </a:path>
+            </a:pathLst>
+          </a:custGeom>
+        </p:spPr>
+      </p:sp>
+      <p:sp>
+        <p:nvSpPr>
+          <p:cNvPr id="52" name="Google Shape;52;p:notes"/>
+          <p:cNvSpPr txBox="1">
+            <a:spLocks noGrp="1"/>
+          </p:cNvSpPr>
+          <p:nvPr>
+            <p:ph type="body" idx="1"/>
+          </p:nvPr>
+        </p:nvSpPr>
+        <p:spPr>
+          <a:xfrm>
+            <a:off x="685800" y="4343400"/>
+            <a:ext cx="5486400" cy="4114800"/>
+          </a:xfrm>
+          <a:prstGeom prst="rect">
+            <a:avLst/>
+          </a:prstGeom>
+        </p:spPr>
+        <p:txBody>
+          <a:bodyPr spcFirstLastPara="1" wrap="square" lIns="91425" tIns="91425" rIns="91425" bIns="91425" anchor="t" anchorCtr="0">
+            <a:noAutofit/>
+          </a:bodyPr>
+          <a:lstStyle/>
+          <a:p>
+            <a:pPr marL="0" lvl="0" indent="0" algn="l" rtl="0">
+              <a:spcBef>
+                <a:spcPts val="0"/>
+              </a:spcBef>
+              <a:spcAft>
+                <a:spcPts val="0"/>
+              </a:spcAft>
+              <a:buNone/>
+            </a:pPr>
+            <a:endParaRPr/>
+          </a:p>
+        </p:txBody>
+      </p:sp>
+    </p:spTree>
   </p:cSld>
   <p:clrMapOvr>
     <a:masterClrMapping/>
@@ -722,7 +832,7 @@
           <p:cNvPr id="2" name="제목 1">
             <a:extLst>
               <a:ext uri="{FF2B5EF4-FFF2-40B4-BE49-F238E27FC236}">
-                <a16:creationId xmlns:a16="http://schemas.microsoft.com/office/drawing/2014/main" id="{D33E8F1F-7A61-4CC3-9980-D2EF2A5E4732}"/>
+                <a16:creationId xmlns:a16="http://schemas.microsoft.com/office/drawing/2014/main" xmlns="" id="{D33E8F1F-7A61-4CC3-9980-D2EF2A5E4732}"/>
               </a:ext>
             </a:extLst>
           </p:cNvPr>
@@ -759,7 +869,7 @@
           <p:cNvPr id="3" name="부제목 2">
             <a:extLst>
               <a:ext uri="{FF2B5EF4-FFF2-40B4-BE49-F238E27FC236}">
-                <a16:creationId xmlns:a16="http://schemas.microsoft.com/office/drawing/2014/main" id="{4B3E18A4-1F34-4E43-AD47-D7126F78EF1D}"/>
+                <a16:creationId xmlns:a16="http://schemas.microsoft.com/office/drawing/2014/main" xmlns="" id="{4B3E18A4-1F34-4E43-AD47-D7126F78EF1D}"/>
               </a:ext>
             </a:extLst>
           </p:cNvPr>
@@ -829,7 +939,7 @@
           <p:cNvPr id="4" name="날짜 개체 틀 3">
             <a:extLst>
               <a:ext uri="{FF2B5EF4-FFF2-40B4-BE49-F238E27FC236}">
-                <a16:creationId xmlns:a16="http://schemas.microsoft.com/office/drawing/2014/main" id="{1EB01FCD-46FD-4715-8859-291C9235FBCD}"/>
+                <a16:creationId xmlns:a16="http://schemas.microsoft.com/office/drawing/2014/main" xmlns="" id="{1EB01FCD-46FD-4715-8859-291C9235FBCD}"/>
               </a:ext>
             </a:extLst>
           </p:cNvPr>
@@ -847,7 +957,7 @@
           <a:p>
             <a:fld id="{4DA87FFA-2B3E-4067-BBD9-C9938D8C383D}" type="datetimeFigureOut">
               <a:rPr lang="ko-KR" altLang="en-US" smtClean="0"/>
-              <a:t>2020-03-28</a:t>
+              <a:t>2020-02-02</a:t>
             </a:fld>
             <a:endParaRPr lang="ko-KR" altLang="en-US"/>
           </a:p>
@@ -858,7 +968,7 @@
           <p:cNvPr id="5" name="바닥글 개체 틀 4">
             <a:extLst>
               <a:ext uri="{FF2B5EF4-FFF2-40B4-BE49-F238E27FC236}">
-                <a16:creationId xmlns:a16="http://schemas.microsoft.com/office/drawing/2014/main" id="{C551FB88-9BD9-4095-897C-6B6CAC5783E6}"/>
+                <a16:creationId xmlns:a16="http://schemas.microsoft.com/office/drawing/2014/main" xmlns="" id="{C551FB88-9BD9-4095-897C-6B6CAC5783E6}"/>
               </a:ext>
             </a:extLst>
           </p:cNvPr>
@@ -883,7 +993,7 @@
           <p:cNvPr id="6" name="슬라이드 번호 개체 틀 5">
             <a:extLst>
               <a:ext uri="{FF2B5EF4-FFF2-40B4-BE49-F238E27FC236}">
-                <a16:creationId xmlns:a16="http://schemas.microsoft.com/office/drawing/2014/main" id="{7582DC6B-0F33-4565-B8C5-56F7331C725F}"/>
+                <a16:creationId xmlns:a16="http://schemas.microsoft.com/office/drawing/2014/main" xmlns="" id="{7582DC6B-0F33-4565-B8C5-56F7331C725F}"/>
               </a:ext>
             </a:extLst>
           </p:cNvPr>
@@ -942,7 +1052,7 @@
           <p:cNvPr id="2" name="제목 1">
             <a:extLst>
               <a:ext uri="{FF2B5EF4-FFF2-40B4-BE49-F238E27FC236}">
-                <a16:creationId xmlns:a16="http://schemas.microsoft.com/office/drawing/2014/main" id="{192B0D75-7CA3-4DF5-BAEB-E3A24D16BF9F}"/>
+                <a16:creationId xmlns:a16="http://schemas.microsoft.com/office/drawing/2014/main" xmlns="" id="{192B0D75-7CA3-4DF5-BAEB-E3A24D16BF9F}"/>
               </a:ext>
             </a:extLst>
           </p:cNvPr>
@@ -970,7 +1080,7 @@
           <p:cNvPr id="3" name="세로 텍스트 개체 틀 2">
             <a:extLst>
               <a:ext uri="{FF2B5EF4-FFF2-40B4-BE49-F238E27FC236}">
-                <a16:creationId xmlns:a16="http://schemas.microsoft.com/office/drawing/2014/main" id="{27DD338F-F6D6-4A38-B308-4745EDC1512C}"/>
+                <a16:creationId xmlns:a16="http://schemas.microsoft.com/office/drawing/2014/main" xmlns="" id="{27DD338F-F6D6-4A38-B308-4745EDC1512C}"/>
               </a:ext>
             </a:extLst>
           </p:cNvPr>
@@ -1027,7 +1137,7 @@
           <p:cNvPr id="4" name="날짜 개체 틀 3">
             <a:extLst>
               <a:ext uri="{FF2B5EF4-FFF2-40B4-BE49-F238E27FC236}">
-                <a16:creationId xmlns:a16="http://schemas.microsoft.com/office/drawing/2014/main" id="{169AF468-6DEC-4F29-B5E0-48D84D11B9DE}"/>
+                <a16:creationId xmlns:a16="http://schemas.microsoft.com/office/drawing/2014/main" xmlns="" id="{169AF468-6DEC-4F29-B5E0-48D84D11B9DE}"/>
               </a:ext>
             </a:extLst>
           </p:cNvPr>
@@ -1045,7 +1155,7 @@
           <a:p>
             <a:fld id="{4DA87FFA-2B3E-4067-BBD9-C9938D8C383D}" type="datetimeFigureOut">
               <a:rPr lang="ko-KR" altLang="en-US" smtClean="0"/>
-              <a:t>2020-03-28</a:t>
+              <a:t>2020-02-02</a:t>
             </a:fld>
             <a:endParaRPr lang="ko-KR" altLang="en-US"/>
           </a:p>
@@ -1056,7 +1166,7 @@
           <p:cNvPr id="5" name="바닥글 개체 틀 4">
             <a:extLst>
               <a:ext uri="{FF2B5EF4-FFF2-40B4-BE49-F238E27FC236}">
-                <a16:creationId xmlns:a16="http://schemas.microsoft.com/office/drawing/2014/main" id="{EE75C87B-7B6E-4A43-9F8C-77F43DFC7277}"/>
+                <a16:creationId xmlns:a16="http://schemas.microsoft.com/office/drawing/2014/main" xmlns="" id="{EE75C87B-7B6E-4A43-9F8C-77F43DFC7277}"/>
               </a:ext>
             </a:extLst>
           </p:cNvPr>
@@ -1081,7 +1191,7 @@
           <p:cNvPr id="6" name="슬라이드 번호 개체 틀 5">
             <a:extLst>
               <a:ext uri="{FF2B5EF4-FFF2-40B4-BE49-F238E27FC236}">
-                <a16:creationId xmlns:a16="http://schemas.microsoft.com/office/drawing/2014/main" id="{355D8E24-A8BA-4B0F-B4EC-BDDE6D005874}"/>
+                <a16:creationId xmlns:a16="http://schemas.microsoft.com/office/drawing/2014/main" xmlns="" id="{355D8E24-A8BA-4B0F-B4EC-BDDE6D005874}"/>
               </a:ext>
             </a:extLst>
           </p:cNvPr>
@@ -1140,7 +1250,7 @@
           <p:cNvPr id="2" name="세로 제목 1">
             <a:extLst>
               <a:ext uri="{FF2B5EF4-FFF2-40B4-BE49-F238E27FC236}">
-                <a16:creationId xmlns:a16="http://schemas.microsoft.com/office/drawing/2014/main" id="{82FCF687-3144-4232-AAD0-89FA13954FE1}"/>
+                <a16:creationId xmlns:a16="http://schemas.microsoft.com/office/drawing/2014/main" xmlns="" id="{82FCF687-3144-4232-AAD0-89FA13954FE1}"/>
               </a:ext>
             </a:extLst>
           </p:cNvPr>
@@ -1173,7 +1283,7 @@
           <p:cNvPr id="3" name="세로 텍스트 개체 틀 2">
             <a:extLst>
               <a:ext uri="{FF2B5EF4-FFF2-40B4-BE49-F238E27FC236}">
-                <a16:creationId xmlns:a16="http://schemas.microsoft.com/office/drawing/2014/main" id="{CEC2192F-0BB5-4E02-9E9B-6AB875C3E678}"/>
+                <a16:creationId xmlns:a16="http://schemas.microsoft.com/office/drawing/2014/main" xmlns="" id="{CEC2192F-0BB5-4E02-9E9B-6AB875C3E678}"/>
               </a:ext>
             </a:extLst>
           </p:cNvPr>
@@ -1235,7 +1345,7 @@
           <p:cNvPr id="4" name="날짜 개체 틀 3">
             <a:extLst>
               <a:ext uri="{FF2B5EF4-FFF2-40B4-BE49-F238E27FC236}">
-                <a16:creationId xmlns:a16="http://schemas.microsoft.com/office/drawing/2014/main" id="{4A82E7D5-AD3B-44D3-9373-066BE35EF724}"/>
+                <a16:creationId xmlns:a16="http://schemas.microsoft.com/office/drawing/2014/main" xmlns="" id="{4A82E7D5-AD3B-44D3-9373-066BE35EF724}"/>
               </a:ext>
             </a:extLst>
           </p:cNvPr>
@@ -1253,7 +1363,7 @@
           <a:p>
             <a:fld id="{4DA87FFA-2B3E-4067-BBD9-C9938D8C383D}" type="datetimeFigureOut">
               <a:rPr lang="ko-KR" altLang="en-US" smtClean="0"/>
-              <a:t>2020-03-28</a:t>
+              <a:t>2020-02-02</a:t>
             </a:fld>
             <a:endParaRPr lang="ko-KR" altLang="en-US"/>
           </a:p>
@@ -1264,7 +1374,7 @@
           <p:cNvPr id="5" name="바닥글 개체 틀 4">
             <a:extLst>
               <a:ext uri="{FF2B5EF4-FFF2-40B4-BE49-F238E27FC236}">
-                <a16:creationId xmlns:a16="http://schemas.microsoft.com/office/drawing/2014/main" id="{96F04E1E-A44B-47BD-8656-31C6D58EBF3B}"/>
+                <a16:creationId xmlns:a16="http://schemas.microsoft.com/office/drawing/2014/main" xmlns="" id="{96F04E1E-A44B-47BD-8656-31C6D58EBF3B}"/>
               </a:ext>
             </a:extLst>
           </p:cNvPr>
@@ -1289,7 +1399,7 @@
           <p:cNvPr id="6" name="슬라이드 번호 개체 틀 5">
             <a:extLst>
               <a:ext uri="{FF2B5EF4-FFF2-40B4-BE49-F238E27FC236}">
-                <a16:creationId xmlns:a16="http://schemas.microsoft.com/office/drawing/2014/main" id="{13850518-5448-427B-A72B-26AE0A45DA15}"/>
+                <a16:creationId xmlns:a16="http://schemas.microsoft.com/office/drawing/2014/main" xmlns="" id="{13850518-5448-427B-A72B-26AE0A45DA15}"/>
               </a:ext>
             </a:extLst>
           </p:cNvPr>
@@ -1348,7 +1458,7 @@
           <p:cNvPr id="2" name="제목 1">
             <a:extLst>
               <a:ext uri="{FF2B5EF4-FFF2-40B4-BE49-F238E27FC236}">
-                <a16:creationId xmlns:a16="http://schemas.microsoft.com/office/drawing/2014/main" id="{CAC28302-1AE3-4CC4-94ED-EF4C90EDAEDB}"/>
+                <a16:creationId xmlns:a16="http://schemas.microsoft.com/office/drawing/2014/main" xmlns="" id="{CAC28302-1AE3-4CC4-94ED-EF4C90EDAEDB}"/>
               </a:ext>
             </a:extLst>
           </p:cNvPr>
@@ -1376,7 +1486,7 @@
           <p:cNvPr id="3" name="내용 개체 틀 2">
             <a:extLst>
               <a:ext uri="{FF2B5EF4-FFF2-40B4-BE49-F238E27FC236}">
-                <a16:creationId xmlns:a16="http://schemas.microsoft.com/office/drawing/2014/main" id="{94D78527-C61A-4C99-92A7-6092F8BF2FDF}"/>
+                <a16:creationId xmlns:a16="http://schemas.microsoft.com/office/drawing/2014/main" xmlns="" id="{94D78527-C61A-4C99-92A7-6092F8BF2FDF}"/>
               </a:ext>
             </a:extLst>
           </p:cNvPr>
@@ -1433,7 +1543,7 @@
           <p:cNvPr id="4" name="날짜 개체 틀 3">
             <a:extLst>
               <a:ext uri="{FF2B5EF4-FFF2-40B4-BE49-F238E27FC236}">
-                <a16:creationId xmlns:a16="http://schemas.microsoft.com/office/drawing/2014/main" id="{5A5414CE-B052-41C3-8762-A099FC09AC9E}"/>
+                <a16:creationId xmlns:a16="http://schemas.microsoft.com/office/drawing/2014/main" xmlns="" id="{5A5414CE-B052-41C3-8762-A099FC09AC9E}"/>
               </a:ext>
             </a:extLst>
           </p:cNvPr>
@@ -1451,7 +1561,7 @@
           <a:p>
             <a:fld id="{4DA87FFA-2B3E-4067-BBD9-C9938D8C383D}" type="datetimeFigureOut">
               <a:rPr lang="ko-KR" altLang="en-US" smtClean="0"/>
-              <a:t>2020-03-28</a:t>
+              <a:t>2020-02-02</a:t>
             </a:fld>
             <a:endParaRPr lang="ko-KR" altLang="en-US"/>
           </a:p>
@@ -1462,7 +1572,7 @@
           <p:cNvPr id="5" name="바닥글 개체 틀 4">
             <a:extLst>
               <a:ext uri="{FF2B5EF4-FFF2-40B4-BE49-F238E27FC236}">
-                <a16:creationId xmlns:a16="http://schemas.microsoft.com/office/drawing/2014/main" id="{04D15CB5-8106-497E-B7BD-5D864E2A4805}"/>
+                <a16:creationId xmlns:a16="http://schemas.microsoft.com/office/drawing/2014/main" xmlns="" id="{04D15CB5-8106-497E-B7BD-5D864E2A4805}"/>
               </a:ext>
             </a:extLst>
           </p:cNvPr>
@@ -1487,7 +1597,7 @@
           <p:cNvPr id="6" name="슬라이드 번호 개체 틀 5">
             <a:extLst>
               <a:ext uri="{FF2B5EF4-FFF2-40B4-BE49-F238E27FC236}">
-                <a16:creationId xmlns:a16="http://schemas.microsoft.com/office/drawing/2014/main" id="{CC69AA7D-38FD-49F0-B2F3-13B85E6A7860}"/>
+                <a16:creationId xmlns:a16="http://schemas.microsoft.com/office/drawing/2014/main" xmlns="" id="{CC69AA7D-38FD-49F0-B2F3-13B85E6A7860}"/>
               </a:ext>
             </a:extLst>
           </p:cNvPr>
@@ -1546,7 +1656,7 @@
           <p:cNvPr id="2" name="제목 1">
             <a:extLst>
               <a:ext uri="{FF2B5EF4-FFF2-40B4-BE49-F238E27FC236}">
-                <a16:creationId xmlns:a16="http://schemas.microsoft.com/office/drawing/2014/main" id="{CDCCB98B-8F42-47B7-AAE9-E9D62DB687C9}"/>
+                <a16:creationId xmlns:a16="http://schemas.microsoft.com/office/drawing/2014/main" xmlns="" id="{CDCCB98B-8F42-47B7-AAE9-E9D62DB687C9}"/>
               </a:ext>
             </a:extLst>
           </p:cNvPr>
@@ -1583,7 +1693,7 @@
           <p:cNvPr id="3" name="텍스트 개체 틀 2">
             <a:extLst>
               <a:ext uri="{FF2B5EF4-FFF2-40B4-BE49-F238E27FC236}">
-                <a16:creationId xmlns:a16="http://schemas.microsoft.com/office/drawing/2014/main" id="{D206F9BD-A80D-4E87-8425-00DD8D11728B}"/>
+                <a16:creationId xmlns:a16="http://schemas.microsoft.com/office/drawing/2014/main" xmlns="" id="{D206F9BD-A80D-4E87-8425-00DD8D11728B}"/>
               </a:ext>
             </a:extLst>
           </p:cNvPr>
@@ -1708,7 +1818,7 @@
           <p:cNvPr id="4" name="날짜 개체 틀 3">
             <a:extLst>
               <a:ext uri="{FF2B5EF4-FFF2-40B4-BE49-F238E27FC236}">
-                <a16:creationId xmlns:a16="http://schemas.microsoft.com/office/drawing/2014/main" id="{786F17E6-D6FB-40B5-9B88-A91E7AAC824F}"/>
+                <a16:creationId xmlns:a16="http://schemas.microsoft.com/office/drawing/2014/main" xmlns="" id="{786F17E6-D6FB-40B5-9B88-A91E7AAC824F}"/>
               </a:ext>
             </a:extLst>
           </p:cNvPr>
@@ -1726,7 +1836,7 @@
           <a:p>
             <a:fld id="{4DA87FFA-2B3E-4067-BBD9-C9938D8C383D}" type="datetimeFigureOut">
               <a:rPr lang="ko-KR" altLang="en-US" smtClean="0"/>
-              <a:t>2020-03-28</a:t>
+              <a:t>2020-02-02</a:t>
             </a:fld>
             <a:endParaRPr lang="ko-KR" altLang="en-US"/>
           </a:p>
@@ -1737,7 +1847,7 @@
           <p:cNvPr id="5" name="바닥글 개체 틀 4">
             <a:extLst>
               <a:ext uri="{FF2B5EF4-FFF2-40B4-BE49-F238E27FC236}">
-                <a16:creationId xmlns:a16="http://schemas.microsoft.com/office/drawing/2014/main" id="{77DC2E84-D711-47E2-9C53-763D835FA0D0}"/>
+                <a16:creationId xmlns:a16="http://schemas.microsoft.com/office/drawing/2014/main" xmlns="" id="{77DC2E84-D711-47E2-9C53-763D835FA0D0}"/>
               </a:ext>
             </a:extLst>
           </p:cNvPr>
@@ -1762,7 +1872,7 @@
           <p:cNvPr id="6" name="슬라이드 번호 개체 틀 5">
             <a:extLst>
               <a:ext uri="{FF2B5EF4-FFF2-40B4-BE49-F238E27FC236}">
-                <a16:creationId xmlns:a16="http://schemas.microsoft.com/office/drawing/2014/main" id="{1B67E5BF-113A-4066-BFEE-E0246A97C0DD}"/>
+                <a16:creationId xmlns:a16="http://schemas.microsoft.com/office/drawing/2014/main" xmlns="" id="{1B67E5BF-113A-4066-BFEE-E0246A97C0DD}"/>
               </a:ext>
             </a:extLst>
           </p:cNvPr>
@@ -1821,7 +1931,7 @@
           <p:cNvPr id="2" name="제목 1">
             <a:extLst>
               <a:ext uri="{FF2B5EF4-FFF2-40B4-BE49-F238E27FC236}">
-                <a16:creationId xmlns:a16="http://schemas.microsoft.com/office/drawing/2014/main" id="{19B13494-718A-41BA-896B-860C4FAB0E83}"/>
+                <a16:creationId xmlns:a16="http://schemas.microsoft.com/office/drawing/2014/main" xmlns="" id="{19B13494-718A-41BA-896B-860C4FAB0E83}"/>
               </a:ext>
             </a:extLst>
           </p:cNvPr>
@@ -1849,7 +1959,7 @@
           <p:cNvPr id="3" name="내용 개체 틀 2">
             <a:extLst>
               <a:ext uri="{FF2B5EF4-FFF2-40B4-BE49-F238E27FC236}">
-                <a16:creationId xmlns:a16="http://schemas.microsoft.com/office/drawing/2014/main" id="{164DA2B2-0C82-4DDA-8962-58B444D5ED78}"/>
+                <a16:creationId xmlns:a16="http://schemas.microsoft.com/office/drawing/2014/main" xmlns="" id="{164DA2B2-0C82-4DDA-8962-58B444D5ED78}"/>
               </a:ext>
             </a:extLst>
           </p:cNvPr>
@@ -1911,7 +2021,7 @@
           <p:cNvPr id="4" name="내용 개체 틀 3">
             <a:extLst>
               <a:ext uri="{FF2B5EF4-FFF2-40B4-BE49-F238E27FC236}">
-                <a16:creationId xmlns:a16="http://schemas.microsoft.com/office/drawing/2014/main" id="{9816D12F-4487-481B-A893-0589CF8D7CAA}"/>
+                <a16:creationId xmlns:a16="http://schemas.microsoft.com/office/drawing/2014/main" xmlns="" id="{9816D12F-4487-481B-A893-0589CF8D7CAA}"/>
               </a:ext>
             </a:extLst>
           </p:cNvPr>
@@ -1973,7 +2083,7 @@
           <p:cNvPr id="5" name="날짜 개체 틀 4">
             <a:extLst>
               <a:ext uri="{FF2B5EF4-FFF2-40B4-BE49-F238E27FC236}">
-                <a16:creationId xmlns:a16="http://schemas.microsoft.com/office/drawing/2014/main" id="{8B196A0C-A7F7-444A-B7D8-86ABE17E064C}"/>
+                <a16:creationId xmlns:a16="http://schemas.microsoft.com/office/drawing/2014/main" xmlns="" id="{8B196A0C-A7F7-444A-B7D8-86ABE17E064C}"/>
               </a:ext>
             </a:extLst>
           </p:cNvPr>
@@ -1991,7 +2101,7 @@
           <a:p>
             <a:fld id="{4DA87FFA-2B3E-4067-BBD9-C9938D8C383D}" type="datetimeFigureOut">
               <a:rPr lang="ko-KR" altLang="en-US" smtClean="0"/>
-              <a:t>2020-03-28</a:t>
+              <a:t>2020-02-02</a:t>
             </a:fld>
             <a:endParaRPr lang="ko-KR" altLang="en-US"/>
           </a:p>
@@ -2002,7 +2112,7 @@
           <p:cNvPr id="6" name="바닥글 개체 틀 5">
             <a:extLst>
               <a:ext uri="{FF2B5EF4-FFF2-40B4-BE49-F238E27FC236}">
-                <a16:creationId xmlns:a16="http://schemas.microsoft.com/office/drawing/2014/main" id="{7BF4E3B1-A69E-498B-B588-79DE70345A27}"/>
+                <a16:creationId xmlns:a16="http://schemas.microsoft.com/office/drawing/2014/main" xmlns="" id="{7BF4E3B1-A69E-498B-B588-79DE70345A27}"/>
               </a:ext>
             </a:extLst>
           </p:cNvPr>
@@ -2027,7 +2137,7 @@
           <p:cNvPr id="7" name="슬라이드 번호 개체 틀 6">
             <a:extLst>
               <a:ext uri="{FF2B5EF4-FFF2-40B4-BE49-F238E27FC236}">
-                <a16:creationId xmlns:a16="http://schemas.microsoft.com/office/drawing/2014/main" id="{153B2D4A-B58E-4F67-90E3-8606FC0BF575}"/>
+                <a16:creationId xmlns:a16="http://schemas.microsoft.com/office/drawing/2014/main" xmlns="" id="{153B2D4A-B58E-4F67-90E3-8606FC0BF575}"/>
               </a:ext>
             </a:extLst>
           </p:cNvPr>
@@ -2086,7 +2196,7 @@
           <p:cNvPr id="2" name="제목 1">
             <a:extLst>
               <a:ext uri="{FF2B5EF4-FFF2-40B4-BE49-F238E27FC236}">
-                <a16:creationId xmlns:a16="http://schemas.microsoft.com/office/drawing/2014/main" id="{93538C37-DD97-470D-974A-8F6E2646847B}"/>
+                <a16:creationId xmlns:a16="http://schemas.microsoft.com/office/drawing/2014/main" xmlns="" id="{93538C37-DD97-470D-974A-8F6E2646847B}"/>
               </a:ext>
             </a:extLst>
           </p:cNvPr>
@@ -2119,7 +2229,7 @@
           <p:cNvPr id="3" name="텍스트 개체 틀 2">
             <a:extLst>
               <a:ext uri="{FF2B5EF4-FFF2-40B4-BE49-F238E27FC236}">
-                <a16:creationId xmlns:a16="http://schemas.microsoft.com/office/drawing/2014/main" id="{4D817F81-074E-4263-9838-0D2507D4848C}"/>
+                <a16:creationId xmlns:a16="http://schemas.microsoft.com/office/drawing/2014/main" xmlns="" id="{4D817F81-074E-4263-9838-0D2507D4848C}"/>
               </a:ext>
             </a:extLst>
           </p:cNvPr>
@@ -2190,7 +2300,7 @@
           <p:cNvPr id="4" name="내용 개체 틀 3">
             <a:extLst>
               <a:ext uri="{FF2B5EF4-FFF2-40B4-BE49-F238E27FC236}">
-                <a16:creationId xmlns:a16="http://schemas.microsoft.com/office/drawing/2014/main" id="{CB7DB7DE-8DFF-4416-91B9-78A7C5DB121E}"/>
+                <a16:creationId xmlns:a16="http://schemas.microsoft.com/office/drawing/2014/main" xmlns="" id="{CB7DB7DE-8DFF-4416-91B9-78A7C5DB121E}"/>
               </a:ext>
             </a:extLst>
           </p:cNvPr>
@@ -2252,7 +2362,7 @@
           <p:cNvPr id="5" name="텍스트 개체 틀 4">
             <a:extLst>
               <a:ext uri="{FF2B5EF4-FFF2-40B4-BE49-F238E27FC236}">
-                <a16:creationId xmlns:a16="http://schemas.microsoft.com/office/drawing/2014/main" id="{B69B2BF4-F87A-42EF-B8D1-DF60A8B875C5}"/>
+                <a16:creationId xmlns:a16="http://schemas.microsoft.com/office/drawing/2014/main" xmlns="" id="{B69B2BF4-F87A-42EF-B8D1-DF60A8B875C5}"/>
               </a:ext>
             </a:extLst>
           </p:cNvPr>
@@ -2323,7 +2433,7 @@
           <p:cNvPr id="6" name="내용 개체 틀 5">
             <a:extLst>
               <a:ext uri="{FF2B5EF4-FFF2-40B4-BE49-F238E27FC236}">
-                <a16:creationId xmlns:a16="http://schemas.microsoft.com/office/drawing/2014/main" id="{4C11257B-855C-4027-B257-B1AA46D15D4B}"/>
+                <a16:creationId xmlns:a16="http://schemas.microsoft.com/office/drawing/2014/main" xmlns="" id="{4C11257B-855C-4027-B257-B1AA46D15D4B}"/>
               </a:ext>
             </a:extLst>
           </p:cNvPr>
@@ -2385,7 +2495,7 @@
           <p:cNvPr id="7" name="날짜 개체 틀 6">
             <a:extLst>
               <a:ext uri="{FF2B5EF4-FFF2-40B4-BE49-F238E27FC236}">
-                <a16:creationId xmlns:a16="http://schemas.microsoft.com/office/drawing/2014/main" id="{728AAFC6-55BE-4626-AF96-C7CCDAC0F2B0}"/>
+                <a16:creationId xmlns:a16="http://schemas.microsoft.com/office/drawing/2014/main" xmlns="" id="{728AAFC6-55BE-4626-AF96-C7CCDAC0F2B0}"/>
               </a:ext>
             </a:extLst>
           </p:cNvPr>
@@ -2403,7 +2513,7 @@
           <a:p>
             <a:fld id="{4DA87FFA-2B3E-4067-BBD9-C9938D8C383D}" type="datetimeFigureOut">
               <a:rPr lang="ko-KR" altLang="en-US" smtClean="0"/>
-              <a:t>2020-03-28</a:t>
+              <a:t>2020-02-02</a:t>
             </a:fld>
             <a:endParaRPr lang="ko-KR" altLang="en-US"/>
           </a:p>
@@ -2414,7 +2524,7 @@
           <p:cNvPr id="8" name="바닥글 개체 틀 7">
             <a:extLst>
               <a:ext uri="{FF2B5EF4-FFF2-40B4-BE49-F238E27FC236}">
-                <a16:creationId xmlns:a16="http://schemas.microsoft.com/office/drawing/2014/main" id="{3EB61947-78EC-4DFE-AE18-BADFE946FCA1}"/>
+                <a16:creationId xmlns:a16="http://schemas.microsoft.com/office/drawing/2014/main" xmlns="" id="{3EB61947-78EC-4DFE-AE18-BADFE946FCA1}"/>
               </a:ext>
             </a:extLst>
           </p:cNvPr>
@@ -2439,7 +2549,7 @@
           <p:cNvPr id="9" name="슬라이드 번호 개체 틀 8">
             <a:extLst>
               <a:ext uri="{FF2B5EF4-FFF2-40B4-BE49-F238E27FC236}">
-                <a16:creationId xmlns:a16="http://schemas.microsoft.com/office/drawing/2014/main" id="{685261F2-9FFB-4E37-862F-6B9846E4C0CE}"/>
+                <a16:creationId xmlns:a16="http://schemas.microsoft.com/office/drawing/2014/main" xmlns="" id="{685261F2-9FFB-4E37-862F-6B9846E4C0CE}"/>
               </a:ext>
             </a:extLst>
           </p:cNvPr>
@@ -2498,7 +2608,7 @@
           <p:cNvPr id="2" name="제목 1">
             <a:extLst>
               <a:ext uri="{FF2B5EF4-FFF2-40B4-BE49-F238E27FC236}">
-                <a16:creationId xmlns:a16="http://schemas.microsoft.com/office/drawing/2014/main" id="{DBF0FBFD-50F2-4BA4-AF91-A95726D349E9}"/>
+                <a16:creationId xmlns:a16="http://schemas.microsoft.com/office/drawing/2014/main" xmlns="" id="{DBF0FBFD-50F2-4BA4-AF91-A95726D349E9}"/>
               </a:ext>
             </a:extLst>
           </p:cNvPr>
@@ -2526,7 +2636,7 @@
           <p:cNvPr id="3" name="날짜 개체 틀 2">
             <a:extLst>
               <a:ext uri="{FF2B5EF4-FFF2-40B4-BE49-F238E27FC236}">
-                <a16:creationId xmlns:a16="http://schemas.microsoft.com/office/drawing/2014/main" id="{E7D649F4-6054-4AAB-996F-0AB3C119A62C}"/>
+                <a16:creationId xmlns:a16="http://schemas.microsoft.com/office/drawing/2014/main" xmlns="" id="{E7D649F4-6054-4AAB-996F-0AB3C119A62C}"/>
               </a:ext>
             </a:extLst>
           </p:cNvPr>
@@ -2544,7 +2654,7 @@
           <a:p>
             <a:fld id="{4DA87FFA-2B3E-4067-BBD9-C9938D8C383D}" type="datetimeFigureOut">
               <a:rPr lang="ko-KR" altLang="en-US" smtClean="0"/>
-              <a:t>2020-03-28</a:t>
+              <a:t>2020-02-02</a:t>
             </a:fld>
             <a:endParaRPr lang="ko-KR" altLang="en-US"/>
           </a:p>
@@ -2555,7 +2665,7 @@
           <p:cNvPr id="4" name="바닥글 개체 틀 3">
             <a:extLst>
               <a:ext uri="{FF2B5EF4-FFF2-40B4-BE49-F238E27FC236}">
-                <a16:creationId xmlns:a16="http://schemas.microsoft.com/office/drawing/2014/main" id="{811F19C3-44C7-45D0-81E8-9171D98B92DE}"/>
+                <a16:creationId xmlns:a16="http://schemas.microsoft.com/office/drawing/2014/main" xmlns="" id="{811F19C3-44C7-45D0-81E8-9171D98B92DE}"/>
               </a:ext>
             </a:extLst>
           </p:cNvPr>
@@ -2580,7 +2690,7 @@
           <p:cNvPr id="5" name="슬라이드 번호 개체 틀 4">
             <a:extLst>
               <a:ext uri="{FF2B5EF4-FFF2-40B4-BE49-F238E27FC236}">
-                <a16:creationId xmlns:a16="http://schemas.microsoft.com/office/drawing/2014/main" id="{A373D321-1F04-4E02-B67E-1D9488A7116C}"/>
+                <a16:creationId xmlns:a16="http://schemas.microsoft.com/office/drawing/2014/main" xmlns="" id="{A373D321-1F04-4E02-B67E-1D9488A7116C}"/>
               </a:ext>
             </a:extLst>
           </p:cNvPr>
@@ -2639,7 +2749,7 @@
           <p:cNvPr id="2" name="날짜 개체 틀 1">
             <a:extLst>
               <a:ext uri="{FF2B5EF4-FFF2-40B4-BE49-F238E27FC236}">
-                <a16:creationId xmlns:a16="http://schemas.microsoft.com/office/drawing/2014/main" id="{32F18568-ADFE-4891-B7FF-CA4C4751DAE6}"/>
+                <a16:creationId xmlns:a16="http://schemas.microsoft.com/office/drawing/2014/main" xmlns="" id="{32F18568-ADFE-4891-B7FF-CA4C4751DAE6}"/>
               </a:ext>
             </a:extLst>
           </p:cNvPr>
@@ -2657,7 +2767,7 @@
           <a:p>
             <a:fld id="{4DA87FFA-2B3E-4067-BBD9-C9938D8C383D}" type="datetimeFigureOut">
               <a:rPr lang="ko-KR" altLang="en-US" smtClean="0"/>
-              <a:t>2020-03-28</a:t>
+              <a:t>2020-02-02</a:t>
             </a:fld>
             <a:endParaRPr lang="ko-KR" altLang="en-US"/>
           </a:p>
@@ -2668,7 +2778,7 @@
           <p:cNvPr id="3" name="바닥글 개체 틀 2">
             <a:extLst>
               <a:ext uri="{FF2B5EF4-FFF2-40B4-BE49-F238E27FC236}">
-                <a16:creationId xmlns:a16="http://schemas.microsoft.com/office/drawing/2014/main" id="{8CD4EBBE-ABDC-4556-A9E0-9FA9D374FF3A}"/>
+                <a16:creationId xmlns:a16="http://schemas.microsoft.com/office/drawing/2014/main" xmlns="" id="{8CD4EBBE-ABDC-4556-A9E0-9FA9D374FF3A}"/>
               </a:ext>
             </a:extLst>
           </p:cNvPr>
@@ -2693,7 +2803,7 @@
           <p:cNvPr id="4" name="슬라이드 번호 개체 틀 3">
             <a:extLst>
               <a:ext uri="{FF2B5EF4-FFF2-40B4-BE49-F238E27FC236}">
-                <a16:creationId xmlns:a16="http://schemas.microsoft.com/office/drawing/2014/main" id="{BC693806-1B50-490D-927B-39FA5BF532A4}"/>
+                <a16:creationId xmlns:a16="http://schemas.microsoft.com/office/drawing/2014/main" xmlns="" id="{BC693806-1B50-490D-927B-39FA5BF532A4}"/>
               </a:ext>
             </a:extLst>
           </p:cNvPr>
@@ -2752,7 +2862,7 @@
           <p:cNvPr id="2" name="제목 1">
             <a:extLst>
               <a:ext uri="{FF2B5EF4-FFF2-40B4-BE49-F238E27FC236}">
-                <a16:creationId xmlns:a16="http://schemas.microsoft.com/office/drawing/2014/main" id="{44AA0496-6910-4F73-AECB-399703A12EC6}"/>
+                <a16:creationId xmlns:a16="http://schemas.microsoft.com/office/drawing/2014/main" xmlns="" id="{44AA0496-6910-4F73-AECB-399703A12EC6}"/>
               </a:ext>
             </a:extLst>
           </p:cNvPr>
@@ -2789,7 +2899,7 @@
           <p:cNvPr id="3" name="내용 개체 틀 2">
             <a:extLst>
               <a:ext uri="{FF2B5EF4-FFF2-40B4-BE49-F238E27FC236}">
-                <a16:creationId xmlns:a16="http://schemas.microsoft.com/office/drawing/2014/main" id="{5F63F752-8AB8-406F-9820-D625F6D77465}"/>
+                <a16:creationId xmlns:a16="http://schemas.microsoft.com/office/drawing/2014/main" xmlns="" id="{5F63F752-8AB8-406F-9820-D625F6D77465}"/>
               </a:ext>
             </a:extLst>
           </p:cNvPr>
@@ -2879,7 +2989,7 @@
           <p:cNvPr id="4" name="텍스트 개체 틀 3">
             <a:extLst>
               <a:ext uri="{FF2B5EF4-FFF2-40B4-BE49-F238E27FC236}">
-                <a16:creationId xmlns:a16="http://schemas.microsoft.com/office/drawing/2014/main" id="{320E7E21-BCC1-4E46-A0E9-7427A7F1015A}"/>
+                <a16:creationId xmlns:a16="http://schemas.microsoft.com/office/drawing/2014/main" xmlns="" id="{320E7E21-BCC1-4E46-A0E9-7427A7F1015A}"/>
               </a:ext>
             </a:extLst>
           </p:cNvPr>
@@ -2950,7 +3060,7 @@
           <p:cNvPr id="5" name="날짜 개체 틀 4">
             <a:extLst>
               <a:ext uri="{FF2B5EF4-FFF2-40B4-BE49-F238E27FC236}">
-                <a16:creationId xmlns:a16="http://schemas.microsoft.com/office/drawing/2014/main" id="{A85CFFBA-C37C-4D62-9CEA-34B8E7B3AA5A}"/>
+                <a16:creationId xmlns:a16="http://schemas.microsoft.com/office/drawing/2014/main" xmlns="" id="{A85CFFBA-C37C-4D62-9CEA-34B8E7B3AA5A}"/>
               </a:ext>
             </a:extLst>
           </p:cNvPr>
@@ -2968,7 +3078,7 @@
           <a:p>
             <a:fld id="{4DA87FFA-2B3E-4067-BBD9-C9938D8C383D}" type="datetimeFigureOut">
               <a:rPr lang="ko-KR" altLang="en-US" smtClean="0"/>
-              <a:t>2020-03-28</a:t>
+              <a:t>2020-02-02</a:t>
             </a:fld>
             <a:endParaRPr lang="ko-KR" altLang="en-US"/>
           </a:p>
@@ -2979,7 +3089,7 @@
           <p:cNvPr id="6" name="바닥글 개체 틀 5">
             <a:extLst>
               <a:ext uri="{FF2B5EF4-FFF2-40B4-BE49-F238E27FC236}">
-                <a16:creationId xmlns:a16="http://schemas.microsoft.com/office/drawing/2014/main" id="{762DB06D-E2F3-4C24-B585-E1582E8DF577}"/>
+                <a16:creationId xmlns:a16="http://schemas.microsoft.com/office/drawing/2014/main" xmlns="" id="{762DB06D-E2F3-4C24-B585-E1582E8DF577}"/>
               </a:ext>
             </a:extLst>
           </p:cNvPr>
@@ -3004,7 +3114,7 @@
           <p:cNvPr id="7" name="슬라이드 번호 개체 틀 6">
             <a:extLst>
               <a:ext uri="{FF2B5EF4-FFF2-40B4-BE49-F238E27FC236}">
-                <a16:creationId xmlns:a16="http://schemas.microsoft.com/office/drawing/2014/main" id="{DF237AD2-DD7B-447F-A38A-D4E5E769E31B}"/>
+                <a16:creationId xmlns:a16="http://schemas.microsoft.com/office/drawing/2014/main" xmlns="" id="{DF237AD2-DD7B-447F-A38A-D4E5E769E31B}"/>
               </a:ext>
             </a:extLst>
           </p:cNvPr>
@@ -3063,7 +3173,7 @@
           <p:cNvPr id="2" name="제목 1">
             <a:extLst>
               <a:ext uri="{FF2B5EF4-FFF2-40B4-BE49-F238E27FC236}">
-                <a16:creationId xmlns:a16="http://schemas.microsoft.com/office/drawing/2014/main" id="{12CF1765-527F-48FA-B956-DE872DCCAEEA}"/>
+                <a16:creationId xmlns:a16="http://schemas.microsoft.com/office/drawing/2014/main" xmlns="" id="{12CF1765-527F-48FA-B956-DE872DCCAEEA}"/>
               </a:ext>
             </a:extLst>
           </p:cNvPr>
@@ -3100,7 +3210,7 @@
           <p:cNvPr id="3" name="그림 개체 틀 2">
             <a:extLst>
               <a:ext uri="{FF2B5EF4-FFF2-40B4-BE49-F238E27FC236}">
-                <a16:creationId xmlns:a16="http://schemas.microsoft.com/office/drawing/2014/main" id="{413FBCB9-B2EA-4F7B-8D8B-2BDE91EEF613}"/>
+                <a16:creationId xmlns:a16="http://schemas.microsoft.com/office/drawing/2014/main" xmlns="" id="{413FBCB9-B2EA-4F7B-8D8B-2BDE91EEF613}"/>
               </a:ext>
             </a:extLst>
           </p:cNvPr>
@@ -3167,7 +3277,7 @@
           <p:cNvPr id="4" name="텍스트 개체 틀 3">
             <a:extLst>
               <a:ext uri="{FF2B5EF4-FFF2-40B4-BE49-F238E27FC236}">
-                <a16:creationId xmlns:a16="http://schemas.microsoft.com/office/drawing/2014/main" id="{14FF4D9B-ADE8-4EAE-94FD-25D67B1B2161}"/>
+                <a16:creationId xmlns:a16="http://schemas.microsoft.com/office/drawing/2014/main" xmlns="" id="{14FF4D9B-ADE8-4EAE-94FD-25D67B1B2161}"/>
               </a:ext>
             </a:extLst>
           </p:cNvPr>
@@ -3238,7 +3348,7 @@
           <p:cNvPr id="5" name="날짜 개체 틀 4">
             <a:extLst>
               <a:ext uri="{FF2B5EF4-FFF2-40B4-BE49-F238E27FC236}">
-                <a16:creationId xmlns:a16="http://schemas.microsoft.com/office/drawing/2014/main" id="{C86B8B27-A14E-4B7E-87B3-DEAEFEEF4B55}"/>
+                <a16:creationId xmlns:a16="http://schemas.microsoft.com/office/drawing/2014/main" xmlns="" id="{C86B8B27-A14E-4B7E-87B3-DEAEFEEF4B55}"/>
               </a:ext>
             </a:extLst>
           </p:cNvPr>
@@ -3256,7 +3366,7 @@
           <a:p>
             <a:fld id="{4DA87FFA-2B3E-4067-BBD9-C9938D8C383D}" type="datetimeFigureOut">
               <a:rPr lang="ko-KR" altLang="en-US" smtClean="0"/>
-              <a:t>2020-03-28</a:t>
+              <a:t>2020-02-02</a:t>
             </a:fld>
             <a:endParaRPr lang="ko-KR" altLang="en-US"/>
           </a:p>
@@ -3267,7 +3377,7 @@
           <p:cNvPr id="6" name="바닥글 개체 틀 5">
             <a:extLst>
               <a:ext uri="{FF2B5EF4-FFF2-40B4-BE49-F238E27FC236}">
-                <a16:creationId xmlns:a16="http://schemas.microsoft.com/office/drawing/2014/main" id="{BB4F226D-AF6E-42B7-9604-1582FF825BB1}"/>
+                <a16:creationId xmlns:a16="http://schemas.microsoft.com/office/drawing/2014/main" xmlns="" id="{BB4F226D-AF6E-42B7-9604-1582FF825BB1}"/>
               </a:ext>
             </a:extLst>
           </p:cNvPr>
@@ -3292,7 +3402,7 @@
           <p:cNvPr id="7" name="슬라이드 번호 개체 틀 6">
             <a:extLst>
               <a:ext uri="{FF2B5EF4-FFF2-40B4-BE49-F238E27FC236}">
-                <a16:creationId xmlns:a16="http://schemas.microsoft.com/office/drawing/2014/main" id="{9B0B8D9E-3116-40FA-B79B-39733DB43611}"/>
+                <a16:creationId xmlns:a16="http://schemas.microsoft.com/office/drawing/2014/main" xmlns="" id="{9B0B8D9E-3116-40FA-B79B-39733DB43611}"/>
               </a:ext>
             </a:extLst>
           </p:cNvPr>
@@ -3356,7 +3466,7 @@
           <p:cNvPr id="2" name="제목 개체 틀 1">
             <a:extLst>
               <a:ext uri="{FF2B5EF4-FFF2-40B4-BE49-F238E27FC236}">
-                <a16:creationId xmlns:a16="http://schemas.microsoft.com/office/drawing/2014/main" id="{C101A63D-0729-4D45-9D5A-22B6DB401160}"/>
+                <a16:creationId xmlns:a16="http://schemas.microsoft.com/office/drawing/2014/main" xmlns="" id="{C101A63D-0729-4D45-9D5A-22B6DB401160}"/>
               </a:ext>
             </a:extLst>
           </p:cNvPr>
@@ -3394,7 +3504,7 @@
           <p:cNvPr id="3" name="텍스트 개체 틀 2">
             <a:extLst>
               <a:ext uri="{FF2B5EF4-FFF2-40B4-BE49-F238E27FC236}">
-                <a16:creationId xmlns:a16="http://schemas.microsoft.com/office/drawing/2014/main" id="{0D186F70-45A7-41AB-B766-CDDD2092E961}"/>
+                <a16:creationId xmlns:a16="http://schemas.microsoft.com/office/drawing/2014/main" xmlns="" id="{0D186F70-45A7-41AB-B766-CDDD2092E961}"/>
               </a:ext>
             </a:extLst>
           </p:cNvPr>
@@ -3461,7 +3571,7 @@
           <p:cNvPr id="4" name="날짜 개체 틀 3">
             <a:extLst>
               <a:ext uri="{FF2B5EF4-FFF2-40B4-BE49-F238E27FC236}">
-                <a16:creationId xmlns:a16="http://schemas.microsoft.com/office/drawing/2014/main" id="{898E8EDB-5D20-44AE-9A1D-57309DFE2D58}"/>
+                <a16:creationId xmlns:a16="http://schemas.microsoft.com/office/drawing/2014/main" xmlns="" id="{898E8EDB-5D20-44AE-9A1D-57309DFE2D58}"/>
               </a:ext>
             </a:extLst>
           </p:cNvPr>
@@ -3497,7 +3607,7 @@
           <a:p>
             <a:fld id="{4DA87FFA-2B3E-4067-BBD9-C9938D8C383D}" type="datetimeFigureOut">
               <a:rPr lang="ko-KR" altLang="en-US" smtClean="0"/>
-              <a:t>2020-03-28</a:t>
+              <a:t>2020-02-02</a:t>
             </a:fld>
             <a:endParaRPr lang="ko-KR" altLang="en-US"/>
           </a:p>
@@ -3508,7 +3618,7 @@
           <p:cNvPr id="5" name="바닥글 개체 틀 4">
             <a:extLst>
               <a:ext uri="{FF2B5EF4-FFF2-40B4-BE49-F238E27FC236}">
-                <a16:creationId xmlns:a16="http://schemas.microsoft.com/office/drawing/2014/main" id="{8466EF01-2EE2-41D4-90FC-B6A3832DE762}"/>
+                <a16:creationId xmlns:a16="http://schemas.microsoft.com/office/drawing/2014/main" xmlns="" id="{8466EF01-2EE2-41D4-90FC-B6A3832DE762}"/>
               </a:ext>
             </a:extLst>
           </p:cNvPr>
@@ -3551,7 +3661,7 @@
           <p:cNvPr id="6" name="슬라이드 번호 개체 틀 5">
             <a:extLst>
               <a:ext uri="{FF2B5EF4-FFF2-40B4-BE49-F238E27FC236}">
-                <a16:creationId xmlns:a16="http://schemas.microsoft.com/office/drawing/2014/main" id="{9847751F-DD54-43DF-8B1A-4DC0BC280A82}"/>
+                <a16:creationId xmlns:a16="http://schemas.microsoft.com/office/drawing/2014/main" xmlns="" id="{9847751F-DD54-43DF-8B1A-4DC0BC280A82}"/>
               </a:ext>
             </a:extLst>
           </p:cNvPr>
@@ -4229,16 +4339,22 @@
           <a:p>
             <a:pPr algn="ctr"/>
             <a:r>
-              <a:rPr lang="ko-KR" altLang="en-US" sz="1300" dirty="0" err="1">
+              <a:rPr lang="ko-KR" altLang="en-US" sz="1300" dirty="0" err="1" smtClean="0">
                 <a:ea typeface="맑은 고딕"/>
               </a:rPr>
-              <a:t>강연장</a:t>
+              <a:t>세미나존</a:t>
+            </a:r>
+            <a:r>
+              <a:rPr lang="ko-KR" altLang="en-US" sz="1300" dirty="0" smtClean="0">
+                <a:ea typeface="맑은 고딕"/>
+              </a:rPr>
+              <a:t> </a:t>
             </a:r>
             <a:r>
               <a:rPr lang="ko-KR" altLang="en-US" sz="1300" dirty="0">
                 <a:ea typeface="맑은 고딕"/>
               </a:rPr>
-              <a:t> 정보 관리</a:t>
+              <a:t>정보 관리</a:t>
             </a:r>
           </a:p>
         </p:txBody>
@@ -4391,7 +4507,7 @@
           <p:cNvPr id="132" name="Google Shape;102;p13">
             <a:extLst>
               <a:ext uri="{FF2B5EF4-FFF2-40B4-BE49-F238E27FC236}">
-                <a16:creationId xmlns:a16="http://schemas.microsoft.com/office/drawing/2014/main" id="{D4EAD755-BB98-41D1-9C16-8CC51AD0D492}"/>
+                <a16:creationId xmlns:a16="http://schemas.microsoft.com/office/drawing/2014/main" xmlns="" id="{D4EAD755-BB98-41D1-9C16-8CC51AD0D492}"/>
               </a:ext>
             </a:extLst>
           </p:cNvPr>
@@ -4427,10 +4543,16 @@
           <a:p>
             <a:pPr algn="ctr"/>
             <a:r>
+              <a:rPr lang="ko-KR" altLang="en-US" sz="1300" dirty="0" smtClean="0">
+                <a:ea typeface="맑은 고딕"/>
+              </a:rPr>
+              <a:t>세미나 </a:t>
+            </a:r>
+            <a:r>
               <a:rPr lang="ko-KR" altLang="en-US" sz="1300" dirty="0">
                 <a:ea typeface="맑은 고딕"/>
               </a:rPr>
-              <a:t>강연 조회</a:t>
+              <a:t>조회</a:t>
             </a:r>
           </a:p>
         </p:txBody>
@@ -4440,7 +4562,7 @@
           <p:cNvPr id="133" name="Google Shape;102;p13">
             <a:extLst>
               <a:ext uri="{FF2B5EF4-FFF2-40B4-BE49-F238E27FC236}">
-                <a16:creationId xmlns:a16="http://schemas.microsoft.com/office/drawing/2014/main" id="{85AB7D6F-8B57-4DEC-9E37-3F7B85052802}"/>
+                <a16:creationId xmlns:a16="http://schemas.microsoft.com/office/drawing/2014/main" xmlns="" id="{85AB7D6F-8B57-4DEC-9E37-3F7B85052802}"/>
               </a:ext>
             </a:extLst>
           </p:cNvPr>
@@ -4496,7 +4618,7 @@
           <p:cNvPr id="28" name="직선 화살표 연결선 27">
             <a:extLst>
               <a:ext uri="{FF2B5EF4-FFF2-40B4-BE49-F238E27FC236}">
-                <a16:creationId xmlns:a16="http://schemas.microsoft.com/office/drawing/2014/main" id="{772C3FB8-3FDC-4065-966D-CC2A9530C386}"/>
+                <a16:creationId xmlns:a16="http://schemas.microsoft.com/office/drawing/2014/main" xmlns="" id="{772C3FB8-3FDC-4065-966D-CC2A9530C386}"/>
               </a:ext>
             </a:extLst>
           </p:cNvPr>
@@ -4538,7 +4660,7 @@
           <p:cNvPr id="40" name="직선 화살표 연결선 39">
             <a:extLst>
               <a:ext uri="{FF2B5EF4-FFF2-40B4-BE49-F238E27FC236}">
-                <a16:creationId xmlns:a16="http://schemas.microsoft.com/office/drawing/2014/main" id="{9BAA9AE0-8263-4AD7-8D96-4564D0DF4032}"/>
+                <a16:creationId xmlns:a16="http://schemas.microsoft.com/office/drawing/2014/main" xmlns="" id="{9BAA9AE0-8263-4AD7-8D96-4564D0DF4032}"/>
               </a:ext>
             </a:extLst>
           </p:cNvPr>
@@ -4580,7 +4702,7 @@
           <p:cNvPr id="140" name="Google Shape;102;p13">
             <a:extLst>
               <a:ext uri="{FF2B5EF4-FFF2-40B4-BE49-F238E27FC236}">
-                <a16:creationId xmlns:a16="http://schemas.microsoft.com/office/drawing/2014/main" id="{66D0C005-DEF3-48FD-A074-0C0ABD142A2A}"/>
+                <a16:creationId xmlns:a16="http://schemas.microsoft.com/office/drawing/2014/main" xmlns="" id="{66D0C005-DEF3-48FD-A074-0C0ABD142A2A}"/>
               </a:ext>
             </a:extLst>
           </p:cNvPr>
@@ -4616,10 +4738,16 @@
           <a:p>
             <a:pPr algn="ctr"/>
             <a:r>
+              <a:rPr lang="ko-KR" altLang="en-US" sz="1300" dirty="0" smtClean="0">
+                <a:ea typeface="맑은 고딕"/>
+              </a:rPr>
+              <a:t>세미나 </a:t>
+            </a:r>
+            <a:r>
               <a:rPr lang="ko-KR" altLang="en-US" sz="1300" dirty="0">
                 <a:ea typeface="맑은 고딕"/>
               </a:rPr>
-              <a:t>강연 참여 신청</a:t>
+              <a:t>참여 신청</a:t>
             </a:r>
           </a:p>
         </p:txBody>
@@ -4629,7 +4757,7 @@
           <p:cNvPr id="156" name="Google Shape;102;p13">
             <a:extLst>
               <a:ext uri="{FF2B5EF4-FFF2-40B4-BE49-F238E27FC236}">
-                <a16:creationId xmlns:a16="http://schemas.microsoft.com/office/drawing/2014/main" id="{C704DD7E-8B1F-4B5A-832E-6B178666BEB8}"/>
+                <a16:creationId xmlns:a16="http://schemas.microsoft.com/office/drawing/2014/main" xmlns="" id="{C704DD7E-8B1F-4B5A-832E-6B178666BEB8}"/>
               </a:ext>
             </a:extLst>
           </p:cNvPr>
@@ -4665,16 +4793,34 @@
           <a:p>
             <a:pPr algn="ctr"/>
             <a:r>
-              <a:rPr lang="ko-KR" altLang="en-US" sz="1300" dirty="0" err="1">
+              <a:rPr lang="ko-KR" altLang="en-US" sz="1300" dirty="0" err="1" smtClean="0">
                 <a:ea typeface="맑은 고딕"/>
               </a:rPr>
-              <a:t>강연장</a:t>
+              <a:t>세미나존</a:t>
+            </a:r>
+            <a:r>
+              <a:rPr lang="ko-KR" altLang="en-US" sz="1300" dirty="0" smtClean="0">
+                <a:ea typeface="맑은 고딕"/>
+              </a:rPr>
+              <a:t> </a:t>
             </a:r>
             <a:r>
               <a:rPr lang="ko-KR" altLang="en-US" sz="1300" dirty="0">
                 <a:ea typeface="맑은 고딕"/>
               </a:rPr>
-              <a:t> 대여 및 강연 개최</a:t>
+              <a:t>대여 및 </a:t>
+            </a:r>
+            <a:r>
+              <a:rPr lang="ko-KR" altLang="en-US" sz="1300" dirty="0" smtClean="0">
+                <a:ea typeface="맑은 고딕"/>
+              </a:rPr>
+              <a:t>세미나 </a:t>
+            </a:r>
+            <a:r>
+              <a:rPr lang="ko-KR" altLang="en-US" sz="1300" dirty="0">
+                <a:ea typeface="맑은 고딕"/>
+              </a:rPr>
+              <a:t>개최</a:t>
             </a:r>
           </a:p>
         </p:txBody>
@@ -4684,7 +4830,7 @@
           <p:cNvPr id="61" name="Google Shape;102;p13">
             <a:extLst>
               <a:ext uri="{FF2B5EF4-FFF2-40B4-BE49-F238E27FC236}">
-                <a16:creationId xmlns:a16="http://schemas.microsoft.com/office/drawing/2014/main" id="{6AB88040-6CCB-4E2E-A198-3B518EE2CAAB}"/>
+                <a16:creationId xmlns:a16="http://schemas.microsoft.com/office/drawing/2014/main" xmlns="" id="{6AB88040-6CCB-4E2E-A198-3B518EE2CAAB}"/>
               </a:ext>
             </a:extLst>
           </p:cNvPr>
@@ -4733,7 +4879,7 @@
           <p:cNvPr id="64" name="직선 화살표 연결선 63">
             <a:extLst>
               <a:ext uri="{FF2B5EF4-FFF2-40B4-BE49-F238E27FC236}">
-                <a16:creationId xmlns:a16="http://schemas.microsoft.com/office/drawing/2014/main" id="{CE2FE515-B154-4255-AE81-D1963396C1ED}"/>
+                <a16:creationId xmlns:a16="http://schemas.microsoft.com/office/drawing/2014/main" xmlns="" id="{CE2FE515-B154-4255-AE81-D1963396C1ED}"/>
               </a:ext>
             </a:extLst>
           </p:cNvPr>
@@ -4776,7 +4922,7 @@
           <p:cNvPr id="67" name="직선 화살표 연결선 66">
             <a:extLst>
               <a:ext uri="{FF2B5EF4-FFF2-40B4-BE49-F238E27FC236}">
-                <a16:creationId xmlns:a16="http://schemas.microsoft.com/office/drawing/2014/main" id="{035063CF-0BE5-4174-A7B5-34F632784F0C}"/>
+                <a16:creationId xmlns:a16="http://schemas.microsoft.com/office/drawing/2014/main" xmlns="" id="{035063CF-0BE5-4174-A7B5-34F632784F0C}"/>
               </a:ext>
             </a:extLst>
           </p:cNvPr>
@@ -4819,7 +4965,7 @@
           <p:cNvPr id="144" name="Google Shape;102;p13">
             <a:extLst>
               <a:ext uri="{FF2B5EF4-FFF2-40B4-BE49-F238E27FC236}">
-                <a16:creationId xmlns:a16="http://schemas.microsoft.com/office/drawing/2014/main" id="{C704DD7E-8B1F-4B5A-832E-6B178666BEB8}"/>
+                <a16:creationId xmlns:a16="http://schemas.microsoft.com/office/drawing/2014/main" xmlns="" id="{C704DD7E-8B1F-4B5A-832E-6B178666BEB8}"/>
               </a:ext>
             </a:extLst>
           </p:cNvPr>
@@ -4875,7 +5021,7 @@
           <p:cNvPr id="146" name="Google Shape;102;p13">
             <a:extLst>
               <a:ext uri="{FF2B5EF4-FFF2-40B4-BE49-F238E27FC236}">
-                <a16:creationId xmlns:a16="http://schemas.microsoft.com/office/drawing/2014/main" id="{C704DD7E-8B1F-4B5A-832E-6B178666BEB8}"/>
+                <a16:creationId xmlns:a16="http://schemas.microsoft.com/office/drawing/2014/main" xmlns="" id="{C704DD7E-8B1F-4B5A-832E-6B178666BEB8}"/>
               </a:ext>
             </a:extLst>
           </p:cNvPr>
@@ -4930,7 +5076,7 @@
           <p:cNvPr id="217" name="Google Shape;102;p13">
             <a:extLst>
               <a:ext uri="{FF2B5EF4-FFF2-40B4-BE49-F238E27FC236}">
-                <a16:creationId xmlns:a16="http://schemas.microsoft.com/office/drawing/2014/main" id="{66D0C005-DEF3-48FD-A074-0C0ABD142A2A}"/>
+                <a16:creationId xmlns:a16="http://schemas.microsoft.com/office/drawing/2014/main" xmlns="" id="{66D0C005-DEF3-48FD-A074-0C0ABD142A2A}"/>
               </a:ext>
             </a:extLst>
           </p:cNvPr>
@@ -4975,28 +5121,40 @@
           <a:p>
             <a:pPr algn="ctr"/>
             <a:r>
-              <a:rPr lang="ko-KR" altLang="en-US" sz="1300" dirty="0" err="1">
+              <a:rPr lang="ko-KR" altLang="en-US" sz="1300" dirty="0" err="1" smtClean="0">
                 <a:ea typeface="맑은 고딕"/>
               </a:rPr>
-              <a:t>강연장</a:t>
+              <a:t>세미나존</a:t>
+            </a:r>
+            <a:r>
+              <a:rPr lang="ko-KR" altLang="en-US" sz="1300" dirty="0" smtClean="0">
+                <a:ea typeface="맑은 고딕"/>
+              </a:rPr>
+              <a:t>, 세미나 </a:t>
             </a:r>
             <a:r>
               <a:rPr lang="ko-KR" altLang="en-US" sz="1300" dirty="0">
                 <a:ea typeface="맑은 고딕"/>
               </a:rPr>
-              <a:t>, 강연 관련 정보확인, Q&amp;A, </a:t>
-            </a:r>
-            <a:r>
-              <a:rPr lang="ko-KR" altLang="en-US" sz="1300" dirty="0" err="1">
+              <a:t>관련 정보확인, Q&amp;A, </a:t>
+            </a:r>
+            <a:r>
+              <a:rPr lang="ko-KR" altLang="en-US" sz="1300" dirty="0" err="1" smtClean="0">
                 <a:ea typeface="맑은 고딕"/>
               </a:rPr>
-              <a:t>강연장</a:t>
+              <a:t>세미나존</a:t>
+            </a:r>
+            <a:r>
+              <a:rPr lang="ko-KR" altLang="en-US" sz="1300" dirty="0" smtClean="0">
+                <a:ea typeface="맑은 고딕"/>
+              </a:rPr>
+              <a:t>, 세미나 </a:t>
             </a:r>
             <a:r>
               <a:rPr lang="ko-KR" altLang="en-US" sz="1300" dirty="0">
                 <a:ea typeface="맑은 고딕"/>
               </a:rPr>
-              <a:t>, 강연 문의 내용 확인)</a:t>
+              <a:t>문의 내용 확인)</a:t>
             </a:r>
           </a:p>
         </p:txBody>
@@ -5006,7 +5164,7 @@
           <p:cNvPr id="230" name="Google Shape;102;p13">
             <a:extLst>
               <a:ext uri="{FF2B5EF4-FFF2-40B4-BE49-F238E27FC236}">
-                <a16:creationId xmlns:a16="http://schemas.microsoft.com/office/drawing/2014/main" id="{C704DD7E-8B1F-4B5A-832E-6B178666BEB8}"/>
+                <a16:creationId xmlns:a16="http://schemas.microsoft.com/office/drawing/2014/main" xmlns="" id="{C704DD7E-8B1F-4B5A-832E-6B178666BEB8}"/>
               </a:ext>
             </a:extLst>
           </p:cNvPr>
@@ -5042,10 +5200,22 @@
           <a:p>
             <a:pPr algn="ctr"/>
             <a:r>
+              <a:rPr lang="ko-KR" altLang="en-US" sz="1300" dirty="0" err="1" smtClean="0">
+                <a:ea typeface="맑은 고딕"/>
+              </a:rPr>
+              <a:t>세미나존</a:t>
+            </a:r>
+            <a:r>
+              <a:rPr lang="en-US" altLang="ko-KR" sz="1300" dirty="0" smtClean="0">
+                <a:ea typeface="맑은 고딕"/>
+              </a:rPr>
+              <a:t> </a:t>
+            </a:r>
+            <a:r>
               <a:rPr lang="en-US" altLang="ko-KR" sz="1300" dirty="0" err="1">
                 <a:ea typeface="맑은 고딕"/>
               </a:rPr>
-              <a:t>강연장</a:t>
+              <a:t>정보</a:t>
             </a:r>
             <a:r>
               <a:rPr lang="en-US" altLang="ko-KR" sz="1300" dirty="0">
@@ -5057,20 +5227,11 @@
               <a:rPr lang="en-US" altLang="ko-KR" sz="1300" dirty="0" err="1">
                 <a:ea typeface="맑은 고딕"/>
               </a:rPr>
-              <a:t>정보</a:t>
-            </a:r>
-            <a:r>
-              <a:rPr lang="en-US" altLang="ko-KR" sz="1300" dirty="0">
-                <a:ea typeface="맑은 고딕"/>
-              </a:rPr>
-              <a:t> </a:t>
-            </a:r>
-            <a:r>
-              <a:rPr lang="en-US" altLang="ko-KR" sz="1300" dirty="0" err="1">
-                <a:ea typeface="맑은 고딕"/>
-              </a:rPr>
               <a:t>확인</a:t>
             </a:r>
+            <a:endParaRPr lang="en-US" altLang="ko-KR" sz="1300" dirty="0">
+              <a:ea typeface="맑은 고딕"/>
+            </a:endParaRPr>
           </a:p>
         </p:txBody>
       </p:sp>
@@ -5079,7 +5240,7 @@
           <p:cNvPr id="246" name="Google Shape;102;p13">
             <a:extLst>
               <a:ext uri="{FF2B5EF4-FFF2-40B4-BE49-F238E27FC236}">
-                <a16:creationId xmlns:a16="http://schemas.microsoft.com/office/drawing/2014/main" id="{C704DD7E-8B1F-4B5A-832E-6B178666BEB8}"/>
+                <a16:creationId xmlns:a16="http://schemas.microsoft.com/office/drawing/2014/main" xmlns="" id="{C704DD7E-8B1F-4B5A-832E-6B178666BEB8}"/>
               </a:ext>
             </a:extLst>
           </p:cNvPr>
@@ -5137,7 +5298,7 @@
           <p:cNvPr id="256" name="Google Shape;102;p13">
             <a:extLst>
               <a:ext uri="{FF2B5EF4-FFF2-40B4-BE49-F238E27FC236}">
-                <a16:creationId xmlns:a16="http://schemas.microsoft.com/office/drawing/2014/main" id="{66D0C005-DEF3-48FD-A074-0C0ABD142A2A}"/>
+                <a16:creationId xmlns:a16="http://schemas.microsoft.com/office/drawing/2014/main" xmlns="" id="{66D0C005-DEF3-48FD-A074-0C0ABD142A2A}"/>
               </a:ext>
             </a:extLst>
           </p:cNvPr>
@@ -5176,7 +5337,19 @@
               <a:rPr lang="ko-KR" altLang="en-US" sz="1300" dirty="0">
                 <a:ea typeface="맑은 고딕"/>
               </a:rPr>
-              <a:t>불량 강연 신고</a:t>
+              <a:t>불량 </a:t>
+            </a:r>
+            <a:r>
+              <a:rPr lang="ko-KR" altLang="en-US" sz="1300" dirty="0" smtClean="0">
+                <a:ea typeface="맑은 고딕"/>
+              </a:rPr>
+              <a:t>세미나 </a:t>
+            </a:r>
+            <a:r>
+              <a:rPr lang="ko-KR" altLang="en-US" sz="1300" dirty="0">
+                <a:ea typeface="맑은 고딕"/>
+              </a:rPr>
+              <a:t>신고</a:t>
             </a:r>
           </a:p>
         </p:txBody>
@@ -5216,10 +5389,16 @@
           <a:p>
             <a:pPr algn="ctr"/>
             <a:r>
+              <a:rPr lang="ko-KR" altLang="en-US" sz="1300" dirty="0" smtClean="0">
+                <a:ea typeface="맑은 고딕"/>
+              </a:rPr>
+              <a:t>세미나 </a:t>
+            </a:r>
+            <a:r>
               <a:rPr lang="ko-KR" altLang="en-US" sz="1300" dirty="0">
                 <a:ea typeface="맑은 고딕"/>
               </a:rPr>
-              <a:t>강연 조회 및 관리</a:t>
+              <a:t>조회 및 관리</a:t>
             </a:r>
             <a:endParaRPr sz="1333" dirty="0"/>
           </a:p>
@@ -5301,7 +5480,7 @@
           <p:cNvPr id="111" name="직선 화살표 연결선 110">
             <a:extLst>
               <a:ext uri="{FF2B5EF4-FFF2-40B4-BE49-F238E27FC236}">
-                <a16:creationId xmlns:a16="http://schemas.microsoft.com/office/drawing/2014/main" id="{89986B8B-B851-49EA-BE61-F97E9FD46851}"/>
+                <a16:creationId xmlns:a16="http://schemas.microsoft.com/office/drawing/2014/main" xmlns="" id="{89986B8B-B851-49EA-BE61-F97E9FD46851}"/>
               </a:ext>
             </a:extLst>
           </p:cNvPr>
@@ -5342,7 +5521,7 @@
           <p:cNvPr id="35" name="직선 화살표 연결선 34">
             <a:extLst>
               <a:ext uri="{FF2B5EF4-FFF2-40B4-BE49-F238E27FC236}">
-                <a16:creationId xmlns:a16="http://schemas.microsoft.com/office/drawing/2014/main" id="{2C1E6536-E3FA-4DFA-ADCF-282FCB7C91C5}"/>
+                <a16:creationId xmlns:a16="http://schemas.microsoft.com/office/drawing/2014/main" xmlns="" id="{2C1E6536-E3FA-4DFA-ADCF-282FCB7C91C5}"/>
               </a:ext>
             </a:extLst>
           </p:cNvPr>
@@ -5383,7 +5562,7 @@
           <p:cNvPr id="36" name="직선 화살표 연결선 35">
             <a:extLst>
               <a:ext uri="{FF2B5EF4-FFF2-40B4-BE49-F238E27FC236}">
-                <a16:creationId xmlns:a16="http://schemas.microsoft.com/office/drawing/2014/main" id="{E36DDE23-CA43-4411-8B45-517020BDEFAA}"/>
+                <a16:creationId xmlns:a16="http://schemas.microsoft.com/office/drawing/2014/main" xmlns="" id="{E36DDE23-CA43-4411-8B45-517020BDEFAA}"/>
               </a:ext>
             </a:extLst>
           </p:cNvPr>
@@ -5424,7 +5603,7 @@
           <p:cNvPr id="37" name="직선 화살표 연결선 36">
             <a:extLst>
               <a:ext uri="{FF2B5EF4-FFF2-40B4-BE49-F238E27FC236}">
-                <a16:creationId xmlns:a16="http://schemas.microsoft.com/office/drawing/2014/main" id="{002F05ED-77C9-4A87-85FD-D433D7D2C1B7}"/>
+                <a16:creationId xmlns:a16="http://schemas.microsoft.com/office/drawing/2014/main" xmlns="" id="{002F05ED-77C9-4A87-85FD-D433D7D2C1B7}"/>
               </a:ext>
             </a:extLst>
           </p:cNvPr>
@@ -5465,7 +5644,7 @@
           <p:cNvPr id="38" name="직선 화살표 연결선 37">
             <a:extLst>
               <a:ext uri="{FF2B5EF4-FFF2-40B4-BE49-F238E27FC236}">
-                <a16:creationId xmlns:a16="http://schemas.microsoft.com/office/drawing/2014/main" id="{4BF19A09-4A9B-4710-A98E-995E5605ACFE}"/>
+                <a16:creationId xmlns:a16="http://schemas.microsoft.com/office/drawing/2014/main" xmlns="" id="{4BF19A09-4A9B-4710-A98E-995E5605ACFE}"/>
               </a:ext>
             </a:extLst>
           </p:cNvPr>
@@ -5506,7 +5685,7 @@
           <p:cNvPr id="39" name="직선 화살표 연결선 38">
             <a:extLst>
               <a:ext uri="{FF2B5EF4-FFF2-40B4-BE49-F238E27FC236}">
-                <a16:creationId xmlns:a16="http://schemas.microsoft.com/office/drawing/2014/main" id="{8BA3BF8C-D657-48AC-B7FB-D8A204CC5CA4}"/>
+                <a16:creationId xmlns:a16="http://schemas.microsoft.com/office/drawing/2014/main" xmlns="" id="{8BA3BF8C-D657-48AC-B7FB-D8A204CC5CA4}"/>
               </a:ext>
             </a:extLst>
           </p:cNvPr>
@@ -5547,7 +5726,7 @@
           <p:cNvPr id="41" name="직선 화살표 연결선 40">
             <a:extLst>
               <a:ext uri="{FF2B5EF4-FFF2-40B4-BE49-F238E27FC236}">
-                <a16:creationId xmlns:a16="http://schemas.microsoft.com/office/drawing/2014/main" id="{1AE1DDCE-CE87-44A6-AEF2-AD65F004710B}"/>
+                <a16:creationId xmlns:a16="http://schemas.microsoft.com/office/drawing/2014/main" xmlns="" id="{1AE1DDCE-CE87-44A6-AEF2-AD65F004710B}"/>
               </a:ext>
             </a:extLst>
           </p:cNvPr>
@@ -5588,7 +5767,7 @@
           <p:cNvPr id="42" name="직선 화살표 연결선 41">
             <a:extLst>
               <a:ext uri="{FF2B5EF4-FFF2-40B4-BE49-F238E27FC236}">
-                <a16:creationId xmlns:a16="http://schemas.microsoft.com/office/drawing/2014/main" id="{46636C51-3BE8-4FE2-8756-683C5CE6E327}"/>
+                <a16:creationId xmlns:a16="http://schemas.microsoft.com/office/drawing/2014/main" xmlns="" id="{46636C51-3BE8-4FE2-8756-683C5CE6E327}"/>
               </a:ext>
             </a:extLst>
           </p:cNvPr>
@@ -5629,7 +5808,7 @@
           <p:cNvPr id="43" name="직선 화살표 연결선 42">
             <a:extLst>
               <a:ext uri="{FF2B5EF4-FFF2-40B4-BE49-F238E27FC236}">
-                <a16:creationId xmlns:a16="http://schemas.microsoft.com/office/drawing/2014/main" id="{26BEC31F-B7F2-4911-85DF-360C39C744D7}"/>
+                <a16:creationId xmlns:a16="http://schemas.microsoft.com/office/drawing/2014/main" xmlns="" id="{26BEC31F-B7F2-4911-85DF-360C39C744D7}"/>
               </a:ext>
             </a:extLst>
           </p:cNvPr>
@@ -5670,7 +5849,7 @@
           <p:cNvPr id="44" name="직선 화살표 연결선 43">
             <a:extLst>
               <a:ext uri="{FF2B5EF4-FFF2-40B4-BE49-F238E27FC236}">
-                <a16:creationId xmlns:a16="http://schemas.microsoft.com/office/drawing/2014/main" id="{34904F99-E564-4DFB-B3A1-76E0F1A61AFA}"/>
+                <a16:creationId xmlns:a16="http://schemas.microsoft.com/office/drawing/2014/main" xmlns="" id="{34904F99-E564-4DFB-B3A1-76E0F1A61AFA}"/>
               </a:ext>
             </a:extLst>
           </p:cNvPr>
@@ -5711,7 +5890,7 @@
           <p:cNvPr id="45" name="직선 화살표 연결선 44">
             <a:extLst>
               <a:ext uri="{FF2B5EF4-FFF2-40B4-BE49-F238E27FC236}">
-                <a16:creationId xmlns:a16="http://schemas.microsoft.com/office/drawing/2014/main" id="{0C36EF3A-CACF-4F19-B112-C35F2FE9E65B}"/>
+                <a16:creationId xmlns:a16="http://schemas.microsoft.com/office/drawing/2014/main" xmlns="" id="{0C36EF3A-CACF-4F19-B112-C35F2FE9E65B}"/>
               </a:ext>
             </a:extLst>
           </p:cNvPr>
@@ -5752,7 +5931,7 @@
           <p:cNvPr id="46" name="직선 화살표 연결선 45">
             <a:extLst>
               <a:ext uri="{FF2B5EF4-FFF2-40B4-BE49-F238E27FC236}">
-                <a16:creationId xmlns:a16="http://schemas.microsoft.com/office/drawing/2014/main" id="{40BF2654-4001-47E5-BFD4-0BDDD0AC34BF}"/>
+                <a16:creationId xmlns:a16="http://schemas.microsoft.com/office/drawing/2014/main" xmlns="" id="{40BF2654-4001-47E5-BFD4-0BDDD0AC34BF}"/>
               </a:ext>
             </a:extLst>
           </p:cNvPr>
@@ -5834,7 +6013,7 @@
         </p:blipFill>
         <p:spPr>
           <a:xfrm>
-            <a:off x="249867" y="2523325"/>
+            <a:off x="39777" y="2485219"/>
             <a:ext cx="708000" cy="1416000"/>
           </a:xfrm>
           <a:prstGeom prst="rect">
@@ -5854,7 +6033,7 @@
         </p:nvSpPr>
         <p:spPr>
           <a:xfrm>
-            <a:off x="190214" y="4006937"/>
+            <a:off x="3940" y="3854531"/>
             <a:ext cx="827305" cy="404200"/>
           </a:xfrm>
           <a:prstGeom prst="rect">
@@ -5872,7 +6051,7 @@
           <a:lstStyle/>
           <a:p>
             <a:r>
-              <a:rPr lang="ko-KR" altLang="en-US" sz="1333" b="1"/>
+              <a:rPr lang="ko-KR" altLang="en-US" sz="1333" b="1" dirty="0"/>
               <a:t>사용자</a:t>
             </a:r>
             <a:endParaRPr sz="1333" b="1" dirty="0"/>
@@ -5895,7 +6074,7 @@
         </p:blipFill>
         <p:spPr>
           <a:xfrm>
-            <a:off x="11248567" y="1730667"/>
+            <a:off x="11282434" y="2425802"/>
             <a:ext cx="708000" cy="1416000"/>
           </a:xfrm>
           <a:prstGeom prst="rect">
@@ -5915,7 +6094,7 @@
         </p:nvSpPr>
         <p:spPr>
           <a:xfrm>
-            <a:off x="10934559" y="3076157"/>
+            <a:off x="10968434" y="3901219"/>
             <a:ext cx="1336000" cy="326400"/>
           </a:xfrm>
           <a:prstGeom prst="rect">
@@ -5934,10 +6113,10 @@
           <a:p>
             <a:pPr algn="ctr"/>
             <a:r>
-              <a:rPr lang="ko" altLang="en-US" sz="1333" b="1"/>
+              <a:rPr lang="ko" altLang="en-US" sz="1333" b="1" dirty="0"/>
               <a:t>관리자</a:t>
             </a:r>
-            <a:endParaRPr sz="1333" b="1"/>
+            <a:endParaRPr sz="1333" b="1" dirty="0"/>
           </a:p>
         </p:txBody>
       </p:sp>
@@ -5946,14 +6125,14 @@
           <p:cNvPr id="101" name="Google Shape;101;p13"/>
           <p:cNvCxnSpPr>
             <a:stCxn id="60" idx="1"/>
-            <a:endCxn id="102" idx="3"/>
+            <a:endCxn id="157" idx="3"/>
           </p:cNvCxnSpPr>
           <p:nvPr/>
         </p:nvCxnSpPr>
         <p:spPr>
-          <a:xfrm flipH="1" flipV="1">
-            <a:off x="9793861" y="1327661"/>
-            <a:ext cx="1454706" cy="1111006"/>
+          <a:xfrm flipH="1">
+            <a:off x="9920084" y="3133802"/>
+            <a:ext cx="1362350" cy="3288540"/>
           </a:xfrm>
           <a:prstGeom prst="straightConnector1">
             <a:avLst/>
@@ -5981,8 +6160,8 @@
         </p:nvCxnSpPr>
         <p:spPr>
           <a:xfrm flipH="1" flipV="1">
-            <a:off x="9793861" y="375674"/>
-            <a:ext cx="1454706" cy="2062993"/>
+            <a:off x="9920084" y="1469452"/>
+            <a:ext cx="1362350" cy="1664350"/>
           </a:xfrm>
           <a:prstGeom prst="straightConnector1">
             <a:avLst/>
@@ -6010,8 +6189,8 @@
         </p:nvCxnSpPr>
         <p:spPr>
           <a:xfrm flipH="1" flipV="1">
-            <a:off x="9793861" y="2279648"/>
-            <a:ext cx="1454706" cy="159019"/>
+            <a:off x="9920084" y="2378740"/>
+            <a:ext cx="1362350" cy="755062"/>
           </a:xfrm>
           <a:prstGeom prst="straightConnector1">
             <a:avLst/>
@@ -6030,13 +6209,13 @@
       </p:cxnSp>
       <p:sp>
         <p:nvSpPr>
-          <p:cNvPr id="102" name="Google Shape;102;p13"/>
+          <p:cNvPr id="105" name="Google Shape;105;p13"/>
           <p:cNvSpPr/>
           <p:nvPr/>
         </p:nvSpPr>
         <p:spPr>
           <a:xfrm>
-            <a:off x="7924261" y="1071661"/>
+            <a:off x="8050484" y="2122740"/>
             <a:ext cx="1869600" cy="512000"/>
           </a:xfrm>
           <a:prstGeom prst="rect">
@@ -6063,26 +6242,32 @@
           <a:p>
             <a:pPr algn="ctr"/>
             <a:r>
-              <a:rPr lang="ko-KR" altLang="en-US" sz="1333" dirty="0" err="1"/>
-              <a:t>캐러셀</a:t>
-            </a:r>
-            <a:r>
-              <a:rPr lang="ko-KR" altLang="en-US" sz="1333" dirty="0"/>
-              <a:t> 배너 관리</a:t>
-            </a:r>
-            <a:endParaRPr sz="1333" dirty="0"/>
-          </a:p>
-        </p:txBody>
-      </p:sp>
-      <p:sp>
-        <p:nvSpPr>
-          <p:cNvPr id="105" name="Google Shape;105;p13"/>
+              <a:rPr lang="ko-KR" altLang="en-US" sz="1300" dirty="0" err="1" smtClean="0">
+                <a:ea typeface="맑은 고딕"/>
+              </a:rPr>
+              <a:t>세미나존</a:t>
+            </a:r>
+            <a:r>
+              <a:rPr lang="ko-KR" altLang="en-US" sz="1300" dirty="0" smtClean="0">
+                <a:ea typeface="맑은 고딕"/>
+              </a:rPr>
+              <a:t> 관리</a:t>
+            </a:r>
+            <a:endParaRPr lang="ko-KR" altLang="en-US" sz="1300" dirty="0">
+              <a:ea typeface="맑은 고딕"/>
+            </a:endParaRPr>
+          </a:p>
+        </p:txBody>
+      </p:sp>
+      <p:sp>
+        <p:nvSpPr>
+          <p:cNvPr id="114" name="Google Shape;114;p13"/>
           <p:cNvSpPr/>
           <p:nvPr/>
         </p:nvSpPr>
         <p:spPr>
           <a:xfrm>
-            <a:off x="7924261" y="2023648"/>
+            <a:off x="8050484" y="5329734"/>
             <a:ext cx="1869600" cy="512000"/>
           </a:xfrm>
           <a:prstGeom prst="rect">
@@ -6109,30 +6294,50 @@
           <a:p>
             <a:pPr algn="ctr"/>
             <a:r>
-              <a:rPr lang="ko-KR" altLang="en-US" sz="1333" dirty="0"/>
-              <a:t>메인 화면</a:t>
-            </a:r>
-            <a:endParaRPr lang="en-US" altLang="ko-KR" sz="1333" dirty="0"/>
+              <a:rPr lang="ko-KR" altLang="en-US" sz="1300" dirty="0" smtClean="0">
+                <a:ea typeface="맑은 고딕"/>
+              </a:rPr>
+              <a:t>게시판 관리</a:t>
+            </a:r>
+            <a:endParaRPr lang="en-US" altLang="ko-KR" sz="1300" dirty="0" smtClean="0">
+              <a:ea typeface="맑은 고딕"/>
+            </a:endParaRPr>
           </a:p>
           <a:p>
             <a:pPr algn="ctr"/>
             <a:r>
-              <a:rPr lang="ko-KR" altLang="en-US" sz="1333" dirty="0"/>
-              <a:t>추천상품 관리</a:t>
-            </a:r>
-            <a:endParaRPr sz="1333" dirty="0"/>
-          </a:p>
-        </p:txBody>
-      </p:sp>
-      <p:sp>
-        <p:nvSpPr>
-          <p:cNvPr id="113" name="Google Shape;113;p13"/>
+              <a:rPr lang="en-US" altLang="ko-KR" sz="1300" dirty="0" smtClean="0">
+                <a:ea typeface="맑은 고딕"/>
+              </a:rPr>
+              <a:t>(Q&amp;A</a:t>
+            </a:r>
+            <a:r>
+              <a:rPr lang="ko-KR" altLang="en-US" sz="1300" dirty="0" smtClean="0">
+                <a:ea typeface="맑은 고딕"/>
+              </a:rPr>
+              <a:t>답변</a:t>
+            </a:r>
+            <a:r>
+              <a:rPr lang="en-US" altLang="ko-KR" sz="1300" dirty="0" smtClean="0">
+                <a:ea typeface="맑은 고딕"/>
+              </a:rPr>
+              <a:t>)</a:t>
+            </a:r>
+            <a:endParaRPr lang="ko-KR" altLang="en-US" sz="1300" dirty="0">
+              <a:ea typeface="맑은 고딕"/>
+            </a:endParaRPr>
+          </a:p>
+        </p:txBody>
+      </p:sp>
+      <p:sp>
+        <p:nvSpPr>
+          <p:cNvPr id="96" name="Google Shape;96;p13"/>
           <p:cNvSpPr/>
           <p:nvPr/>
         </p:nvSpPr>
         <p:spPr>
           <a:xfrm>
-            <a:off x="7924261" y="5831594"/>
+            <a:off x="8050484" y="1213452"/>
             <a:ext cx="1869600" cy="512000"/>
           </a:xfrm>
           <a:prstGeom prst="rect">
@@ -6159,31 +6364,88 @@
           <a:p>
             <a:pPr algn="ctr"/>
             <a:r>
-              <a:rPr lang="ko-KR" altLang="en-US" sz="1333" dirty="0"/>
-              <a:t>공지사항 </a:t>
-            </a:r>
-            <a:r>
-              <a:rPr lang="en-US" sz="1333" dirty="0"/>
-              <a:t>FAQ </a:t>
-            </a:r>
-            <a:r>
-              <a:rPr lang="ko-KR" altLang="en-US" sz="1333" dirty="0"/>
-              <a:t>이용정보 관리</a:t>
-            </a:r>
-            <a:endParaRPr sz="1333" b="1" dirty="0"/>
-          </a:p>
-        </p:txBody>
-      </p:sp>
-      <p:sp>
-        <p:nvSpPr>
-          <p:cNvPr id="114" name="Google Shape;114;p13"/>
+              <a:rPr lang="ko" altLang="en-US" sz="1333"/>
+              <a:t>회원 관리</a:t>
+            </a:r>
+            <a:endParaRPr sz="1333"/>
+          </a:p>
+        </p:txBody>
+      </p:sp>
+      <p:cxnSp>
+        <p:nvCxnSpPr>
+          <p:cNvPr id="116" name="Google Shape;116;p13"/>
+          <p:cNvCxnSpPr>
+            <a:cxnSpLocks/>
+            <a:stCxn id="60" idx="1"/>
+            <a:endCxn id="167" idx="3"/>
+          </p:cNvCxnSpPr>
+          <p:nvPr/>
+        </p:nvCxnSpPr>
+        <p:spPr>
+          <a:xfrm flipH="1" flipV="1">
+            <a:off x="9920084" y="494342"/>
+            <a:ext cx="1362350" cy="2639460"/>
+          </a:xfrm>
+          <a:prstGeom prst="straightConnector1">
+            <a:avLst/>
+          </a:prstGeom>
+          <a:noFill/>
+          <a:ln w="9525" cap="flat" cmpd="sng">
+            <a:solidFill>
+              <a:schemeClr val="dk2"/>
+            </a:solidFill>
+            <a:prstDash val="solid"/>
+            <a:round/>
+            <a:headEnd type="none" w="med" len="med"/>
+            <a:tailEnd type="triangle" w="med" len="med"/>
+          </a:ln>
+        </p:spPr>
+      </p:cxnSp>
+      <p:cxnSp>
+        <p:nvCxnSpPr>
+          <p:cNvPr id="117" name="Google Shape;117;p13"/>
+          <p:cNvCxnSpPr>
+            <a:stCxn id="60" idx="1"/>
+            <a:endCxn id="114" idx="3"/>
+          </p:cNvCxnSpPr>
+          <p:nvPr/>
+        </p:nvCxnSpPr>
+        <p:spPr>
+          <a:xfrm flipH="1">
+            <a:off x="9920084" y="3133802"/>
+            <a:ext cx="1362350" cy="2451932"/>
+          </a:xfrm>
+          <a:prstGeom prst="straightConnector1">
+            <a:avLst/>
+          </a:prstGeom>
+          <a:noFill/>
+          <a:ln w="9525" cap="flat" cmpd="sng">
+            <a:solidFill>
+              <a:schemeClr val="dk2"/>
+            </a:solidFill>
+            <a:prstDash val="solid"/>
+            <a:round/>
+            <a:headEnd type="none" w="med" len="med"/>
+            <a:tailEnd type="triangle" w="med" len="med"/>
+          </a:ln>
+        </p:spPr>
+      </p:cxnSp>
+      <p:sp>
+        <p:nvSpPr>
+          <p:cNvPr id="132" name="Google Shape;102;p13">
+            <a:extLst>
+              <a:ext uri="{FF2B5EF4-FFF2-40B4-BE49-F238E27FC236}">
+                <a16:creationId xmlns:a16="http://schemas.microsoft.com/office/drawing/2014/main" xmlns="" id="{D4EAD755-BB98-41D1-9C16-8CC51AD0D492}"/>
+              </a:ext>
+            </a:extLst>
+          </p:cNvPr>
           <p:cNvSpPr/>
           <p:nvPr/>
         </p:nvSpPr>
         <p:spPr>
           <a:xfrm>
-            <a:off x="7924261" y="3927622"/>
-            <a:ext cx="1869600" cy="512000"/>
+            <a:off x="1378047" y="2949042"/>
+            <a:ext cx="2219626" cy="412143"/>
           </a:xfrm>
           <a:prstGeom prst="rect">
             <a:avLst/>
@@ -6209,23 +6471,36 @@
           <a:p>
             <a:pPr algn="ctr"/>
             <a:r>
-              <a:rPr lang="ko-KR" altLang="en-US" sz="1333" dirty="0"/>
-              <a:t>상품 관리</a:t>
-            </a:r>
-            <a:endParaRPr sz="1333" dirty="0"/>
-          </a:p>
-        </p:txBody>
-      </p:sp>
-      <p:sp>
-        <p:nvSpPr>
-          <p:cNvPr id="96" name="Google Shape;96;p13"/>
+              <a:rPr lang="ko-KR" altLang="en-US" sz="1300" dirty="0" smtClean="0">
+                <a:ea typeface="맑은 고딕"/>
+              </a:rPr>
+              <a:t>세미나 </a:t>
+            </a:r>
+            <a:r>
+              <a:rPr lang="ko-KR" altLang="en-US" sz="1300" dirty="0">
+                <a:ea typeface="맑은 고딕"/>
+              </a:rPr>
+              <a:t>조회</a:t>
+            </a:r>
+          </a:p>
+        </p:txBody>
+      </p:sp>
+      <p:sp>
+        <p:nvSpPr>
+          <p:cNvPr id="133" name="Google Shape;102;p13">
+            <a:extLst>
+              <a:ext uri="{FF2B5EF4-FFF2-40B4-BE49-F238E27FC236}">
+                <a16:creationId xmlns:a16="http://schemas.microsoft.com/office/drawing/2014/main" xmlns="" id="{85AB7D6F-8B57-4DEC-9E37-3F7B85052802}"/>
+              </a:ext>
+            </a:extLst>
+          </p:cNvPr>
           <p:cNvSpPr/>
           <p:nvPr/>
         </p:nvSpPr>
         <p:spPr>
           <a:xfrm>
-            <a:off x="7924261" y="119674"/>
-            <a:ext cx="1869600" cy="512000"/>
+            <a:off x="1378047" y="5466181"/>
+            <a:ext cx="2219626" cy="412143"/>
           </a:xfrm>
           <a:prstGeom prst="rect">
             <a:avLst/>
@@ -6251,77 +6526,111 @@
           <a:p>
             <a:pPr algn="ctr"/>
             <a:r>
-              <a:rPr lang="ko" altLang="en-US" sz="1333"/>
-              <a:t>회원 관리</a:t>
-            </a:r>
-            <a:endParaRPr sz="1333"/>
+              <a:rPr lang="en-US" sz="1300" dirty="0" smtClean="0"/>
+              <a:t>e-Zone Q&amp;A </a:t>
+            </a:r>
+            <a:r>
+              <a:rPr lang="ko-KR" altLang="en-US" sz="1300" dirty="0">
+                <a:ea typeface="맑은 고딕"/>
+              </a:rPr>
+              <a:t>등록</a:t>
+            </a:r>
+            <a:endParaRPr sz="1300" dirty="0">
+              <a:ea typeface="맑은 고딕"/>
+            </a:endParaRPr>
           </a:p>
         </p:txBody>
       </p:sp>
       <p:cxnSp>
         <p:nvCxnSpPr>
-          <p:cNvPr id="116" name="Google Shape;116;p13"/>
+          <p:cNvPr id="28" name="직선 화살표 연결선 27">
+            <a:extLst>
+              <a:ext uri="{FF2B5EF4-FFF2-40B4-BE49-F238E27FC236}">
+                <a16:creationId xmlns:a16="http://schemas.microsoft.com/office/drawing/2014/main" xmlns="" id="{772C3FB8-3FDC-4065-966D-CC2A9530C386}"/>
+              </a:ext>
+            </a:extLst>
+          </p:cNvPr>
           <p:cNvCxnSpPr>
-            <a:stCxn id="60" idx="1"/>
-            <a:endCxn id="113" idx="3"/>
+            <a:stCxn id="54" idx="3"/>
+            <a:endCxn id="132" idx="1"/>
           </p:cNvCxnSpPr>
           <p:nvPr/>
         </p:nvCxnSpPr>
         <p:spPr>
-          <a:xfrm flipH="1">
-            <a:off x="9793861" y="2438667"/>
-            <a:ext cx="1454706" cy="3648927"/>
+          <a:xfrm flipV="1">
+            <a:off x="747777" y="3155114"/>
+            <a:ext cx="630270" cy="38105"/>
           </a:xfrm>
           <a:prstGeom prst="straightConnector1">
             <a:avLst/>
           </a:prstGeom>
-          <a:noFill/>
-          <a:ln w="9525" cap="flat" cmpd="sng">
-            <a:solidFill>
-              <a:schemeClr val="dk2"/>
-            </a:solidFill>
-            <a:prstDash val="solid"/>
-            <a:round/>
-            <a:headEnd type="none" w="med" len="med"/>
-            <a:tailEnd type="triangle" w="med" len="med"/>
-          </a:ln>
-        </p:spPr>
+          <a:ln>
+            <a:tailEnd type="triangle"/>
+          </a:ln>
+        </p:spPr>
+        <p:style>
+          <a:lnRef idx="1">
+            <a:schemeClr val="dk1"/>
+          </a:lnRef>
+          <a:fillRef idx="0">
+            <a:schemeClr val="dk1"/>
+          </a:fillRef>
+          <a:effectRef idx="0">
+            <a:schemeClr val="dk1"/>
+          </a:effectRef>
+          <a:fontRef idx="minor">
+            <a:schemeClr val="tx1"/>
+          </a:fontRef>
+        </p:style>
       </p:cxnSp>
       <p:cxnSp>
         <p:nvCxnSpPr>
-          <p:cNvPr id="117" name="Google Shape;117;p13"/>
+          <p:cNvPr id="40" name="직선 화살표 연결선 39">
+            <a:extLst>
+              <a:ext uri="{FF2B5EF4-FFF2-40B4-BE49-F238E27FC236}">
+                <a16:creationId xmlns:a16="http://schemas.microsoft.com/office/drawing/2014/main" xmlns="" id="{9BAA9AE0-8263-4AD7-8D96-4564D0DF4032}"/>
+              </a:ext>
+            </a:extLst>
+          </p:cNvPr>
           <p:cNvCxnSpPr>
-            <a:stCxn id="60" idx="1"/>
-            <a:endCxn id="114" idx="3"/>
+            <a:stCxn id="54" idx="3"/>
+            <a:endCxn id="133" idx="1"/>
           </p:cNvCxnSpPr>
           <p:nvPr/>
         </p:nvCxnSpPr>
         <p:spPr>
-          <a:xfrm flipH="1">
-            <a:off x="9793861" y="2438667"/>
-            <a:ext cx="1454706" cy="1744955"/>
+          <a:xfrm>
+            <a:off x="747777" y="3193219"/>
+            <a:ext cx="630270" cy="2479034"/>
           </a:xfrm>
           <a:prstGeom prst="straightConnector1">
             <a:avLst/>
           </a:prstGeom>
-          <a:noFill/>
-          <a:ln w="9525" cap="flat" cmpd="sng">
-            <a:solidFill>
-              <a:schemeClr val="dk2"/>
-            </a:solidFill>
-            <a:prstDash val="solid"/>
-            <a:round/>
-            <a:headEnd type="none" w="med" len="med"/>
-            <a:tailEnd type="triangle" w="med" len="med"/>
-          </a:ln>
-        </p:spPr>
+          <a:ln>
+            <a:tailEnd type="triangle"/>
+          </a:ln>
+        </p:spPr>
+        <p:style>
+          <a:lnRef idx="1">
+            <a:schemeClr val="dk1"/>
+          </a:lnRef>
+          <a:fillRef idx="0">
+            <a:schemeClr val="dk1"/>
+          </a:fillRef>
+          <a:effectRef idx="0">
+            <a:schemeClr val="dk1"/>
+          </a:effectRef>
+          <a:fontRef idx="minor">
+            <a:schemeClr val="tx1"/>
+          </a:fontRef>
+        </p:style>
       </p:cxnSp>
       <p:sp>
         <p:nvSpPr>
-          <p:cNvPr id="132" name="Google Shape;102;p13">
-            <a:extLst>
-              <a:ext uri="{FF2B5EF4-FFF2-40B4-BE49-F238E27FC236}">
-                <a16:creationId xmlns:a16="http://schemas.microsoft.com/office/drawing/2014/main" id="{D4EAD755-BB98-41D1-9C16-8CC51AD0D492}"/>
+          <p:cNvPr id="140" name="Google Shape;102;p13">
+            <a:extLst>
+              <a:ext uri="{FF2B5EF4-FFF2-40B4-BE49-F238E27FC236}">
+                <a16:creationId xmlns:a16="http://schemas.microsoft.com/office/drawing/2014/main" xmlns="" id="{66D0C005-DEF3-48FD-A074-0C0ABD142A2A}"/>
               </a:ext>
             </a:extLst>
           </p:cNvPr>
@@ -6330,7 +6639,7 @@
         </p:nvSpPr>
         <p:spPr>
           <a:xfrm>
-            <a:off x="1835907" y="2988101"/>
+            <a:off x="4276454" y="2756632"/>
             <a:ext cx="2219626" cy="412143"/>
           </a:xfrm>
           <a:prstGeom prst="rect">
@@ -6357,23 +6666,26 @@
           <a:p>
             <a:pPr algn="ctr"/>
             <a:r>
-              <a:rPr lang="ko-KR" altLang="en-US" sz="1333" dirty="0" err="1"/>
-              <a:t>렌탈</a:t>
-            </a:r>
-            <a:r>
-              <a:rPr lang="ko-KR" altLang="en-US" sz="1333" dirty="0"/>
-              <a:t> 상품 조회</a:t>
-            </a:r>
-            <a:endParaRPr sz="1333" dirty="0"/>
-          </a:p>
-        </p:txBody>
-      </p:sp>
-      <p:sp>
-        <p:nvSpPr>
-          <p:cNvPr id="133" name="Google Shape;102;p13">
-            <a:extLst>
-              <a:ext uri="{FF2B5EF4-FFF2-40B4-BE49-F238E27FC236}">
-                <a16:creationId xmlns:a16="http://schemas.microsoft.com/office/drawing/2014/main" id="{85AB7D6F-8B57-4DEC-9E37-3F7B85052802}"/>
+              <a:rPr lang="ko-KR" altLang="en-US" sz="1300" dirty="0" smtClean="0">
+                <a:ea typeface="맑은 고딕"/>
+              </a:rPr>
+              <a:t>세미나 </a:t>
+            </a:r>
+            <a:r>
+              <a:rPr lang="ko-KR" altLang="en-US" sz="1300" dirty="0">
+                <a:ea typeface="맑은 고딕"/>
+              </a:rPr>
+              <a:t>참여 신청</a:t>
+            </a:r>
+          </a:p>
+        </p:txBody>
+      </p:sp>
+      <p:sp>
+        <p:nvSpPr>
+          <p:cNvPr id="156" name="Google Shape;102;p13">
+            <a:extLst>
+              <a:ext uri="{FF2B5EF4-FFF2-40B4-BE49-F238E27FC236}">
+                <a16:creationId xmlns:a16="http://schemas.microsoft.com/office/drawing/2014/main" xmlns="" id="{C704DD7E-8B1F-4B5A-832E-6B178666BEB8}"/>
               </a:ext>
             </a:extLst>
           </p:cNvPr>
@@ -6382,7 +6694,7 @@
         </p:nvSpPr>
         <p:spPr>
           <a:xfrm>
-            <a:off x="1835907" y="5756671"/>
+            <a:off x="1378047" y="1235627"/>
             <a:ext cx="2219626" cy="412143"/>
           </a:xfrm>
           <a:prstGeom prst="rect">
@@ -6409,23 +6721,115 @@
           <a:p>
             <a:pPr algn="ctr"/>
             <a:r>
-              <a:rPr lang="en-US" sz="1333" dirty="0"/>
-              <a:t>Q&amp;A </a:t>
-            </a:r>
-            <a:r>
-              <a:rPr lang="ko-KR" altLang="en-US" sz="1333" dirty="0"/>
-              <a:t>등록 및 조회</a:t>
-            </a:r>
-            <a:endParaRPr sz="1333" dirty="0"/>
-          </a:p>
-        </p:txBody>
-      </p:sp>
-      <p:sp>
-        <p:nvSpPr>
-          <p:cNvPr id="134" name="Google Shape;102;p13">
-            <a:extLst>
-              <a:ext uri="{FF2B5EF4-FFF2-40B4-BE49-F238E27FC236}">
-                <a16:creationId xmlns:a16="http://schemas.microsoft.com/office/drawing/2014/main" id="{D3A6E16D-F04D-438A-910E-015063641DEE}"/>
+              <a:rPr lang="ko-KR" altLang="en-US" sz="1300" dirty="0" err="1" smtClean="0">
+                <a:ea typeface="맑은 고딕"/>
+              </a:rPr>
+              <a:t>세미나존</a:t>
+            </a:r>
+            <a:r>
+              <a:rPr lang="ko-KR" altLang="en-US" sz="1300" dirty="0" smtClean="0">
+                <a:ea typeface="맑은 고딕"/>
+              </a:rPr>
+              <a:t> 조회</a:t>
+            </a:r>
+            <a:endParaRPr lang="ko-KR" altLang="en-US" sz="1300" dirty="0">
+              <a:ea typeface="맑은 고딕"/>
+            </a:endParaRPr>
+          </a:p>
+        </p:txBody>
+      </p:sp>
+      <p:cxnSp>
+        <p:nvCxnSpPr>
+          <p:cNvPr id="64" name="직선 화살표 연결선 63">
+            <a:extLst>
+              <a:ext uri="{FF2B5EF4-FFF2-40B4-BE49-F238E27FC236}">
+                <a16:creationId xmlns:a16="http://schemas.microsoft.com/office/drawing/2014/main" xmlns="" id="{CE2FE515-B154-4255-AE81-D1963396C1ED}"/>
+              </a:ext>
+            </a:extLst>
+          </p:cNvPr>
+          <p:cNvCxnSpPr>
+            <a:cxnSpLocks/>
+            <a:stCxn id="54" idx="3"/>
+            <a:endCxn id="65" idx="1"/>
+          </p:cNvCxnSpPr>
+          <p:nvPr/>
+        </p:nvCxnSpPr>
+        <p:spPr>
+          <a:xfrm>
+            <a:off x="747777" y="3193219"/>
+            <a:ext cx="630270" cy="1346282"/>
+          </a:xfrm>
+          <a:prstGeom prst="straightConnector1">
+            <a:avLst/>
+          </a:prstGeom>
+          <a:ln>
+            <a:tailEnd type="triangle"/>
+          </a:ln>
+        </p:spPr>
+        <p:style>
+          <a:lnRef idx="1">
+            <a:schemeClr val="dk1"/>
+          </a:lnRef>
+          <a:fillRef idx="0">
+            <a:schemeClr val="dk1"/>
+          </a:fillRef>
+          <a:effectRef idx="0">
+            <a:schemeClr val="dk1"/>
+          </a:effectRef>
+          <a:fontRef idx="minor">
+            <a:schemeClr val="tx1"/>
+          </a:fontRef>
+        </p:style>
+      </p:cxnSp>
+      <p:cxnSp>
+        <p:nvCxnSpPr>
+          <p:cNvPr id="67" name="직선 화살표 연결선 66">
+            <a:extLst>
+              <a:ext uri="{FF2B5EF4-FFF2-40B4-BE49-F238E27FC236}">
+                <a16:creationId xmlns:a16="http://schemas.microsoft.com/office/drawing/2014/main" xmlns="" id="{035063CF-0BE5-4174-A7B5-34F632784F0C}"/>
+              </a:ext>
+            </a:extLst>
+          </p:cNvPr>
+          <p:cNvCxnSpPr>
+            <a:cxnSpLocks/>
+            <a:stCxn id="54" idx="3"/>
+            <a:endCxn id="156" idx="1"/>
+          </p:cNvCxnSpPr>
+          <p:nvPr/>
+        </p:nvCxnSpPr>
+        <p:spPr>
+          <a:xfrm flipV="1">
+            <a:off x="747777" y="1441699"/>
+            <a:ext cx="630270" cy="1751520"/>
+          </a:xfrm>
+          <a:prstGeom prst="straightConnector1">
+            <a:avLst/>
+          </a:prstGeom>
+          <a:ln>
+            <a:tailEnd type="triangle"/>
+          </a:ln>
+        </p:spPr>
+        <p:style>
+          <a:lnRef idx="1">
+            <a:schemeClr val="dk1"/>
+          </a:lnRef>
+          <a:fillRef idx="0">
+            <a:schemeClr val="dk1"/>
+          </a:fillRef>
+          <a:effectRef idx="0">
+            <a:schemeClr val="dk1"/>
+          </a:effectRef>
+          <a:fontRef idx="minor">
+            <a:schemeClr val="tx1"/>
+          </a:fontRef>
+        </p:style>
+      </p:cxnSp>
+      <p:sp>
+        <p:nvSpPr>
+          <p:cNvPr id="144" name="Google Shape;102;p13">
+            <a:extLst>
+              <a:ext uri="{FF2B5EF4-FFF2-40B4-BE49-F238E27FC236}">
+                <a16:creationId xmlns:a16="http://schemas.microsoft.com/office/drawing/2014/main" xmlns="" id="{C704DD7E-8B1F-4B5A-832E-6B178666BEB8}"/>
               </a:ext>
             </a:extLst>
           </p:cNvPr>
@@ -6434,8 +6838,8 @@
         </p:nvSpPr>
         <p:spPr>
           <a:xfrm>
-            <a:off x="4811672" y="961608"/>
-            <a:ext cx="1699072" cy="339162"/>
+            <a:off x="4276454" y="106467"/>
+            <a:ext cx="2219626" cy="412143"/>
           </a:xfrm>
           <a:prstGeom prst="rect">
             <a:avLst/>
@@ -6462,60 +6866,26 @@
             <a:pPr algn="ctr"/>
             <a:r>
               <a:rPr lang="ko-KR" altLang="en-US" sz="1333" dirty="0"/>
-              <a:t>상세 내용 조회</a:t>
-            </a:r>
-            <a:endParaRPr lang="en-US" altLang="ko-KR" sz="1333" dirty="0"/>
-          </a:p>
-        </p:txBody>
-      </p:sp>
-      <p:cxnSp>
-        <p:nvCxnSpPr>
-          <p:cNvPr id="13" name="직선 화살표 연결선 12">
-            <a:extLst>
-              <a:ext uri="{FF2B5EF4-FFF2-40B4-BE49-F238E27FC236}">
-                <a16:creationId xmlns:a16="http://schemas.microsoft.com/office/drawing/2014/main" id="{8D075E94-0CF2-4C33-9C68-54B7C926C541}"/>
-              </a:ext>
-            </a:extLst>
-          </p:cNvPr>
-          <p:cNvCxnSpPr>
-            <a:stCxn id="134" idx="1"/>
-            <a:endCxn id="132" idx="3"/>
-          </p:cNvCxnSpPr>
-          <p:nvPr/>
-        </p:nvCxnSpPr>
-        <p:spPr>
-          <a:xfrm flipH="1">
-            <a:off x="4055533" y="1131189"/>
-            <a:ext cx="756139" cy="2062984"/>
-          </a:xfrm>
-          <a:prstGeom prst="straightConnector1">
-            <a:avLst/>
-          </a:prstGeom>
-          <a:ln>
-            <a:tailEnd type="triangle"/>
-          </a:ln>
-        </p:spPr>
-        <p:style>
-          <a:lnRef idx="1">
-            <a:schemeClr val="dk1"/>
-          </a:lnRef>
-          <a:fillRef idx="0">
-            <a:schemeClr val="dk1"/>
-          </a:fillRef>
-          <a:effectRef idx="0">
-            <a:schemeClr val="dk1"/>
-          </a:effectRef>
-          <a:fontRef idx="minor">
-            <a:schemeClr val="tx1"/>
-          </a:fontRef>
-        </p:style>
-      </p:cxnSp>
-      <p:sp>
-        <p:nvSpPr>
-          <p:cNvPr id="135" name="Google Shape;102;p13">
-            <a:extLst>
-              <a:ext uri="{FF2B5EF4-FFF2-40B4-BE49-F238E27FC236}">
-                <a16:creationId xmlns:a16="http://schemas.microsoft.com/office/drawing/2014/main" id="{5101804D-D6A1-4286-8A27-033B15070974}"/>
+              <a:t>로그인 </a:t>
+            </a:r>
+            <a:r>
+              <a:rPr lang="en-US" altLang="ko-KR" sz="1333" dirty="0"/>
+              <a:t>/ </a:t>
+            </a:r>
+            <a:r>
+              <a:rPr lang="ko-KR" altLang="en-US" sz="1333" dirty="0"/>
+              <a:t>회원가입</a:t>
+            </a:r>
+            <a:endParaRPr sz="1333" dirty="0"/>
+          </a:p>
+        </p:txBody>
+      </p:sp>
+      <p:sp>
+        <p:nvSpPr>
+          <p:cNvPr id="146" name="Google Shape;102;p13">
+            <a:extLst>
+              <a:ext uri="{FF2B5EF4-FFF2-40B4-BE49-F238E27FC236}">
+                <a16:creationId xmlns:a16="http://schemas.microsoft.com/office/drawing/2014/main" xmlns="" id="{C704DD7E-8B1F-4B5A-832E-6B178666BEB8}"/>
               </a:ext>
             </a:extLst>
           </p:cNvPr>
@@ -6524,8 +6894,8 @@
         </p:nvSpPr>
         <p:spPr>
           <a:xfrm>
-            <a:off x="4811672" y="1444155"/>
-            <a:ext cx="1699072" cy="542259"/>
+            <a:off x="1378047" y="123764"/>
+            <a:ext cx="2219626" cy="412143"/>
           </a:xfrm>
           <a:prstGeom prst="rect">
             <a:avLst/>
@@ -6551,70 +6921,23 @@
           <a:p>
             <a:pPr algn="ctr"/>
             <a:r>
-              <a:rPr lang="ko-KR" altLang="en-US" sz="1333" dirty="0"/>
-              <a:t>메인 화면</a:t>
-            </a:r>
-            <a:endParaRPr lang="en-US" altLang="ko-KR" sz="1333" dirty="0"/>
-          </a:p>
-          <a:p>
-            <a:pPr algn="ctr"/>
-            <a:r>
-              <a:rPr lang="ko-KR" altLang="en-US" sz="1333" dirty="0"/>
-              <a:t>추천 상품 조회</a:t>
-            </a:r>
-            <a:endParaRPr sz="1333" dirty="0"/>
-          </a:p>
-        </p:txBody>
-      </p:sp>
-      <p:cxnSp>
-        <p:nvCxnSpPr>
-          <p:cNvPr id="21" name="직선 화살표 연결선 20">
-            <a:extLst>
-              <a:ext uri="{FF2B5EF4-FFF2-40B4-BE49-F238E27FC236}">
-                <a16:creationId xmlns:a16="http://schemas.microsoft.com/office/drawing/2014/main" id="{A104D6FE-FDB9-4CFD-80F0-810AB4EDD095}"/>
-              </a:ext>
-            </a:extLst>
-          </p:cNvPr>
-          <p:cNvCxnSpPr>
-            <a:cxnSpLocks/>
-            <a:stCxn id="135" idx="1"/>
-            <a:endCxn id="132" idx="3"/>
-          </p:cNvCxnSpPr>
-          <p:nvPr/>
-        </p:nvCxnSpPr>
-        <p:spPr>
-          <a:xfrm flipH="1">
-            <a:off x="4055533" y="1715285"/>
-            <a:ext cx="756139" cy="1478888"/>
-          </a:xfrm>
-          <a:prstGeom prst="straightConnector1">
-            <a:avLst/>
-          </a:prstGeom>
-          <a:ln>
-            <a:tailEnd type="triangle"/>
-          </a:ln>
-        </p:spPr>
-        <p:style>
-          <a:lnRef idx="1">
-            <a:schemeClr val="dk1"/>
-          </a:lnRef>
-          <a:fillRef idx="0">
-            <a:schemeClr val="dk1"/>
-          </a:fillRef>
-          <a:effectRef idx="0">
-            <a:schemeClr val="dk1"/>
-          </a:effectRef>
-          <a:fontRef idx="minor">
-            <a:schemeClr val="tx1"/>
-          </a:fontRef>
-        </p:style>
-      </p:cxnSp>
-      <p:sp>
-        <p:nvSpPr>
-          <p:cNvPr id="136" name="Google Shape;102;p13">
-            <a:extLst>
-              <a:ext uri="{FF2B5EF4-FFF2-40B4-BE49-F238E27FC236}">
-                <a16:creationId xmlns:a16="http://schemas.microsoft.com/office/drawing/2014/main" id="{737557CC-446E-40A6-A817-32FD75CC9000}"/>
+              <a:rPr lang="ko-KR" altLang="en-US" sz="1300" dirty="0" err="1" smtClean="0">
+                <a:ea typeface="맑은 고딕"/>
+              </a:rPr>
+              <a:t>메인화면</a:t>
+            </a:r>
+            <a:endParaRPr lang="ko-KR" altLang="en-US" sz="1300" dirty="0">
+              <a:ea typeface="맑은 고딕"/>
+            </a:endParaRPr>
+          </a:p>
+        </p:txBody>
+      </p:sp>
+      <p:sp>
+        <p:nvSpPr>
+          <p:cNvPr id="246" name="Google Shape;102;p13">
+            <a:extLst>
+              <a:ext uri="{FF2B5EF4-FFF2-40B4-BE49-F238E27FC236}">
+                <a16:creationId xmlns:a16="http://schemas.microsoft.com/office/drawing/2014/main" xmlns="" id="{C704DD7E-8B1F-4B5A-832E-6B178666BEB8}"/>
               </a:ext>
             </a:extLst>
           </p:cNvPr>
@@ -6623,8 +6946,8 @@
         </p:nvSpPr>
         <p:spPr>
           <a:xfrm>
-            <a:off x="4811672" y="2129799"/>
-            <a:ext cx="1699072" cy="542259"/>
+            <a:off x="1378047" y="6290468"/>
+            <a:ext cx="2219626" cy="412143"/>
           </a:xfrm>
           <a:prstGeom prst="rect">
             <a:avLst/>
@@ -6650,153 +6973,23 @@
           <a:p>
             <a:pPr algn="ctr"/>
             <a:r>
-              <a:rPr lang="ko-KR" altLang="en-US" sz="1333" dirty="0" err="1"/>
-              <a:t>카테고리별</a:t>
-            </a:r>
-            <a:endParaRPr lang="en-US" altLang="ko-KR" sz="1333" dirty="0"/>
-          </a:p>
-          <a:p>
-            <a:pPr algn="ctr"/>
-            <a:r>
-              <a:rPr lang="ko-KR" altLang="en-US" sz="1333" dirty="0"/>
-              <a:t>아이템 조회</a:t>
-            </a:r>
-            <a:endParaRPr sz="1333" dirty="0"/>
-          </a:p>
-        </p:txBody>
-      </p:sp>
-      <p:cxnSp>
-        <p:nvCxnSpPr>
-          <p:cNvPr id="26" name="직선 화살표 연결선 25">
-            <a:extLst>
-              <a:ext uri="{FF2B5EF4-FFF2-40B4-BE49-F238E27FC236}">
-                <a16:creationId xmlns:a16="http://schemas.microsoft.com/office/drawing/2014/main" id="{EB97819E-5731-4A26-AD2A-4CA936973276}"/>
-              </a:ext>
-            </a:extLst>
-          </p:cNvPr>
-          <p:cNvCxnSpPr>
-            <a:stCxn id="136" idx="1"/>
-            <a:endCxn id="132" idx="3"/>
-          </p:cNvCxnSpPr>
-          <p:nvPr/>
-        </p:nvCxnSpPr>
-        <p:spPr>
-          <a:xfrm flipH="1">
-            <a:off x="4055533" y="2400929"/>
-            <a:ext cx="756139" cy="793244"/>
-          </a:xfrm>
-          <a:prstGeom prst="straightConnector1">
-            <a:avLst/>
-          </a:prstGeom>
-          <a:ln>
-            <a:tailEnd type="triangle"/>
-          </a:ln>
-        </p:spPr>
-        <p:style>
-          <a:lnRef idx="1">
-            <a:schemeClr val="dk1"/>
-          </a:lnRef>
-          <a:fillRef idx="0">
-            <a:schemeClr val="dk1"/>
-          </a:fillRef>
-          <a:effectRef idx="0">
-            <a:schemeClr val="dk1"/>
-          </a:effectRef>
-          <a:fontRef idx="minor">
-            <a:schemeClr val="tx1"/>
-          </a:fontRef>
-        </p:style>
-      </p:cxnSp>
-      <p:cxnSp>
-        <p:nvCxnSpPr>
-          <p:cNvPr id="28" name="직선 화살표 연결선 27">
-            <a:extLst>
-              <a:ext uri="{FF2B5EF4-FFF2-40B4-BE49-F238E27FC236}">
-                <a16:creationId xmlns:a16="http://schemas.microsoft.com/office/drawing/2014/main" id="{772C3FB8-3FDC-4065-966D-CC2A9530C386}"/>
-              </a:ext>
-            </a:extLst>
-          </p:cNvPr>
-          <p:cNvCxnSpPr>
-            <a:stCxn id="54" idx="3"/>
-            <a:endCxn id="132" idx="1"/>
-          </p:cNvCxnSpPr>
-          <p:nvPr/>
-        </p:nvCxnSpPr>
-        <p:spPr>
-          <a:xfrm flipV="1">
-            <a:off x="957867" y="3194173"/>
-            <a:ext cx="878040" cy="37152"/>
-          </a:xfrm>
-          <a:prstGeom prst="straightConnector1">
-            <a:avLst/>
-          </a:prstGeom>
-          <a:ln>
-            <a:tailEnd type="triangle"/>
-          </a:ln>
-        </p:spPr>
-        <p:style>
-          <a:lnRef idx="1">
-            <a:schemeClr val="dk1"/>
-          </a:lnRef>
-          <a:fillRef idx="0">
-            <a:schemeClr val="dk1"/>
-          </a:fillRef>
-          <a:effectRef idx="0">
-            <a:schemeClr val="dk1"/>
-          </a:effectRef>
-          <a:fontRef idx="minor">
-            <a:schemeClr val="tx1"/>
-          </a:fontRef>
-        </p:style>
-      </p:cxnSp>
-      <p:cxnSp>
-        <p:nvCxnSpPr>
-          <p:cNvPr id="40" name="직선 화살표 연결선 39">
-            <a:extLst>
-              <a:ext uri="{FF2B5EF4-FFF2-40B4-BE49-F238E27FC236}">
-                <a16:creationId xmlns:a16="http://schemas.microsoft.com/office/drawing/2014/main" id="{9BAA9AE0-8263-4AD7-8D96-4564D0DF4032}"/>
-              </a:ext>
-            </a:extLst>
-          </p:cNvPr>
-          <p:cNvCxnSpPr>
-            <a:stCxn id="54" idx="3"/>
-            <a:endCxn id="133" idx="1"/>
-          </p:cNvCxnSpPr>
-          <p:nvPr/>
-        </p:nvCxnSpPr>
-        <p:spPr>
-          <a:xfrm>
-            <a:off x="957867" y="3231325"/>
-            <a:ext cx="878040" cy="2731418"/>
-          </a:xfrm>
-          <a:prstGeom prst="straightConnector1">
-            <a:avLst/>
-          </a:prstGeom>
-          <a:ln>
-            <a:tailEnd type="triangle"/>
-          </a:ln>
-        </p:spPr>
-        <p:style>
-          <a:lnRef idx="1">
-            <a:schemeClr val="dk1"/>
-          </a:lnRef>
-          <a:fillRef idx="0">
-            <a:schemeClr val="dk1"/>
-          </a:fillRef>
-          <a:effectRef idx="0">
-            <a:schemeClr val="dk1"/>
-          </a:effectRef>
-          <a:fontRef idx="minor">
-            <a:schemeClr val="tx1"/>
-          </a:fontRef>
-        </p:style>
-      </p:cxnSp>
-      <p:sp>
-        <p:nvSpPr>
-          <p:cNvPr id="140" name="Google Shape;102;p13">
-            <a:extLst>
-              <a:ext uri="{FF2B5EF4-FFF2-40B4-BE49-F238E27FC236}">
-                <a16:creationId xmlns:a16="http://schemas.microsoft.com/office/drawing/2014/main" id="{66D0C005-DEF3-48FD-A074-0C0ABD142A2A}"/>
+              <a:rPr lang="ko-KR" altLang="en-US" sz="1300" smtClean="0">
+                <a:ea typeface="맑은 고딕"/>
+              </a:rPr>
+              <a:t>게시판 확인</a:t>
+            </a:r>
+            <a:endParaRPr lang="ko-KR" altLang="en-US" sz="1300" dirty="0">
+              <a:ea typeface="맑은 고딕"/>
+            </a:endParaRPr>
+          </a:p>
+        </p:txBody>
+      </p:sp>
+      <p:sp>
+        <p:nvSpPr>
+          <p:cNvPr id="256" name="Google Shape;102;p13">
+            <a:extLst>
+              <a:ext uri="{FF2B5EF4-FFF2-40B4-BE49-F238E27FC236}">
+                <a16:creationId xmlns:a16="http://schemas.microsoft.com/office/drawing/2014/main" xmlns="" id="{66D0C005-DEF3-48FD-A074-0C0ABD142A2A}"/>
               </a:ext>
             </a:extLst>
           </p:cNvPr>
@@ -6805,7 +6998,7 @@
         </p:nvSpPr>
         <p:spPr>
           <a:xfrm>
-            <a:off x="1835907" y="3541815"/>
+            <a:off x="1378047" y="4879609"/>
             <a:ext cx="2219626" cy="412143"/>
           </a:xfrm>
           <a:prstGeom prst="rect">
@@ -6832,33 +7025,36 @@
           <a:p>
             <a:pPr algn="ctr"/>
             <a:r>
-              <a:rPr lang="ko-KR" altLang="en-US" sz="1333" dirty="0"/>
-              <a:t>상품 </a:t>
-            </a:r>
-            <a:r>
-              <a:rPr lang="ko-KR" altLang="en-US" sz="1333" dirty="0" err="1"/>
-              <a:t>렌탈</a:t>
-            </a:r>
-            <a:endParaRPr sz="1333" dirty="0"/>
-          </a:p>
-        </p:txBody>
-      </p:sp>
-      <p:sp>
-        <p:nvSpPr>
-          <p:cNvPr id="142" name="Google Shape;102;p13">
-            <a:extLst>
-              <a:ext uri="{FF2B5EF4-FFF2-40B4-BE49-F238E27FC236}">
-                <a16:creationId xmlns:a16="http://schemas.microsoft.com/office/drawing/2014/main" id="{FD360B97-08F3-48C9-BA9A-3E33688CFEA6}"/>
-              </a:ext>
-            </a:extLst>
-          </p:cNvPr>
+              <a:rPr lang="ko-KR" altLang="en-US" sz="1300" dirty="0">
+                <a:ea typeface="맑은 고딕"/>
+              </a:rPr>
+              <a:t>불량 </a:t>
+            </a:r>
+            <a:r>
+              <a:rPr lang="ko-KR" altLang="en-US" sz="1300" dirty="0" smtClean="0">
+                <a:ea typeface="맑은 고딕"/>
+              </a:rPr>
+              <a:t>세미나 </a:t>
+            </a:r>
+            <a:r>
+              <a:rPr lang="ko-KR" altLang="en-US" sz="1300" dirty="0">
+                <a:ea typeface="맑은 고딕"/>
+              </a:rPr>
+              <a:t>신고</a:t>
+            </a:r>
+          </a:p>
+        </p:txBody>
+      </p:sp>
+      <p:sp>
+        <p:nvSpPr>
+          <p:cNvPr id="287" name="Google Shape;105;p13"/>
           <p:cNvSpPr/>
           <p:nvPr/>
         </p:nvSpPr>
         <p:spPr>
           <a:xfrm>
-            <a:off x="4811672" y="2815443"/>
-            <a:ext cx="1699072" cy="353851"/>
+            <a:off x="8050484" y="3063922"/>
+            <a:ext cx="1869600" cy="512000"/>
           </a:xfrm>
           <a:prstGeom prst="rect">
             <a:avLst/>
@@ -6884,8 +7080,10 @@
           <a:p>
             <a:pPr algn="ctr"/>
             <a:r>
-              <a:rPr lang="ko-KR" altLang="en-US" sz="1333" dirty="0"/>
-              <a:t> 상품 문의</a:t>
+              <a:rPr lang="ko-KR" altLang="en-US" sz="1300" dirty="0" smtClean="0">
+                <a:ea typeface="맑은 고딕"/>
+              </a:rPr>
+              <a:t>세미나 관리</a:t>
             </a:r>
             <a:endParaRPr sz="1333" dirty="0"/>
           </a:p>
@@ -6893,10 +7091,10 @@
       </p:sp>
       <p:sp>
         <p:nvSpPr>
-          <p:cNvPr id="143" name="Google Shape;102;p13">
-            <a:extLst>
-              <a:ext uri="{FF2B5EF4-FFF2-40B4-BE49-F238E27FC236}">
-                <a16:creationId xmlns:a16="http://schemas.microsoft.com/office/drawing/2014/main" id="{BD2B7044-AE64-4FDD-A94F-3B6D34A54012}"/>
+          <p:cNvPr id="48" name="Google Shape;102;p13">
+            <a:extLst>
+              <a:ext uri="{FF2B5EF4-FFF2-40B4-BE49-F238E27FC236}">
+                <a16:creationId xmlns:a16="http://schemas.microsoft.com/office/drawing/2014/main" xmlns="" id="{C704DD7E-8B1F-4B5A-832E-6B178666BEB8}"/>
               </a:ext>
             </a:extLst>
           </p:cNvPr>
@@ -6905,8 +7103,8 @@
         </p:nvSpPr>
         <p:spPr>
           <a:xfrm>
-            <a:off x="4811673" y="4110102"/>
-            <a:ext cx="1699072" cy="353851"/>
+            <a:off x="4276454" y="636500"/>
+            <a:ext cx="2219626" cy="412143"/>
           </a:xfrm>
           <a:prstGeom prst="rect">
             <a:avLst/>
@@ -6932,103 +7130,19 @@
           <a:p>
             <a:pPr algn="ctr"/>
             <a:r>
-              <a:rPr lang="ko-KR" altLang="en-US" sz="1333" dirty="0"/>
-              <a:t>평점 등록</a:t>
+              <a:rPr lang="ko-KR" altLang="en-US" sz="1333" dirty="0" err="1" smtClean="0"/>
+              <a:t>마이페이지</a:t>
             </a:r>
             <a:endParaRPr sz="1333" dirty="0"/>
           </a:p>
         </p:txBody>
       </p:sp>
-      <p:cxnSp>
-        <p:nvCxnSpPr>
-          <p:cNvPr id="145" name="직선 화살표 연결선 144">
-            <a:extLst>
-              <a:ext uri="{FF2B5EF4-FFF2-40B4-BE49-F238E27FC236}">
-                <a16:creationId xmlns:a16="http://schemas.microsoft.com/office/drawing/2014/main" id="{36BE17A4-D36C-4B3A-A5DF-EECDF148F3CC}"/>
-              </a:ext>
-            </a:extLst>
-          </p:cNvPr>
-          <p:cNvCxnSpPr>
-            <a:stCxn id="142" idx="1"/>
-            <a:endCxn id="132" idx="3"/>
-          </p:cNvCxnSpPr>
-          <p:nvPr/>
-        </p:nvCxnSpPr>
-        <p:spPr>
-          <a:xfrm flipH="1">
-            <a:off x="4055533" y="2992369"/>
-            <a:ext cx="756139" cy="201804"/>
-          </a:xfrm>
-          <a:prstGeom prst="straightConnector1">
-            <a:avLst/>
-          </a:prstGeom>
-          <a:ln>
-            <a:tailEnd type="triangle"/>
-          </a:ln>
-        </p:spPr>
-        <p:style>
-          <a:lnRef idx="1">
-            <a:schemeClr val="dk1"/>
-          </a:lnRef>
-          <a:fillRef idx="0">
-            <a:schemeClr val="dk1"/>
-          </a:fillRef>
-          <a:effectRef idx="0">
-            <a:schemeClr val="dk1"/>
-          </a:effectRef>
-          <a:fontRef idx="minor">
-            <a:schemeClr val="tx1"/>
-          </a:fontRef>
-        </p:style>
-      </p:cxnSp>
-      <p:cxnSp>
-        <p:nvCxnSpPr>
-          <p:cNvPr id="147" name="직선 화살표 연결선 146">
-            <a:extLst>
-              <a:ext uri="{FF2B5EF4-FFF2-40B4-BE49-F238E27FC236}">
-                <a16:creationId xmlns:a16="http://schemas.microsoft.com/office/drawing/2014/main" id="{89986B8B-B851-49EA-BE61-F97E9FD46851}"/>
-              </a:ext>
-            </a:extLst>
-          </p:cNvPr>
-          <p:cNvCxnSpPr>
-            <a:stCxn id="143" idx="1"/>
-            <a:endCxn id="256" idx="3"/>
-          </p:cNvCxnSpPr>
-          <p:nvPr/>
-        </p:nvCxnSpPr>
-        <p:spPr>
-          <a:xfrm flipH="1">
-            <a:off x="4055533" y="4287028"/>
-            <a:ext cx="756140" cy="14573"/>
-          </a:xfrm>
-          <a:prstGeom prst="straightConnector1">
-            <a:avLst/>
-          </a:prstGeom>
-          <a:ln>
-            <a:tailEnd type="triangle"/>
-          </a:ln>
-        </p:spPr>
-        <p:style>
-          <a:lnRef idx="1">
-            <a:schemeClr val="dk1"/>
-          </a:lnRef>
-          <a:fillRef idx="0">
-            <a:schemeClr val="dk1"/>
-          </a:fillRef>
-          <a:effectRef idx="0">
-            <a:schemeClr val="dk1"/>
-          </a:effectRef>
-          <a:fontRef idx="minor">
-            <a:schemeClr val="tx1"/>
-          </a:fontRef>
-        </p:style>
-      </p:cxnSp>
-      <p:sp>
-        <p:nvSpPr>
-          <p:cNvPr id="156" name="Google Shape;102;p13">
-            <a:extLst>
-              <a:ext uri="{FF2B5EF4-FFF2-40B4-BE49-F238E27FC236}">
-                <a16:creationId xmlns:a16="http://schemas.microsoft.com/office/drawing/2014/main" id="{C704DD7E-8B1F-4B5A-832E-6B178666BEB8}"/>
+      <p:sp>
+        <p:nvSpPr>
+          <p:cNvPr id="56" name="Google Shape;102;p13">
+            <a:extLst>
+              <a:ext uri="{FF2B5EF4-FFF2-40B4-BE49-F238E27FC236}">
+                <a16:creationId xmlns:a16="http://schemas.microsoft.com/office/drawing/2014/main" xmlns="" id="{C704DD7E-8B1F-4B5A-832E-6B178666BEB8}"/>
               </a:ext>
             </a:extLst>
           </p:cNvPr>
@@ -7037,7 +7151,7 @@
         </p:nvSpPr>
         <p:spPr>
           <a:xfrm>
-            <a:off x="1835907" y="2434387"/>
+            <a:off x="4276454" y="5816074"/>
             <a:ext cx="2219626" cy="412143"/>
           </a:xfrm>
           <a:prstGeom prst="rect">
@@ -7064,23 +7178,23 @@
           <a:p>
             <a:pPr algn="ctr"/>
             <a:r>
-              <a:rPr lang="ko-KR" altLang="en-US" sz="1333" dirty="0" err="1"/>
-              <a:t>렌탈</a:t>
-            </a:r>
-            <a:r>
-              <a:rPr lang="ko-KR" altLang="en-US" sz="1333" dirty="0"/>
-              <a:t> 상품 등록</a:t>
-            </a:r>
-            <a:endParaRPr sz="1333" dirty="0"/>
-          </a:p>
-        </p:txBody>
-      </p:sp>
-      <p:sp>
-        <p:nvSpPr>
-          <p:cNvPr id="61" name="Google Shape;102;p13">
-            <a:extLst>
-              <a:ext uri="{FF2B5EF4-FFF2-40B4-BE49-F238E27FC236}">
-                <a16:creationId xmlns:a16="http://schemas.microsoft.com/office/drawing/2014/main" id="{6AB88040-6CCB-4E2E-A198-3B518EE2CAAB}"/>
+              <a:rPr lang="ko-KR" altLang="en-US" sz="1300" dirty="0" smtClean="0">
+                <a:ea typeface="맑은 고딕"/>
+              </a:rPr>
+              <a:t>공지사항</a:t>
+            </a:r>
+            <a:endParaRPr lang="ko-KR" altLang="en-US" sz="1300" dirty="0">
+              <a:ea typeface="맑은 고딕"/>
+            </a:endParaRPr>
+          </a:p>
+        </p:txBody>
+      </p:sp>
+      <p:sp>
+        <p:nvSpPr>
+          <p:cNvPr id="57" name="Google Shape;102;p13">
+            <a:extLst>
+              <a:ext uri="{FF2B5EF4-FFF2-40B4-BE49-F238E27FC236}">
+                <a16:creationId xmlns:a16="http://schemas.microsoft.com/office/drawing/2014/main" xmlns="" id="{C704DD7E-8B1F-4B5A-832E-6B178666BEB8}"/>
               </a:ext>
             </a:extLst>
           </p:cNvPr>
@@ -7089,8 +7203,8 @@
         </p:nvSpPr>
         <p:spPr>
           <a:xfrm>
-            <a:off x="4811672" y="3312680"/>
-            <a:ext cx="1699072" cy="353851"/>
+            <a:off x="4276454" y="6290467"/>
+            <a:ext cx="2219626" cy="412143"/>
           </a:xfrm>
           <a:prstGeom prst="rect">
             <a:avLst/>
@@ -7116,148 +7230,23 @@
           <a:p>
             <a:pPr algn="ctr"/>
             <a:r>
-              <a:rPr lang="ko-KR" altLang="en-US" sz="1333" dirty="0"/>
-              <a:t>신고</a:t>
-            </a:r>
-            <a:endParaRPr sz="1333" dirty="0"/>
-          </a:p>
-        </p:txBody>
-      </p:sp>
-      <p:cxnSp>
-        <p:nvCxnSpPr>
-          <p:cNvPr id="62" name="직선 화살표 연결선 61">
-            <a:extLst>
-              <a:ext uri="{FF2B5EF4-FFF2-40B4-BE49-F238E27FC236}">
-                <a16:creationId xmlns:a16="http://schemas.microsoft.com/office/drawing/2014/main" id="{0FE7E1A2-AFBD-447F-934C-59A4FF4A4A31}"/>
-              </a:ext>
-            </a:extLst>
-          </p:cNvPr>
-          <p:cNvCxnSpPr>
-            <a:cxnSpLocks/>
-            <a:stCxn id="61" idx="1"/>
-            <a:endCxn id="132" idx="3"/>
-          </p:cNvCxnSpPr>
-          <p:nvPr/>
-        </p:nvCxnSpPr>
-        <p:spPr>
-          <a:xfrm flipH="1" flipV="1">
-            <a:off x="4055533" y="3194173"/>
-            <a:ext cx="756139" cy="295433"/>
-          </a:xfrm>
-          <a:prstGeom prst="straightConnector1">
-            <a:avLst/>
-          </a:prstGeom>
-          <a:ln>
-            <a:tailEnd type="triangle"/>
-          </a:ln>
-        </p:spPr>
-        <p:style>
-          <a:lnRef idx="1">
-            <a:schemeClr val="dk1"/>
-          </a:lnRef>
-          <a:fillRef idx="0">
-            <a:schemeClr val="dk1"/>
-          </a:fillRef>
-          <a:effectRef idx="0">
-            <a:schemeClr val="dk1"/>
-          </a:effectRef>
-          <a:fontRef idx="minor">
-            <a:schemeClr val="tx1"/>
-          </a:fontRef>
-        </p:style>
-      </p:cxnSp>
-      <p:cxnSp>
-        <p:nvCxnSpPr>
-          <p:cNvPr id="64" name="직선 화살표 연결선 63">
-            <a:extLst>
-              <a:ext uri="{FF2B5EF4-FFF2-40B4-BE49-F238E27FC236}">
-                <a16:creationId xmlns:a16="http://schemas.microsoft.com/office/drawing/2014/main" id="{CE2FE515-B154-4255-AE81-D1963396C1ED}"/>
-              </a:ext>
-            </a:extLst>
-          </p:cNvPr>
-          <p:cNvCxnSpPr>
-            <a:cxnSpLocks/>
-            <a:stCxn id="54" idx="3"/>
-            <a:endCxn id="140" idx="1"/>
-          </p:cNvCxnSpPr>
-          <p:nvPr/>
-        </p:nvCxnSpPr>
-        <p:spPr>
-          <a:xfrm>
-            <a:off x="957867" y="3231325"/>
-            <a:ext cx="878040" cy="516562"/>
-          </a:xfrm>
-          <a:prstGeom prst="straightConnector1">
-            <a:avLst/>
-          </a:prstGeom>
-          <a:ln>
-            <a:tailEnd type="triangle"/>
-          </a:ln>
-        </p:spPr>
-        <p:style>
-          <a:lnRef idx="1">
-            <a:schemeClr val="dk1"/>
-          </a:lnRef>
-          <a:fillRef idx="0">
-            <a:schemeClr val="dk1"/>
-          </a:fillRef>
-          <a:effectRef idx="0">
-            <a:schemeClr val="dk1"/>
-          </a:effectRef>
-          <a:fontRef idx="minor">
-            <a:schemeClr val="tx1"/>
-          </a:fontRef>
-        </p:style>
-      </p:cxnSp>
-      <p:cxnSp>
-        <p:nvCxnSpPr>
-          <p:cNvPr id="67" name="직선 화살표 연결선 66">
-            <a:extLst>
-              <a:ext uri="{FF2B5EF4-FFF2-40B4-BE49-F238E27FC236}">
-                <a16:creationId xmlns:a16="http://schemas.microsoft.com/office/drawing/2014/main" id="{035063CF-0BE5-4174-A7B5-34F632784F0C}"/>
-              </a:ext>
-            </a:extLst>
-          </p:cNvPr>
-          <p:cNvCxnSpPr>
-            <a:cxnSpLocks/>
-            <a:stCxn id="54" idx="3"/>
-            <a:endCxn id="156" idx="1"/>
-          </p:cNvCxnSpPr>
-          <p:nvPr/>
-        </p:nvCxnSpPr>
-        <p:spPr>
-          <a:xfrm flipV="1">
-            <a:off x="957867" y="2640459"/>
-            <a:ext cx="878040" cy="590866"/>
-          </a:xfrm>
-          <a:prstGeom prst="straightConnector1">
-            <a:avLst/>
-          </a:prstGeom>
-          <a:ln>
-            <a:tailEnd type="triangle"/>
-          </a:ln>
-        </p:spPr>
-        <p:style>
-          <a:lnRef idx="1">
-            <a:schemeClr val="dk1"/>
-          </a:lnRef>
-          <a:fillRef idx="0">
-            <a:schemeClr val="dk1"/>
-          </a:fillRef>
-          <a:effectRef idx="0">
-            <a:schemeClr val="dk1"/>
-          </a:effectRef>
-          <a:fontRef idx="minor">
-            <a:schemeClr val="tx1"/>
-          </a:fontRef>
-        </p:style>
-      </p:cxnSp>
-      <p:sp>
-        <p:nvSpPr>
-          <p:cNvPr id="144" name="Google Shape;102;p13">
-            <a:extLst>
-              <a:ext uri="{FF2B5EF4-FFF2-40B4-BE49-F238E27FC236}">
-                <a16:creationId xmlns:a16="http://schemas.microsoft.com/office/drawing/2014/main" id="{C704DD7E-8B1F-4B5A-832E-6B178666BEB8}"/>
+              <a:rPr lang="en-US" altLang="ko-KR" sz="1300" dirty="0" smtClean="0">
+                <a:ea typeface="맑은 고딕"/>
+              </a:rPr>
+              <a:t>FAQ</a:t>
+            </a:r>
+            <a:endParaRPr lang="ko-KR" altLang="en-US" sz="1300" dirty="0">
+              <a:ea typeface="맑은 고딕"/>
+            </a:endParaRPr>
+          </a:p>
+        </p:txBody>
+      </p:sp>
+      <p:sp>
+        <p:nvSpPr>
+          <p:cNvPr id="59" name="Google Shape;102;p13">
+            <a:extLst>
+              <a:ext uri="{FF2B5EF4-FFF2-40B4-BE49-F238E27FC236}">
+                <a16:creationId xmlns:a16="http://schemas.microsoft.com/office/drawing/2014/main" xmlns="" id="{C704DD7E-8B1F-4B5A-832E-6B178666BEB8}"/>
               </a:ext>
             </a:extLst>
           </p:cNvPr>
@@ -7266,7 +7255,7 @@
         </p:nvSpPr>
         <p:spPr>
           <a:xfrm>
-            <a:off x="1835907" y="219531"/>
+            <a:off x="4276454" y="5341680"/>
             <a:ext cx="2219626" cy="412143"/>
           </a:xfrm>
           <a:prstGeom prst="rect">
@@ -7293,27 +7282,23 @@
           <a:p>
             <a:pPr algn="ctr"/>
             <a:r>
-              <a:rPr lang="ko-KR" altLang="en-US" sz="1333" dirty="0"/>
-              <a:t>로그인 </a:t>
-            </a:r>
-            <a:r>
-              <a:rPr lang="en-US" altLang="ko-KR" sz="1333" dirty="0"/>
-              <a:t>/ </a:t>
-            </a:r>
-            <a:r>
-              <a:rPr lang="ko-KR" altLang="en-US" sz="1333" dirty="0"/>
-              <a:t>회원가입</a:t>
-            </a:r>
-            <a:endParaRPr sz="1333" dirty="0"/>
-          </a:p>
-        </p:txBody>
-      </p:sp>
-      <p:sp>
-        <p:nvSpPr>
-          <p:cNvPr id="146" name="Google Shape;102;p13">
-            <a:extLst>
-              <a:ext uri="{FF2B5EF4-FFF2-40B4-BE49-F238E27FC236}">
-                <a16:creationId xmlns:a16="http://schemas.microsoft.com/office/drawing/2014/main" id="{C704DD7E-8B1F-4B5A-832E-6B178666BEB8}"/>
+              <a:rPr lang="en-US" altLang="ko-KR" sz="1300" dirty="0" smtClean="0">
+                <a:ea typeface="맑은 고딕"/>
+              </a:rPr>
+              <a:t>Q&amp;A</a:t>
+            </a:r>
+            <a:endParaRPr lang="ko-KR" altLang="en-US" sz="1300" dirty="0">
+              <a:ea typeface="맑은 고딕"/>
+            </a:endParaRPr>
+          </a:p>
+        </p:txBody>
+      </p:sp>
+      <p:sp>
+        <p:nvSpPr>
+          <p:cNvPr id="65" name="Google Shape;102;p13">
+            <a:extLst>
+              <a:ext uri="{FF2B5EF4-FFF2-40B4-BE49-F238E27FC236}">
+                <a16:creationId xmlns:a16="http://schemas.microsoft.com/office/drawing/2014/main" xmlns="" id="{66D0C005-DEF3-48FD-A074-0C0ABD142A2A}"/>
               </a:ext>
             </a:extLst>
           </p:cNvPr>
@@ -7322,7 +7307,7 @@
         </p:nvSpPr>
         <p:spPr>
           <a:xfrm>
-            <a:off x="1835907" y="773245"/>
+            <a:off x="1378047" y="4333429"/>
             <a:ext cx="2219626" cy="412143"/>
           </a:xfrm>
           <a:prstGeom prst="rect">
@@ -7349,35 +7334,29 @@
           <a:p>
             <a:pPr algn="ctr"/>
             <a:r>
-              <a:rPr lang="ko-KR" altLang="en-US" sz="1333" dirty="0"/>
-              <a:t>등급</a:t>
-            </a:r>
-            <a:r>
-              <a:rPr lang="en-US" altLang="ko-KR" sz="1333" dirty="0"/>
-              <a:t>, </a:t>
-            </a:r>
-            <a:r>
-              <a:rPr lang="ko-KR" altLang="en-US" sz="1333" dirty="0"/>
-              <a:t>포인트</a:t>
-            </a:r>
-            <a:r>
-              <a:rPr lang="en-US" altLang="ko-KR" sz="1333" dirty="0"/>
-              <a:t>, </a:t>
-            </a:r>
-            <a:r>
-              <a:rPr lang="ko-KR" altLang="en-US" sz="1333" dirty="0"/>
-              <a:t>쿠폰 제도</a:t>
-            </a:r>
-            <a:endParaRPr sz="1333" dirty="0"/>
-          </a:p>
-        </p:txBody>
-      </p:sp>
-      <p:sp>
-        <p:nvSpPr>
-          <p:cNvPr id="214" name="Google Shape;102;p13">
-            <a:extLst>
-              <a:ext uri="{FF2B5EF4-FFF2-40B4-BE49-F238E27FC236}">
-                <a16:creationId xmlns:a16="http://schemas.microsoft.com/office/drawing/2014/main" id="{85AB7D6F-8B57-4DEC-9E37-3F7B85052802}"/>
+              <a:rPr lang="ko-KR" altLang="en-US" sz="1300" dirty="0" err="1" smtClean="0">
+                <a:ea typeface="맑은 고딕"/>
+              </a:rPr>
+              <a:t>밋업</a:t>
+            </a:r>
+            <a:r>
+              <a:rPr lang="ko-KR" altLang="en-US" sz="1300" dirty="0" smtClean="0">
+                <a:ea typeface="맑은 고딕"/>
+              </a:rPr>
+              <a:t> 조회 및 등록</a:t>
+            </a:r>
+            <a:endParaRPr lang="ko-KR" altLang="en-US" sz="1300" dirty="0">
+              <a:ea typeface="맑은 고딕"/>
+            </a:endParaRPr>
+          </a:p>
+        </p:txBody>
+      </p:sp>
+      <p:sp>
+        <p:nvSpPr>
+          <p:cNvPr id="66" name="Google Shape;102;p13">
+            <a:extLst>
+              <a:ext uri="{FF2B5EF4-FFF2-40B4-BE49-F238E27FC236}">
+                <a16:creationId xmlns:a16="http://schemas.microsoft.com/office/drawing/2014/main" xmlns="" id="{66D0C005-DEF3-48FD-A074-0C0ABD142A2A}"/>
               </a:ext>
             </a:extLst>
           </p:cNvPr>
@@ -7386,7 +7365,7 @@
         </p:nvSpPr>
         <p:spPr>
           <a:xfrm>
-            <a:off x="1835907" y="6310390"/>
+            <a:off x="4276454" y="4346731"/>
             <a:ext cx="2219626" cy="412143"/>
           </a:xfrm>
           <a:prstGeom prst="rect">
@@ -7413,27 +7392,29 @@
           <a:p>
             <a:pPr algn="ctr"/>
             <a:r>
-              <a:rPr lang="ko-KR" altLang="en-US" sz="1333" dirty="0"/>
-              <a:t>공지사항 </a:t>
-            </a:r>
-            <a:r>
-              <a:rPr lang="en-US" altLang="ko-KR" sz="1333" dirty="0"/>
-              <a:t>FAQ </a:t>
-            </a:r>
-            <a:r>
-              <a:rPr lang="ko-KR" altLang="en-US" sz="1333" dirty="0"/>
-              <a:t>이용가이드 게시판</a:t>
-            </a:r>
-            <a:endParaRPr sz="1333" dirty="0"/>
-          </a:p>
-        </p:txBody>
-      </p:sp>
-      <p:sp>
-        <p:nvSpPr>
-          <p:cNvPr id="217" name="Google Shape;102;p13">
-            <a:extLst>
-              <a:ext uri="{FF2B5EF4-FFF2-40B4-BE49-F238E27FC236}">
-                <a16:creationId xmlns:a16="http://schemas.microsoft.com/office/drawing/2014/main" id="{66D0C005-DEF3-48FD-A074-0C0ABD142A2A}"/>
+              <a:rPr lang="ko-KR" altLang="en-US" sz="1300" dirty="0" err="1" smtClean="0">
+                <a:ea typeface="맑은 고딕"/>
+              </a:rPr>
+              <a:t>밋업</a:t>
+            </a:r>
+            <a:r>
+              <a:rPr lang="ko-KR" altLang="en-US" sz="1300" dirty="0" smtClean="0">
+                <a:ea typeface="맑은 고딕"/>
+              </a:rPr>
+              <a:t> 참가신청</a:t>
+            </a:r>
+            <a:endParaRPr lang="ko-KR" altLang="en-US" sz="1300" dirty="0">
+              <a:ea typeface="맑은 고딕"/>
+            </a:endParaRPr>
+          </a:p>
+        </p:txBody>
+      </p:sp>
+      <p:sp>
+        <p:nvSpPr>
+          <p:cNvPr id="68" name="Google Shape;102;p13">
+            <a:extLst>
+              <a:ext uri="{FF2B5EF4-FFF2-40B4-BE49-F238E27FC236}">
+                <a16:creationId xmlns:a16="http://schemas.microsoft.com/office/drawing/2014/main" xmlns="" id="{C704DD7E-8B1F-4B5A-832E-6B178666BEB8}"/>
               </a:ext>
             </a:extLst>
           </p:cNvPr>
@@ -7442,7 +7423,7 @@
         </p:nvSpPr>
         <p:spPr>
           <a:xfrm>
-            <a:off x="1835907" y="4649243"/>
+            <a:off x="4276454" y="1166533"/>
             <a:ext cx="2219626" cy="412143"/>
           </a:xfrm>
           <a:prstGeom prst="rect">
@@ -7469,27 +7450,53 @@
           <a:p>
             <a:pPr algn="ctr"/>
             <a:r>
-              <a:rPr lang="ko-KR" altLang="en-US" sz="1333" dirty="0"/>
-              <a:t>상품 </a:t>
-            </a:r>
-            <a:r>
-              <a:rPr lang="ko-KR" altLang="en-US" sz="1333" dirty="0" err="1"/>
-              <a:t>렌탈</a:t>
-            </a:r>
-            <a:r>
-              <a:rPr lang="ko-KR" altLang="en-US" sz="1333" dirty="0"/>
-              <a:t> 요청</a:t>
-            </a:r>
-            <a:endParaRPr sz="1333" dirty="0"/>
-          </a:p>
-        </p:txBody>
-      </p:sp>
-      <p:sp>
-        <p:nvSpPr>
-          <p:cNvPr id="230" name="Google Shape;102;p13">
-            <a:extLst>
-              <a:ext uri="{FF2B5EF4-FFF2-40B4-BE49-F238E27FC236}">
-                <a16:creationId xmlns:a16="http://schemas.microsoft.com/office/drawing/2014/main" id="{C704DD7E-8B1F-4B5A-832E-6B178666BEB8}"/>
+              <a:rPr lang="ko-KR" altLang="en-US" sz="1300" dirty="0" err="1" smtClean="0">
+                <a:ea typeface="맑은 고딕"/>
+              </a:rPr>
+              <a:t>세미나존</a:t>
+            </a:r>
+            <a:r>
+              <a:rPr lang="ko-KR" altLang="en-US" sz="1300" dirty="0" smtClean="0">
+                <a:ea typeface="맑은 고딕"/>
+              </a:rPr>
+              <a:t> 대여 </a:t>
+            </a:r>
+            <a:r>
+              <a:rPr lang="ko-KR" altLang="en-US" sz="1300" dirty="0" smtClean="0">
+                <a:ea typeface="맑은 고딕"/>
+              </a:rPr>
+              <a:t>예</a:t>
+            </a:r>
+            <a:r>
+              <a:rPr lang="ko-KR" altLang="en-US" sz="1300" dirty="0">
+                <a:ea typeface="맑은 고딕"/>
+              </a:rPr>
+              <a:t>약</a:t>
+            </a:r>
+            <a:endParaRPr lang="en-US" altLang="ko-KR" sz="1300" dirty="0" smtClean="0">
+              <a:ea typeface="맑은 고딕"/>
+            </a:endParaRPr>
+          </a:p>
+          <a:p>
+            <a:pPr algn="ctr"/>
+            <a:r>
+              <a:rPr lang="ko-KR" altLang="en-US" sz="1300" dirty="0" smtClean="0">
+                <a:ea typeface="맑은 고딕"/>
+              </a:rPr>
+              <a:t>및 세미나 개최</a:t>
+            </a:r>
+            <a:endParaRPr lang="ko-KR" altLang="en-US" sz="1300" dirty="0">
+              <a:ea typeface="맑은 고딕"/>
+            </a:endParaRPr>
+          </a:p>
+        </p:txBody>
+      </p:sp>
+      <p:sp>
+        <p:nvSpPr>
+          <p:cNvPr id="69" name="Google Shape;102;p13">
+            <a:extLst>
+              <a:ext uri="{FF2B5EF4-FFF2-40B4-BE49-F238E27FC236}">
+                <a16:creationId xmlns:a16="http://schemas.microsoft.com/office/drawing/2014/main" xmlns="" id="{85AB7D6F-8B57-4DEC-9E37-3F7B85052802}"/>
               </a:ext>
             </a:extLst>
           </p:cNvPr>
@@ -7498,7 +7505,7 @@
         </p:nvSpPr>
         <p:spPr>
           <a:xfrm>
-            <a:off x="1835907" y="1880673"/>
+            <a:off x="4276454" y="3286665"/>
             <a:ext cx="2219626" cy="412143"/>
           </a:xfrm>
           <a:prstGeom prst="rect">
@@ -7525,31 +7532,23 @@
           <a:p>
             <a:pPr algn="ctr"/>
             <a:r>
-              <a:rPr lang="en-US" altLang="ko-KR" sz="1333" dirty="0"/>
-              <a:t>E</a:t>
-            </a:r>
-            <a:r>
-              <a:rPr lang="ko-KR" altLang="en-US" sz="1333" dirty="0"/>
-              <a:t>머니 충전 </a:t>
-            </a:r>
-            <a:r>
-              <a:rPr lang="en-US" altLang="ko-KR" sz="1333" dirty="0"/>
-              <a:t>/ </a:t>
-            </a:r>
-            <a:r>
-              <a:rPr lang="ko-KR" altLang="en-US" sz="1333" dirty="0"/>
-              <a:t>출금</a:t>
-            </a:r>
-            <a:endParaRPr sz="1333" dirty="0"/>
-          </a:p>
-        </p:txBody>
-      </p:sp>
-      <p:sp>
-        <p:nvSpPr>
-          <p:cNvPr id="232" name="Google Shape;102;p13">
-            <a:extLst>
-              <a:ext uri="{FF2B5EF4-FFF2-40B4-BE49-F238E27FC236}">
-                <a16:creationId xmlns:a16="http://schemas.microsoft.com/office/drawing/2014/main" id="{66D0C005-DEF3-48FD-A074-0C0ABD142A2A}"/>
+              <a:rPr lang="ko-KR" altLang="en-US" sz="1300" dirty="0" smtClean="0">
+                <a:ea typeface="맑은 고딕"/>
+              </a:rPr>
+              <a:t>세미나 문의하기</a:t>
+            </a:r>
+            <a:endParaRPr sz="1300" dirty="0">
+              <a:ea typeface="맑은 고딕"/>
+            </a:endParaRPr>
+          </a:p>
+        </p:txBody>
+      </p:sp>
+      <p:sp>
+        <p:nvSpPr>
+          <p:cNvPr id="72" name="Google Shape;102;p13">
+            <a:extLst>
+              <a:ext uri="{FF2B5EF4-FFF2-40B4-BE49-F238E27FC236}">
+                <a16:creationId xmlns:a16="http://schemas.microsoft.com/office/drawing/2014/main" xmlns="" id="{85AB7D6F-8B57-4DEC-9E37-3F7B85052802}"/>
               </a:ext>
             </a:extLst>
           </p:cNvPr>
@@ -7558,7 +7557,7 @@
         </p:nvSpPr>
         <p:spPr>
           <a:xfrm>
-            <a:off x="1835907" y="5202957"/>
+            <a:off x="4276454" y="1696566"/>
             <a:ext cx="2219626" cy="412143"/>
           </a:xfrm>
           <a:prstGeom prst="rect">
@@ -7585,39 +7584,25 @@
           <a:p>
             <a:pPr algn="ctr"/>
             <a:r>
-              <a:rPr lang="ko-KR" altLang="en-US" sz="1333" dirty="0"/>
-              <a:t>상품 </a:t>
-            </a:r>
-            <a:r>
-              <a:rPr lang="ko-KR" altLang="en-US" sz="1333" dirty="0" err="1"/>
-              <a:t>찜하기</a:t>
-            </a:r>
-            <a:r>
-              <a:rPr lang="ko-KR" altLang="en-US" sz="1333" dirty="0"/>
-              <a:t> </a:t>
-            </a:r>
-            <a:r>
-              <a:rPr lang="en-US" altLang="ko-KR" sz="1333" dirty="0"/>
-              <a:t>/ </a:t>
-            </a:r>
-            <a:r>
-              <a:rPr lang="ko-KR" altLang="en-US" sz="1333" dirty="0"/>
-              <a:t>회원 </a:t>
-            </a:r>
-            <a:r>
-              <a:rPr lang="ko-KR" altLang="en-US" sz="1333" dirty="0" err="1"/>
-              <a:t>팔로우</a:t>
-            </a:r>
-            <a:endParaRPr sz="1333" dirty="0"/>
-          </a:p>
-        </p:txBody>
-      </p:sp>
-      <p:sp>
-        <p:nvSpPr>
-          <p:cNvPr id="246" name="Google Shape;102;p13">
-            <a:extLst>
-              <a:ext uri="{FF2B5EF4-FFF2-40B4-BE49-F238E27FC236}">
-                <a16:creationId xmlns:a16="http://schemas.microsoft.com/office/drawing/2014/main" id="{C704DD7E-8B1F-4B5A-832E-6B178666BEB8}"/>
+              <a:rPr lang="ko-KR" altLang="en-US" sz="1300" dirty="0" err="1" smtClean="0"/>
+              <a:t>세미나존</a:t>
+            </a:r>
+            <a:r>
+              <a:rPr lang="ko-KR" altLang="en-US" sz="1300" dirty="0" smtClean="0"/>
+              <a:t> 문의하기</a:t>
+            </a:r>
+            <a:endParaRPr sz="1300" dirty="0">
+              <a:ea typeface="맑은 고딕"/>
+            </a:endParaRPr>
+          </a:p>
+        </p:txBody>
+      </p:sp>
+      <p:sp>
+        <p:nvSpPr>
+          <p:cNvPr id="75" name="Google Shape;102;p13">
+            <a:extLst>
+              <a:ext uri="{FF2B5EF4-FFF2-40B4-BE49-F238E27FC236}">
+                <a16:creationId xmlns:a16="http://schemas.microsoft.com/office/drawing/2014/main" xmlns="" id="{85AB7D6F-8B57-4DEC-9E37-3F7B85052802}"/>
               </a:ext>
             </a:extLst>
           </p:cNvPr>
@@ -7626,7 +7611,7 @@
         </p:nvSpPr>
         <p:spPr>
           <a:xfrm>
-            <a:off x="1835907" y="1326959"/>
+            <a:off x="4276454" y="3816698"/>
             <a:ext cx="2219626" cy="412143"/>
           </a:xfrm>
           <a:prstGeom prst="rect">
@@ -7653,47 +7638,23 @@
           <a:p>
             <a:pPr algn="ctr"/>
             <a:r>
-              <a:rPr lang="en-US" sz="1333" dirty="0"/>
-              <a:t>Q&amp;A, </a:t>
-            </a:r>
-            <a:r>
-              <a:rPr lang="ko-KR" altLang="en-US" sz="1333" dirty="0" err="1"/>
-              <a:t>상품렌탈</a:t>
-            </a:r>
-            <a:r>
-              <a:rPr lang="en-US" altLang="ko-KR" sz="1333" dirty="0"/>
-              <a:t>, </a:t>
-            </a:r>
-            <a:r>
-              <a:rPr lang="ko-KR" altLang="en-US" sz="1333" dirty="0" err="1"/>
-              <a:t>렌탈요청</a:t>
-            </a:r>
-            <a:r>
-              <a:rPr lang="en-US" altLang="ko-KR" sz="1333" dirty="0"/>
-              <a:t>, </a:t>
-            </a:r>
-            <a:r>
-              <a:rPr lang="ko-KR" altLang="en-US" sz="1333" dirty="0"/>
-              <a:t>상품 문의</a:t>
-            </a:r>
-            <a:r>
-              <a:rPr lang="en-US" altLang="ko-KR" sz="1333" dirty="0"/>
-              <a:t>, </a:t>
-            </a:r>
-            <a:r>
-              <a:rPr lang="ko-KR" altLang="en-US" sz="1333" dirty="0"/>
-              <a:t>상품 신고 알림</a:t>
-            </a:r>
-            <a:endParaRPr sz="1333" dirty="0"/>
-          </a:p>
-        </p:txBody>
-      </p:sp>
-      <p:sp>
-        <p:nvSpPr>
-          <p:cNvPr id="256" name="Google Shape;102;p13">
-            <a:extLst>
-              <a:ext uri="{FF2B5EF4-FFF2-40B4-BE49-F238E27FC236}">
-                <a16:creationId xmlns:a16="http://schemas.microsoft.com/office/drawing/2014/main" id="{66D0C005-DEF3-48FD-A074-0C0ABD142A2A}"/>
+              <a:rPr lang="ko-KR" altLang="en-US" sz="1300" dirty="0" smtClean="0">
+                <a:ea typeface="맑은 고딕"/>
+              </a:rPr>
+              <a:t>세미나 후기</a:t>
+            </a:r>
+            <a:endParaRPr sz="1300" dirty="0">
+              <a:ea typeface="맑은 고딕"/>
+            </a:endParaRPr>
+          </a:p>
+        </p:txBody>
+      </p:sp>
+      <p:sp>
+        <p:nvSpPr>
+          <p:cNvPr id="76" name="Google Shape;102;p13">
+            <a:extLst>
+              <a:ext uri="{FF2B5EF4-FFF2-40B4-BE49-F238E27FC236}">
+                <a16:creationId xmlns:a16="http://schemas.microsoft.com/office/drawing/2014/main" xmlns="" id="{85AB7D6F-8B57-4DEC-9E37-3F7B85052802}"/>
               </a:ext>
             </a:extLst>
           </p:cNvPr>
@@ -7702,7 +7663,7 @@
         </p:nvSpPr>
         <p:spPr>
           <a:xfrm>
-            <a:off x="1835907" y="4095529"/>
+            <a:off x="4276454" y="2226599"/>
             <a:ext cx="2219626" cy="412143"/>
           </a:xfrm>
           <a:prstGeom prst="rect">
@@ -7729,26 +7690,714 @@
           <a:p>
             <a:pPr algn="ctr"/>
             <a:r>
-              <a:rPr lang="ko-KR" altLang="en-US" sz="1333" dirty="0" err="1"/>
-              <a:t>렌탈</a:t>
-            </a:r>
-            <a:r>
-              <a:rPr lang="ko-KR" altLang="en-US" sz="1333" dirty="0"/>
-              <a:t> 상품 반납</a:t>
-            </a:r>
-            <a:endParaRPr sz="1333" dirty="0"/>
-          </a:p>
-        </p:txBody>
-      </p:sp>
-      <p:sp>
-        <p:nvSpPr>
-          <p:cNvPr id="287" name="Google Shape;105;p13"/>
+              <a:rPr lang="ko-KR" altLang="en-US" sz="1300" dirty="0" err="1" smtClean="0"/>
+              <a:t>세미나존</a:t>
+            </a:r>
+            <a:r>
+              <a:rPr lang="ko-KR" altLang="en-US" sz="1300" dirty="0" smtClean="0"/>
+              <a:t> 후기</a:t>
+            </a:r>
+            <a:endParaRPr sz="1300" dirty="0">
+              <a:ea typeface="맑은 고딕"/>
+            </a:endParaRPr>
+          </a:p>
+        </p:txBody>
+      </p:sp>
+      <p:cxnSp>
+        <p:nvCxnSpPr>
+          <p:cNvPr id="91" name="직선 화살표 연결선 90">
+            <a:extLst>
+              <a:ext uri="{FF2B5EF4-FFF2-40B4-BE49-F238E27FC236}">
+                <a16:creationId xmlns:a16="http://schemas.microsoft.com/office/drawing/2014/main" xmlns="" id="{035063CF-0BE5-4174-A7B5-34F632784F0C}"/>
+              </a:ext>
+            </a:extLst>
+          </p:cNvPr>
+          <p:cNvCxnSpPr>
+            <a:cxnSpLocks/>
+            <a:stCxn id="54" idx="3"/>
+            <a:endCxn id="146" idx="1"/>
+          </p:cNvCxnSpPr>
+          <p:nvPr/>
+        </p:nvCxnSpPr>
+        <p:spPr>
+          <a:xfrm flipV="1">
+            <a:off x="747777" y="329836"/>
+            <a:ext cx="630270" cy="2863383"/>
+          </a:xfrm>
+          <a:prstGeom prst="straightConnector1">
+            <a:avLst/>
+          </a:prstGeom>
+          <a:ln>
+            <a:tailEnd type="triangle"/>
+          </a:ln>
+        </p:spPr>
+        <p:style>
+          <a:lnRef idx="1">
+            <a:schemeClr val="dk1"/>
+          </a:lnRef>
+          <a:fillRef idx="0">
+            <a:schemeClr val="dk1"/>
+          </a:fillRef>
+          <a:effectRef idx="0">
+            <a:schemeClr val="dk1"/>
+          </a:effectRef>
+          <a:fontRef idx="minor">
+            <a:schemeClr val="tx1"/>
+          </a:fontRef>
+        </p:style>
+      </p:cxnSp>
+      <p:cxnSp>
+        <p:nvCxnSpPr>
+          <p:cNvPr id="99" name="직선 화살표 연결선 98">
+            <a:extLst>
+              <a:ext uri="{FF2B5EF4-FFF2-40B4-BE49-F238E27FC236}">
+                <a16:creationId xmlns:a16="http://schemas.microsoft.com/office/drawing/2014/main" xmlns="" id="{CE2FE515-B154-4255-AE81-D1963396C1ED}"/>
+              </a:ext>
+            </a:extLst>
+          </p:cNvPr>
+          <p:cNvCxnSpPr>
+            <a:cxnSpLocks/>
+            <a:stCxn id="54" idx="3"/>
+            <a:endCxn id="256" idx="1"/>
+          </p:cNvCxnSpPr>
+          <p:nvPr/>
+        </p:nvCxnSpPr>
+        <p:spPr>
+          <a:xfrm>
+            <a:off x="747777" y="3193219"/>
+            <a:ext cx="630270" cy="1892462"/>
+          </a:xfrm>
+          <a:prstGeom prst="straightConnector1">
+            <a:avLst/>
+          </a:prstGeom>
+          <a:ln>
+            <a:tailEnd type="triangle"/>
+          </a:ln>
+        </p:spPr>
+        <p:style>
+          <a:lnRef idx="1">
+            <a:schemeClr val="dk1"/>
+          </a:lnRef>
+          <a:fillRef idx="0">
+            <a:schemeClr val="dk1"/>
+          </a:fillRef>
+          <a:effectRef idx="0">
+            <a:schemeClr val="dk1"/>
+          </a:effectRef>
+          <a:fontRef idx="minor">
+            <a:schemeClr val="tx1"/>
+          </a:fontRef>
+        </p:style>
+      </p:cxnSp>
+      <p:cxnSp>
+        <p:nvCxnSpPr>
+          <p:cNvPr id="106" name="직선 화살표 연결선 105">
+            <a:extLst>
+              <a:ext uri="{FF2B5EF4-FFF2-40B4-BE49-F238E27FC236}">
+                <a16:creationId xmlns:a16="http://schemas.microsoft.com/office/drawing/2014/main" xmlns="" id="{9BAA9AE0-8263-4AD7-8D96-4564D0DF4032}"/>
+              </a:ext>
+            </a:extLst>
+          </p:cNvPr>
+          <p:cNvCxnSpPr>
+            <a:stCxn id="54" idx="3"/>
+            <a:endCxn id="246" idx="1"/>
+          </p:cNvCxnSpPr>
+          <p:nvPr/>
+        </p:nvCxnSpPr>
+        <p:spPr>
+          <a:xfrm>
+            <a:off x="747777" y="3193219"/>
+            <a:ext cx="630270" cy="3303321"/>
+          </a:xfrm>
+          <a:prstGeom prst="straightConnector1">
+            <a:avLst/>
+          </a:prstGeom>
+          <a:ln>
+            <a:tailEnd type="triangle"/>
+          </a:ln>
+        </p:spPr>
+        <p:style>
+          <a:lnRef idx="1">
+            <a:schemeClr val="dk1"/>
+          </a:lnRef>
+          <a:fillRef idx="0">
+            <a:schemeClr val="dk1"/>
+          </a:fillRef>
+          <a:effectRef idx="0">
+            <a:schemeClr val="dk1"/>
+          </a:effectRef>
+          <a:fontRef idx="minor">
+            <a:schemeClr val="tx1"/>
+          </a:fontRef>
+        </p:style>
+      </p:cxnSp>
+      <p:cxnSp>
+        <p:nvCxnSpPr>
+          <p:cNvPr id="107" name="직선 화살표 연결선 106">
+            <a:extLst>
+              <a:ext uri="{FF2B5EF4-FFF2-40B4-BE49-F238E27FC236}">
+                <a16:creationId xmlns:a16="http://schemas.microsoft.com/office/drawing/2014/main" xmlns="" id="{035063CF-0BE5-4174-A7B5-34F632784F0C}"/>
+              </a:ext>
+            </a:extLst>
+          </p:cNvPr>
+          <p:cNvCxnSpPr>
+            <a:cxnSpLocks/>
+            <a:stCxn id="146" idx="3"/>
+            <a:endCxn id="144" idx="1"/>
+          </p:cNvCxnSpPr>
+          <p:nvPr/>
+        </p:nvCxnSpPr>
+        <p:spPr>
+          <a:xfrm flipV="1">
+            <a:off x="3597673" y="312539"/>
+            <a:ext cx="678781" cy="17297"/>
+          </a:xfrm>
+          <a:prstGeom prst="straightConnector1">
+            <a:avLst/>
+          </a:prstGeom>
+          <a:ln>
+            <a:tailEnd type="triangle"/>
+          </a:ln>
+        </p:spPr>
+        <p:style>
+          <a:lnRef idx="1">
+            <a:schemeClr val="dk1"/>
+          </a:lnRef>
+          <a:fillRef idx="0">
+            <a:schemeClr val="dk1"/>
+          </a:fillRef>
+          <a:effectRef idx="0">
+            <a:schemeClr val="dk1"/>
+          </a:effectRef>
+          <a:fontRef idx="minor">
+            <a:schemeClr val="tx1"/>
+          </a:fontRef>
+        </p:style>
+      </p:cxnSp>
+      <p:cxnSp>
+        <p:nvCxnSpPr>
+          <p:cNvPr id="108" name="직선 화살표 연결선 107">
+            <a:extLst>
+              <a:ext uri="{FF2B5EF4-FFF2-40B4-BE49-F238E27FC236}">
+                <a16:creationId xmlns:a16="http://schemas.microsoft.com/office/drawing/2014/main" xmlns="" id="{035063CF-0BE5-4174-A7B5-34F632784F0C}"/>
+              </a:ext>
+            </a:extLst>
+          </p:cNvPr>
+          <p:cNvCxnSpPr>
+            <a:cxnSpLocks/>
+            <a:stCxn id="146" idx="3"/>
+            <a:endCxn id="48" idx="1"/>
+          </p:cNvCxnSpPr>
+          <p:nvPr/>
+        </p:nvCxnSpPr>
+        <p:spPr>
+          <a:xfrm>
+            <a:off x="3597673" y="329836"/>
+            <a:ext cx="678781" cy="512736"/>
+          </a:xfrm>
+          <a:prstGeom prst="straightConnector1">
+            <a:avLst/>
+          </a:prstGeom>
+          <a:ln>
+            <a:tailEnd type="triangle"/>
+          </a:ln>
+        </p:spPr>
+        <p:style>
+          <a:lnRef idx="1">
+            <a:schemeClr val="dk1"/>
+          </a:lnRef>
+          <a:fillRef idx="0">
+            <a:schemeClr val="dk1"/>
+          </a:fillRef>
+          <a:effectRef idx="0">
+            <a:schemeClr val="dk1"/>
+          </a:effectRef>
+          <a:fontRef idx="minor">
+            <a:schemeClr val="tx1"/>
+          </a:fontRef>
+        </p:style>
+      </p:cxnSp>
+      <p:cxnSp>
+        <p:nvCxnSpPr>
+          <p:cNvPr id="112" name="직선 화살표 연결선 111">
+            <a:extLst>
+              <a:ext uri="{FF2B5EF4-FFF2-40B4-BE49-F238E27FC236}">
+                <a16:creationId xmlns:a16="http://schemas.microsoft.com/office/drawing/2014/main" xmlns="" id="{035063CF-0BE5-4174-A7B5-34F632784F0C}"/>
+              </a:ext>
+            </a:extLst>
+          </p:cNvPr>
+          <p:cNvCxnSpPr>
+            <a:cxnSpLocks/>
+            <a:stCxn id="156" idx="3"/>
+            <a:endCxn id="68" idx="1"/>
+          </p:cNvCxnSpPr>
+          <p:nvPr/>
+        </p:nvCxnSpPr>
+        <p:spPr>
+          <a:xfrm flipV="1">
+            <a:off x="3597673" y="1372605"/>
+            <a:ext cx="678781" cy="69094"/>
+          </a:xfrm>
+          <a:prstGeom prst="straightConnector1">
+            <a:avLst/>
+          </a:prstGeom>
+          <a:ln>
+            <a:tailEnd type="triangle"/>
+          </a:ln>
+        </p:spPr>
+        <p:style>
+          <a:lnRef idx="1">
+            <a:schemeClr val="dk1"/>
+          </a:lnRef>
+          <a:fillRef idx="0">
+            <a:schemeClr val="dk1"/>
+          </a:fillRef>
+          <a:effectRef idx="0">
+            <a:schemeClr val="dk1"/>
+          </a:effectRef>
+          <a:fontRef idx="minor">
+            <a:schemeClr val="tx1"/>
+          </a:fontRef>
+        </p:style>
+      </p:cxnSp>
+      <p:cxnSp>
+        <p:nvCxnSpPr>
+          <p:cNvPr id="115" name="직선 화살표 연결선 114">
+            <a:extLst>
+              <a:ext uri="{FF2B5EF4-FFF2-40B4-BE49-F238E27FC236}">
+                <a16:creationId xmlns:a16="http://schemas.microsoft.com/office/drawing/2014/main" xmlns="" id="{035063CF-0BE5-4174-A7B5-34F632784F0C}"/>
+              </a:ext>
+            </a:extLst>
+          </p:cNvPr>
+          <p:cNvCxnSpPr>
+            <a:cxnSpLocks/>
+            <a:stCxn id="156" idx="3"/>
+            <a:endCxn id="72" idx="1"/>
+          </p:cNvCxnSpPr>
+          <p:nvPr/>
+        </p:nvCxnSpPr>
+        <p:spPr>
+          <a:xfrm>
+            <a:off x="3597673" y="1441699"/>
+            <a:ext cx="678781" cy="460939"/>
+          </a:xfrm>
+          <a:prstGeom prst="straightConnector1">
+            <a:avLst/>
+          </a:prstGeom>
+          <a:ln>
+            <a:tailEnd type="triangle"/>
+          </a:ln>
+        </p:spPr>
+        <p:style>
+          <a:lnRef idx="1">
+            <a:schemeClr val="dk1"/>
+          </a:lnRef>
+          <a:fillRef idx="0">
+            <a:schemeClr val="dk1"/>
+          </a:fillRef>
+          <a:effectRef idx="0">
+            <a:schemeClr val="dk1"/>
+          </a:effectRef>
+          <a:fontRef idx="minor">
+            <a:schemeClr val="tx1"/>
+          </a:fontRef>
+        </p:style>
+      </p:cxnSp>
+      <p:cxnSp>
+        <p:nvCxnSpPr>
+          <p:cNvPr id="118" name="직선 화살표 연결선 117">
+            <a:extLst>
+              <a:ext uri="{FF2B5EF4-FFF2-40B4-BE49-F238E27FC236}">
+                <a16:creationId xmlns:a16="http://schemas.microsoft.com/office/drawing/2014/main" xmlns="" id="{035063CF-0BE5-4174-A7B5-34F632784F0C}"/>
+              </a:ext>
+            </a:extLst>
+          </p:cNvPr>
+          <p:cNvCxnSpPr>
+            <a:cxnSpLocks/>
+            <a:stCxn id="156" idx="3"/>
+            <a:endCxn id="76" idx="1"/>
+          </p:cNvCxnSpPr>
+          <p:nvPr/>
+        </p:nvCxnSpPr>
+        <p:spPr>
+          <a:xfrm>
+            <a:off x="3597673" y="1441699"/>
+            <a:ext cx="678781" cy="990972"/>
+          </a:xfrm>
+          <a:prstGeom prst="straightConnector1">
+            <a:avLst/>
+          </a:prstGeom>
+          <a:ln>
+            <a:tailEnd type="triangle"/>
+          </a:ln>
+        </p:spPr>
+        <p:style>
+          <a:lnRef idx="1">
+            <a:schemeClr val="dk1"/>
+          </a:lnRef>
+          <a:fillRef idx="0">
+            <a:schemeClr val="dk1"/>
+          </a:fillRef>
+          <a:effectRef idx="0">
+            <a:schemeClr val="dk1"/>
+          </a:effectRef>
+          <a:fontRef idx="minor">
+            <a:schemeClr val="tx1"/>
+          </a:fontRef>
+        </p:style>
+      </p:cxnSp>
+      <p:cxnSp>
+        <p:nvCxnSpPr>
+          <p:cNvPr id="120" name="직선 화살표 연결선 119">
+            <a:extLst>
+              <a:ext uri="{FF2B5EF4-FFF2-40B4-BE49-F238E27FC236}">
+                <a16:creationId xmlns:a16="http://schemas.microsoft.com/office/drawing/2014/main" xmlns="" id="{035063CF-0BE5-4174-A7B5-34F632784F0C}"/>
+              </a:ext>
+            </a:extLst>
+          </p:cNvPr>
+          <p:cNvCxnSpPr>
+            <a:cxnSpLocks/>
+            <a:stCxn id="132" idx="3"/>
+            <a:endCxn id="140" idx="1"/>
+          </p:cNvCxnSpPr>
+          <p:nvPr/>
+        </p:nvCxnSpPr>
+        <p:spPr>
+          <a:xfrm flipV="1">
+            <a:off x="3597673" y="2962704"/>
+            <a:ext cx="678781" cy="192410"/>
+          </a:xfrm>
+          <a:prstGeom prst="straightConnector1">
+            <a:avLst/>
+          </a:prstGeom>
+          <a:ln>
+            <a:tailEnd type="triangle"/>
+          </a:ln>
+        </p:spPr>
+        <p:style>
+          <a:lnRef idx="1">
+            <a:schemeClr val="dk1"/>
+          </a:lnRef>
+          <a:fillRef idx="0">
+            <a:schemeClr val="dk1"/>
+          </a:fillRef>
+          <a:effectRef idx="0">
+            <a:schemeClr val="dk1"/>
+          </a:effectRef>
+          <a:fontRef idx="minor">
+            <a:schemeClr val="tx1"/>
+          </a:fontRef>
+        </p:style>
+      </p:cxnSp>
+      <p:cxnSp>
+        <p:nvCxnSpPr>
+          <p:cNvPr id="123" name="직선 화살표 연결선 122">
+            <a:extLst>
+              <a:ext uri="{FF2B5EF4-FFF2-40B4-BE49-F238E27FC236}">
+                <a16:creationId xmlns:a16="http://schemas.microsoft.com/office/drawing/2014/main" xmlns="" id="{035063CF-0BE5-4174-A7B5-34F632784F0C}"/>
+              </a:ext>
+            </a:extLst>
+          </p:cNvPr>
+          <p:cNvCxnSpPr>
+            <a:cxnSpLocks/>
+            <a:stCxn id="132" idx="3"/>
+            <a:endCxn id="69" idx="1"/>
+          </p:cNvCxnSpPr>
+          <p:nvPr/>
+        </p:nvCxnSpPr>
+        <p:spPr>
+          <a:xfrm>
+            <a:off x="3597673" y="3155114"/>
+            <a:ext cx="678781" cy="337623"/>
+          </a:xfrm>
+          <a:prstGeom prst="straightConnector1">
+            <a:avLst/>
+          </a:prstGeom>
+          <a:ln>
+            <a:tailEnd type="triangle"/>
+          </a:ln>
+        </p:spPr>
+        <p:style>
+          <a:lnRef idx="1">
+            <a:schemeClr val="dk1"/>
+          </a:lnRef>
+          <a:fillRef idx="0">
+            <a:schemeClr val="dk1"/>
+          </a:fillRef>
+          <a:effectRef idx="0">
+            <a:schemeClr val="dk1"/>
+          </a:effectRef>
+          <a:fontRef idx="minor">
+            <a:schemeClr val="tx1"/>
+          </a:fontRef>
+        </p:style>
+      </p:cxnSp>
+      <p:cxnSp>
+        <p:nvCxnSpPr>
+          <p:cNvPr id="126" name="직선 화살표 연결선 125">
+            <a:extLst>
+              <a:ext uri="{FF2B5EF4-FFF2-40B4-BE49-F238E27FC236}">
+                <a16:creationId xmlns:a16="http://schemas.microsoft.com/office/drawing/2014/main" xmlns="" id="{035063CF-0BE5-4174-A7B5-34F632784F0C}"/>
+              </a:ext>
+            </a:extLst>
+          </p:cNvPr>
+          <p:cNvCxnSpPr>
+            <a:cxnSpLocks/>
+            <a:stCxn id="132" idx="3"/>
+            <a:endCxn id="75" idx="1"/>
+          </p:cNvCxnSpPr>
+          <p:nvPr/>
+        </p:nvCxnSpPr>
+        <p:spPr>
+          <a:xfrm>
+            <a:off x="3597673" y="3155114"/>
+            <a:ext cx="678781" cy="867656"/>
+          </a:xfrm>
+          <a:prstGeom prst="straightConnector1">
+            <a:avLst/>
+          </a:prstGeom>
+          <a:ln>
+            <a:tailEnd type="triangle"/>
+          </a:ln>
+        </p:spPr>
+        <p:style>
+          <a:lnRef idx="1">
+            <a:schemeClr val="dk1"/>
+          </a:lnRef>
+          <a:fillRef idx="0">
+            <a:schemeClr val="dk1"/>
+          </a:fillRef>
+          <a:effectRef idx="0">
+            <a:schemeClr val="dk1"/>
+          </a:effectRef>
+          <a:fontRef idx="minor">
+            <a:schemeClr val="tx1"/>
+          </a:fontRef>
+        </p:style>
+      </p:cxnSp>
+      <p:cxnSp>
+        <p:nvCxnSpPr>
+          <p:cNvPr id="134" name="직선 화살표 연결선 133">
+            <a:extLst>
+              <a:ext uri="{FF2B5EF4-FFF2-40B4-BE49-F238E27FC236}">
+                <a16:creationId xmlns:a16="http://schemas.microsoft.com/office/drawing/2014/main" xmlns="" id="{035063CF-0BE5-4174-A7B5-34F632784F0C}"/>
+              </a:ext>
+            </a:extLst>
+          </p:cNvPr>
+          <p:cNvCxnSpPr>
+            <a:cxnSpLocks/>
+            <a:stCxn id="65" idx="3"/>
+            <a:endCxn id="66" idx="1"/>
+          </p:cNvCxnSpPr>
+          <p:nvPr/>
+        </p:nvCxnSpPr>
+        <p:spPr>
+          <a:xfrm>
+            <a:off x="3597673" y="4539501"/>
+            <a:ext cx="678781" cy="13302"/>
+          </a:xfrm>
+          <a:prstGeom prst="straightConnector1">
+            <a:avLst/>
+          </a:prstGeom>
+          <a:ln>
+            <a:tailEnd type="triangle"/>
+          </a:ln>
+        </p:spPr>
+        <p:style>
+          <a:lnRef idx="1">
+            <a:schemeClr val="dk1"/>
+          </a:lnRef>
+          <a:fillRef idx="0">
+            <a:schemeClr val="dk1"/>
+          </a:fillRef>
+          <a:effectRef idx="0">
+            <a:schemeClr val="dk1"/>
+          </a:effectRef>
+          <a:fontRef idx="minor">
+            <a:schemeClr val="tx1"/>
+          </a:fontRef>
+        </p:style>
+      </p:cxnSp>
+      <p:cxnSp>
+        <p:nvCxnSpPr>
+          <p:cNvPr id="145" name="직선 화살표 연결선 144">
+            <a:extLst>
+              <a:ext uri="{FF2B5EF4-FFF2-40B4-BE49-F238E27FC236}">
+                <a16:creationId xmlns:a16="http://schemas.microsoft.com/office/drawing/2014/main" xmlns="" id="{035063CF-0BE5-4174-A7B5-34F632784F0C}"/>
+              </a:ext>
+            </a:extLst>
+          </p:cNvPr>
+          <p:cNvCxnSpPr>
+            <a:cxnSpLocks/>
+            <a:stCxn id="133" idx="3"/>
+            <a:endCxn id="59" idx="1"/>
+          </p:cNvCxnSpPr>
+          <p:nvPr/>
+        </p:nvCxnSpPr>
+        <p:spPr>
+          <a:xfrm flipV="1">
+            <a:off x="3597673" y="5547752"/>
+            <a:ext cx="678781" cy="124501"/>
+          </a:xfrm>
+          <a:prstGeom prst="straightConnector1">
+            <a:avLst/>
+          </a:prstGeom>
+          <a:ln>
+            <a:tailEnd type="triangle"/>
+          </a:ln>
+        </p:spPr>
+        <p:style>
+          <a:lnRef idx="1">
+            <a:schemeClr val="dk1"/>
+          </a:lnRef>
+          <a:fillRef idx="0">
+            <a:schemeClr val="dk1"/>
+          </a:fillRef>
+          <a:effectRef idx="0">
+            <a:schemeClr val="dk1"/>
+          </a:effectRef>
+          <a:fontRef idx="minor">
+            <a:schemeClr val="tx1"/>
+          </a:fontRef>
+        </p:style>
+      </p:cxnSp>
+      <p:cxnSp>
+        <p:nvCxnSpPr>
+          <p:cNvPr id="148" name="직선 화살표 연결선 147">
+            <a:extLst>
+              <a:ext uri="{FF2B5EF4-FFF2-40B4-BE49-F238E27FC236}">
+                <a16:creationId xmlns:a16="http://schemas.microsoft.com/office/drawing/2014/main" xmlns="" id="{035063CF-0BE5-4174-A7B5-34F632784F0C}"/>
+              </a:ext>
+            </a:extLst>
+          </p:cNvPr>
+          <p:cNvCxnSpPr>
+            <a:cxnSpLocks/>
+            <a:stCxn id="246" idx="3"/>
+          </p:cNvCxnSpPr>
+          <p:nvPr/>
+        </p:nvCxnSpPr>
+        <p:spPr>
+          <a:xfrm flipV="1">
+            <a:off x="3597673" y="5547752"/>
+            <a:ext cx="678781" cy="948788"/>
+          </a:xfrm>
+          <a:prstGeom prst="straightConnector1">
+            <a:avLst/>
+          </a:prstGeom>
+          <a:ln>
+            <a:tailEnd type="triangle"/>
+          </a:ln>
+        </p:spPr>
+        <p:style>
+          <a:lnRef idx="1">
+            <a:schemeClr val="dk1"/>
+          </a:lnRef>
+          <a:fillRef idx="0">
+            <a:schemeClr val="dk1"/>
+          </a:fillRef>
+          <a:effectRef idx="0">
+            <a:schemeClr val="dk1"/>
+          </a:effectRef>
+          <a:fontRef idx="minor">
+            <a:schemeClr val="tx1"/>
+          </a:fontRef>
+        </p:style>
+      </p:cxnSp>
+      <p:cxnSp>
+        <p:nvCxnSpPr>
+          <p:cNvPr id="151" name="직선 화살표 연결선 150">
+            <a:extLst>
+              <a:ext uri="{FF2B5EF4-FFF2-40B4-BE49-F238E27FC236}">
+                <a16:creationId xmlns:a16="http://schemas.microsoft.com/office/drawing/2014/main" xmlns="" id="{035063CF-0BE5-4174-A7B5-34F632784F0C}"/>
+              </a:ext>
+            </a:extLst>
+          </p:cNvPr>
+          <p:cNvCxnSpPr>
+            <a:cxnSpLocks/>
+            <a:stCxn id="246" idx="3"/>
+            <a:endCxn id="56" idx="1"/>
+          </p:cNvCxnSpPr>
+          <p:nvPr/>
+        </p:nvCxnSpPr>
+        <p:spPr>
+          <a:xfrm flipV="1">
+            <a:off x="3597673" y="6022146"/>
+            <a:ext cx="678781" cy="474394"/>
+          </a:xfrm>
+          <a:prstGeom prst="straightConnector1">
+            <a:avLst/>
+          </a:prstGeom>
+          <a:ln>
+            <a:tailEnd type="triangle"/>
+          </a:ln>
+        </p:spPr>
+        <p:style>
+          <a:lnRef idx="1">
+            <a:schemeClr val="dk1"/>
+          </a:lnRef>
+          <a:fillRef idx="0">
+            <a:schemeClr val="dk1"/>
+          </a:fillRef>
+          <a:effectRef idx="0">
+            <a:schemeClr val="dk1"/>
+          </a:effectRef>
+          <a:fontRef idx="minor">
+            <a:schemeClr val="tx1"/>
+          </a:fontRef>
+        </p:style>
+      </p:cxnSp>
+      <p:cxnSp>
+        <p:nvCxnSpPr>
+          <p:cNvPr id="154" name="직선 화살표 연결선 153">
+            <a:extLst>
+              <a:ext uri="{FF2B5EF4-FFF2-40B4-BE49-F238E27FC236}">
+                <a16:creationId xmlns:a16="http://schemas.microsoft.com/office/drawing/2014/main" xmlns="" id="{035063CF-0BE5-4174-A7B5-34F632784F0C}"/>
+              </a:ext>
+            </a:extLst>
+          </p:cNvPr>
+          <p:cNvCxnSpPr>
+            <a:cxnSpLocks/>
+            <a:stCxn id="246" idx="3"/>
+            <a:endCxn id="57" idx="1"/>
+          </p:cNvCxnSpPr>
+          <p:nvPr/>
+        </p:nvCxnSpPr>
+        <p:spPr>
+          <a:xfrm flipV="1">
+            <a:off x="3597673" y="6496539"/>
+            <a:ext cx="678781" cy="1"/>
+          </a:xfrm>
+          <a:prstGeom prst="straightConnector1">
+            <a:avLst/>
+          </a:prstGeom>
+          <a:ln>
+            <a:tailEnd type="triangle"/>
+          </a:ln>
+        </p:spPr>
+        <p:style>
+          <a:lnRef idx="1">
+            <a:schemeClr val="dk1"/>
+          </a:lnRef>
+          <a:fillRef idx="0">
+            <a:schemeClr val="dk1"/>
+          </a:fillRef>
+          <a:effectRef idx="0">
+            <a:schemeClr val="dk1"/>
+          </a:effectRef>
+          <a:fontRef idx="minor">
+            <a:schemeClr val="tx1"/>
+          </a:fontRef>
+        </p:style>
+      </p:cxnSp>
+      <p:sp>
+        <p:nvSpPr>
+          <p:cNvPr id="157" name="Google Shape;96;p13"/>
           <p:cNvSpPr/>
           <p:nvPr/>
         </p:nvSpPr>
         <p:spPr>
           <a:xfrm>
-            <a:off x="7924261" y="2975635"/>
+            <a:off x="8050484" y="6166342"/>
             <a:ext cx="1869600" cy="512000"/>
           </a:xfrm>
           <a:prstGeom prst="rect">
@@ -7775,8 +8424,16 @@
           <a:p>
             <a:pPr algn="ctr"/>
             <a:r>
-              <a:rPr lang="ko-KR" altLang="en-US" sz="1333" dirty="0"/>
-              <a:t>카테고리 관리</a:t>
+              <a:rPr lang="ko-KR" altLang="en-US" sz="1333" dirty="0" smtClean="0"/>
+              <a:t>관리자 계정</a:t>
+            </a:r>
+            <a:r>
+              <a:rPr lang="ko" altLang="en-US" sz="1333" dirty="0" smtClean="0"/>
+              <a:t> </a:t>
+            </a:r>
+            <a:r>
+              <a:rPr lang="ko" altLang="en-US" sz="1333" dirty="0"/>
+              <a:t>관리</a:t>
             </a:r>
             <a:endParaRPr sz="1333" dirty="0"/>
           </a:p>
@@ -7784,20 +8441,14 @@
       </p:sp>
       <p:sp>
         <p:nvSpPr>
-          <p:cNvPr id="293" name="Google Shape;102;p13">
-            <a:extLst>
-              <a:ext uri="{FF2B5EF4-FFF2-40B4-BE49-F238E27FC236}">
-                <a16:creationId xmlns:a16="http://schemas.microsoft.com/office/drawing/2014/main" id="{BD2B7044-AE64-4FDD-A94F-3B6D34A54012}"/>
-              </a:ext>
-            </a:extLst>
-          </p:cNvPr>
+          <p:cNvPr id="167" name="Google Shape;96;p13"/>
           <p:cNvSpPr/>
           <p:nvPr/>
         </p:nvSpPr>
         <p:spPr>
           <a:xfrm>
-            <a:off x="4811673" y="4543707"/>
-            <a:ext cx="1699071" cy="353851"/>
+            <a:off x="8050484" y="238342"/>
+            <a:ext cx="1869600" cy="512000"/>
           </a:xfrm>
           <a:prstGeom prst="rect">
             <a:avLst/>
@@ -7823,29 +8474,543 @@
           <a:p>
             <a:pPr algn="ctr"/>
             <a:r>
-              <a:rPr lang="ko-KR" altLang="en-US" sz="1333"/>
-              <a:t>후기 등록</a:t>
-            </a:r>
-            <a:endParaRPr lang="en-US" altLang="ko-KR" sz="1333" dirty="0"/>
-          </a:p>
-        </p:txBody>
-      </p:sp>
-      <p:sp>
-        <p:nvSpPr>
-          <p:cNvPr id="84" name="Google Shape;102;p13">
-            <a:extLst>
-              <a:ext uri="{FF2B5EF4-FFF2-40B4-BE49-F238E27FC236}">
-                <a16:creationId xmlns:a16="http://schemas.microsoft.com/office/drawing/2014/main" id="{BD2B7044-AE64-4FDD-A94F-3B6D34A54012}"/>
-              </a:ext>
-            </a:extLst>
-          </p:cNvPr>
+              <a:rPr lang="ko-KR" altLang="en-US" sz="1400" dirty="0" err="1"/>
+              <a:t>메인화면</a:t>
+            </a:r>
+            <a:r>
+              <a:rPr lang="ko-KR" altLang="en-US" sz="1400" dirty="0"/>
+              <a:t> 관리</a:t>
+            </a:r>
+          </a:p>
+          <a:p>
+            <a:pPr algn="ctr"/>
+            <a:r>
+              <a:rPr lang="ko-KR" altLang="en-US" sz="1400" dirty="0"/>
+              <a:t>(</a:t>
+            </a:r>
+            <a:r>
+              <a:rPr lang="ko-KR" altLang="en-US" sz="1400" dirty="0" err="1"/>
+              <a:t>캐러셀</a:t>
+            </a:r>
+            <a:r>
+              <a:rPr lang="ko-KR" altLang="en-US" sz="1400" dirty="0"/>
+              <a:t> 이미지)</a:t>
+            </a:r>
+            <a:endParaRPr lang="ko-KR" altLang="en-US" sz="1400" dirty="0"/>
+          </a:p>
+        </p:txBody>
+      </p:sp>
+      <p:cxnSp>
+        <p:nvCxnSpPr>
+          <p:cNvPr id="178" name="Google Shape;103;p13"/>
+          <p:cNvCxnSpPr>
+            <a:stCxn id="96" idx="1"/>
+            <a:endCxn id="144" idx="3"/>
+          </p:cNvCxnSpPr>
+          <p:nvPr/>
+        </p:nvCxnSpPr>
+        <p:spPr>
+          <a:xfrm flipH="1" flipV="1">
+            <a:off x="6496080" y="312539"/>
+            <a:ext cx="1554404" cy="1156913"/>
+          </a:xfrm>
+          <a:prstGeom prst="straightConnector1">
+            <a:avLst/>
+          </a:prstGeom>
+          <a:noFill/>
+          <a:ln w="9525" cap="flat" cmpd="sng">
+            <a:solidFill>
+              <a:schemeClr val="dk2"/>
+            </a:solidFill>
+            <a:prstDash val="solid"/>
+            <a:round/>
+            <a:headEnd type="none" w="med" len="med"/>
+            <a:tailEnd type="triangle" w="med" len="med"/>
+          </a:ln>
+        </p:spPr>
+      </p:cxnSp>
+      <p:cxnSp>
+        <p:nvCxnSpPr>
+          <p:cNvPr id="181" name="Google Shape;103;p13"/>
+          <p:cNvCxnSpPr>
+            <a:stCxn id="96" idx="1"/>
+            <a:endCxn id="48" idx="3"/>
+          </p:cNvCxnSpPr>
+          <p:nvPr/>
+        </p:nvCxnSpPr>
+        <p:spPr>
+          <a:xfrm flipH="1" flipV="1">
+            <a:off x="6496080" y="842572"/>
+            <a:ext cx="1554404" cy="626880"/>
+          </a:xfrm>
+          <a:prstGeom prst="straightConnector1">
+            <a:avLst/>
+          </a:prstGeom>
+          <a:noFill/>
+          <a:ln w="9525" cap="flat" cmpd="sng">
+            <a:solidFill>
+              <a:schemeClr val="dk2"/>
+            </a:solidFill>
+            <a:prstDash val="solid"/>
+            <a:round/>
+            <a:headEnd type="none" w="med" len="med"/>
+            <a:tailEnd type="triangle" w="med" len="med"/>
+          </a:ln>
+        </p:spPr>
+      </p:cxnSp>
+      <p:cxnSp>
+        <p:nvCxnSpPr>
+          <p:cNvPr id="184" name="Google Shape;103;p13"/>
+          <p:cNvCxnSpPr>
+            <a:stCxn id="105" idx="1"/>
+            <a:endCxn id="68" idx="3"/>
+          </p:cNvCxnSpPr>
+          <p:nvPr/>
+        </p:nvCxnSpPr>
+        <p:spPr>
+          <a:xfrm flipH="1" flipV="1">
+            <a:off x="6496080" y="1372605"/>
+            <a:ext cx="1554404" cy="1006135"/>
+          </a:xfrm>
+          <a:prstGeom prst="straightConnector1">
+            <a:avLst/>
+          </a:prstGeom>
+          <a:noFill/>
+          <a:ln w="9525" cap="flat" cmpd="sng">
+            <a:solidFill>
+              <a:schemeClr val="dk2"/>
+            </a:solidFill>
+            <a:prstDash val="solid"/>
+            <a:round/>
+            <a:headEnd type="none" w="med" len="med"/>
+            <a:tailEnd type="triangle" w="med" len="med"/>
+          </a:ln>
+        </p:spPr>
+      </p:cxnSp>
+      <p:cxnSp>
+        <p:nvCxnSpPr>
+          <p:cNvPr id="187" name="Google Shape;103;p13"/>
+          <p:cNvCxnSpPr>
+            <a:stCxn id="105" idx="1"/>
+            <a:endCxn id="72" idx="3"/>
+          </p:cNvCxnSpPr>
+          <p:nvPr/>
+        </p:nvCxnSpPr>
+        <p:spPr>
+          <a:xfrm flipH="1" flipV="1">
+            <a:off x="6496080" y="1902638"/>
+            <a:ext cx="1554404" cy="476102"/>
+          </a:xfrm>
+          <a:prstGeom prst="straightConnector1">
+            <a:avLst/>
+          </a:prstGeom>
+          <a:noFill/>
+          <a:ln w="9525" cap="flat" cmpd="sng">
+            <a:solidFill>
+              <a:schemeClr val="dk2"/>
+            </a:solidFill>
+            <a:prstDash val="solid"/>
+            <a:round/>
+            <a:headEnd type="none" w="med" len="med"/>
+            <a:tailEnd type="triangle" w="med" len="med"/>
+          </a:ln>
+        </p:spPr>
+      </p:cxnSp>
+      <p:cxnSp>
+        <p:nvCxnSpPr>
+          <p:cNvPr id="190" name="Google Shape;103;p13"/>
+          <p:cNvCxnSpPr>
+            <a:stCxn id="287" idx="1"/>
+            <a:endCxn id="140" idx="3"/>
+          </p:cNvCxnSpPr>
+          <p:nvPr/>
+        </p:nvCxnSpPr>
+        <p:spPr>
+          <a:xfrm flipH="1" flipV="1">
+            <a:off x="6496080" y="2962704"/>
+            <a:ext cx="1554404" cy="357218"/>
+          </a:xfrm>
+          <a:prstGeom prst="straightConnector1">
+            <a:avLst/>
+          </a:prstGeom>
+          <a:noFill/>
+          <a:ln w="9525" cap="flat" cmpd="sng">
+            <a:solidFill>
+              <a:schemeClr val="dk2"/>
+            </a:solidFill>
+            <a:prstDash val="solid"/>
+            <a:round/>
+            <a:headEnd type="none" w="med" len="med"/>
+            <a:tailEnd type="triangle" w="med" len="med"/>
+          </a:ln>
+        </p:spPr>
+      </p:cxnSp>
+      <p:cxnSp>
+        <p:nvCxnSpPr>
+          <p:cNvPr id="193" name="Google Shape;103;p13"/>
+          <p:cNvCxnSpPr>
+            <a:stCxn id="114" idx="1"/>
+            <a:endCxn id="59" idx="3"/>
+          </p:cNvCxnSpPr>
+          <p:nvPr/>
+        </p:nvCxnSpPr>
+        <p:spPr>
+          <a:xfrm flipH="1" flipV="1">
+            <a:off x="6496080" y="5547752"/>
+            <a:ext cx="1554404" cy="37982"/>
+          </a:xfrm>
+          <a:prstGeom prst="straightConnector1">
+            <a:avLst/>
+          </a:prstGeom>
+          <a:noFill/>
+          <a:ln w="9525" cap="flat" cmpd="sng">
+            <a:solidFill>
+              <a:schemeClr val="dk2"/>
+            </a:solidFill>
+            <a:prstDash val="solid"/>
+            <a:round/>
+            <a:headEnd type="none" w="med" len="med"/>
+            <a:tailEnd type="triangle" w="med" len="med"/>
+          </a:ln>
+        </p:spPr>
+      </p:cxnSp>
+      <p:cxnSp>
+        <p:nvCxnSpPr>
+          <p:cNvPr id="196" name="Google Shape;103;p13"/>
+          <p:cNvCxnSpPr>
+            <a:stCxn id="114" idx="1"/>
+            <a:endCxn id="56" idx="3"/>
+          </p:cNvCxnSpPr>
+          <p:nvPr/>
+        </p:nvCxnSpPr>
+        <p:spPr>
+          <a:xfrm flipH="1">
+            <a:off x="6496080" y="5585734"/>
+            <a:ext cx="1554404" cy="436412"/>
+          </a:xfrm>
+          <a:prstGeom prst="straightConnector1">
+            <a:avLst/>
+          </a:prstGeom>
+          <a:noFill/>
+          <a:ln w="9525" cap="flat" cmpd="sng">
+            <a:solidFill>
+              <a:schemeClr val="dk2"/>
+            </a:solidFill>
+            <a:prstDash val="solid"/>
+            <a:round/>
+            <a:headEnd type="none" w="med" len="med"/>
+            <a:tailEnd type="triangle" w="med" len="med"/>
+          </a:ln>
+        </p:spPr>
+      </p:cxnSp>
+      <p:cxnSp>
+        <p:nvCxnSpPr>
+          <p:cNvPr id="199" name="Google Shape;103;p13"/>
+          <p:cNvCxnSpPr>
+            <a:stCxn id="114" idx="1"/>
+            <a:endCxn id="57" idx="3"/>
+          </p:cNvCxnSpPr>
+          <p:nvPr/>
+        </p:nvCxnSpPr>
+        <p:spPr>
+          <a:xfrm flipH="1">
+            <a:off x="6496080" y="5585734"/>
+            <a:ext cx="1554404" cy="910805"/>
+          </a:xfrm>
+          <a:prstGeom prst="straightConnector1">
+            <a:avLst/>
+          </a:prstGeom>
+          <a:noFill/>
+          <a:ln w="9525" cap="flat" cmpd="sng">
+            <a:solidFill>
+              <a:schemeClr val="dk2"/>
+            </a:solidFill>
+            <a:prstDash val="solid"/>
+            <a:round/>
+            <a:headEnd type="none" w="med" len="med"/>
+            <a:tailEnd type="triangle" w="med" len="med"/>
+          </a:ln>
+        </p:spPr>
+      </p:cxnSp>
+      <p:cxnSp>
+        <p:nvCxnSpPr>
+          <p:cNvPr id="240" name="Google Shape;104;p13"/>
+          <p:cNvCxnSpPr>
+            <a:stCxn id="60" idx="1"/>
+            <a:endCxn id="287" idx="3"/>
+          </p:cNvCxnSpPr>
+          <p:nvPr/>
+        </p:nvCxnSpPr>
+        <p:spPr>
+          <a:xfrm flipH="1">
+            <a:off x="9920084" y="3133802"/>
+            <a:ext cx="1362350" cy="186120"/>
+          </a:xfrm>
+          <a:prstGeom prst="straightConnector1">
+            <a:avLst/>
+          </a:prstGeom>
+          <a:noFill/>
+          <a:ln w="9525" cap="flat" cmpd="sng">
+            <a:solidFill>
+              <a:schemeClr val="dk2"/>
+            </a:solidFill>
+            <a:prstDash val="solid"/>
+            <a:round/>
+            <a:headEnd type="none" w="med" len="med"/>
+            <a:tailEnd type="triangle" w="med" len="med"/>
+          </a:ln>
+        </p:spPr>
+      </p:cxnSp>
+    </p:spTree>
+    <p:extLst>
+      <p:ext uri="{BB962C8B-B14F-4D97-AF65-F5344CB8AC3E}">
+        <p14:creationId xmlns:p14="http://schemas.microsoft.com/office/powerpoint/2010/main" val="1207387974"/>
+      </p:ext>
+    </p:extLst>
+  </p:cSld>
+  <p:clrMapOvr>
+    <a:masterClrMapping/>
+  </p:clrMapOvr>
+</p:sld>
+</file>
+
+<file path=ppt/slides/slide3.xml><?xml version="1.0" encoding="utf-8"?>
+<p:sld xmlns:a="http://schemas.openxmlformats.org/drawingml/2006/main" xmlns:r="http://schemas.openxmlformats.org/officeDocument/2006/relationships" xmlns:p="http://schemas.openxmlformats.org/presentationml/2006/main">
+  <p:cSld>
+    <p:spTree>
+      <p:nvGrpSpPr>
+        <p:cNvPr id="1" name="Shape 53"/>
+        <p:cNvGrpSpPr/>
+        <p:nvPr/>
+      </p:nvGrpSpPr>
+      <p:grpSpPr>
+        <a:xfrm>
+          <a:off x="0" y="0"/>
+          <a:ext cx="0" cy="0"/>
+          <a:chOff x="0" y="0"/>
+          <a:chExt cx="0" cy="0"/>
+        </a:xfrm>
+      </p:grpSpPr>
+      <p:pic>
+        <p:nvPicPr>
+          <p:cNvPr id="54" name="Google Shape;54;p13"/>
+          <p:cNvPicPr preferRelativeResize="0"/>
+          <p:nvPr/>
+        </p:nvPicPr>
+        <p:blipFill>
+          <a:blip r:embed="rId3">
+            <a:alphaModFix/>
+          </a:blip>
+          <a:stretch>
+            <a:fillRect/>
+          </a:stretch>
+        </p:blipFill>
+        <p:spPr>
+          <a:xfrm>
+            <a:off x="249867" y="2523325"/>
+            <a:ext cx="708000" cy="1416000"/>
+          </a:xfrm>
+          <a:prstGeom prst="rect">
+            <a:avLst/>
+          </a:prstGeom>
+          <a:noFill/>
+          <a:ln>
+            <a:noFill/>
+          </a:ln>
+        </p:spPr>
+      </p:pic>
+      <p:sp>
+        <p:nvSpPr>
+          <p:cNvPr id="58" name="Google Shape;58;p13"/>
+          <p:cNvSpPr txBox="1"/>
+          <p:nvPr/>
+        </p:nvSpPr>
+        <p:spPr>
+          <a:xfrm>
+            <a:off x="190214" y="4006937"/>
+            <a:ext cx="827305" cy="404200"/>
+          </a:xfrm>
+          <a:prstGeom prst="rect">
+            <a:avLst/>
+          </a:prstGeom>
+          <a:noFill/>
+          <a:ln>
+            <a:noFill/>
+          </a:ln>
+        </p:spPr>
+        <p:txBody>
+          <a:bodyPr spcFirstLastPara="1" wrap="square" lIns="121900" tIns="121900" rIns="121900" bIns="121900" anchor="t" anchorCtr="0">
+            <a:noAutofit/>
+          </a:bodyPr>
+          <a:lstStyle/>
+          <a:p>
+            <a:r>
+              <a:rPr lang="ko-KR" altLang="en-US" sz="1333" b="1"/>
+              <a:t>사용자</a:t>
+            </a:r>
+            <a:endParaRPr sz="1333" b="1" dirty="0"/>
+          </a:p>
+        </p:txBody>
+      </p:sp>
+      <p:pic>
+        <p:nvPicPr>
+          <p:cNvPr id="60" name="Google Shape;60;p13"/>
+          <p:cNvPicPr preferRelativeResize="0"/>
+          <p:nvPr/>
+        </p:nvPicPr>
+        <p:blipFill>
+          <a:blip r:embed="rId3">
+            <a:alphaModFix/>
+          </a:blip>
+          <a:stretch>
+            <a:fillRect/>
+          </a:stretch>
+        </p:blipFill>
+        <p:spPr>
+          <a:xfrm>
+            <a:off x="11248567" y="1730667"/>
+            <a:ext cx="708000" cy="1416000"/>
+          </a:xfrm>
+          <a:prstGeom prst="rect">
+            <a:avLst/>
+          </a:prstGeom>
+          <a:noFill/>
+          <a:ln>
+            <a:noFill/>
+          </a:ln>
+        </p:spPr>
+      </p:pic>
+      <p:sp>
+        <p:nvSpPr>
+          <p:cNvPr id="71" name="Google Shape;71;p13"/>
+          <p:cNvSpPr txBox="1"/>
+          <p:nvPr/>
+        </p:nvSpPr>
+        <p:spPr>
+          <a:xfrm>
+            <a:off x="10934559" y="3076157"/>
+            <a:ext cx="1336000" cy="326400"/>
+          </a:xfrm>
+          <a:prstGeom prst="rect">
+            <a:avLst/>
+          </a:prstGeom>
+          <a:noFill/>
+          <a:ln>
+            <a:noFill/>
+          </a:ln>
+        </p:spPr>
+        <p:txBody>
+          <a:bodyPr spcFirstLastPara="1" wrap="square" lIns="121900" tIns="121900" rIns="121900" bIns="121900" anchor="t" anchorCtr="0">
+            <a:noAutofit/>
+          </a:bodyPr>
+          <a:lstStyle/>
+          <a:p>
+            <a:pPr algn="ctr"/>
+            <a:r>
+              <a:rPr lang="ko" altLang="en-US" sz="1333" b="1"/>
+              <a:t>관리자</a:t>
+            </a:r>
+            <a:endParaRPr sz="1333" b="1"/>
+          </a:p>
+        </p:txBody>
+      </p:sp>
+      <p:cxnSp>
+        <p:nvCxnSpPr>
+          <p:cNvPr id="101" name="Google Shape;101;p13"/>
+          <p:cNvCxnSpPr>
+            <a:stCxn id="60" idx="1"/>
+            <a:endCxn id="102" idx="3"/>
+          </p:cNvCxnSpPr>
+          <p:nvPr/>
+        </p:nvCxnSpPr>
+        <p:spPr>
+          <a:xfrm flipH="1" flipV="1">
+            <a:off x="9793861" y="1327661"/>
+            <a:ext cx="1454706" cy="1111006"/>
+          </a:xfrm>
+          <a:prstGeom prst="straightConnector1">
+            <a:avLst/>
+          </a:prstGeom>
+          <a:noFill/>
+          <a:ln w="9525" cap="flat" cmpd="sng">
+            <a:solidFill>
+              <a:schemeClr val="dk2"/>
+            </a:solidFill>
+            <a:prstDash val="solid"/>
+            <a:round/>
+            <a:headEnd type="none" w="med" len="med"/>
+            <a:tailEnd type="triangle" w="med" len="med"/>
+          </a:ln>
+        </p:spPr>
+      </p:cxnSp>
+      <p:cxnSp>
+        <p:nvCxnSpPr>
+          <p:cNvPr id="103" name="Google Shape;103;p13"/>
+          <p:cNvCxnSpPr>
+            <a:stCxn id="60" idx="1"/>
+            <a:endCxn id="96" idx="3"/>
+          </p:cNvCxnSpPr>
+          <p:nvPr/>
+        </p:nvCxnSpPr>
+        <p:spPr>
+          <a:xfrm flipH="1" flipV="1">
+            <a:off x="9793861" y="375674"/>
+            <a:ext cx="1454706" cy="2062993"/>
+          </a:xfrm>
+          <a:prstGeom prst="straightConnector1">
+            <a:avLst/>
+          </a:prstGeom>
+          <a:noFill/>
+          <a:ln w="9525" cap="flat" cmpd="sng">
+            <a:solidFill>
+              <a:schemeClr val="dk2"/>
+            </a:solidFill>
+            <a:prstDash val="solid"/>
+            <a:round/>
+            <a:headEnd type="none" w="med" len="med"/>
+            <a:tailEnd type="triangle" w="med" len="med"/>
+          </a:ln>
+        </p:spPr>
+      </p:cxnSp>
+      <p:cxnSp>
+        <p:nvCxnSpPr>
+          <p:cNvPr id="104" name="Google Shape;104;p13"/>
+          <p:cNvCxnSpPr>
+            <a:stCxn id="60" idx="1"/>
+            <a:endCxn id="105" idx="3"/>
+          </p:cNvCxnSpPr>
+          <p:nvPr/>
+        </p:nvCxnSpPr>
+        <p:spPr>
+          <a:xfrm flipH="1" flipV="1">
+            <a:off x="9793861" y="2279648"/>
+            <a:ext cx="1454706" cy="159019"/>
+          </a:xfrm>
+          <a:prstGeom prst="straightConnector1">
+            <a:avLst/>
+          </a:prstGeom>
+          <a:noFill/>
+          <a:ln w="9525" cap="flat" cmpd="sng">
+            <a:solidFill>
+              <a:schemeClr val="dk2"/>
+            </a:solidFill>
+            <a:prstDash val="solid"/>
+            <a:round/>
+            <a:headEnd type="none" w="med" len="med"/>
+            <a:tailEnd type="triangle" w="med" len="med"/>
+          </a:ln>
+        </p:spPr>
+      </p:cxnSp>
+      <p:sp>
+        <p:nvSpPr>
+          <p:cNvPr id="102" name="Google Shape;102;p13"/>
           <p:cNvSpPr/>
           <p:nvPr/>
         </p:nvSpPr>
         <p:spPr>
           <a:xfrm>
-            <a:off x="4811674" y="4977313"/>
-            <a:ext cx="1699071" cy="353851"/>
+            <a:off x="7924261" y="1071661"/>
+            <a:ext cx="1869600" cy="512000"/>
           </a:xfrm>
           <a:prstGeom prst="rect">
             <a:avLst/>
@@ -7871,106 +9036,26 @@
           <a:p>
             <a:pPr algn="ctr"/>
             <a:r>
+              <a:rPr lang="ko-KR" altLang="en-US" sz="1333" dirty="0" err="1"/>
+              <a:t>캐러셀</a:t>
+            </a:r>
+            <a:r>
               <a:rPr lang="ko-KR" altLang="en-US" sz="1333" dirty="0"/>
-              <a:t>후기 답변 등록</a:t>
-            </a:r>
-            <a:endParaRPr lang="en-US" altLang="ko-KR" sz="1333" dirty="0"/>
-          </a:p>
-        </p:txBody>
-      </p:sp>
-      <p:cxnSp>
-        <p:nvCxnSpPr>
-          <p:cNvPr id="85" name="직선 화살표 연결선 84">
-            <a:extLst>
-              <a:ext uri="{FF2B5EF4-FFF2-40B4-BE49-F238E27FC236}">
-                <a16:creationId xmlns:a16="http://schemas.microsoft.com/office/drawing/2014/main" id="{89986B8B-B851-49EA-BE61-F97E9FD46851}"/>
-              </a:ext>
-            </a:extLst>
-          </p:cNvPr>
-          <p:cNvCxnSpPr>
-            <a:stCxn id="293" idx="1"/>
-            <a:endCxn id="256" idx="3"/>
-          </p:cNvCxnSpPr>
-          <p:nvPr/>
-        </p:nvCxnSpPr>
-        <p:spPr>
-          <a:xfrm flipH="1" flipV="1">
-            <a:off x="4055533" y="4301601"/>
-            <a:ext cx="756140" cy="419032"/>
-          </a:xfrm>
-          <a:prstGeom prst="straightConnector1">
-            <a:avLst/>
-          </a:prstGeom>
-          <a:ln>
-            <a:tailEnd type="triangle"/>
-          </a:ln>
-        </p:spPr>
-        <p:style>
-          <a:lnRef idx="1">
-            <a:schemeClr val="dk1"/>
-          </a:lnRef>
-          <a:fillRef idx="0">
-            <a:schemeClr val="dk1"/>
-          </a:fillRef>
-          <a:effectRef idx="0">
-            <a:schemeClr val="dk1"/>
-          </a:effectRef>
-          <a:fontRef idx="minor">
-            <a:schemeClr val="tx1"/>
-          </a:fontRef>
-        </p:style>
-      </p:cxnSp>
-      <p:cxnSp>
-        <p:nvCxnSpPr>
-          <p:cNvPr id="88" name="직선 화살표 연결선 87">
-            <a:extLst>
-              <a:ext uri="{FF2B5EF4-FFF2-40B4-BE49-F238E27FC236}">
-                <a16:creationId xmlns:a16="http://schemas.microsoft.com/office/drawing/2014/main" id="{89986B8B-B851-49EA-BE61-F97E9FD46851}"/>
-              </a:ext>
-            </a:extLst>
-          </p:cNvPr>
-          <p:cNvCxnSpPr>
-            <a:stCxn id="84" idx="1"/>
-            <a:endCxn id="256" idx="3"/>
-          </p:cNvCxnSpPr>
-          <p:nvPr/>
-        </p:nvCxnSpPr>
-        <p:spPr>
-          <a:xfrm flipH="1" flipV="1">
-            <a:off x="4055533" y="4301601"/>
-            <a:ext cx="756141" cy="852638"/>
-          </a:xfrm>
-          <a:prstGeom prst="straightConnector1">
-            <a:avLst/>
-          </a:prstGeom>
-          <a:ln>
-            <a:tailEnd type="triangle"/>
-          </a:ln>
-        </p:spPr>
-        <p:style>
-          <a:lnRef idx="1">
-            <a:schemeClr val="dk1"/>
-          </a:lnRef>
-          <a:fillRef idx="0">
-            <a:schemeClr val="dk1"/>
-          </a:fillRef>
-          <a:effectRef idx="0">
-            <a:schemeClr val="dk1"/>
-          </a:effectRef>
-          <a:fontRef idx="minor">
-            <a:schemeClr val="tx1"/>
-          </a:fontRef>
-        </p:style>
-      </p:cxnSp>
-      <p:sp>
-        <p:nvSpPr>
-          <p:cNvPr id="95" name="Google Shape;114;p13"/>
+              <a:t> 배너 관리</a:t>
+            </a:r>
+            <a:endParaRPr sz="1333" dirty="0"/>
+          </a:p>
+        </p:txBody>
+      </p:sp>
+      <p:sp>
+        <p:nvSpPr>
+          <p:cNvPr id="105" name="Google Shape;105;p13"/>
           <p:cNvSpPr/>
           <p:nvPr/>
         </p:nvSpPr>
         <p:spPr>
           <a:xfrm>
-            <a:off x="7924261" y="4879609"/>
+            <a:off x="7924261" y="2023648"/>
             <a:ext cx="1869600" cy="512000"/>
           </a:xfrm>
           <a:prstGeom prst="rect">
@@ -7997,6 +9082,1894 @@
           <a:p>
             <a:pPr algn="ctr"/>
             <a:r>
+              <a:rPr lang="ko-KR" altLang="en-US" sz="1333" dirty="0"/>
+              <a:t>메인 화면</a:t>
+            </a:r>
+            <a:endParaRPr lang="en-US" altLang="ko-KR" sz="1333" dirty="0"/>
+          </a:p>
+          <a:p>
+            <a:pPr algn="ctr"/>
+            <a:r>
+              <a:rPr lang="ko-KR" altLang="en-US" sz="1333" dirty="0"/>
+              <a:t>추천상품 관리</a:t>
+            </a:r>
+            <a:endParaRPr sz="1333" dirty="0"/>
+          </a:p>
+        </p:txBody>
+      </p:sp>
+      <p:sp>
+        <p:nvSpPr>
+          <p:cNvPr id="113" name="Google Shape;113;p13"/>
+          <p:cNvSpPr/>
+          <p:nvPr/>
+        </p:nvSpPr>
+        <p:spPr>
+          <a:xfrm>
+            <a:off x="7924261" y="5831594"/>
+            <a:ext cx="1869600" cy="512000"/>
+          </a:xfrm>
+          <a:prstGeom prst="rect">
+            <a:avLst/>
+          </a:prstGeom>
+          <a:solidFill>
+            <a:schemeClr val="lt2"/>
+          </a:solidFill>
+          <a:ln w="9525" cap="flat" cmpd="sng">
+            <a:solidFill>
+              <a:schemeClr val="dk2"/>
+            </a:solidFill>
+            <a:prstDash val="solid"/>
+            <a:round/>
+            <a:headEnd type="none" w="sm" len="sm"/>
+            <a:tailEnd type="none" w="sm" len="sm"/>
+          </a:ln>
+        </p:spPr>
+        <p:txBody>
+          <a:bodyPr spcFirstLastPara="1" wrap="square" lIns="121900" tIns="121900" rIns="121900" bIns="121900" anchor="ctr" anchorCtr="0">
+            <a:noAutofit/>
+          </a:bodyPr>
+          <a:lstStyle/>
+          <a:p>
+            <a:pPr algn="ctr"/>
+            <a:r>
+              <a:rPr lang="ko-KR" altLang="en-US" sz="1333" dirty="0"/>
+              <a:t>공지사항 </a:t>
+            </a:r>
+            <a:r>
+              <a:rPr lang="en-US" sz="1333" dirty="0"/>
+              <a:t>FAQ </a:t>
+            </a:r>
+            <a:r>
+              <a:rPr lang="ko-KR" altLang="en-US" sz="1333" dirty="0"/>
+              <a:t>이용정보 관리</a:t>
+            </a:r>
+            <a:endParaRPr sz="1333" b="1" dirty="0"/>
+          </a:p>
+        </p:txBody>
+      </p:sp>
+      <p:sp>
+        <p:nvSpPr>
+          <p:cNvPr id="114" name="Google Shape;114;p13"/>
+          <p:cNvSpPr/>
+          <p:nvPr/>
+        </p:nvSpPr>
+        <p:spPr>
+          <a:xfrm>
+            <a:off x="7924261" y="3927622"/>
+            <a:ext cx="1869600" cy="512000"/>
+          </a:xfrm>
+          <a:prstGeom prst="rect">
+            <a:avLst/>
+          </a:prstGeom>
+          <a:solidFill>
+            <a:schemeClr val="lt2"/>
+          </a:solidFill>
+          <a:ln w="9525" cap="flat" cmpd="sng">
+            <a:solidFill>
+              <a:schemeClr val="dk2"/>
+            </a:solidFill>
+            <a:prstDash val="solid"/>
+            <a:round/>
+            <a:headEnd type="none" w="sm" len="sm"/>
+            <a:tailEnd type="none" w="sm" len="sm"/>
+          </a:ln>
+        </p:spPr>
+        <p:txBody>
+          <a:bodyPr spcFirstLastPara="1" wrap="square" lIns="121900" tIns="121900" rIns="121900" bIns="121900" anchor="ctr" anchorCtr="0">
+            <a:noAutofit/>
+          </a:bodyPr>
+          <a:lstStyle/>
+          <a:p>
+            <a:pPr algn="ctr"/>
+            <a:r>
+              <a:rPr lang="ko-KR" altLang="en-US" sz="1333" dirty="0"/>
+              <a:t>상품 관리</a:t>
+            </a:r>
+            <a:endParaRPr sz="1333" dirty="0"/>
+          </a:p>
+        </p:txBody>
+      </p:sp>
+      <p:sp>
+        <p:nvSpPr>
+          <p:cNvPr id="96" name="Google Shape;96;p13"/>
+          <p:cNvSpPr/>
+          <p:nvPr/>
+        </p:nvSpPr>
+        <p:spPr>
+          <a:xfrm>
+            <a:off x="7924261" y="119674"/>
+            <a:ext cx="1869600" cy="512000"/>
+          </a:xfrm>
+          <a:prstGeom prst="rect">
+            <a:avLst/>
+          </a:prstGeom>
+          <a:solidFill>
+            <a:schemeClr val="lt2"/>
+          </a:solidFill>
+          <a:ln w="9525" cap="flat" cmpd="sng">
+            <a:solidFill>
+              <a:schemeClr val="dk2"/>
+            </a:solidFill>
+            <a:prstDash val="solid"/>
+            <a:round/>
+            <a:headEnd type="none" w="sm" len="sm"/>
+            <a:tailEnd type="none" w="sm" len="sm"/>
+          </a:ln>
+        </p:spPr>
+        <p:txBody>
+          <a:bodyPr spcFirstLastPara="1" wrap="square" lIns="121900" tIns="121900" rIns="121900" bIns="121900" anchor="ctr" anchorCtr="0">
+            <a:noAutofit/>
+          </a:bodyPr>
+          <a:lstStyle/>
+          <a:p>
+            <a:pPr algn="ctr"/>
+            <a:r>
+              <a:rPr lang="ko" altLang="en-US" sz="1333"/>
+              <a:t>회원 관리</a:t>
+            </a:r>
+            <a:endParaRPr sz="1333"/>
+          </a:p>
+        </p:txBody>
+      </p:sp>
+      <p:cxnSp>
+        <p:nvCxnSpPr>
+          <p:cNvPr id="116" name="Google Shape;116;p13"/>
+          <p:cNvCxnSpPr>
+            <a:stCxn id="60" idx="1"/>
+            <a:endCxn id="113" idx="3"/>
+          </p:cNvCxnSpPr>
+          <p:nvPr/>
+        </p:nvCxnSpPr>
+        <p:spPr>
+          <a:xfrm flipH="1">
+            <a:off x="9793861" y="2438667"/>
+            <a:ext cx="1454706" cy="3648927"/>
+          </a:xfrm>
+          <a:prstGeom prst="straightConnector1">
+            <a:avLst/>
+          </a:prstGeom>
+          <a:noFill/>
+          <a:ln w="9525" cap="flat" cmpd="sng">
+            <a:solidFill>
+              <a:schemeClr val="dk2"/>
+            </a:solidFill>
+            <a:prstDash val="solid"/>
+            <a:round/>
+            <a:headEnd type="none" w="med" len="med"/>
+            <a:tailEnd type="triangle" w="med" len="med"/>
+          </a:ln>
+        </p:spPr>
+      </p:cxnSp>
+      <p:cxnSp>
+        <p:nvCxnSpPr>
+          <p:cNvPr id="117" name="Google Shape;117;p13"/>
+          <p:cNvCxnSpPr>
+            <a:stCxn id="60" idx="1"/>
+            <a:endCxn id="114" idx="3"/>
+          </p:cNvCxnSpPr>
+          <p:nvPr/>
+        </p:nvCxnSpPr>
+        <p:spPr>
+          <a:xfrm flipH="1">
+            <a:off x="9793861" y="2438667"/>
+            <a:ext cx="1454706" cy="1744955"/>
+          </a:xfrm>
+          <a:prstGeom prst="straightConnector1">
+            <a:avLst/>
+          </a:prstGeom>
+          <a:noFill/>
+          <a:ln w="9525" cap="flat" cmpd="sng">
+            <a:solidFill>
+              <a:schemeClr val="dk2"/>
+            </a:solidFill>
+            <a:prstDash val="solid"/>
+            <a:round/>
+            <a:headEnd type="none" w="med" len="med"/>
+            <a:tailEnd type="triangle" w="med" len="med"/>
+          </a:ln>
+        </p:spPr>
+      </p:cxnSp>
+      <p:sp>
+        <p:nvSpPr>
+          <p:cNvPr id="132" name="Google Shape;102;p13">
+            <a:extLst>
+              <a:ext uri="{FF2B5EF4-FFF2-40B4-BE49-F238E27FC236}">
+                <a16:creationId xmlns:a16="http://schemas.microsoft.com/office/drawing/2014/main" xmlns="" id="{D4EAD755-BB98-41D1-9C16-8CC51AD0D492}"/>
+              </a:ext>
+            </a:extLst>
+          </p:cNvPr>
+          <p:cNvSpPr/>
+          <p:nvPr/>
+        </p:nvSpPr>
+        <p:spPr>
+          <a:xfrm>
+            <a:off x="1835907" y="2988101"/>
+            <a:ext cx="2219626" cy="412143"/>
+          </a:xfrm>
+          <a:prstGeom prst="rect">
+            <a:avLst/>
+          </a:prstGeom>
+          <a:solidFill>
+            <a:schemeClr val="lt2"/>
+          </a:solidFill>
+          <a:ln w="9525" cap="flat" cmpd="sng">
+            <a:solidFill>
+              <a:schemeClr val="dk2"/>
+            </a:solidFill>
+            <a:prstDash val="solid"/>
+            <a:round/>
+            <a:headEnd type="none" w="sm" len="sm"/>
+            <a:tailEnd type="none" w="sm" len="sm"/>
+          </a:ln>
+        </p:spPr>
+        <p:txBody>
+          <a:bodyPr spcFirstLastPara="1" wrap="square" lIns="121900" tIns="121900" rIns="121900" bIns="121900" anchor="ctr" anchorCtr="0">
+            <a:noAutofit/>
+          </a:bodyPr>
+          <a:lstStyle/>
+          <a:p>
+            <a:pPr algn="ctr"/>
+            <a:r>
+              <a:rPr lang="ko-KR" altLang="en-US" sz="1333" dirty="0" err="1"/>
+              <a:t>렌탈</a:t>
+            </a:r>
+            <a:r>
+              <a:rPr lang="ko-KR" altLang="en-US" sz="1333" dirty="0"/>
+              <a:t> 상품 조회</a:t>
+            </a:r>
+            <a:endParaRPr sz="1333" dirty="0"/>
+          </a:p>
+        </p:txBody>
+      </p:sp>
+      <p:sp>
+        <p:nvSpPr>
+          <p:cNvPr id="133" name="Google Shape;102;p13">
+            <a:extLst>
+              <a:ext uri="{FF2B5EF4-FFF2-40B4-BE49-F238E27FC236}">
+                <a16:creationId xmlns:a16="http://schemas.microsoft.com/office/drawing/2014/main" xmlns="" id="{85AB7D6F-8B57-4DEC-9E37-3F7B85052802}"/>
+              </a:ext>
+            </a:extLst>
+          </p:cNvPr>
+          <p:cNvSpPr/>
+          <p:nvPr/>
+        </p:nvSpPr>
+        <p:spPr>
+          <a:xfrm>
+            <a:off x="1835907" y="5756671"/>
+            <a:ext cx="2219626" cy="412143"/>
+          </a:xfrm>
+          <a:prstGeom prst="rect">
+            <a:avLst/>
+          </a:prstGeom>
+          <a:solidFill>
+            <a:schemeClr val="lt2"/>
+          </a:solidFill>
+          <a:ln w="9525" cap="flat" cmpd="sng">
+            <a:solidFill>
+              <a:schemeClr val="dk2"/>
+            </a:solidFill>
+            <a:prstDash val="solid"/>
+            <a:round/>
+            <a:headEnd type="none" w="sm" len="sm"/>
+            <a:tailEnd type="none" w="sm" len="sm"/>
+          </a:ln>
+        </p:spPr>
+        <p:txBody>
+          <a:bodyPr spcFirstLastPara="1" wrap="square" lIns="121900" tIns="121900" rIns="121900" bIns="121900" anchor="ctr" anchorCtr="0">
+            <a:noAutofit/>
+          </a:bodyPr>
+          <a:lstStyle/>
+          <a:p>
+            <a:pPr algn="ctr"/>
+            <a:r>
+              <a:rPr lang="en-US" sz="1333" dirty="0"/>
+              <a:t>Q&amp;A </a:t>
+            </a:r>
+            <a:r>
+              <a:rPr lang="ko-KR" altLang="en-US" sz="1333" dirty="0"/>
+              <a:t>등록 및 조회</a:t>
+            </a:r>
+            <a:endParaRPr sz="1333" dirty="0"/>
+          </a:p>
+        </p:txBody>
+      </p:sp>
+      <p:sp>
+        <p:nvSpPr>
+          <p:cNvPr id="134" name="Google Shape;102;p13">
+            <a:extLst>
+              <a:ext uri="{FF2B5EF4-FFF2-40B4-BE49-F238E27FC236}">
+                <a16:creationId xmlns:a16="http://schemas.microsoft.com/office/drawing/2014/main" xmlns="" id="{D3A6E16D-F04D-438A-910E-015063641DEE}"/>
+              </a:ext>
+            </a:extLst>
+          </p:cNvPr>
+          <p:cNvSpPr/>
+          <p:nvPr/>
+        </p:nvSpPr>
+        <p:spPr>
+          <a:xfrm>
+            <a:off x="4811672" y="961608"/>
+            <a:ext cx="1699072" cy="339162"/>
+          </a:xfrm>
+          <a:prstGeom prst="rect">
+            <a:avLst/>
+          </a:prstGeom>
+          <a:solidFill>
+            <a:schemeClr val="lt2"/>
+          </a:solidFill>
+          <a:ln w="9525" cap="flat" cmpd="sng">
+            <a:solidFill>
+              <a:schemeClr val="dk2"/>
+            </a:solidFill>
+            <a:prstDash val="solid"/>
+            <a:round/>
+            <a:headEnd type="none" w="sm" len="sm"/>
+            <a:tailEnd type="none" w="sm" len="sm"/>
+          </a:ln>
+        </p:spPr>
+        <p:txBody>
+          <a:bodyPr spcFirstLastPara="1" wrap="square" lIns="121900" tIns="121900" rIns="121900" bIns="121900" anchor="ctr" anchorCtr="0">
+            <a:noAutofit/>
+          </a:bodyPr>
+          <a:lstStyle/>
+          <a:p>
+            <a:pPr algn="ctr"/>
+            <a:r>
+              <a:rPr lang="ko-KR" altLang="en-US" sz="1333" dirty="0"/>
+              <a:t>상세 내용 조회</a:t>
+            </a:r>
+            <a:endParaRPr lang="en-US" altLang="ko-KR" sz="1333" dirty="0"/>
+          </a:p>
+        </p:txBody>
+      </p:sp>
+      <p:cxnSp>
+        <p:nvCxnSpPr>
+          <p:cNvPr id="13" name="직선 화살표 연결선 12">
+            <a:extLst>
+              <a:ext uri="{FF2B5EF4-FFF2-40B4-BE49-F238E27FC236}">
+                <a16:creationId xmlns:a16="http://schemas.microsoft.com/office/drawing/2014/main" xmlns="" id="{8D075E94-0CF2-4C33-9C68-54B7C926C541}"/>
+              </a:ext>
+            </a:extLst>
+          </p:cNvPr>
+          <p:cNvCxnSpPr>
+            <a:stCxn id="134" idx="1"/>
+            <a:endCxn id="132" idx="3"/>
+          </p:cNvCxnSpPr>
+          <p:nvPr/>
+        </p:nvCxnSpPr>
+        <p:spPr>
+          <a:xfrm flipH="1">
+            <a:off x="4055533" y="1131189"/>
+            <a:ext cx="756139" cy="2062984"/>
+          </a:xfrm>
+          <a:prstGeom prst="straightConnector1">
+            <a:avLst/>
+          </a:prstGeom>
+          <a:ln>
+            <a:tailEnd type="triangle"/>
+          </a:ln>
+        </p:spPr>
+        <p:style>
+          <a:lnRef idx="1">
+            <a:schemeClr val="dk1"/>
+          </a:lnRef>
+          <a:fillRef idx="0">
+            <a:schemeClr val="dk1"/>
+          </a:fillRef>
+          <a:effectRef idx="0">
+            <a:schemeClr val="dk1"/>
+          </a:effectRef>
+          <a:fontRef idx="minor">
+            <a:schemeClr val="tx1"/>
+          </a:fontRef>
+        </p:style>
+      </p:cxnSp>
+      <p:sp>
+        <p:nvSpPr>
+          <p:cNvPr id="135" name="Google Shape;102;p13">
+            <a:extLst>
+              <a:ext uri="{FF2B5EF4-FFF2-40B4-BE49-F238E27FC236}">
+                <a16:creationId xmlns:a16="http://schemas.microsoft.com/office/drawing/2014/main" xmlns="" id="{5101804D-D6A1-4286-8A27-033B15070974}"/>
+              </a:ext>
+            </a:extLst>
+          </p:cNvPr>
+          <p:cNvSpPr/>
+          <p:nvPr/>
+        </p:nvSpPr>
+        <p:spPr>
+          <a:xfrm>
+            <a:off x="4811672" y="1444155"/>
+            <a:ext cx="1699072" cy="542259"/>
+          </a:xfrm>
+          <a:prstGeom prst="rect">
+            <a:avLst/>
+          </a:prstGeom>
+          <a:solidFill>
+            <a:schemeClr val="lt2"/>
+          </a:solidFill>
+          <a:ln w="9525" cap="flat" cmpd="sng">
+            <a:solidFill>
+              <a:schemeClr val="dk2"/>
+            </a:solidFill>
+            <a:prstDash val="solid"/>
+            <a:round/>
+            <a:headEnd type="none" w="sm" len="sm"/>
+            <a:tailEnd type="none" w="sm" len="sm"/>
+          </a:ln>
+        </p:spPr>
+        <p:txBody>
+          <a:bodyPr spcFirstLastPara="1" wrap="square" lIns="121900" tIns="121900" rIns="121900" bIns="121900" anchor="ctr" anchorCtr="0">
+            <a:noAutofit/>
+          </a:bodyPr>
+          <a:lstStyle/>
+          <a:p>
+            <a:pPr algn="ctr"/>
+            <a:r>
+              <a:rPr lang="ko-KR" altLang="en-US" sz="1333" dirty="0"/>
+              <a:t>메인 화면</a:t>
+            </a:r>
+            <a:endParaRPr lang="en-US" altLang="ko-KR" sz="1333" dirty="0"/>
+          </a:p>
+          <a:p>
+            <a:pPr algn="ctr"/>
+            <a:r>
+              <a:rPr lang="ko-KR" altLang="en-US" sz="1333" dirty="0"/>
+              <a:t>추천 상품 조회</a:t>
+            </a:r>
+            <a:endParaRPr sz="1333" dirty="0"/>
+          </a:p>
+        </p:txBody>
+      </p:sp>
+      <p:cxnSp>
+        <p:nvCxnSpPr>
+          <p:cNvPr id="21" name="직선 화살표 연결선 20">
+            <a:extLst>
+              <a:ext uri="{FF2B5EF4-FFF2-40B4-BE49-F238E27FC236}">
+                <a16:creationId xmlns:a16="http://schemas.microsoft.com/office/drawing/2014/main" xmlns="" id="{A104D6FE-FDB9-4CFD-80F0-810AB4EDD095}"/>
+              </a:ext>
+            </a:extLst>
+          </p:cNvPr>
+          <p:cNvCxnSpPr>
+            <a:cxnSpLocks/>
+            <a:stCxn id="135" idx="1"/>
+            <a:endCxn id="132" idx="3"/>
+          </p:cNvCxnSpPr>
+          <p:nvPr/>
+        </p:nvCxnSpPr>
+        <p:spPr>
+          <a:xfrm flipH="1">
+            <a:off x="4055533" y="1715285"/>
+            <a:ext cx="756139" cy="1478888"/>
+          </a:xfrm>
+          <a:prstGeom prst="straightConnector1">
+            <a:avLst/>
+          </a:prstGeom>
+          <a:ln>
+            <a:tailEnd type="triangle"/>
+          </a:ln>
+        </p:spPr>
+        <p:style>
+          <a:lnRef idx="1">
+            <a:schemeClr val="dk1"/>
+          </a:lnRef>
+          <a:fillRef idx="0">
+            <a:schemeClr val="dk1"/>
+          </a:fillRef>
+          <a:effectRef idx="0">
+            <a:schemeClr val="dk1"/>
+          </a:effectRef>
+          <a:fontRef idx="minor">
+            <a:schemeClr val="tx1"/>
+          </a:fontRef>
+        </p:style>
+      </p:cxnSp>
+      <p:sp>
+        <p:nvSpPr>
+          <p:cNvPr id="136" name="Google Shape;102;p13">
+            <a:extLst>
+              <a:ext uri="{FF2B5EF4-FFF2-40B4-BE49-F238E27FC236}">
+                <a16:creationId xmlns:a16="http://schemas.microsoft.com/office/drawing/2014/main" xmlns="" id="{737557CC-446E-40A6-A817-32FD75CC9000}"/>
+              </a:ext>
+            </a:extLst>
+          </p:cNvPr>
+          <p:cNvSpPr/>
+          <p:nvPr/>
+        </p:nvSpPr>
+        <p:spPr>
+          <a:xfrm>
+            <a:off x="4811672" y="2129799"/>
+            <a:ext cx="1699072" cy="542259"/>
+          </a:xfrm>
+          <a:prstGeom prst="rect">
+            <a:avLst/>
+          </a:prstGeom>
+          <a:solidFill>
+            <a:schemeClr val="lt2"/>
+          </a:solidFill>
+          <a:ln w="9525" cap="flat" cmpd="sng">
+            <a:solidFill>
+              <a:schemeClr val="dk2"/>
+            </a:solidFill>
+            <a:prstDash val="solid"/>
+            <a:round/>
+            <a:headEnd type="none" w="sm" len="sm"/>
+            <a:tailEnd type="none" w="sm" len="sm"/>
+          </a:ln>
+        </p:spPr>
+        <p:txBody>
+          <a:bodyPr spcFirstLastPara="1" wrap="square" lIns="121900" tIns="121900" rIns="121900" bIns="121900" anchor="ctr" anchorCtr="0">
+            <a:noAutofit/>
+          </a:bodyPr>
+          <a:lstStyle/>
+          <a:p>
+            <a:pPr algn="ctr"/>
+            <a:r>
+              <a:rPr lang="ko-KR" altLang="en-US" sz="1333" dirty="0" err="1"/>
+              <a:t>카테고리별</a:t>
+            </a:r>
+            <a:endParaRPr lang="en-US" altLang="ko-KR" sz="1333" dirty="0"/>
+          </a:p>
+          <a:p>
+            <a:pPr algn="ctr"/>
+            <a:r>
+              <a:rPr lang="ko-KR" altLang="en-US" sz="1333" dirty="0"/>
+              <a:t>아이템 조회</a:t>
+            </a:r>
+            <a:endParaRPr sz="1333" dirty="0"/>
+          </a:p>
+        </p:txBody>
+      </p:sp>
+      <p:cxnSp>
+        <p:nvCxnSpPr>
+          <p:cNvPr id="26" name="직선 화살표 연결선 25">
+            <a:extLst>
+              <a:ext uri="{FF2B5EF4-FFF2-40B4-BE49-F238E27FC236}">
+                <a16:creationId xmlns:a16="http://schemas.microsoft.com/office/drawing/2014/main" xmlns="" id="{EB97819E-5731-4A26-AD2A-4CA936973276}"/>
+              </a:ext>
+            </a:extLst>
+          </p:cNvPr>
+          <p:cNvCxnSpPr>
+            <a:stCxn id="136" idx="1"/>
+            <a:endCxn id="132" idx="3"/>
+          </p:cNvCxnSpPr>
+          <p:nvPr/>
+        </p:nvCxnSpPr>
+        <p:spPr>
+          <a:xfrm flipH="1">
+            <a:off x="4055533" y="2400929"/>
+            <a:ext cx="756139" cy="793244"/>
+          </a:xfrm>
+          <a:prstGeom prst="straightConnector1">
+            <a:avLst/>
+          </a:prstGeom>
+          <a:ln>
+            <a:tailEnd type="triangle"/>
+          </a:ln>
+        </p:spPr>
+        <p:style>
+          <a:lnRef idx="1">
+            <a:schemeClr val="dk1"/>
+          </a:lnRef>
+          <a:fillRef idx="0">
+            <a:schemeClr val="dk1"/>
+          </a:fillRef>
+          <a:effectRef idx="0">
+            <a:schemeClr val="dk1"/>
+          </a:effectRef>
+          <a:fontRef idx="minor">
+            <a:schemeClr val="tx1"/>
+          </a:fontRef>
+        </p:style>
+      </p:cxnSp>
+      <p:cxnSp>
+        <p:nvCxnSpPr>
+          <p:cNvPr id="28" name="직선 화살표 연결선 27">
+            <a:extLst>
+              <a:ext uri="{FF2B5EF4-FFF2-40B4-BE49-F238E27FC236}">
+                <a16:creationId xmlns:a16="http://schemas.microsoft.com/office/drawing/2014/main" xmlns="" id="{772C3FB8-3FDC-4065-966D-CC2A9530C386}"/>
+              </a:ext>
+            </a:extLst>
+          </p:cNvPr>
+          <p:cNvCxnSpPr>
+            <a:stCxn id="54" idx="3"/>
+            <a:endCxn id="132" idx="1"/>
+          </p:cNvCxnSpPr>
+          <p:nvPr/>
+        </p:nvCxnSpPr>
+        <p:spPr>
+          <a:xfrm flipV="1">
+            <a:off x="957867" y="3194173"/>
+            <a:ext cx="878040" cy="37152"/>
+          </a:xfrm>
+          <a:prstGeom prst="straightConnector1">
+            <a:avLst/>
+          </a:prstGeom>
+          <a:ln>
+            <a:tailEnd type="triangle"/>
+          </a:ln>
+        </p:spPr>
+        <p:style>
+          <a:lnRef idx="1">
+            <a:schemeClr val="dk1"/>
+          </a:lnRef>
+          <a:fillRef idx="0">
+            <a:schemeClr val="dk1"/>
+          </a:fillRef>
+          <a:effectRef idx="0">
+            <a:schemeClr val="dk1"/>
+          </a:effectRef>
+          <a:fontRef idx="minor">
+            <a:schemeClr val="tx1"/>
+          </a:fontRef>
+        </p:style>
+      </p:cxnSp>
+      <p:cxnSp>
+        <p:nvCxnSpPr>
+          <p:cNvPr id="40" name="직선 화살표 연결선 39">
+            <a:extLst>
+              <a:ext uri="{FF2B5EF4-FFF2-40B4-BE49-F238E27FC236}">
+                <a16:creationId xmlns:a16="http://schemas.microsoft.com/office/drawing/2014/main" xmlns="" id="{9BAA9AE0-8263-4AD7-8D96-4564D0DF4032}"/>
+              </a:ext>
+            </a:extLst>
+          </p:cNvPr>
+          <p:cNvCxnSpPr>
+            <a:stCxn id="54" idx="3"/>
+            <a:endCxn id="133" idx="1"/>
+          </p:cNvCxnSpPr>
+          <p:nvPr/>
+        </p:nvCxnSpPr>
+        <p:spPr>
+          <a:xfrm>
+            <a:off x="957867" y="3231325"/>
+            <a:ext cx="878040" cy="2731418"/>
+          </a:xfrm>
+          <a:prstGeom prst="straightConnector1">
+            <a:avLst/>
+          </a:prstGeom>
+          <a:ln>
+            <a:tailEnd type="triangle"/>
+          </a:ln>
+        </p:spPr>
+        <p:style>
+          <a:lnRef idx="1">
+            <a:schemeClr val="dk1"/>
+          </a:lnRef>
+          <a:fillRef idx="0">
+            <a:schemeClr val="dk1"/>
+          </a:fillRef>
+          <a:effectRef idx="0">
+            <a:schemeClr val="dk1"/>
+          </a:effectRef>
+          <a:fontRef idx="minor">
+            <a:schemeClr val="tx1"/>
+          </a:fontRef>
+        </p:style>
+      </p:cxnSp>
+      <p:sp>
+        <p:nvSpPr>
+          <p:cNvPr id="140" name="Google Shape;102;p13">
+            <a:extLst>
+              <a:ext uri="{FF2B5EF4-FFF2-40B4-BE49-F238E27FC236}">
+                <a16:creationId xmlns:a16="http://schemas.microsoft.com/office/drawing/2014/main" xmlns="" id="{66D0C005-DEF3-48FD-A074-0C0ABD142A2A}"/>
+              </a:ext>
+            </a:extLst>
+          </p:cNvPr>
+          <p:cNvSpPr/>
+          <p:nvPr/>
+        </p:nvSpPr>
+        <p:spPr>
+          <a:xfrm>
+            <a:off x="1835907" y="3541815"/>
+            <a:ext cx="2219626" cy="412143"/>
+          </a:xfrm>
+          <a:prstGeom prst="rect">
+            <a:avLst/>
+          </a:prstGeom>
+          <a:solidFill>
+            <a:schemeClr val="lt2"/>
+          </a:solidFill>
+          <a:ln w="9525" cap="flat" cmpd="sng">
+            <a:solidFill>
+              <a:schemeClr val="dk2"/>
+            </a:solidFill>
+            <a:prstDash val="solid"/>
+            <a:round/>
+            <a:headEnd type="none" w="sm" len="sm"/>
+            <a:tailEnd type="none" w="sm" len="sm"/>
+          </a:ln>
+        </p:spPr>
+        <p:txBody>
+          <a:bodyPr spcFirstLastPara="1" wrap="square" lIns="121900" tIns="121900" rIns="121900" bIns="121900" anchor="ctr" anchorCtr="0">
+            <a:noAutofit/>
+          </a:bodyPr>
+          <a:lstStyle/>
+          <a:p>
+            <a:pPr algn="ctr"/>
+            <a:r>
+              <a:rPr lang="ko-KR" altLang="en-US" sz="1333" dirty="0"/>
+              <a:t>상품 </a:t>
+            </a:r>
+            <a:r>
+              <a:rPr lang="ko-KR" altLang="en-US" sz="1333" dirty="0" err="1"/>
+              <a:t>렌탈</a:t>
+            </a:r>
+            <a:endParaRPr sz="1333" dirty="0"/>
+          </a:p>
+        </p:txBody>
+      </p:sp>
+      <p:sp>
+        <p:nvSpPr>
+          <p:cNvPr id="142" name="Google Shape;102;p13">
+            <a:extLst>
+              <a:ext uri="{FF2B5EF4-FFF2-40B4-BE49-F238E27FC236}">
+                <a16:creationId xmlns:a16="http://schemas.microsoft.com/office/drawing/2014/main" xmlns="" id="{FD360B97-08F3-48C9-BA9A-3E33688CFEA6}"/>
+              </a:ext>
+            </a:extLst>
+          </p:cNvPr>
+          <p:cNvSpPr/>
+          <p:nvPr/>
+        </p:nvSpPr>
+        <p:spPr>
+          <a:xfrm>
+            <a:off x="4811672" y="2815443"/>
+            <a:ext cx="1699072" cy="353851"/>
+          </a:xfrm>
+          <a:prstGeom prst="rect">
+            <a:avLst/>
+          </a:prstGeom>
+          <a:solidFill>
+            <a:schemeClr val="lt2"/>
+          </a:solidFill>
+          <a:ln w="9525" cap="flat" cmpd="sng">
+            <a:solidFill>
+              <a:schemeClr val="dk2"/>
+            </a:solidFill>
+            <a:prstDash val="solid"/>
+            <a:round/>
+            <a:headEnd type="none" w="sm" len="sm"/>
+            <a:tailEnd type="none" w="sm" len="sm"/>
+          </a:ln>
+        </p:spPr>
+        <p:txBody>
+          <a:bodyPr spcFirstLastPara="1" wrap="square" lIns="121900" tIns="121900" rIns="121900" bIns="121900" anchor="ctr" anchorCtr="0">
+            <a:noAutofit/>
+          </a:bodyPr>
+          <a:lstStyle/>
+          <a:p>
+            <a:pPr algn="ctr"/>
+            <a:r>
+              <a:rPr lang="ko-KR" altLang="en-US" sz="1333" dirty="0"/>
+              <a:t> 상품 문의</a:t>
+            </a:r>
+            <a:endParaRPr sz="1333" dirty="0"/>
+          </a:p>
+        </p:txBody>
+      </p:sp>
+      <p:sp>
+        <p:nvSpPr>
+          <p:cNvPr id="143" name="Google Shape;102;p13">
+            <a:extLst>
+              <a:ext uri="{FF2B5EF4-FFF2-40B4-BE49-F238E27FC236}">
+                <a16:creationId xmlns:a16="http://schemas.microsoft.com/office/drawing/2014/main" xmlns="" id="{BD2B7044-AE64-4FDD-A94F-3B6D34A54012}"/>
+              </a:ext>
+            </a:extLst>
+          </p:cNvPr>
+          <p:cNvSpPr/>
+          <p:nvPr/>
+        </p:nvSpPr>
+        <p:spPr>
+          <a:xfrm>
+            <a:off x="4811673" y="4110102"/>
+            <a:ext cx="1699072" cy="353851"/>
+          </a:xfrm>
+          <a:prstGeom prst="rect">
+            <a:avLst/>
+          </a:prstGeom>
+          <a:solidFill>
+            <a:schemeClr val="lt2"/>
+          </a:solidFill>
+          <a:ln w="9525" cap="flat" cmpd="sng">
+            <a:solidFill>
+              <a:schemeClr val="dk2"/>
+            </a:solidFill>
+            <a:prstDash val="solid"/>
+            <a:round/>
+            <a:headEnd type="none" w="sm" len="sm"/>
+            <a:tailEnd type="none" w="sm" len="sm"/>
+          </a:ln>
+        </p:spPr>
+        <p:txBody>
+          <a:bodyPr spcFirstLastPara="1" wrap="square" lIns="121900" tIns="121900" rIns="121900" bIns="121900" anchor="ctr" anchorCtr="0">
+            <a:noAutofit/>
+          </a:bodyPr>
+          <a:lstStyle/>
+          <a:p>
+            <a:pPr algn="ctr"/>
+            <a:r>
+              <a:rPr lang="ko-KR" altLang="en-US" sz="1333" dirty="0"/>
+              <a:t>평점 등록</a:t>
+            </a:r>
+            <a:endParaRPr sz="1333" dirty="0"/>
+          </a:p>
+        </p:txBody>
+      </p:sp>
+      <p:cxnSp>
+        <p:nvCxnSpPr>
+          <p:cNvPr id="145" name="직선 화살표 연결선 144">
+            <a:extLst>
+              <a:ext uri="{FF2B5EF4-FFF2-40B4-BE49-F238E27FC236}">
+                <a16:creationId xmlns:a16="http://schemas.microsoft.com/office/drawing/2014/main" xmlns="" id="{36BE17A4-D36C-4B3A-A5DF-EECDF148F3CC}"/>
+              </a:ext>
+            </a:extLst>
+          </p:cNvPr>
+          <p:cNvCxnSpPr>
+            <a:stCxn id="142" idx="1"/>
+            <a:endCxn id="132" idx="3"/>
+          </p:cNvCxnSpPr>
+          <p:nvPr/>
+        </p:nvCxnSpPr>
+        <p:spPr>
+          <a:xfrm flipH="1">
+            <a:off x="4055533" y="2992369"/>
+            <a:ext cx="756139" cy="201804"/>
+          </a:xfrm>
+          <a:prstGeom prst="straightConnector1">
+            <a:avLst/>
+          </a:prstGeom>
+          <a:ln>
+            <a:tailEnd type="triangle"/>
+          </a:ln>
+        </p:spPr>
+        <p:style>
+          <a:lnRef idx="1">
+            <a:schemeClr val="dk1"/>
+          </a:lnRef>
+          <a:fillRef idx="0">
+            <a:schemeClr val="dk1"/>
+          </a:fillRef>
+          <a:effectRef idx="0">
+            <a:schemeClr val="dk1"/>
+          </a:effectRef>
+          <a:fontRef idx="minor">
+            <a:schemeClr val="tx1"/>
+          </a:fontRef>
+        </p:style>
+      </p:cxnSp>
+      <p:cxnSp>
+        <p:nvCxnSpPr>
+          <p:cNvPr id="147" name="직선 화살표 연결선 146">
+            <a:extLst>
+              <a:ext uri="{FF2B5EF4-FFF2-40B4-BE49-F238E27FC236}">
+                <a16:creationId xmlns:a16="http://schemas.microsoft.com/office/drawing/2014/main" xmlns="" id="{89986B8B-B851-49EA-BE61-F97E9FD46851}"/>
+              </a:ext>
+            </a:extLst>
+          </p:cNvPr>
+          <p:cNvCxnSpPr>
+            <a:stCxn id="143" idx="1"/>
+            <a:endCxn id="256" idx="3"/>
+          </p:cNvCxnSpPr>
+          <p:nvPr/>
+        </p:nvCxnSpPr>
+        <p:spPr>
+          <a:xfrm flipH="1">
+            <a:off x="4055533" y="4287028"/>
+            <a:ext cx="756140" cy="14573"/>
+          </a:xfrm>
+          <a:prstGeom prst="straightConnector1">
+            <a:avLst/>
+          </a:prstGeom>
+          <a:ln>
+            <a:tailEnd type="triangle"/>
+          </a:ln>
+        </p:spPr>
+        <p:style>
+          <a:lnRef idx="1">
+            <a:schemeClr val="dk1"/>
+          </a:lnRef>
+          <a:fillRef idx="0">
+            <a:schemeClr val="dk1"/>
+          </a:fillRef>
+          <a:effectRef idx="0">
+            <a:schemeClr val="dk1"/>
+          </a:effectRef>
+          <a:fontRef idx="minor">
+            <a:schemeClr val="tx1"/>
+          </a:fontRef>
+        </p:style>
+      </p:cxnSp>
+      <p:sp>
+        <p:nvSpPr>
+          <p:cNvPr id="156" name="Google Shape;102;p13">
+            <a:extLst>
+              <a:ext uri="{FF2B5EF4-FFF2-40B4-BE49-F238E27FC236}">
+                <a16:creationId xmlns:a16="http://schemas.microsoft.com/office/drawing/2014/main" xmlns="" id="{C704DD7E-8B1F-4B5A-832E-6B178666BEB8}"/>
+              </a:ext>
+            </a:extLst>
+          </p:cNvPr>
+          <p:cNvSpPr/>
+          <p:nvPr/>
+        </p:nvSpPr>
+        <p:spPr>
+          <a:xfrm>
+            <a:off x="1835907" y="2434387"/>
+            <a:ext cx="2219626" cy="412143"/>
+          </a:xfrm>
+          <a:prstGeom prst="rect">
+            <a:avLst/>
+          </a:prstGeom>
+          <a:solidFill>
+            <a:schemeClr val="lt2"/>
+          </a:solidFill>
+          <a:ln w="9525" cap="flat" cmpd="sng">
+            <a:solidFill>
+              <a:schemeClr val="dk2"/>
+            </a:solidFill>
+            <a:prstDash val="solid"/>
+            <a:round/>
+            <a:headEnd type="none" w="sm" len="sm"/>
+            <a:tailEnd type="none" w="sm" len="sm"/>
+          </a:ln>
+        </p:spPr>
+        <p:txBody>
+          <a:bodyPr spcFirstLastPara="1" wrap="square" lIns="121900" tIns="121900" rIns="121900" bIns="121900" anchor="ctr" anchorCtr="0">
+            <a:noAutofit/>
+          </a:bodyPr>
+          <a:lstStyle/>
+          <a:p>
+            <a:pPr algn="ctr"/>
+            <a:r>
+              <a:rPr lang="ko-KR" altLang="en-US" sz="1333" dirty="0" err="1"/>
+              <a:t>렌탈</a:t>
+            </a:r>
+            <a:r>
+              <a:rPr lang="ko-KR" altLang="en-US" sz="1333" dirty="0"/>
+              <a:t> 상품 등록</a:t>
+            </a:r>
+            <a:endParaRPr sz="1333" dirty="0"/>
+          </a:p>
+        </p:txBody>
+      </p:sp>
+      <p:sp>
+        <p:nvSpPr>
+          <p:cNvPr id="61" name="Google Shape;102;p13">
+            <a:extLst>
+              <a:ext uri="{FF2B5EF4-FFF2-40B4-BE49-F238E27FC236}">
+                <a16:creationId xmlns:a16="http://schemas.microsoft.com/office/drawing/2014/main" xmlns="" id="{6AB88040-6CCB-4E2E-A198-3B518EE2CAAB}"/>
+              </a:ext>
+            </a:extLst>
+          </p:cNvPr>
+          <p:cNvSpPr/>
+          <p:nvPr/>
+        </p:nvSpPr>
+        <p:spPr>
+          <a:xfrm>
+            <a:off x="4811672" y="3312680"/>
+            <a:ext cx="1699072" cy="353851"/>
+          </a:xfrm>
+          <a:prstGeom prst="rect">
+            <a:avLst/>
+          </a:prstGeom>
+          <a:solidFill>
+            <a:schemeClr val="lt2"/>
+          </a:solidFill>
+          <a:ln w="9525" cap="flat" cmpd="sng">
+            <a:solidFill>
+              <a:schemeClr val="dk2"/>
+            </a:solidFill>
+            <a:prstDash val="solid"/>
+            <a:round/>
+            <a:headEnd type="none" w="sm" len="sm"/>
+            <a:tailEnd type="none" w="sm" len="sm"/>
+          </a:ln>
+        </p:spPr>
+        <p:txBody>
+          <a:bodyPr spcFirstLastPara="1" wrap="square" lIns="121900" tIns="121900" rIns="121900" bIns="121900" anchor="ctr" anchorCtr="0">
+            <a:noAutofit/>
+          </a:bodyPr>
+          <a:lstStyle/>
+          <a:p>
+            <a:pPr algn="ctr"/>
+            <a:r>
+              <a:rPr lang="ko-KR" altLang="en-US" sz="1333" dirty="0"/>
+              <a:t>신고</a:t>
+            </a:r>
+            <a:endParaRPr sz="1333" dirty="0"/>
+          </a:p>
+        </p:txBody>
+      </p:sp>
+      <p:cxnSp>
+        <p:nvCxnSpPr>
+          <p:cNvPr id="62" name="직선 화살표 연결선 61">
+            <a:extLst>
+              <a:ext uri="{FF2B5EF4-FFF2-40B4-BE49-F238E27FC236}">
+                <a16:creationId xmlns:a16="http://schemas.microsoft.com/office/drawing/2014/main" xmlns="" id="{0FE7E1A2-AFBD-447F-934C-59A4FF4A4A31}"/>
+              </a:ext>
+            </a:extLst>
+          </p:cNvPr>
+          <p:cNvCxnSpPr>
+            <a:cxnSpLocks/>
+            <a:stCxn id="61" idx="1"/>
+            <a:endCxn id="132" idx="3"/>
+          </p:cNvCxnSpPr>
+          <p:nvPr/>
+        </p:nvCxnSpPr>
+        <p:spPr>
+          <a:xfrm flipH="1" flipV="1">
+            <a:off x="4055533" y="3194173"/>
+            <a:ext cx="756139" cy="295433"/>
+          </a:xfrm>
+          <a:prstGeom prst="straightConnector1">
+            <a:avLst/>
+          </a:prstGeom>
+          <a:ln>
+            <a:tailEnd type="triangle"/>
+          </a:ln>
+        </p:spPr>
+        <p:style>
+          <a:lnRef idx="1">
+            <a:schemeClr val="dk1"/>
+          </a:lnRef>
+          <a:fillRef idx="0">
+            <a:schemeClr val="dk1"/>
+          </a:fillRef>
+          <a:effectRef idx="0">
+            <a:schemeClr val="dk1"/>
+          </a:effectRef>
+          <a:fontRef idx="minor">
+            <a:schemeClr val="tx1"/>
+          </a:fontRef>
+        </p:style>
+      </p:cxnSp>
+      <p:cxnSp>
+        <p:nvCxnSpPr>
+          <p:cNvPr id="64" name="직선 화살표 연결선 63">
+            <a:extLst>
+              <a:ext uri="{FF2B5EF4-FFF2-40B4-BE49-F238E27FC236}">
+                <a16:creationId xmlns:a16="http://schemas.microsoft.com/office/drawing/2014/main" xmlns="" id="{CE2FE515-B154-4255-AE81-D1963396C1ED}"/>
+              </a:ext>
+            </a:extLst>
+          </p:cNvPr>
+          <p:cNvCxnSpPr>
+            <a:cxnSpLocks/>
+            <a:stCxn id="54" idx="3"/>
+            <a:endCxn id="140" idx="1"/>
+          </p:cNvCxnSpPr>
+          <p:nvPr/>
+        </p:nvCxnSpPr>
+        <p:spPr>
+          <a:xfrm>
+            <a:off x="957867" y="3231325"/>
+            <a:ext cx="878040" cy="516562"/>
+          </a:xfrm>
+          <a:prstGeom prst="straightConnector1">
+            <a:avLst/>
+          </a:prstGeom>
+          <a:ln>
+            <a:tailEnd type="triangle"/>
+          </a:ln>
+        </p:spPr>
+        <p:style>
+          <a:lnRef idx="1">
+            <a:schemeClr val="dk1"/>
+          </a:lnRef>
+          <a:fillRef idx="0">
+            <a:schemeClr val="dk1"/>
+          </a:fillRef>
+          <a:effectRef idx="0">
+            <a:schemeClr val="dk1"/>
+          </a:effectRef>
+          <a:fontRef idx="minor">
+            <a:schemeClr val="tx1"/>
+          </a:fontRef>
+        </p:style>
+      </p:cxnSp>
+      <p:cxnSp>
+        <p:nvCxnSpPr>
+          <p:cNvPr id="67" name="직선 화살표 연결선 66">
+            <a:extLst>
+              <a:ext uri="{FF2B5EF4-FFF2-40B4-BE49-F238E27FC236}">
+                <a16:creationId xmlns:a16="http://schemas.microsoft.com/office/drawing/2014/main" xmlns="" id="{035063CF-0BE5-4174-A7B5-34F632784F0C}"/>
+              </a:ext>
+            </a:extLst>
+          </p:cNvPr>
+          <p:cNvCxnSpPr>
+            <a:cxnSpLocks/>
+            <a:stCxn id="54" idx="3"/>
+            <a:endCxn id="156" idx="1"/>
+          </p:cNvCxnSpPr>
+          <p:nvPr/>
+        </p:nvCxnSpPr>
+        <p:spPr>
+          <a:xfrm flipV="1">
+            <a:off x="957867" y="2640459"/>
+            <a:ext cx="878040" cy="590866"/>
+          </a:xfrm>
+          <a:prstGeom prst="straightConnector1">
+            <a:avLst/>
+          </a:prstGeom>
+          <a:ln>
+            <a:tailEnd type="triangle"/>
+          </a:ln>
+        </p:spPr>
+        <p:style>
+          <a:lnRef idx="1">
+            <a:schemeClr val="dk1"/>
+          </a:lnRef>
+          <a:fillRef idx="0">
+            <a:schemeClr val="dk1"/>
+          </a:fillRef>
+          <a:effectRef idx="0">
+            <a:schemeClr val="dk1"/>
+          </a:effectRef>
+          <a:fontRef idx="minor">
+            <a:schemeClr val="tx1"/>
+          </a:fontRef>
+        </p:style>
+      </p:cxnSp>
+      <p:sp>
+        <p:nvSpPr>
+          <p:cNvPr id="144" name="Google Shape;102;p13">
+            <a:extLst>
+              <a:ext uri="{FF2B5EF4-FFF2-40B4-BE49-F238E27FC236}">
+                <a16:creationId xmlns:a16="http://schemas.microsoft.com/office/drawing/2014/main" xmlns="" id="{C704DD7E-8B1F-4B5A-832E-6B178666BEB8}"/>
+              </a:ext>
+            </a:extLst>
+          </p:cNvPr>
+          <p:cNvSpPr/>
+          <p:nvPr/>
+        </p:nvSpPr>
+        <p:spPr>
+          <a:xfrm>
+            <a:off x="1835907" y="219531"/>
+            <a:ext cx="2219626" cy="412143"/>
+          </a:xfrm>
+          <a:prstGeom prst="rect">
+            <a:avLst/>
+          </a:prstGeom>
+          <a:solidFill>
+            <a:schemeClr val="lt2"/>
+          </a:solidFill>
+          <a:ln w="9525" cap="flat" cmpd="sng">
+            <a:solidFill>
+              <a:schemeClr val="dk2"/>
+            </a:solidFill>
+            <a:prstDash val="solid"/>
+            <a:round/>
+            <a:headEnd type="none" w="sm" len="sm"/>
+            <a:tailEnd type="none" w="sm" len="sm"/>
+          </a:ln>
+        </p:spPr>
+        <p:txBody>
+          <a:bodyPr spcFirstLastPara="1" wrap="square" lIns="121900" tIns="121900" rIns="121900" bIns="121900" anchor="ctr" anchorCtr="0">
+            <a:noAutofit/>
+          </a:bodyPr>
+          <a:lstStyle/>
+          <a:p>
+            <a:pPr algn="ctr"/>
+            <a:r>
+              <a:rPr lang="ko-KR" altLang="en-US" sz="1333" dirty="0"/>
+              <a:t>로그인 </a:t>
+            </a:r>
+            <a:r>
+              <a:rPr lang="en-US" altLang="ko-KR" sz="1333" dirty="0"/>
+              <a:t>/ </a:t>
+            </a:r>
+            <a:r>
+              <a:rPr lang="ko-KR" altLang="en-US" sz="1333" dirty="0"/>
+              <a:t>회원가입</a:t>
+            </a:r>
+            <a:endParaRPr sz="1333" dirty="0"/>
+          </a:p>
+        </p:txBody>
+      </p:sp>
+      <p:sp>
+        <p:nvSpPr>
+          <p:cNvPr id="146" name="Google Shape;102;p13">
+            <a:extLst>
+              <a:ext uri="{FF2B5EF4-FFF2-40B4-BE49-F238E27FC236}">
+                <a16:creationId xmlns:a16="http://schemas.microsoft.com/office/drawing/2014/main" xmlns="" id="{C704DD7E-8B1F-4B5A-832E-6B178666BEB8}"/>
+              </a:ext>
+            </a:extLst>
+          </p:cNvPr>
+          <p:cNvSpPr/>
+          <p:nvPr/>
+        </p:nvSpPr>
+        <p:spPr>
+          <a:xfrm>
+            <a:off x="1835907" y="773245"/>
+            <a:ext cx="2219626" cy="412143"/>
+          </a:xfrm>
+          <a:prstGeom prst="rect">
+            <a:avLst/>
+          </a:prstGeom>
+          <a:solidFill>
+            <a:schemeClr val="lt2"/>
+          </a:solidFill>
+          <a:ln w="9525" cap="flat" cmpd="sng">
+            <a:solidFill>
+              <a:schemeClr val="dk2"/>
+            </a:solidFill>
+            <a:prstDash val="solid"/>
+            <a:round/>
+            <a:headEnd type="none" w="sm" len="sm"/>
+            <a:tailEnd type="none" w="sm" len="sm"/>
+          </a:ln>
+        </p:spPr>
+        <p:txBody>
+          <a:bodyPr spcFirstLastPara="1" wrap="square" lIns="121900" tIns="121900" rIns="121900" bIns="121900" anchor="ctr" anchorCtr="0">
+            <a:noAutofit/>
+          </a:bodyPr>
+          <a:lstStyle/>
+          <a:p>
+            <a:pPr algn="ctr"/>
+            <a:r>
+              <a:rPr lang="ko-KR" altLang="en-US" sz="1333" dirty="0"/>
+              <a:t>등급</a:t>
+            </a:r>
+            <a:r>
+              <a:rPr lang="en-US" altLang="ko-KR" sz="1333" dirty="0"/>
+              <a:t>, </a:t>
+            </a:r>
+            <a:r>
+              <a:rPr lang="ko-KR" altLang="en-US" sz="1333" dirty="0"/>
+              <a:t>포인트</a:t>
+            </a:r>
+            <a:r>
+              <a:rPr lang="en-US" altLang="ko-KR" sz="1333" dirty="0"/>
+              <a:t>, </a:t>
+            </a:r>
+            <a:r>
+              <a:rPr lang="ko-KR" altLang="en-US" sz="1333" dirty="0"/>
+              <a:t>쿠폰 제도</a:t>
+            </a:r>
+            <a:endParaRPr sz="1333" dirty="0"/>
+          </a:p>
+        </p:txBody>
+      </p:sp>
+      <p:sp>
+        <p:nvSpPr>
+          <p:cNvPr id="214" name="Google Shape;102;p13">
+            <a:extLst>
+              <a:ext uri="{FF2B5EF4-FFF2-40B4-BE49-F238E27FC236}">
+                <a16:creationId xmlns:a16="http://schemas.microsoft.com/office/drawing/2014/main" xmlns="" id="{85AB7D6F-8B57-4DEC-9E37-3F7B85052802}"/>
+              </a:ext>
+            </a:extLst>
+          </p:cNvPr>
+          <p:cNvSpPr/>
+          <p:nvPr/>
+        </p:nvSpPr>
+        <p:spPr>
+          <a:xfrm>
+            <a:off x="1835907" y="6310390"/>
+            <a:ext cx="2219626" cy="412143"/>
+          </a:xfrm>
+          <a:prstGeom prst="rect">
+            <a:avLst/>
+          </a:prstGeom>
+          <a:solidFill>
+            <a:schemeClr val="lt2"/>
+          </a:solidFill>
+          <a:ln w="9525" cap="flat" cmpd="sng">
+            <a:solidFill>
+              <a:schemeClr val="dk2"/>
+            </a:solidFill>
+            <a:prstDash val="solid"/>
+            <a:round/>
+            <a:headEnd type="none" w="sm" len="sm"/>
+            <a:tailEnd type="none" w="sm" len="sm"/>
+          </a:ln>
+        </p:spPr>
+        <p:txBody>
+          <a:bodyPr spcFirstLastPara="1" wrap="square" lIns="121900" tIns="121900" rIns="121900" bIns="121900" anchor="ctr" anchorCtr="0">
+            <a:noAutofit/>
+          </a:bodyPr>
+          <a:lstStyle/>
+          <a:p>
+            <a:pPr algn="ctr"/>
+            <a:r>
+              <a:rPr lang="ko-KR" altLang="en-US" sz="1333" dirty="0"/>
+              <a:t>공지사항 </a:t>
+            </a:r>
+            <a:r>
+              <a:rPr lang="en-US" altLang="ko-KR" sz="1333" dirty="0"/>
+              <a:t>FAQ </a:t>
+            </a:r>
+            <a:r>
+              <a:rPr lang="ko-KR" altLang="en-US" sz="1333" dirty="0"/>
+              <a:t>이용가이드 게시판</a:t>
+            </a:r>
+            <a:endParaRPr sz="1333" dirty="0"/>
+          </a:p>
+        </p:txBody>
+      </p:sp>
+      <p:sp>
+        <p:nvSpPr>
+          <p:cNvPr id="217" name="Google Shape;102;p13">
+            <a:extLst>
+              <a:ext uri="{FF2B5EF4-FFF2-40B4-BE49-F238E27FC236}">
+                <a16:creationId xmlns:a16="http://schemas.microsoft.com/office/drawing/2014/main" xmlns="" id="{66D0C005-DEF3-48FD-A074-0C0ABD142A2A}"/>
+              </a:ext>
+            </a:extLst>
+          </p:cNvPr>
+          <p:cNvSpPr/>
+          <p:nvPr/>
+        </p:nvSpPr>
+        <p:spPr>
+          <a:xfrm>
+            <a:off x="1835907" y="4649243"/>
+            <a:ext cx="2219626" cy="412143"/>
+          </a:xfrm>
+          <a:prstGeom prst="rect">
+            <a:avLst/>
+          </a:prstGeom>
+          <a:solidFill>
+            <a:schemeClr val="lt2"/>
+          </a:solidFill>
+          <a:ln w="9525" cap="flat" cmpd="sng">
+            <a:solidFill>
+              <a:schemeClr val="dk2"/>
+            </a:solidFill>
+            <a:prstDash val="solid"/>
+            <a:round/>
+            <a:headEnd type="none" w="sm" len="sm"/>
+            <a:tailEnd type="none" w="sm" len="sm"/>
+          </a:ln>
+        </p:spPr>
+        <p:txBody>
+          <a:bodyPr spcFirstLastPara="1" wrap="square" lIns="121900" tIns="121900" rIns="121900" bIns="121900" anchor="ctr" anchorCtr="0">
+            <a:noAutofit/>
+          </a:bodyPr>
+          <a:lstStyle/>
+          <a:p>
+            <a:pPr algn="ctr"/>
+            <a:r>
+              <a:rPr lang="ko-KR" altLang="en-US" sz="1333" dirty="0"/>
+              <a:t>상품 </a:t>
+            </a:r>
+            <a:r>
+              <a:rPr lang="ko-KR" altLang="en-US" sz="1333" dirty="0" err="1"/>
+              <a:t>렌탈</a:t>
+            </a:r>
+            <a:r>
+              <a:rPr lang="ko-KR" altLang="en-US" sz="1333" dirty="0"/>
+              <a:t> 요청</a:t>
+            </a:r>
+            <a:endParaRPr sz="1333" dirty="0"/>
+          </a:p>
+        </p:txBody>
+      </p:sp>
+      <p:sp>
+        <p:nvSpPr>
+          <p:cNvPr id="230" name="Google Shape;102;p13">
+            <a:extLst>
+              <a:ext uri="{FF2B5EF4-FFF2-40B4-BE49-F238E27FC236}">
+                <a16:creationId xmlns:a16="http://schemas.microsoft.com/office/drawing/2014/main" xmlns="" id="{C704DD7E-8B1F-4B5A-832E-6B178666BEB8}"/>
+              </a:ext>
+            </a:extLst>
+          </p:cNvPr>
+          <p:cNvSpPr/>
+          <p:nvPr/>
+        </p:nvSpPr>
+        <p:spPr>
+          <a:xfrm>
+            <a:off x="1835907" y="1880673"/>
+            <a:ext cx="2219626" cy="412143"/>
+          </a:xfrm>
+          <a:prstGeom prst="rect">
+            <a:avLst/>
+          </a:prstGeom>
+          <a:solidFill>
+            <a:schemeClr val="lt2"/>
+          </a:solidFill>
+          <a:ln w="9525" cap="flat" cmpd="sng">
+            <a:solidFill>
+              <a:schemeClr val="dk2"/>
+            </a:solidFill>
+            <a:prstDash val="solid"/>
+            <a:round/>
+            <a:headEnd type="none" w="sm" len="sm"/>
+            <a:tailEnd type="none" w="sm" len="sm"/>
+          </a:ln>
+        </p:spPr>
+        <p:txBody>
+          <a:bodyPr spcFirstLastPara="1" wrap="square" lIns="121900" tIns="121900" rIns="121900" bIns="121900" anchor="ctr" anchorCtr="0">
+            <a:noAutofit/>
+          </a:bodyPr>
+          <a:lstStyle/>
+          <a:p>
+            <a:pPr algn="ctr"/>
+            <a:r>
+              <a:rPr lang="en-US" altLang="ko-KR" sz="1333" dirty="0"/>
+              <a:t>E</a:t>
+            </a:r>
+            <a:r>
+              <a:rPr lang="ko-KR" altLang="en-US" sz="1333" dirty="0"/>
+              <a:t>머니 충전 </a:t>
+            </a:r>
+            <a:r>
+              <a:rPr lang="en-US" altLang="ko-KR" sz="1333" dirty="0"/>
+              <a:t>/ </a:t>
+            </a:r>
+            <a:r>
+              <a:rPr lang="ko-KR" altLang="en-US" sz="1333" dirty="0"/>
+              <a:t>출금</a:t>
+            </a:r>
+            <a:endParaRPr sz="1333" dirty="0"/>
+          </a:p>
+        </p:txBody>
+      </p:sp>
+      <p:sp>
+        <p:nvSpPr>
+          <p:cNvPr id="232" name="Google Shape;102;p13">
+            <a:extLst>
+              <a:ext uri="{FF2B5EF4-FFF2-40B4-BE49-F238E27FC236}">
+                <a16:creationId xmlns:a16="http://schemas.microsoft.com/office/drawing/2014/main" xmlns="" id="{66D0C005-DEF3-48FD-A074-0C0ABD142A2A}"/>
+              </a:ext>
+            </a:extLst>
+          </p:cNvPr>
+          <p:cNvSpPr/>
+          <p:nvPr/>
+        </p:nvSpPr>
+        <p:spPr>
+          <a:xfrm>
+            <a:off x="1835907" y="5202957"/>
+            <a:ext cx="2219626" cy="412143"/>
+          </a:xfrm>
+          <a:prstGeom prst="rect">
+            <a:avLst/>
+          </a:prstGeom>
+          <a:solidFill>
+            <a:schemeClr val="lt2"/>
+          </a:solidFill>
+          <a:ln w="9525" cap="flat" cmpd="sng">
+            <a:solidFill>
+              <a:schemeClr val="dk2"/>
+            </a:solidFill>
+            <a:prstDash val="solid"/>
+            <a:round/>
+            <a:headEnd type="none" w="sm" len="sm"/>
+            <a:tailEnd type="none" w="sm" len="sm"/>
+          </a:ln>
+        </p:spPr>
+        <p:txBody>
+          <a:bodyPr spcFirstLastPara="1" wrap="square" lIns="121900" tIns="121900" rIns="121900" bIns="121900" anchor="ctr" anchorCtr="0">
+            <a:noAutofit/>
+          </a:bodyPr>
+          <a:lstStyle/>
+          <a:p>
+            <a:pPr algn="ctr"/>
+            <a:r>
+              <a:rPr lang="ko-KR" altLang="en-US" sz="1333" dirty="0"/>
+              <a:t>상품 </a:t>
+            </a:r>
+            <a:r>
+              <a:rPr lang="ko-KR" altLang="en-US" sz="1333" dirty="0" err="1"/>
+              <a:t>찜하기</a:t>
+            </a:r>
+            <a:r>
+              <a:rPr lang="ko-KR" altLang="en-US" sz="1333" dirty="0"/>
+              <a:t> </a:t>
+            </a:r>
+            <a:r>
+              <a:rPr lang="en-US" altLang="ko-KR" sz="1333" dirty="0"/>
+              <a:t>/ </a:t>
+            </a:r>
+            <a:r>
+              <a:rPr lang="ko-KR" altLang="en-US" sz="1333" dirty="0"/>
+              <a:t>회원 </a:t>
+            </a:r>
+            <a:r>
+              <a:rPr lang="ko-KR" altLang="en-US" sz="1333" dirty="0" err="1"/>
+              <a:t>팔로우</a:t>
+            </a:r>
+            <a:endParaRPr sz="1333" dirty="0"/>
+          </a:p>
+        </p:txBody>
+      </p:sp>
+      <p:sp>
+        <p:nvSpPr>
+          <p:cNvPr id="246" name="Google Shape;102;p13">
+            <a:extLst>
+              <a:ext uri="{FF2B5EF4-FFF2-40B4-BE49-F238E27FC236}">
+                <a16:creationId xmlns:a16="http://schemas.microsoft.com/office/drawing/2014/main" xmlns="" id="{C704DD7E-8B1F-4B5A-832E-6B178666BEB8}"/>
+              </a:ext>
+            </a:extLst>
+          </p:cNvPr>
+          <p:cNvSpPr/>
+          <p:nvPr/>
+        </p:nvSpPr>
+        <p:spPr>
+          <a:xfrm>
+            <a:off x="1835907" y="1326959"/>
+            <a:ext cx="2219626" cy="412143"/>
+          </a:xfrm>
+          <a:prstGeom prst="rect">
+            <a:avLst/>
+          </a:prstGeom>
+          <a:solidFill>
+            <a:schemeClr val="lt2"/>
+          </a:solidFill>
+          <a:ln w="9525" cap="flat" cmpd="sng">
+            <a:solidFill>
+              <a:schemeClr val="dk2"/>
+            </a:solidFill>
+            <a:prstDash val="solid"/>
+            <a:round/>
+            <a:headEnd type="none" w="sm" len="sm"/>
+            <a:tailEnd type="none" w="sm" len="sm"/>
+          </a:ln>
+        </p:spPr>
+        <p:txBody>
+          <a:bodyPr spcFirstLastPara="1" wrap="square" lIns="121900" tIns="121900" rIns="121900" bIns="121900" anchor="ctr" anchorCtr="0">
+            <a:noAutofit/>
+          </a:bodyPr>
+          <a:lstStyle/>
+          <a:p>
+            <a:pPr algn="ctr"/>
+            <a:r>
+              <a:rPr lang="en-US" sz="1333" dirty="0"/>
+              <a:t>Q&amp;A, </a:t>
+            </a:r>
+            <a:r>
+              <a:rPr lang="ko-KR" altLang="en-US" sz="1333" dirty="0" err="1"/>
+              <a:t>상품렌탈</a:t>
+            </a:r>
+            <a:r>
+              <a:rPr lang="en-US" altLang="ko-KR" sz="1333" dirty="0"/>
+              <a:t>, </a:t>
+            </a:r>
+            <a:r>
+              <a:rPr lang="ko-KR" altLang="en-US" sz="1333" dirty="0" err="1"/>
+              <a:t>렌탈요청</a:t>
+            </a:r>
+            <a:r>
+              <a:rPr lang="en-US" altLang="ko-KR" sz="1333" dirty="0"/>
+              <a:t>, </a:t>
+            </a:r>
+            <a:r>
+              <a:rPr lang="ko-KR" altLang="en-US" sz="1333" dirty="0"/>
+              <a:t>상품 문의</a:t>
+            </a:r>
+            <a:r>
+              <a:rPr lang="en-US" altLang="ko-KR" sz="1333" dirty="0"/>
+              <a:t>, </a:t>
+            </a:r>
+            <a:r>
+              <a:rPr lang="ko-KR" altLang="en-US" sz="1333" dirty="0"/>
+              <a:t>상품 신고 알림</a:t>
+            </a:r>
+            <a:endParaRPr sz="1333" dirty="0"/>
+          </a:p>
+        </p:txBody>
+      </p:sp>
+      <p:sp>
+        <p:nvSpPr>
+          <p:cNvPr id="256" name="Google Shape;102;p13">
+            <a:extLst>
+              <a:ext uri="{FF2B5EF4-FFF2-40B4-BE49-F238E27FC236}">
+                <a16:creationId xmlns:a16="http://schemas.microsoft.com/office/drawing/2014/main" xmlns="" id="{66D0C005-DEF3-48FD-A074-0C0ABD142A2A}"/>
+              </a:ext>
+            </a:extLst>
+          </p:cNvPr>
+          <p:cNvSpPr/>
+          <p:nvPr/>
+        </p:nvSpPr>
+        <p:spPr>
+          <a:xfrm>
+            <a:off x="1835907" y="4095529"/>
+            <a:ext cx="2219626" cy="412143"/>
+          </a:xfrm>
+          <a:prstGeom prst="rect">
+            <a:avLst/>
+          </a:prstGeom>
+          <a:solidFill>
+            <a:schemeClr val="lt2"/>
+          </a:solidFill>
+          <a:ln w="9525" cap="flat" cmpd="sng">
+            <a:solidFill>
+              <a:schemeClr val="dk2"/>
+            </a:solidFill>
+            <a:prstDash val="solid"/>
+            <a:round/>
+            <a:headEnd type="none" w="sm" len="sm"/>
+            <a:tailEnd type="none" w="sm" len="sm"/>
+          </a:ln>
+        </p:spPr>
+        <p:txBody>
+          <a:bodyPr spcFirstLastPara="1" wrap="square" lIns="121900" tIns="121900" rIns="121900" bIns="121900" anchor="ctr" anchorCtr="0">
+            <a:noAutofit/>
+          </a:bodyPr>
+          <a:lstStyle/>
+          <a:p>
+            <a:pPr algn="ctr"/>
+            <a:r>
+              <a:rPr lang="ko-KR" altLang="en-US" sz="1333" dirty="0" err="1"/>
+              <a:t>렌탈</a:t>
+            </a:r>
+            <a:r>
+              <a:rPr lang="ko-KR" altLang="en-US" sz="1333" dirty="0"/>
+              <a:t> 상품 반납</a:t>
+            </a:r>
+            <a:endParaRPr sz="1333" dirty="0"/>
+          </a:p>
+        </p:txBody>
+      </p:sp>
+      <p:sp>
+        <p:nvSpPr>
+          <p:cNvPr id="287" name="Google Shape;105;p13"/>
+          <p:cNvSpPr/>
+          <p:nvPr/>
+        </p:nvSpPr>
+        <p:spPr>
+          <a:xfrm>
+            <a:off x="7924261" y="2975635"/>
+            <a:ext cx="1869600" cy="512000"/>
+          </a:xfrm>
+          <a:prstGeom prst="rect">
+            <a:avLst/>
+          </a:prstGeom>
+          <a:solidFill>
+            <a:schemeClr val="lt2"/>
+          </a:solidFill>
+          <a:ln w="9525" cap="flat" cmpd="sng">
+            <a:solidFill>
+              <a:schemeClr val="dk2"/>
+            </a:solidFill>
+            <a:prstDash val="solid"/>
+            <a:round/>
+            <a:headEnd type="none" w="sm" len="sm"/>
+            <a:tailEnd type="none" w="sm" len="sm"/>
+          </a:ln>
+        </p:spPr>
+        <p:txBody>
+          <a:bodyPr spcFirstLastPara="1" wrap="square" lIns="121900" tIns="121900" rIns="121900" bIns="121900" anchor="ctr" anchorCtr="0">
+            <a:noAutofit/>
+          </a:bodyPr>
+          <a:lstStyle/>
+          <a:p>
+            <a:pPr algn="ctr"/>
+            <a:r>
+              <a:rPr lang="ko-KR" altLang="en-US" sz="1333" dirty="0"/>
+              <a:t>카테고리 관리</a:t>
+            </a:r>
+            <a:endParaRPr sz="1333" dirty="0"/>
+          </a:p>
+        </p:txBody>
+      </p:sp>
+      <p:sp>
+        <p:nvSpPr>
+          <p:cNvPr id="293" name="Google Shape;102;p13">
+            <a:extLst>
+              <a:ext uri="{FF2B5EF4-FFF2-40B4-BE49-F238E27FC236}">
+                <a16:creationId xmlns:a16="http://schemas.microsoft.com/office/drawing/2014/main" xmlns="" id="{BD2B7044-AE64-4FDD-A94F-3B6D34A54012}"/>
+              </a:ext>
+            </a:extLst>
+          </p:cNvPr>
+          <p:cNvSpPr/>
+          <p:nvPr/>
+        </p:nvSpPr>
+        <p:spPr>
+          <a:xfrm>
+            <a:off x="4811673" y="4543707"/>
+            <a:ext cx="1699071" cy="353851"/>
+          </a:xfrm>
+          <a:prstGeom prst="rect">
+            <a:avLst/>
+          </a:prstGeom>
+          <a:solidFill>
+            <a:schemeClr val="lt2"/>
+          </a:solidFill>
+          <a:ln w="9525" cap="flat" cmpd="sng">
+            <a:solidFill>
+              <a:schemeClr val="dk2"/>
+            </a:solidFill>
+            <a:prstDash val="solid"/>
+            <a:round/>
+            <a:headEnd type="none" w="sm" len="sm"/>
+            <a:tailEnd type="none" w="sm" len="sm"/>
+          </a:ln>
+        </p:spPr>
+        <p:txBody>
+          <a:bodyPr spcFirstLastPara="1" wrap="square" lIns="121900" tIns="121900" rIns="121900" bIns="121900" anchor="ctr" anchorCtr="0">
+            <a:noAutofit/>
+          </a:bodyPr>
+          <a:lstStyle/>
+          <a:p>
+            <a:pPr algn="ctr"/>
+            <a:r>
+              <a:rPr lang="ko-KR" altLang="en-US" sz="1333"/>
+              <a:t>후기 등록</a:t>
+            </a:r>
+            <a:endParaRPr lang="en-US" altLang="ko-KR" sz="1333" dirty="0"/>
+          </a:p>
+        </p:txBody>
+      </p:sp>
+      <p:sp>
+        <p:nvSpPr>
+          <p:cNvPr id="84" name="Google Shape;102;p13">
+            <a:extLst>
+              <a:ext uri="{FF2B5EF4-FFF2-40B4-BE49-F238E27FC236}">
+                <a16:creationId xmlns:a16="http://schemas.microsoft.com/office/drawing/2014/main" xmlns="" id="{BD2B7044-AE64-4FDD-A94F-3B6D34A54012}"/>
+              </a:ext>
+            </a:extLst>
+          </p:cNvPr>
+          <p:cNvSpPr/>
+          <p:nvPr/>
+        </p:nvSpPr>
+        <p:spPr>
+          <a:xfrm>
+            <a:off x="4811674" y="4977313"/>
+            <a:ext cx="1699071" cy="353851"/>
+          </a:xfrm>
+          <a:prstGeom prst="rect">
+            <a:avLst/>
+          </a:prstGeom>
+          <a:solidFill>
+            <a:schemeClr val="lt2"/>
+          </a:solidFill>
+          <a:ln w="9525" cap="flat" cmpd="sng">
+            <a:solidFill>
+              <a:schemeClr val="dk2"/>
+            </a:solidFill>
+            <a:prstDash val="solid"/>
+            <a:round/>
+            <a:headEnd type="none" w="sm" len="sm"/>
+            <a:tailEnd type="none" w="sm" len="sm"/>
+          </a:ln>
+        </p:spPr>
+        <p:txBody>
+          <a:bodyPr spcFirstLastPara="1" wrap="square" lIns="121900" tIns="121900" rIns="121900" bIns="121900" anchor="ctr" anchorCtr="0">
+            <a:noAutofit/>
+          </a:bodyPr>
+          <a:lstStyle/>
+          <a:p>
+            <a:pPr algn="ctr"/>
+            <a:r>
+              <a:rPr lang="ko-KR" altLang="en-US" sz="1333" dirty="0"/>
+              <a:t>후기 답변 등록</a:t>
+            </a:r>
+            <a:endParaRPr lang="en-US" altLang="ko-KR" sz="1333" dirty="0"/>
+          </a:p>
+        </p:txBody>
+      </p:sp>
+      <p:cxnSp>
+        <p:nvCxnSpPr>
+          <p:cNvPr id="85" name="직선 화살표 연결선 84">
+            <a:extLst>
+              <a:ext uri="{FF2B5EF4-FFF2-40B4-BE49-F238E27FC236}">
+                <a16:creationId xmlns:a16="http://schemas.microsoft.com/office/drawing/2014/main" xmlns="" id="{89986B8B-B851-49EA-BE61-F97E9FD46851}"/>
+              </a:ext>
+            </a:extLst>
+          </p:cNvPr>
+          <p:cNvCxnSpPr>
+            <a:stCxn id="293" idx="1"/>
+            <a:endCxn id="256" idx="3"/>
+          </p:cNvCxnSpPr>
+          <p:nvPr/>
+        </p:nvCxnSpPr>
+        <p:spPr>
+          <a:xfrm flipH="1" flipV="1">
+            <a:off x="4055533" y="4301601"/>
+            <a:ext cx="756140" cy="419032"/>
+          </a:xfrm>
+          <a:prstGeom prst="straightConnector1">
+            <a:avLst/>
+          </a:prstGeom>
+          <a:ln>
+            <a:tailEnd type="triangle"/>
+          </a:ln>
+        </p:spPr>
+        <p:style>
+          <a:lnRef idx="1">
+            <a:schemeClr val="dk1"/>
+          </a:lnRef>
+          <a:fillRef idx="0">
+            <a:schemeClr val="dk1"/>
+          </a:fillRef>
+          <a:effectRef idx="0">
+            <a:schemeClr val="dk1"/>
+          </a:effectRef>
+          <a:fontRef idx="minor">
+            <a:schemeClr val="tx1"/>
+          </a:fontRef>
+        </p:style>
+      </p:cxnSp>
+      <p:cxnSp>
+        <p:nvCxnSpPr>
+          <p:cNvPr id="88" name="직선 화살표 연결선 87">
+            <a:extLst>
+              <a:ext uri="{FF2B5EF4-FFF2-40B4-BE49-F238E27FC236}">
+                <a16:creationId xmlns:a16="http://schemas.microsoft.com/office/drawing/2014/main" xmlns="" id="{89986B8B-B851-49EA-BE61-F97E9FD46851}"/>
+              </a:ext>
+            </a:extLst>
+          </p:cNvPr>
+          <p:cNvCxnSpPr>
+            <a:stCxn id="84" idx="1"/>
+            <a:endCxn id="256" idx="3"/>
+          </p:cNvCxnSpPr>
+          <p:nvPr/>
+        </p:nvCxnSpPr>
+        <p:spPr>
+          <a:xfrm flipH="1" flipV="1">
+            <a:off x="4055533" y="4301601"/>
+            <a:ext cx="756141" cy="852638"/>
+          </a:xfrm>
+          <a:prstGeom prst="straightConnector1">
+            <a:avLst/>
+          </a:prstGeom>
+          <a:ln>
+            <a:tailEnd type="triangle"/>
+          </a:ln>
+        </p:spPr>
+        <p:style>
+          <a:lnRef idx="1">
+            <a:schemeClr val="dk1"/>
+          </a:lnRef>
+          <a:fillRef idx="0">
+            <a:schemeClr val="dk1"/>
+          </a:fillRef>
+          <a:effectRef idx="0">
+            <a:schemeClr val="dk1"/>
+          </a:effectRef>
+          <a:fontRef idx="minor">
+            <a:schemeClr val="tx1"/>
+          </a:fontRef>
+        </p:style>
+      </p:cxnSp>
+      <p:sp>
+        <p:nvSpPr>
+          <p:cNvPr id="95" name="Google Shape;114;p13"/>
+          <p:cNvSpPr/>
+          <p:nvPr/>
+        </p:nvSpPr>
+        <p:spPr>
+          <a:xfrm>
+            <a:off x="7924261" y="4879609"/>
+            <a:ext cx="1869600" cy="512000"/>
+          </a:xfrm>
+          <a:prstGeom prst="rect">
+            <a:avLst/>
+          </a:prstGeom>
+          <a:solidFill>
+            <a:schemeClr val="lt2"/>
+          </a:solidFill>
+          <a:ln w="9525" cap="flat" cmpd="sng">
+            <a:solidFill>
+              <a:schemeClr val="dk2"/>
+            </a:solidFill>
+            <a:prstDash val="solid"/>
+            <a:round/>
+            <a:headEnd type="none" w="sm" len="sm"/>
+            <a:tailEnd type="none" w="sm" len="sm"/>
+          </a:ln>
+        </p:spPr>
+        <p:txBody>
+          <a:bodyPr spcFirstLastPara="1" wrap="square" lIns="121900" tIns="121900" rIns="121900" bIns="121900" anchor="ctr" anchorCtr="0">
+            <a:noAutofit/>
+          </a:bodyPr>
+          <a:lstStyle/>
+          <a:p>
+            <a:pPr algn="ctr"/>
+            <a:r>
               <a:rPr lang="en-US" sz="1333" dirty="0"/>
               <a:t>Q&amp;A </a:t>
             </a:r>
@@ -8013,7 +10986,7 @@
           <p:cNvPr id="98" name="직선 화살표 연결선 97">
             <a:extLst>
               <a:ext uri="{FF2B5EF4-FFF2-40B4-BE49-F238E27FC236}">
-                <a16:creationId xmlns:a16="http://schemas.microsoft.com/office/drawing/2014/main" id="{89986B8B-B851-49EA-BE61-F97E9FD46851}"/>
+                <a16:creationId xmlns:a16="http://schemas.microsoft.com/office/drawing/2014/main" xmlns="" id="{89986B8B-B851-49EA-BE61-F97E9FD46851}"/>
               </a:ext>
             </a:extLst>
           </p:cNvPr>
@@ -8055,7 +11028,7 @@
           <p:cNvPr id="106" name="직선 화살표 연결선 105">
             <a:extLst>
               <a:ext uri="{FF2B5EF4-FFF2-40B4-BE49-F238E27FC236}">
-                <a16:creationId xmlns:a16="http://schemas.microsoft.com/office/drawing/2014/main" id="{89986B8B-B851-49EA-BE61-F97E9FD46851}"/>
+                <a16:creationId xmlns:a16="http://schemas.microsoft.com/office/drawing/2014/main" xmlns="" id="{89986B8B-B851-49EA-BE61-F97E9FD46851}"/>
               </a:ext>
             </a:extLst>
           </p:cNvPr>
@@ -8096,7 +11069,7 @@
           <p:cNvPr id="107" name="직선 화살표 연결선 106">
             <a:extLst>
               <a:ext uri="{FF2B5EF4-FFF2-40B4-BE49-F238E27FC236}">
-                <a16:creationId xmlns:a16="http://schemas.microsoft.com/office/drawing/2014/main" id="{89986B8B-B851-49EA-BE61-F97E9FD46851}"/>
+                <a16:creationId xmlns:a16="http://schemas.microsoft.com/office/drawing/2014/main" xmlns="" id="{89986B8B-B851-49EA-BE61-F97E9FD46851}"/>
               </a:ext>
             </a:extLst>
           </p:cNvPr>
@@ -8138,7 +11111,7 @@
           <p:cNvPr id="108" name="직선 화살표 연결선 107">
             <a:extLst>
               <a:ext uri="{FF2B5EF4-FFF2-40B4-BE49-F238E27FC236}">
-                <a16:creationId xmlns:a16="http://schemas.microsoft.com/office/drawing/2014/main" id="{89986B8B-B851-49EA-BE61-F97E9FD46851}"/>
+                <a16:creationId xmlns:a16="http://schemas.microsoft.com/office/drawing/2014/main" xmlns="" id="{89986B8B-B851-49EA-BE61-F97E9FD46851}"/>
               </a:ext>
             </a:extLst>
           </p:cNvPr>
@@ -8180,7 +11153,7 @@
           <p:cNvPr id="111" name="직선 화살표 연결선 110">
             <a:extLst>
               <a:ext uri="{FF2B5EF4-FFF2-40B4-BE49-F238E27FC236}">
-                <a16:creationId xmlns:a16="http://schemas.microsoft.com/office/drawing/2014/main" id="{89986B8B-B851-49EA-BE61-F97E9FD46851}"/>
+                <a16:creationId xmlns:a16="http://schemas.microsoft.com/office/drawing/2014/main" xmlns="" id="{89986B8B-B851-49EA-BE61-F97E9FD46851}"/>
               </a:ext>
             </a:extLst>
           </p:cNvPr>
@@ -8222,7 +11195,7 @@
           <p:cNvPr id="115" name="직선 화살표 연결선 114">
             <a:extLst>
               <a:ext uri="{FF2B5EF4-FFF2-40B4-BE49-F238E27FC236}">
-                <a16:creationId xmlns:a16="http://schemas.microsoft.com/office/drawing/2014/main" id="{89986B8B-B851-49EA-BE61-F97E9FD46851}"/>
+                <a16:creationId xmlns:a16="http://schemas.microsoft.com/office/drawing/2014/main" xmlns="" id="{89986B8B-B851-49EA-BE61-F97E9FD46851}"/>
               </a:ext>
             </a:extLst>
           </p:cNvPr>
@@ -8556,7 +11529,7 @@
   <a:extraClrSchemeLst/>
   <a:extLst>
     <a:ext uri="{05A4C25C-085E-4340-85A3-A5531E510DB2}">
-      <thm15:themeFamily xmlns:thm15="http://schemas.microsoft.com/office/thememl/2012/main" name="Office Theme" id="{62F939B6-93AF-4DB8-9C6B-D6C7DFDC589F}" vid="{4A3C46E8-61CC-4603-A589-7422A47A8E4A}"/>
+      <thm15:themeFamily xmlns:thm15="http://schemas.microsoft.com/office/thememl/2012/main" xmlns="" name="Office Theme" id="{62F939B6-93AF-4DB8-9C6B-D6C7DFDC589F}" vid="{4A3C46E8-61CC-4603-A589-7422A47A8E4A}"/>
     </a:ext>
   </a:extLst>
 </a:theme>
@@ -8851,7 +11824,7 @@
   <a:extraClrSchemeLst/>
   <a:extLst>
     <a:ext uri="{05A4C25C-085E-4340-85A3-A5531E510DB2}">
-      <thm15:themeFamily xmlns:thm15="http://schemas.microsoft.com/office/thememl/2012/main" name="Office Theme" id="{62F939B6-93AF-4DB8-9C6B-D6C7DFDC589F}" vid="{4A3C46E8-61CC-4603-A589-7422A47A8E4A}"/>
+      <thm15:themeFamily xmlns:thm15="http://schemas.microsoft.com/office/thememl/2012/main" xmlns="" name="Office Theme" id="{62F939B6-93AF-4DB8-9C6B-D6C7DFDC589F}" vid="{4A3C46E8-61CC-4603-A589-7422A47A8E4A}"/>
     </a:ext>
   </a:extLst>
 </a:theme>

--- a/2 기능 정의 취합, 요구사항 정의서, USE FLOW/ucd.pptx
+++ b/2 기능 정의 취합, 요구사항 정의서, USE FLOW/ucd.pptx
@@ -5,10 +5,11 @@
     <p:sldMasterId id="2147483648" r:id="rId1"/>
   </p:sldMasterIdLst>
   <p:notesMasterIdLst>
-    <p:notesMasterId r:id="rId3"/>
+    <p:notesMasterId r:id="rId4"/>
   </p:notesMasterIdLst>
   <p:sldIdLst>
-    <p:sldId id="257" r:id="rId2"/>
+    <p:sldId id="258" r:id="rId2"/>
+    <p:sldId id="257" r:id="rId3"/>
   </p:sldIdLst>
   <p:sldSz cx="12192000" cy="6858000"/>
   <p:notesSz cx="6858000" cy="9144000"/>
@@ -109,10 +110,32 @@
   </p:defaultTextStyle>
   <p:extLst>
     <p:ext uri="{EFAFB233-063F-42B5-8137-9DF3F51BA10A}">
-      <p15:sldGuideLst xmlns="" xmlns:p15="http://schemas.microsoft.com/office/powerpoint/2012/main"/>
+      <p15:sldGuideLst xmlns:p15="http://schemas.microsoft.com/office/powerpoint/2012/main">
+        <p15:guide id="1" orient="horz" pos="2160">
+          <p15:clr>
+            <a:srgbClr val="A4A3A4"/>
+          </p15:clr>
+        </p15:guide>
+        <p15:guide id="2" pos="3840">
+          <p15:clr>
+            <a:srgbClr val="A4A3A4"/>
+          </p15:clr>
+        </p15:guide>
+      </p15:sldGuideLst>
     </p:ext>
   </p:extLst>
 </p:presentation>
+</file>
+
+<file path=ppt/revisionInfo.xml><?xml version="1.0" encoding="utf-8"?>
+<p1510:revInfo xmlns:a="http://schemas.openxmlformats.org/drawingml/2006/main" xmlns:r="http://schemas.openxmlformats.org/officeDocument/2006/relationships" xmlns:p1510="http://schemas.microsoft.com/office/powerpoint/2015/10/main">
+  <p1510:revLst>
+    <p1510:client id="{0BC006BB-EC73-4CAA-947D-F3196C718E8F}" v="4" dt="2020-03-28T13:14:34.684"/>
+    <p1510:client id="{3FEABCCB-F12F-4A91-A7CA-5271AFF18A46}" v="7" dt="2020-03-28T13:14:14.071"/>
+    <p1510:client id="{7C318543-5DB4-4622-B402-68727F3C63D7}" v="213" dt="2020-03-28T13:13:50.309"/>
+    <p1510:client id="{8AF8746D-F18A-431E-8036-D702B84199FF}" v="171" dt="2020-03-28T13:18:30.903"/>
+  </p1510:revLst>
+</p1510:revInfo>
 </file>
 
 <file path=ppt/notesMasters/notesMaster1.xml><?xml version="1.0" encoding="utf-8"?>
@@ -197,7 +220,7 @@
           <a:p>
             <a:fld id="{34A57D12-7D57-4077-B755-4C8239845BD0}" type="datetimeFigureOut">
               <a:rPr lang="ko-KR" altLang="en-US" smtClean="0"/>
-              <a:t>2020-03-05</a:t>
+              <a:t>2020-03-28</a:t>
             </a:fld>
             <a:endParaRPr lang="ko-KR" altLang="en-US"/>
           </a:p>
@@ -561,6 +584,115 @@
         </p:txBody>
       </p:sp>
     </p:spTree>
+    <p:extLst>
+      <p:ext uri="{BB962C8B-B14F-4D97-AF65-F5344CB8AC3E}">
+        <p14:creationId xmlns:p14="http://schemas.microsoft.com/office/powerpoint/2010/main" val="652517468"/>
+      </p:ext>
+    </p:extLst>
+  </p:cSld>
+  <p:clrMapOvr>
+    <a:masterClrMapping/>
+  </p:clrMapOvr>
+</p:notes>
+</file>
+
+<file path=ppt/notesSlides/notesSlide2.xml><?xml version="1.0" encoding="utf-8"?>
+<p:notes xmlns:a="http://schemas.openxmlformats.org/drawingml/2006/main" xmlns:r="http://schemas.openxmlformats.org/officeDocument/2006/relationships" xmlns:p="http://schemas.openxmlformats.org/presentationml/2006/main" showMasterSp="0" showMasterPhAnim="0">
+  <p:cSld>
+    <p:spTree>
+      <p:nvGrpSpPr>
+        <p:cNvPr id="1" name="Shape 50"/>
+        <p:cNvGrpSpPr/>
+        <p:nvPr/>
+      </p:nvGrpSpPr>
+      <p:grpSpPr>
+        <a:xfrm>
+          <a:off x="0" y="0"/>
+          <a:ext cx="0" cy="0"/>
+          <a:chOff x="0" y="0"/>
+          <a:chExt cx="0" cy="0"/>
+        </a:xfrm>
+      </p:grpSpPr>
+      <p:sp>
+        <p:nvSpPr>
+          <p:cNvPr id="51" name="Google Shape;51;p:notes"/>
+          <p:cNvSpPr>
+            <a:spLocks noGrp="1" noRot="1" noChangeAspect="1"/>
+          </p:cNvSpPr>
+          <p:nvPr>
+            <p:ph type="sldImg" idx="2"/>
+          </p:nvPr>
+        </p:nvSpPr>
+        <p:spPr>
+          <a:xfrm>
+            <a:off x="381000" y="685800"/>
+            <a:ext cx="6096000" cy="3429000"/>
+          </a:xfrm>
+          <a:custGeom>
+            <a:avLst/>
+            <a:gdLst/>
+            <a:ahLst/>
+            <a:cxnLst/>
+            <a:rect l="l" t="t" r="r" b="b"/>
+            <a:pathLst>
+              <a:path w="120000" h="120000" extrusionOk="0">
+                <a:moveTo>
+                  <a:pt x="0" y="0"/>
+                </a:moveTo>
+                <a:lnTo>
+                  <a:pt x="120000" y="0"/>
+                </a:lnTo>
+                <a:lnTo>
+                  <a:pt x="120000" y="120000"/>
+                </a:lnTo>
+                <a:lnTo>
+                  <a:pt x="0" y="120000"/>
+                </a:lnTo>
+                <a:close/>
+              </a:path>
+            </a:pathLst>
+          </a:custGeom>
+        </p:spPr>
+      </p:sp>
+      <p:sp>
+        <p:nvSpPr>
+          <p:cNvPr id="52" name="Google Shape;52;p:notes"/>
+          <p:cNvSpPr txBox="1">
+            <a:spLocks noGrp="1"/>
+          </p:cNvSpPr>
+          <p:nvPr>
+            <p:ph type="body" idx="1"/>
+          </p:nvPr>
+        </p:nvSpPr>
+        <p:spPr>
+          <a:xfrm>
+            <a:off x="685800" y="4343400"/>
+            <a:ext cx="5486400" cy="4114800"/>
+          </a:xfrm>
+          <a:prstGeom prst="rect">
+            <a:avLst/>
+          </a:prstGeom>
+        </p:spPr>
+        <p:txBody>
+          <a:bodyPr spcFirstLastPara="1" wrap="square" lIns="91425" tIns="91425" rIns="91425" bIns="91425" anchor="t" anchorCtr="0">
+            <a:noAutofit/>
+          </a:bodyPr>
+          <a:lstStyle/>
+          <a:p>
+            <a:pPr marL="0" lvl="0" indent="0" algn="l" rtl="0">
+              <a:spcBef>
+                <a:spcPts val="0"/>
+              </a:spcBef>
+              <a:spcAft>
+                <a:spcPts val="0"/>
+              </a:spcAft>
+              <a:buNone/>
+            </a:pPr>
+            <a:endParaRPr/>
+          </a:p>
+        </p:txBody>
+      </p:sp>
+    </p:spTree>
   </p:cSld>
   <p:clrMapOvr>
     <a:masterClrMapping/>
@@ -590,7 +722,7 @@
           <p:cNvPr id="2" name="제목 1">
             <a:extLst>
               <a:ext uri="{FF2B5EF4-FFF2-40B4-BE49-F238E27FC236}">
-                <a16:creationId xmlns="" xmlns:a16="http://schemas.microsoft.com/office/drawing/2014/main" id="{D33E8F1F-7A61-4CC3-9980-D2EF2A5E4732}"/>
+                <a16:creationId xmlns:a16="http://schemas.microsoft.com/office/drawing/2014/main" id="{D33E8F1F-7A61-4CC3-9980-D2EF2A5E4732}"/>
               </a:ext>
             </a:extLst>
           </p:cNvPr>
@@ -627,7 +759,7 @@
           <p:cNvPr id="3" name="부제목 2">
             <a:extLst>
               <a:ext uri="{FF2B5EF4-FFF2-40B4-BE49-F238E27FC236}">
-                <a16:creationId xmlns="" xmlns:a16="http://schemas.microsoft.com/office/drawing/2014/main" id="{4B3E18A4-1F34-4E43-AD47-D7126F78EF1D}"/>
+                <a16:creationId xmlns:a16="http://schemas.microsoft.com/office/drawing/2014/main" id="{4B3E18A4-1F34-4E43-AD47-D7126F78EF1D}"/>
               </a:ext>
             </a:extLst>
           </p:cNvPr>
@@ -697,7 +829,7 @@
           <p:cNvPr id="4" name="날짜 개체 틀 3">
             <a:extLst>
               <a:ext uri="{FF2B5EF4-FFF2-40B4-BE49-F238E27FC236}">
-                <a16:creationId xmlns="" xmlns:a16="http://schemas.microsoft.com/office/drawing/2014/main" id="{1EB01FCD-46FD-4715-8859-291C9235FBCD}"/>
+                <a16:creationId xmlns:a16="http://schemas.microsoft.com/office/drawing/2014/main" id="{1EB01FCD-46FD-4715-8859-291C9235FBCD}"/>
               </a:ext>
             </a:extLst>
           </p:cNvPr>
@@ -715,7 +847,7 @@
           <a:p>
             <a:fld id="{4DA87FFA-2B3E-4067-BBD9-C9938D8C383D}" type="datetimeFigureOut">
               <a:rPr lang="ko-KR" altLang="en-US" smtClean="0"/>
-              <a:t>2020-03-05</a:t>
+              <a:t>2020-03-28</a:t>
             </a:fld>
             <a:endParaRPr lang="ko-KR" altLang="en-US"/>
           </a:p>
@@ -726,7 +858,7 @@
           <p:cNvPr id="5" name="바닥글 개체 틀 4">
             <a:extLst>
               <a:ext uri="{FF2B5EF4-FFF2-40B4-BE49-F238E27FC236}">
-                <a16:creationId xmlns="" xmlns:a16="http://schemas.microsoft.com/office/drawing/2014/main" id="{C551FB88-9BD9-4095-897C-6B6CAC5783E6}"/>
+                <a16:creationId xmlns:a16="http://schemas.microsoft.com/office/drawing/2014/main" id="{C551FB88-9BD9-4095-897C-6B6CAC5783E6}"/>
               </a:ext>
             </a:extLst>
           </p:cNvPr>
@@ -751,7 +883,7 @@
           <p:cNvPr id="6" name="슬라이드 번호 개체 틀 5">
             <a:extLst>
               <a:ext uri="{FF2B5EF4-FFF2-40B4-BE49-F238E27FC236}">
-                <a16:creationId xmlns="" xmlns:a16="http://schemas.microsoft.com/office/drawing/2014/main" id="{7582DC6B-0F33-4565-B8C5-56F7331C725F}"/>
+                <a16:creationId xmlns:a16="http://schemas.microsoft.com/office/drawing/2014/main" id="{7582DC6B-0F33-4565-B8C5-56F7331C725F}"/>
               </a:ext>
             </a:extLst>
           </p:cNvPr>
@@ -810,7 +942,7 @@
           <p:cNvPr id="2" name="제목 1">
             <a:extLst>
               <a:ext uri="{FF2B5EF4-FFF2-40B4-BE49-F238E27FC236}">
-                <a16:creationId xmlns="" xmlns:a16="http://schemas.microsoft.com/office/drawing/2014/main" id="{192B0D75-7CA3-4DF5-BAEB-E3A24D16BF9F}"/>
+                <a16:creationId xmlns:a16="http://schemas.microsoft.com/office/drawing/2014/main" id="{192B0D75-7CA3-4DF5-BAEB-E3A24D16BF9F}"/>
               </a:ext>
             </a:extLst>
           </p:cNvPr>
@@ -838,7 +970,7 @@
           <p:cNvPr id="3" name="세로 텍스트 개체 틀 2">
             <a:extLst>
               <a:ext uri="{FF2B5EF4-FFF2-40B4-BE49-F238E27FC236}">
-                <a16:creationId xmlns="" xmlns:a16="http://schemas.microsoft.com/office/drawing/2014/main" id="{27DD338F-F6D6-4A38-B308-4745EDC1512C}"/>
+                <a16:creationId xmlns:a16="http://schemas.microsoft.com/office/drawing/2014/main" id="{27DD338F-F6D6-4A38-B308-4745EDC1512C}"/>
               </a:ext>
             </a:extLst>
           </p:cNvPr>
@@ -895,7 +1027,7 @@
           <p:cNvPr id="4" name="날짜 개체 틀 3">
             <a:extLst>
               <a:ext uri="{FF2B5EF4-FFF2-40B4-BE49-F238E27FC236}">
-                <a16:creationId xmlns="" xmlns:a16="http://schemas.microsoft.com/office/drawing/2014/main" id="{169AF468-6DEC-4F29-B5E0-48D84D11B9DE}"/>
+                <a16:creationId xmlns:a16="http://schemas.microsoft.com/office/drawing/2014/main" id="{169AF468-6DEC-4F29-B5E0-48D84D11B9DE}"/>
               </a:ext>
             </a:extLst>
           </p:cNvPr>
@@ -913,7 +1045,7 @@
           <a:p>
             <a:fld id="{4DA87FFA-2B3E-4067-BBD9-C9938D8C383D}" type="datetimeFigureOut">
               <a:rPr lang="ko-KR" altLang="en-US" smtClean="0"/>
-              <a:t>2020-03-05</a:t>
+              <a:t>2020-03-28</a:t>
             </a:fld>
             <a:endParaRPr lang="ko-KR" altLang="en-US"/>
           </a:p>
@@ -924,7 +1056,7 @@
           <p:cNvPr id="5" name="바닥글 개체 틀 4">
             <a:extLst>
               <a:ext uri="{FF2B5EF4-FFF2-40B4-BE49-F238E27FC236}">
-                <a16:creationId xmlns="" xmlns:a16="http://schemas.microsoft.com/office/drawing/2014/main" id="{EE75C87B-7B6E-4A43-9F8C-77F43DFC7277}"/>
+                <a16:creationId xmlns:a16="http://schemas.microsoft.com/office/drawing/2014/main" id="{EE75C87B-7B6E-4A43-9F8C-77F43DFC7277}"/>
               </a:ext>
             </a:extLst>
           </p:cNvPr>
@@ -949,7 +1081,7 @@
           <p:cNvPr id="6" name="슬라이드 번호 개체 틀 5">
             <a:extLst>
               <a:ext uri="{FF2B5EF4-FFF2-40B4-BE49-F238E27FC236}">
-                <a16:creationId xmlns="" xmlns:a16="http://schemas.microsoft.com/office/drawing/2014/main" id="{355D8E24-A8BA-4B0F-B4EC-BDDE6D005874}"/>
+                <a16:creationId xmlns:a16="http://schemas.microsoft.com/office/drawing/2014/main" id="{355D8E24-A8BA-4B0F-B4EC-BDDE6D005874}"/>
               </a:ext>
             </a:extLst>
           </p:cNvPr>
@@ -1008,7 +1140,7 @@
           <p:cNvPr id="2" name="세로 제목 1">
             <a:extLst>
               <a:ext uri="{FF2B5EF4-FFF2-40B4-BE49-F238E27FC236}">
-                <a16:creationId xmlns="" xmlns:a16="http://schemas.microsoft.com/office/drawing/2014/main" id="{82FCF687-3144-4232-AAD0-89FA13954FE1}"/>
+                <a16:creationId xmlns:a16="http://schemas.microsoft.com/office/drawing/2014/main" id="{82FCF687-3144-4232-AAD0-89FA13954FE1}"/>
               </a:ext>
             </a:extLst>
           </p:cNvPr>
@@ -1041,7 +1173,7 @@
           <p:cNvPr id="3" name="세로 텍스트 개체 틀 2">
             <a:extLst>
               <a:ext uri="{FF2B5EF4-FFF2-40B4-BE49-F238E27FC236}">
-                <a16:creationId xmlns="" xmlns:a16="http://schemas.microsoft.com/office/drawing/2014/main" id="{CEC2192F-0BB5-4E02-9E9B-6AB875C3E678}"/>
+                <a16:creationId xmlns:a16="http://schemas.microsoft.com/office/drawing/2014/main" id="{CEC2192F-0BB5-4E02-9E9B-6AB875C3E678}"/>
               </a:ext>
             </a:extLst>
           </p:cNvPr>
@@ -1103,7 +1235,7 @@
           <p:cNvPr id="4" name="날짜 개체 틀 3">
             <a:extLst>
               <a:ext uri="{FF2B5EF4-FFF2-40B4-BE49-F238E27FC236}">
-                <a16:creationId xmlns="" xmlns:a16="http://schemas.microsoft.com/office/drawing/2014/main" id="{4A82E7D5-AD3B-44D3-9373-066BE35EF724}"/>
+                <a16:creationId xmlns:a16="http://schemas.microsoft.com/office/drawing/2014/main" id="{4A82E7D5-AD3B-44D3-9373-066BE35EF724}"/>
               </a:ext>
             </a:extLst>
           </p:cNvPr>
@@ -1121,7 +1253,7 @@
           <a:p>
             <a:fld id="{4DA87FFA-2B3E-4067-BBD9-C9938D8C383D}" type="datetimeFigureOut">
               <a:rPr lang="ko-KR" altLang="en-US" smtClean="0"/>
-              <a:t>2020-03-05</a:t>
+              <a:t>2020-03-28</a:t>
             </a:fld>
             <a:endParaRPr lang="ko-KR" altLang="en-US"/>
           </a:p>
@@ -1132,7 +1264,7 @@
           <p:cNvPr id="5" name="바닥글 개체 틀 4">
             <a:extLst>
               <a:ext uri="{FF2B5EF4-FFF2-40B4-BE49-F238E27FC236}">
-                <a16:creationId xmlns="" xmlns:a16="http://schemas.microsoft.com/office/drawing/2014/main" id="{96F04E1E-A44B-47BD-8656-31C6D58EBF3B}"/>
+                <a16:creationId xmlns:a16="http://schemas.microsoft.com/office/drawing/2014/main" id="{96F04E1E-A44B-47BD-8656-31C6D58EBF3B}"/>
               </a:ext>
             </a:extLst>
           </p:cNvPr>
@@ -1157,7 +1289,7 @@
           <p:cNvPr id="6" name="슬라이드 번호 개체 틀 5">
             <a:extLst>
               <a:ext uri="{FF2B5EF4-FFF2-40B4-BE49-F238E27FC236}">
-                <a16:creationId xmlns="" xmlns:a16="http://schemas.microsoft.com/office/drawing/2014/main" id="{13850518-5448-427B-A72B-26AE0A45DA15}"/>
+                <a16:creationId xmlns:a16="http://schemas.microsoft.com/office/drawing/2014/main" id="{13850518-5448-427B-A72B-26AE0A45DA15}"/>
               </a:ext>
             </a:extLst>
           </p:cNvPr>
@@ -1216,7 +1348,7 @@
           <p:cNvPr id="2" name="제목 1">
             <a:extLst>
               <a:ext uri="{FF2B5EF4-FFF2-40B4-BE49-F238E27FC236}">
-                <a16:creationId xmlns="" xmlns:a16="http://schemas.microsoft.com/office/drawing/2014/main" id="{CAC28302-1AE3-4CC4-94ED-EF4C90EDAEDB}"/>
+                <a16:creationId xmlns:a16="http://schemas.microsoft.com/office/drawing/2014/main" id="{CAC28302-1AE3-4CC4-94ED-EF4C90EDAEDB}"/>
               </a:ext>
             </a:extLst>
           </p:cNvPr>
@@ -1244,7 +1376,7 @@
           <p:cNvPr id="3" name="내용 개체 틀 2">
             <a:extLst>
               <a:ext uri="{FF2B5EF4-FFF2-40B4-BE49-F238E27FC236}">
-                <a16:creationId xmlns="" xmlns:a16="http://schemas.microsoft.com/office/drawing/2014/main" id="{94D78527-C61A-4C99-92A7-6092F8BF2FDF}"/>
+                <a16:creationId xmlns:a16="http://schemas.microsoft.com/office/drawing/2014/main" id="{94D78527-C61A-4C99-92A7-6092F8BF2FDF}"/>
               </a:ext>
             </a:extLst>
           </p:cNvPr>
@@ -1301,7 +1433,7 @@
           <p:cNvPr id="4" name="날짜 개체 틀 3">
             <a:extLst>
               <a:ext uri="{FF2B5EF4-FFF2-40B4-BE49-F238E27FC236}">
-                <a16:creationId xmlns="" xmlns:a16="http://schemas.microsoft.com/office/drawing/2014/main" id="{5A5414CE-B052-41C3-8762-A099FC09AC9E}"/>
+                <a16:creationId xmlns:a16="http://schemas.microsoft.com/office/drawing/2014/main" id="{5A5414CE-B052-41C3-8762-A099FC09AC9E}"/>
               </a:ext>
             </a:extLst>
           </p:cNvPr>
@@ -1319,7 +1451,7 @@
           <a:p>
             <a:fld id="{4DA87FFA-2B3E-4067-BBD9-C9938D8C383D}" type="datetimeFigureOut">
               <a:rPr lang="ko-KR" altLang="en-US" smtClean="0"/>
-              <a:t>2020-03-05</a:t>
+              <a:t>2020-03-28</a:t>
             </a:fld>
             <a:endParaRPr lang="ko-KR" altLang="en-US"/>
           </a:p>
@@ -1330,7 +1462,7 @@
           <p:cNvPr id="5" name="바닥글 개체 틀 4">
             <a:extLst>
               <a:ext uri="{FF2B5EF4-FFF2-40B4-BE49-F238E27FC236}">
-                <a16:creationId xmlns="" xmlns:a16="http://schemas.microsoft.com/office/drawing/2014/main" id="{04D15CB5-8106-497E-B7BD-5D864E2A4805}"/>
+                <a16:creationId xmlns:a16="http://schemas.microsoft.com/office/drawing/2014/main" id="{04D15CB5-8106-497E-B7BD-5D864E2A4805}"/>
               </a:ext>
             </a:extLst>
           </p:cNvPr>
@@ -1355,7 +1487,7 @@
           <p:cNvPr id="6" name="슬라이드 번호 개체 틀 5">
             <a:extLst>
               <a:ext uri="{FF2B5EF4-FFF2-40B4-BE49-F238E27FC236}">
-                <a16:creationId xmlns="" xmlns:a16="http://schemas.microsoft.com/office/drawing/2014/main" id="{CC69AA7D-38FD-49F0-B2F3-13B85E6A7860}"/>
+                <a16:creationId xmlns:a16="http://schemas.microsoft.com/office/drawing/2014/main" id="{CC69AA7D-38FD-49F0-B2F3-13B85E6A7860}"/>
               </a:ext>
             </a:extLst>
           </p:cNvPr>
@@ -1414,7 +1546,7 @@
           <p:cNvPr id="2" name="제목 1">
             <a:extLst>
               <a:ext uri="{FF2B5EF4-FFF2-40B4-BE49-F238E27FC236}">
-                <a16:creationId xmlns="" xmlns:a16="http://schemas.microsoft.com/office/drawing/2014/main" id="{CDCCB98B-8F42-47B7-AAE9-E9D62DB687C9}"/>
+                <a16:creationId xmlns:a16="http://schemas.microsoft.com/office/drawing/2014/main" id="{CDCCB98B-8F42-47B7-AAE9-E9D62DB687C9}"/>
               </a:ext>
             </a:extLst>
           </p:cNvPr>
@@ -1451,7 +1583,7 @@
           <p:cNvPr id="3" name="텍스트 개체 틀 2">
             <a:extLst>
               <a:ext uri="{FF2B5EF4-FFF2-40B4-BE49-F238E27FC236}">
-                <a16:creationId xmlns="" xmlns:a16="http://schemas.microsoft.com/office/drawing/2014/main" id="{D206F9BD-A80D-4E87-8425-00DD8D11728B}"/>
+                <a16:creationId xmlns:a16="http://schemas.microsoft.com/office/drawing/2014/main" id="{D206F9BD-A80D-4E87-8425-00DD8D11728B}"/>
               </a:ext>
             </a:extLst>
           </p:cNvPr>
@@ -1576,7 +1708,7 @@
           <p:cNvPr id="4" name="날짜 개체 틀 3">
             <a:extLst>
               <a:ext uri="{FF2B5EF4-FFF2-40B4-BE49-F238E27FC236}">
-                <a16:creationId xmlns="" xmlns:a16="http://schemas.microsoft.com/office/drawing/2014/main" id="{786F17E6-D6FB-40B5-9B88-A91E7AAC824F}"/>
+                <a16:creationId xmlns:a16="http://schemas.microsoft.com/office/drawing/2014/main" id="{786F17E6-D6FB-40B5-9B88-A91E7AAC824F}"/>
               </a:ext>
             </a:extLst>
           </p:cNvPr>
@@ -1594,7 +1726,7 @@
           <a:p>
             <a:fld id="{4DA87FFA-2B3E-4067-BBD9-C9938D8C383D}" type="datetimeFigureOut">
               <a:rPr lang="ko-KR" altLang="en-US" smtClean="0"/>
-              <a:t>2020-03-05</a:t>
+              <a:t>2020-03-28</a:t>
             </a:fld>
             <a:endParaRPr lang="ko-KR" altLang="en-US"/>
           </a:p>
@@ -1605,7 +1737,7 @@
           <p:cNvPr id="5" name="바닥글 개체 틀 4">
             <a:extLst>
               <a:ext uri="{FF2B5EF4-FFF2-40B4-BE49-F238E27FC236}">
-                <a16:creationId xmlns="" xmlns:a16="http://schemas.microsoft.com/office/drawing/2014/main" id="{77DC2E84-D711-47E2-9C53-763D835FA0D0}"/>
+                <a16:creationId xmlns:a16="http://schemas.microsoft.com/office/drawing/2014/main" id="{77DC2E84-D711-47E2-9C53-763D835FA0D0}"/>
               </a:ext>
             </a:extLst>
           </p:cNvPr>
@@ -1630,7 +1762,7 @@
           <p:cNvPr id="6" name="슬라이드 번호 개체 틀 5">
             <a:extLst>
               <a:ext uri="{FF2B5EF4-FFF2-40B4-BE49-F238E27FC236}">
-                <a16:creationId xmlns="" xmlns:a16="http://schemas.microsoft.com/office/drawing/2014/main" id="{1B67E5BF-113A-4066-BFEE-E0246A97C0DD}"/>
+                <a16:creationId xmlns:a16="http://schemas.microsoft.com/office/drawing/2014/main" id="{1B67E5BF-113A-4066-BFEE-E0246A97C0DD}"/>
               </a:ext>
             </a:extLst>
           </p:cNvPr>
@@ -1689,7 +1821,7 @@
           <p:cNvPr id="2" name="제목 1">
             <a:extLst>
               <a:ext uri="{FF2B5EF4-FFF2-40B4-BE49-F238E27FC236}">
-                <a16:creationId xmlns="" xmlns:a16="http://schemas.microsoft.com/office/drawing/2014/main" id="{19B13494-718A-41BA-896B-860C4FAB0E83}"/>
+                <a16:creationId xmlns:a16="http://schemas.microsoft.com/office/drawing/2014/main" id="{19B13494-718A-41BA-896B-860C4FAB0E83}"/>
               </a:ext>
             </a:extLst>
           </p:cNvPr>
@@ -1717,7 +1849,7 @@
           <p:cNvPr id="3" name="내용 개체 틀 2">
             <a:extLst>
               <a:ext uri="{FF2B5EF4-FFF2-40B4-BE49-F238E27FC236}">
-                <a16:creationId xmlns="" xmlns:a16="http://schemas.microsoft.com/office/drawing/2014/main" id="{164DA2B2-0C82-4DDA-8962-58B444D5ED78}"/>
+                <a16:creationId xmlns:a16="http://schemas.microsoft.com/office/drawing/2014/main" id="{164DA2B2-0C82-4DDA-8962-58B444D5ED78}"/>
               </a:ext>
             </a:extLst>
           </p:cNvPr>
@@ -1779,7 +1911,7 @@
           <p:cNvPr id="4" name="내용 개체 틀 3">
             <a:extLst>
               <a:ext uri="{FF2B5EF4-FFF2-40B4-BE49-F238E27FC236}">
-                <a16:creationId xmlns="" xmlns:a16="http://schemas.microsoft.com/office/drawing/2014/main" id="{9816D12F-4487-481B-A893-0589CF8D7CAA}"/>
+                <a16:creationId xmlns:a16="http://schemas.microsoft.com/office/drawing/2014/main" id="{9816D12F-4487-481B-A893-0589CF8D7CAA}"/>
               </a:ext>
             </a:extLst>
           </p:cNvPr>
@@ -1841,7 +1973,7 @@
           <p:cNvPr id="5" name="날짜 개체 틀 4">
             <a:extLst>
               <a:ext uri="{FF2B5EF4-FFF2-40B4-BE49-F238E27FC236}">
-                <a16:creationId xmlns="" xmlns:a16="http://schemas.microsoft.com/office/drawing/2014/main" id="{8B196A0C-A7F7-444A-B7D8-86ABE17E064C}"/>
+                <a16:creationId xmlns:a16="http://schemas.microsoft.com/office/drawing/2014/main" id="{8B196A0C-A7F7-444A-B7D8-86ABE17E064C}"/>
               </a:ext>
             </a:extLst>
           </p:cNvPr>
@@ -1859,7 +1991,7 @@
           <a:p>
             <a:fld id="{4DA87FFA-2B3E-4067-BBD9-C9938D8C383D}" type="datetimeFigureOut">
               <a:rPr lang="ko-KR" altLang="en-US" smtClean="0"/>
-              <a:t>2020-03-05</a:t>
+              <a:t>2020-03-28</a:t>
             </a:fld>
             <a:endParaRPr lang="ko-KR" altLang="en-US"/>
           </a:p>
@@ -1870,7 +2002,7 @@
           <p:cNvPr id="6" name="바닥글 개체 틀 5">
             <a:extLst>
               <a:ext uri="{FF2B5EF4-FFF2-40B4-BE49-F238E27FC236}">
-                <a16:creationId xmlns="" xmlns:a16="http://schemas.microsoft.com/office/drawing/2014/main" id="{7BF4E3B1-A69E-498B-B588-79DE70345A27}"/>
+                <a16:creationId xmlns:a16="http://schemas.microsoft.com/office/drawing/2014/main" id="{7BF4E3B1-A69E-498B-B588-79DE70345A27}"/>
               </a:ext>
             </a:extLst>
           </p:cNvPr>
@@ -1895,7 +2027,7 @@
           <p:cNvPr id="7" name="슬라이드 번호 개체 틀 6">
             <a:extLst>
               <a:ext uri="{FF2B5EF4-FFF2-40B4-BE49-F238E27FC236}">
-                <a16:creationId xmlns="" xmlns:a16="http://schemas.microsoft.com/office/drawing/2014/main" id="{153B2D4A-B58E-4F67-90E3-8606FC0BF575}"/>
+                <a16:creationId xmlns:a16="http://schemas.microsoft.com/office/drawing/2014/main" id="{153B2D4A-B58E-4F67-90E3-8606FC0BF575}"/>
               </a:ext>
             </a:extLst>
           </p:cNvPr>
@@ -1954,7 +2086,7 @@
           <p:cNvPr id="2" name="제목 1">
             <a:extLst>
               <a:ext uri="{FF2B5EF4-FFF2-40B4-BE49-F238E27FC236}">
-                <a16:creationId xmlns="" xmlns:a16="http://schemas.microsoft.com/office/drawing/2014/main" id="{93538C37-DD97-470D-974A-8F6E2646847B}"/>
+                <a16:creationId xmlns:a16="http://schemas.microsoft.com/office/drawing/2014/main" id="{93538C37-DD97-470D-974A-8F6E2646847B}"/>
               </a:ext>
             </a:extLst>
           </p:cNvPr>
@@ -1987,7 +2119,7 @@
           <p:cNvPr id="3" name="텍스트 개체 틀 2">
             <a:extLst>
               <a:ext uri="{FF2B5EF4-FFF2-40B4-BE49-F238E27FC236}">
-                <a16:creationId xmlns="" xmlns:a16="http://schemas.microsoft.com/office/drawing/2014/main" id="{4D817F81-074E-4263-9838-0D2507D4848C}"/>
+                <a16:creationId xmlns:a16="http://schemas.microsoft.com/office/drawing/2014/main" id="{4D817F81-074E-4263-9838-0D2507D4848C}"/>
               </a:ext>
             </a:extLst>
           </p:cNvPr>
@@ -2058,7 +2190,7 @@
           <p:cNvPr id="4" name="내용 개체 틀 3">
             <a:extLst>
               <a:ext uri="{FF2B5EF4-FFF2-40B4-BE49-F238E27FC236}">
-                <a16:creationId xmlns="" xmlns:a16="http://schemas.microsoft.com/office/drawing/2014/main" id="{CB7DB7DE-8DFF-4416-91B9-78A7C5DB121E}"/>
+                <a16:creationId xmlns:a16="http://schemas.microsoft.com/office/drawing/2014/main" id="{CB7DB7DE-8DFF-4416-91B9-78A7C5DB121E}"/>
               </a:ext>
             </a:extLst>
           </p:cNvPr>
@@ -2120,7 +2252,7 @@
           <p:cNvPr id="5" name="텍스트 개체 틀 4">
             <a:extLst>
               <a:ext uri="{FF2B5EF4-FFF2-40B4-BE49-F238E27FC236}">
-                <a16:creationId xmlns="" xmlns:a16="http://schemas.microsoft.com/office/drawing/2014/main" id="{B69B2BF4-F87A-42EF-B8D1-DF60A8B875C5}"/>
+                <a16:creationId xmlns:a16="http://schemas.microsoft.com/office/drawing/2014/main" id="{B69B2BF4-F87A-42EF-B8D1-DF60A8B875C5}"/>
               </a:ext>
             </a:extLst>
           </p:cNvPr>
@@ -2191,7 +2323,7 @@
           <p:cNvPr id="6" name="내용 개체 틀 5">
             <a:extLst>
               <a:ext uri="{FF2B5EF4-FFF2-40B4-BE49-F238E27FC236}">
-                <a16:creationId xmlns="" xmlns:a16="http://schemas.microsoft.com/office/drawing/2014/main" id="{4C11257B-855C-4027-B257-B1AA46D15D4B}"/>
+                <a16:creationId xmlns:a16="http://schemas.microsoft.com/office/drawing/2014/main" id="{4C11257B-855C-4027-B257-B1AA46D15D4B}"/>
               </a:ext>
             </a:extLst>
           </p:cNvPr>
@@ -2253,7 +2385,7 @@
           <p:cNvPr id="7" name="날짜 개체 틀 6">
             <a:extLst>
               <a:ext uri="{FF2B5EF4-FFF2-40B4-BE49-F238E27FC236}">
-                <a16:creationId xmlns="" xmlns:a16="http://schemas.microsoft.com/office/drawing/2014/main" id="{728AAFC6-55BE-4626-AF96-C7CCDAC0F2B0}"/>
+                <a16:creationId xmlns:a16="http://schemas.microsoft.com/office/drawing/2014/main" id="{728AAFC6-55BE-4626-AF96-C7CCDAC0F2B0}"/>
               </a:ext>
             </a:extLst>
           </p:cNvPr>
@@ -2271,7 +2403,7 @@
           <a:p>
             <a:fld id="{4DA87FFA-2B3E-4067-BBD9-C9938D8C383D}" type="datetimeFigureOut">
               <a:rPr lang="ko-KR" altLang="en-US" smtClean="0"/>
-              <a:t>2020-03-05</a:t>
+              <a:t>2020-03-28</a:t>
             </a:fld>
             <a:endParaRPr lang="ko-KR" altLang="en-US"/>
           </a:p>
@@ -2282,7 +2414,7 @@
           <p:cNvPr id="8" name="바닥글 개체 틀 7">
             <a:extLst>
               <a:ext uri="{FF2B5EF4-FFF2-40B4-BE49-F238E27FC236}">
-                <a16:creationId xmlns="" xmlns:a16="http://schemas.microsoft.com/office/drawing/2014/main" id="{3EB61947-78EC-4DFE-AE18-BADFE946FCA1}"/>
+                <a16:creationId xmlns:a16="http://schemas.microsoft.com/office/drawing/2014/main" id="{3EB61947-78EC-4DFE-AE18-BADFE946FCA1}"/>
               </a:ext>
             </a:extLst>
           </p:cNvPr>
@@ -2307,7 +2439,7 @@
           <p:cNvPr id="9" name="슬라이드 번호 개체 틀 8">
             <a:extLst>
               <a:ext uri="{FF2B5EF4-FFF2-40B4-BE49-F238E27FC236}">
-                <a16:creationId xmlns="" xmlns:a16="http://schemas.microsoft.com/office/drawing/2014/main" id="{685261F2-9FFB-4E37-862F-6B9846E4C0CE}"/>
+                <a16:creationId xmlns:a16="http://schemas.microsoft.com/office/drawing/2014/main" id="{685261F2-9FFB-4E37-862F-6B9846E4C0CE}"/>
               </a:ext>
             </a:extLst>
           </p:cNvPr>
@@ -2366,7 +2498,7 @@
           <p:cNvPr id="2" name="제목 1">
             <a:extLst>
               <a:ext uri="{FF2B5EF4-FFF2-40B4-BE49-F238E27FC236}">
-                <a16:creationId xmlns="" xmlns:a16="http://schemas.microsoft.com/office/drawing/2014/main" id="{DBF0FBFD-50F2-4BA4-AF91-A95726D349E9}"/>
+                <a16:creationId xmlns:a16="http://schemas.microsoft.com/office/drawing/2014/main" id="{DBF0FBFD-50F2-4BA4-AF91-A95726D349E9}"/>
               </a:ext>
             </a:extLst>
           </p:cNvPr>
@@ -2394,7 +2526,7 @@
           <p:cNvPr id="3" name="날짜 개체 틀 2">
             <a:extLst>
               <a:ext uri="{FF2B5EF4-FFF2-40B4-BE49-F238E27FC236}">
-                <a16:creationId xmlns="" xmlns:a16="http://schemas.microsoft.com/office/drawing/2014/main" id="{E7D649F4-6054-4AAB-996F-0AB3C119A62C}"/>
+                <a16:creationId xmlns:a16="http://schemas.microsoft.com/office/drawing/2014/main" id="{E7D649F4-6054-4AAB-996F-0AB3C119A62C}"/>
               </a:ext>
             </a:extLst>
           </p:cNvPr>
@@ -2412,7 +2544,7 @@
           <a:p>
             <a:fld id="{4DA87FFA-2B3E-4067-BBD9-C9938D8C383D}" type="datetimeFigureOut">
               <a:rPr lang="ko-KR" altLang="en-US" smtClean="0"/>
-              <a:t>2020-03-05</a:t>
+              <a:t>2020-03-28</a:t>
             </a:fld>
             <a:endParaRPr lang="ko-KR" altLang="en-US"/>
           </a:p>
@@ -2423,7 +2555,7 @@
           <p:cNvPr id="4" name="바닥글 개체 틀 3">
             <a:extLst>
               <a:ext uri="{FF2B5EF4-FFF2-40B4-BE49-F238E27FC236}">
-                <a16:creationId xmlns="" xmlns:a16="http://schemas.microsoft.com/office/drawing/2014/main" id="{811F19C3-44C7-45D0-81E8-9171D98B92DE}"/>
+                <a16:creationId xmlns:a16="http://schemas.microsoft.com/office/drawing/2014/main" id="{811F19C3-44C7-45D0-81E8-9171D98B92DE}"/>
               </a:ext>
             </a:extLst>
           </p:cNvPr>
@@ -2448,7 +2580,7 @@
           <p:cNvPr id="5" name="슬라이드 번호 개체 틀 4">
             <a:extLst>
               <a:ext uri="{FF2B5EF4-FFF2-40B4-BE49-F238E27FC236}">
-                <a16:creationId xmlns="" xmlns:a16="http://schemas.microsoft.com/office/drawing/2014/main" id="{A373D321-1F04-4E02-B67E-1D9488A7116C}"/>
+                <a16:creationId xmlns:a16="http://schemas.microsoft.com/office/drawing/2014/main" id="{A373D321-1F04-4E02-B67E-1D9488A7116C}"/>
               </a:ext>
             </a:extLst>
           </p:cNvPr>
@@ -2507,7 +2639,7 @@
           <p:cNvPr id="2" name="날짜 개체 틀 1">
             <a:extLst>
               <a:ext uri="{FF2B5EF4-FFF2-40B4-BE49-F238E27FC236}">
-                <a16:creationId xmlns="" xmlns:a16="http://schemas.microsoft.com/office/drawing/2014/main" id="{32F18568-ADFE-4891-B7FF-CA4C4751DAE6}"/>
+                <a16:creationId xmlns:a16="http://schemas.microsoft.com/office/drawing/2014/main" id="{32F18568-ADFE-4891-B7FF-CA4C4751DAE6}"/>
               </a:ext>
             </a:extLst>
           </p:cNvPr>
@@ -2525,7 +2657,7 @@
           <a:p>
             <a:fld id="{4DA87FFA-2B3E-4067-BBD9-C9938D8C383D}" type="datetimeFigureOut">
               <a:rPr lang="ko-KR" altLang="en-US" smtClean="0"/>
-              <a:t>2020-03-05</a:t>
+              <a:t>2020-03-28</a:t>
             </a:fld>
             <a:endParaRPr lang="ko-KR" altLang="en-US"/>
           </a:p>
@@ -2536,7 +2668,7 @@
           <p:cNvPr id="3" name="바닥글 개체 틀 2">
             <a:extLst>
               <a:ext uri="{FF2B5EF4-FFF2-40B4-BE49-F238E27FC236}">
-                <a16:creationId xmlns="" xmlns:a16="http://schemas.microsoft.com/office/drawing/2014/main" id="{8CD4EBBE-ABDC-4556-A9E0-9FA9D374FF3A}"/>
+                <a16:creationId xmlns:a16="http://schemas.microsoft.com/office/drawing/2014/main" id="{8CD4EBBE-ABDC-4556-A9E0-9FA9D374FF3A}"/>
               </a:ext>
             </a:extLst>
           </p:cNvPr>
@@ -2561,7 +2693,7 @@
           <p:cNvPr id="4" name="슬라이드 번호 개체 틀 3">
             <a:extLst>
               <a:ext uri="{FF2B5EF4-FFF2-40B4-BE49-F238E27FC236}">
-                <a16:creationId xmlns="" xmlns:a16="http://schemas.microsoft.com/office/drawing/2014/main" id="{BC693806-1B50-490D-927B-39FA5BF532A4}"/>
+                <a16:creationId xmlns:a16="http://schemas.microsoft.com/office/drawing/2014/main" id="{BC693806-1B50-490D-927B-39FA5BF532A4}"/>
               </a:ext>
             </a:extLst>
           </p:cNvPr>
@@ -2620,7 +2752,7 @@
           <p:cNvPr id="2" name="제목 1">
             <a:extLst>
               <a:ext uri="{FF2B5EF4-FFF2-40B4-BE49-F238E27FC236}">
-                <a16:creationId xmlns="" xmlns:a16="http://schemas.microsoft.com/office/drawing/2014/main" id="{44AA0496-6910-4F73-AECB-399703A12EC6}"/>
+                <a16:creationId xmlns:a16="http://schemas.microsoft.com/office/drawing/2014/main" id="{44AA0496-6910-4F73-AECB-399703A12EC6}"/>
               </a:ext>
             </a:extLst>
           </p:cNvPr>
@@ -2657,7 +2789,7 @@
           <p:cNvPr id="3" name="내용 개체 틀 2">
             <a:extLst>
               <a:ext uri="{FF2B5EF4-FFF2-40B4-BE49-F238E27FC236}">
-                <a16:creationId xmlns="" xmlns:a16="http://schemas.microsoft.com/office/drawing/2014/main" id="{5F63F752-8AB8-406F-9820-D625F6D77465}"/>
+                <a16:creationId xmlns:a16="http://schemas.microsoft.com/office/drawing/2014/main" id="{5F63F752-8AB8-406F-9820-D625F6D77465}"/>
               </a:ext>
             </a:extLst>
           </p:cNvPr>
@@ -2747,7 +2879,7 @@
           <p:cNvPr id="4" name="텍스트 개체 틀 3">
             <a:extLst>
               <a:ext uri="{FF2B5EF4-FFF2-40B4-BE49-F238E27FC236}">
-                <a16:creationId xmlns="" xmlns:a16="http://schemas.microsoft.com/office/drawing/2014/main" id="{320E7E21-BCC1-4E46-A0E9-7427A7F1015A}"/>
+                <a16:creationId xmlns:a16="http://schemas.microsoft.com/office/drawing/2014/main" id="{320E7E21-BCC1-4E46-A0E9-7427A7F1015A}"/>
               </a:ext>
             </a:extLst>
           </p:cNvPr>
@@ -2818,7 +2950,7 @@
           <p:cNvPr id="5" name="날짜 개체 틀 4">
             <a:extLst>
               <a:ext uri="{FF2B5EF4-FFF2-40B4-BE49-F238E27FC236}">
-                <a16:creationId xmlns="" xmlns:a16="http://schemas.microsoft.com/office/drawing/2014/main" id="{A85CFFBA-C37C-4D62-9CEA-34B8E7B3AA5A}"/>
+                <a16:creationId xmlns:a16="http://schemas.microsoft.com/office/drawing/2014/main" id="{A85CFFBA-C37C-4D62-9CEA-34B8E7B3AA5A}"/>
               </a:ext>
             </a:extLst>
           </p:cNvPr>
@@ -2836,7 +2968,7 @@
           <a:p>
             <a:fld id="{4DA87FFA-2B3E-4067-BBD9-C9938D8C383D}" type="datetimeFigureOut">
               <a:rPr lang="ko-KR" altLang="en-US" smtClean="0"/>
-              <a:t>2020-03-05</a:t>
+              <a:t>2020-03-28</a:t>
             </a:fld>
             <a:endParaRPr lang="ko-KR" altLang="en-US"/>
           </a:p>
@@ -2847,7 +2979,7 @@
           <p:cNvPr id="6" name="바닥글 개체 틀 5">
             <a:extLst>
               <a:ext uri="{FF2B5EF4-FFF2-40B4-BE49-F238E27FC236}">
-                <a16:creationId xmlns="" xmlns:a16="http://schemas.microsoft.com/office/drawing/2014/main" id="{762DB06D-E2F3-4C24-B585-E1582E8DF577}"/>
+                <a16:creationId xmlns:a16="http://schemas.microsoft.com/office/drawing/2014/main" id="{762DB06D-E2F3-4C24-B585-E1582E8DF577}"/>
               </a:ext>
             </a:extLst>
           </p:cNvPr>
@@ -2872,7 +3004,7 @@
           <p:cNvPr id="7" name="슬라이드 번호 개체 틀 6">
             <a:extLst>
               <a:ext uri="{FF2B5EF4-FFF2-40B4-BE49-F238E27FC236}">
-                <a16:creationId xmlns="" xmlns:a16="http://schemas.microsoft.com/office/drawing/2014/main" id="{DF237AD2-DD7B-447F-A38A-D4E5E769E31B}"/>
+                <a16:creationId xmlns:a16="http://schemas.microsoft.com/office/drawing/2014/main" id="{DF237AD2-DD7B-447F-A38A-D4E5E769E31B}"/>
               </a:ext>
             </a:extLst>
           </p:cNvPr>
@@ -2931,7 +3063,7 @@
           <p:cNvPr id="2" name="제목 1">
             <a:extLst>
               <a:ext uri="{FF2B5EF4-FFF2-40B4-BE49-F238E27FC236}">
-                <a16:creationId xmlns="" xmlns:a16="http://schemas.microsoft.com/office/drawing/2014/main" id="{12CF1765-527F-48FA-B956-DE872DCCAEEA}"/>
+                <a16:creationId xmlns:a16="http://schemas.microsoft.com/office/drawing/2014/main" id="{12CF1765-527F-48FA-B956-DE872DCCAEEA}"/>
               </a:ext>
             </a:extLst>
           </p:cNvPr>
@@ -2968,7 +3100,7 @@
           <p:cNvPr id="3" name="그림 개체 틀 2">
             <a:extLst>
               <a:ext uri="{FF2B5EF4-FFF2-40B4-BE49-F238E27FC236}">
-                <a16:creationId xmlns="" xmlns:a16="http://schemas.microsoft.com/office/drawing/2014/main" id="{413FBCB9-B2EA-4F7B-8D8B-2BDE91EEF613}"/>
+                <a16:creationId xmlns:a16="http://schemas.microsoft.com/office/drawing/2014/main" id="{413FBCB9-B2EA-4F7B-8D8B-2BDE91EEF613}"/>
               </a:ext>
             </a:extLst>
           </p:cNvPr>
@@ -3035,7 +3167,7 @@
           <p:cNvPr id="4" name="텍스트 개체 틀 3">
             <a:extLst>
               <a:ext uri="{FF2B5EF4-FFF2-40B4-BE49-F238E27FC236}">
-                <a16:creationId xmlns="" xmlns:a16="http://schemas.microsoft.com/office/drawing/2014/main" id="{14FF4D9B-ADE8-4EAE-94FD-25D67B1B2161}"/>
+                <a16:creationId xmlns:a16="http://schemas.microsoft.com/office/drawing/2014/main" id="{14FF4D9B-ADE8-4EAE-94FD-25D67B1B2161}"/>
               </a:ext>
             </a:extLst>
           </p:cNvPr>
@@ -3106,7 +3238,7 @@
           <p:cNvPr id="5" name="날짜 개체 틀 4">
             <a:extLst>
               <a:ext uri="{FF2B5EF4-FFF2-40B4-BE49-F238E27FC236}">
-                <a16:creationId xmlns="" xmlns:a16="http://schemas.microsoft.com/office/drawing/2014/main" id="{C86B8B27-A14E-4B7E-87B3-DEAEFEEF4B55}"/>
+                <a16:creationId xmlns:a16="http://schemas.microsoft.com/office/drawing/2014/main" id="{C86B8B27-A14E-4B7E-87B3-DEAEFEEF4B55}"/>
               </a:ext>
             </a:extLst>
           </p:cNvPr>
@@ -3124,7 +3256,7 @@
           <a:p>
             <a:fld id="{4DA87FFA-2B3E-4067-BBD9-C9938D8C383D}" type="datetimeFigureOut">
               <a:rPr lang="ko-KR" altLang="en-US" smtClean="0"/>
-              <a:t>2020-03-05</a:t>
+              <a:t>2020-03-28</a:t>
             </a:fld>
             <a:endParaRPr lang="ko-KR" altLang="en-US"/>
           </a:p>
@@ -3135,7 +3267,7 @@
           <p:cNvPr id="6" name="바닥글 개체 틀 5">
             <a:extLst>
               <a:ext uri="{FF2B5EF4-FFF2-40B4-BE49-F238E27FC236}">
-                <a16:creationId xmlns="" xmlns:a16="http://schemas.microsoft.com/office/drawing/2014/main" id="{BB4F226D-AF6E-42B7-9604-1582FF825BB1}"/>
+                <a16:creationId xmlns:a16="http://schemas.microsoft.com/office/drawing/2014/main" id="{BB4F226D-AF6E-42B7-9604-1582FF825BB1}"/>
               </a:ext>
             </a:extLst>
           </p:cNvPr>
@@ -3160,7 +3292,7 @@
           <p:cNvPr id="7" name="슬라이드 번호 개체 틀 6">
             <a:extLst>
               <a:ext uri="{FF2B5EF4-FFF2-40B4-BE49-F238E27FC236}">
-                <a16:creationId xmlns="" xmlns:a16="http://schemas.microsoft.com/office/drawing/2014/main" id="{9B0B8D9E-3116-40FA-B79B-39733DB43611}"/>
+                <a16:creationId xmlns:a16="http://schemas.microsoft.com/office/drawing/2014/main" id="{9B0B8D9E-3116-40FA-B79B-39733DB43611}"/>
               </a:ext>
             </a:extLst>
           </p:cNvPr>
@@ -3224,7 +3356,7 @@
           <p:cNvPr id="2" name="제목 개체 틀 1">
             <a:extLst>
               <a:ext uri="{FF2B5EF4-FFF2-40B4-BE49-F238E27FC236}">
-                <a16:creationId xmlns="" xmlns:a16="http://schemas.microsoft.com/office/drawing/2014/main" id="{C101A63D-0729-4D45-9D5A-22B6DB401160}"/>
+                <a16:creationId xmlns:a16="http://schemas.microsoft.com/office/drawing/2014/main" id="{C101A63D-0729-4D45-9D5A-22B6DB401160}"/>
               </a:ext>
             </a:extLst>
           </p:cNvPr>
@@ -3262,7 +3394,7 @@
           <p:cNvPr id="3" name="텍스트 개체 틀 2">
             <a:extLst>
               <a:ext uri="{FF2B5EF4-FFF2-40B4-BE49-F238E27FC236}">
-                <a16:creationId xmlns="" xmlns:a16="http://schemas.microsoft.com/office/drawing/2014/main" id="{0D186F70-45A7-41AB-B766-CDDD2092E961}"/>
+                <a16:creationId xmlns:a16="http://schemas.microsoft.com/office/drawing/2014/main" id="{0D186F70-45A7-41AB-B766-CDDD2092E961}"/>
               </a:ext>
             </a:extLst>
           </p:cNvPr>
@@ -3329,7 +3461,7 @@
           <p:cNvPr id="4" name="날짜 개체 틀 3">
             <a:extLst>
               <a:ext uri="{FF2B5EF4-FFF2-40B4-BE49-F238E27FC236}">
-                <a16:creationId xmlns="" xmlns:a16="http://schemas.microsoft.com/office/drawing/2014/main" id="{898E8EDB-5D20-44AE-9A1D-57309DFE2D58}"/>
+                <a16:creationId xmlns:a16="http://schemas.microsoft.com/office/drawing/2014/main" id="{898E8EDB-5D20-44AE-9A1D-57309DFE2D58}"/>
               </a:ext>
             </a:extLst>
           </p:cNvPr>
@@ -3365,7 +3497,7 @@
           <a:p>
             <a:fld id="{4DA87FFA-2B3E-4067-BBD9-C9938D8C383D}" type="datetimeFigureOut">
               <a:rPr lang="ko-KR" altLang="en-US" smtClean="0"/>
-              <a:t>2020-03-05</a:t>
+              <a:t>2020-03-28</a:t>
             </a:fld>
             <a:endParaRPr lang="ko-KR" altLang="en-US"/>
           </a:p>
@@ -3376,7 +3508,7 @@
           <p:cNvPr id="5" name="바닥글 개체 틀 4">
             <a:extLst>
               <a:ext uri="{FF2B5EF4-FFF2-40B4-BE49-F238E27FC236}">
-                <a16:creationId xmlns="" xmlns:a16="http://schemas.microsoft.com/office/drawing/2014/main" id="{8466EF01-2EE2-41D4-90FC-B6A3832DE762}"/>
+                <a16:creationId xmlns:a16="http://schemas.microsoft.com/office/drawing/2014/main" id="{8466EF01-2EE2-41D4-90FC-B6A3832DE762}"/>
               </a:ext>
             </a:extLst>
           </p:cNvPr>
@@ -3419,7 +3551,7 @@
           <p:cNvPr id="6" name="슬라이드 번호 개체 틀 5">
             <a:extLst>
               <a:ext uri="{FF2B5EF4-FFF2-40B4-BE49-F238E27FC236}">
-                <a16:creationId xmlns="" xmlns:a16="http://schemas.microsoft.com/office/drawing/2014/main" id="{9847751F-DD54-43DF-8B1A-4DC0BC280A82}"/>
+                <a16:creationId xmlns:a16="http://schemas.microsoft.com/office/drawing/2014/main" id="{9847751F-DD54-43DF-8B1A-4DC0BC280A82}"/>
               </a:ext>
             </a:extLst>
           </p:cNvPr>
@@ -3916,8 +4048,8 @@
         </p:nvCxnSpPr>
         <p:spPr>
           <a:xfrm flipH="1" flipV="1">
-            <a:off x="9793861" y="1327661"/>
-            <a:ext cx="1454706" cy="1111006"/>
+            <a:off x="9787955" y="1380824"/>
+            <a:ext cx="1460612" cy="1057843"/>
           </a:xfrm>
           <a:prstGeom prst="straightConnector1">
             <a:avLst/>
@@ -4001,7 +4133,7 @@
         <p:spPr>
           <a:xfrm>
             <a:off x="7924261" y="1071661"/>
-            <a:ext cx="1869600" cy="512000"/>
+            <a:ext cx="1863694" cy="618325"/>
           </a:xfrm>
           <a:prstGeom prst="rect">
             <a:avLst/>
@@ -4027,14 +4159,38 @@
           <a:p>
             <a:pPr algn="ctr"/>
             <a:r>
-              <a:rPr lang="ko-KR" altLang="en-US" sz="1333" dirty="0" err="1" smtClean="0"/>
+              <a:rPr lang="ko-KR" altLang="en-US" sz="1300" dirty="0" err="1">
+                <a:ea typeface="맑은 고딕"/>
+              </a:rPr>
+              <a:t>메인화면</a:t>
+            </a:r>
+            <a:r>
+              <a:rPr lang="ko-KR" altLang="en-US" sz="1300" dirty="0">
+                <a:ea typeface="맑은 고딕"/>
+              </a:rPr>
+              <a:t> 관리</a:t>
+            </a:r>
+          </a:p>
+          <a:p>
+            <a:pPr algn="ctr"/>
+            <a:r>
+              <a:rPr lang="ko-KR" altLang="en-US" sz="1300" dirty="0">
+                <a:ea typeface="맑은 고딕"/>
+              </a:rPr>
+              <a:t>(</a:t>
+            </a:r>
+            <a:r>
+              <a:rPr lang="ko-KR" altLang="en-US" sz="1300" dirty="0" err="1">
+                <a:ea typeface="맑은 고딕"/>
+              </a:rPr>
               <a:t>캐러셀</a:t>
             </a:r>
             <a:r>
-              <a:rPr lang="ko-KR" altLang="en-US" sz="1333" dirty="0" smtClean="0"/>
-              <a:t> 배너 관리</a:t>
-            </a:r>
-            <a:endParaRPr sz="1333" dirty="0"/>
+              <a:rPr lang="ko-KR" altLang="en-US" sz="1300" dirty="0">
+                <a:ea typeface="맑은 고딕"/>
+              </a:rPr>
+              <a:t> 이미지)</a:t>
+            </a:r>
           </a:p>
         </p:txBody>
       </p:sp>
@@ -4073,34 +4229,29 @@
           <a:p>
             <a:pPr algn="ctr"/>
             <a:r>
-              <a:rPr lang="ko-KR" altLang="en-US" sz="1333" dirty="0" smtClean="0"/>
-              <a:t>메인 화면</a:t>
-            </a:r>
-            <a:endParaRPr lang="en-US" altLang="ko-KR" sz="1333" dirty="0" smtClean="0"/>
-          </a:p>
-          <a:p>
-            <a:pPr algn="ctr"/>
-            <a:r>
-              <a:rPr lang="ko-KR" altLang="en-US" sz="1333" dirty="0" smtClean="0"/>
-              <a:t>추천상품 </a:t>
-            </a:r>
-            <a:r>
-              <a:rPr lang="ko-KR" altLang="en-US" sz="1333" dirty="0" smtClean="0"/>
-              <a:t>관리</a:t>
-            </a:r>
-            <a:endParaRPr sz="1333" dirty="0"/>
-          </a:p>
-        </p:txBody>
-      </p:sp>
-      <p:sp>
-        <p:nvSpPr>
-          <p:cNvPr id="113" name="Google Shape;113;p13"/>
+              <a:rPr lang="ko-KR" altLang="en-US" sz="1300" dirty="0" err="1">
+                <a:ea typeface="맑은 고딕"/>
+              </a:rPr>
+              <a:t>강연장</a:t>
+            </a:r>
+            <a:r>
+              <a:rPr lang="ko-KR" altLang="en-US" sz="1300" dirty="0">
+                <a:ea typeface="맑은 고딕"/>
+              </a:rPr>
+              <a:t> 정보 관리</a:t>
+            </a:r>
+          </a:p>
+        </p:txBody>
+      </p:sp>
+      <p:sp>
+        <p:nvSpPr>
+          <p:cNvPr id="114" name="Google Shape;114;p13"/>
           <p:cNvSpPr/>
           <p:nvPr/>
         </p:nvSpPr>
         <p:spPr>
           <a:xfrm>
-            <a:off x="7924261" y="5831594"/>
+            <a:off x="7924261" y="3927622"/>
             <a:ext cx="1869600" cy="512000"/>
           </a:xfrm>
           <a:prstGeom prst="rect">
@@ -4127,34 +4278,23 @@
           <a:p>
             <a:pPr algn="ctr"/>
             <a:r>
-              <a:rPr lang="ko-KR" altLang="en-US" sz="1333" dirty="0" smtClean="0"/>
-              <a:t>공지사항 </a:t>
-            </a:r>
-            <a:r>
-              <a:rPr lang="en-US" sz="1333" dirty="0" smtClean="0"/>
-              <a:t>FAQ </a:t>
-            </a:r>
-            <a:r>
-              <a:rPr lang="ko-KR" altLang="en-US" sz="1333" dirty="0" smtClean="0"/>
-              <a:t>이용정보 </a:t>
-            </a:r>
-            <a:r>
-              <a:rPr lang="ko-KR" altLang="en-US" sz="1333" dirty="0"/>
-              <a:t>관리</a:t>
-            </a:r>
-            <a:endParaRPr sz="1333" b="1" dirty="0"/>
-          </a:p>
-        </p:txBody>
-      </p:sp>
-      <p:sp>
-        <p:nvSpPr>
-          <p:cNvPr id="114" name="Google Shape;114;p13"/>
+              <a:rPr lang="ko-KR" altLang="en-US" sz="1300" dirty="0">
+                <a:ea typeface="맑은 고딕"/>
+              </a:rPr>
+              <a:t>커뮤니티(공지사항, FAQ) 관리</a:t>
+            </a:r>
+          </a:p>
+        </p:txBody>
+      </p:sp>
+      <p:sp>
+        <p:nvSpPr>
+          <p:cNvPr id="96" name="Google Shape;96;p13"/>
           <p:cNvSpPr/>
           <p:nvPr/>
         </p:nvSpPr>
         <p:spPr>
           <a:xfrm>
-            <a:off x="7924261" y="3927622"/>
+            <a:off x="7924261" y="119674"/>
             <a:ext cx="1869600" cy="512000"/>
           </a:xfrm>
           <a:prstGeom prst="rect">
@@ -4181,27 +4321,87 @@
           <a:p>
             <a:pPr algn="ctr"/>
             <a:r>
-              <a:rPr lang="ko-KR" altLang="en-US" sz="1333" dirty="0" smtClean="0"/>
-              <a:t>상품 </a:t>
-            </a:r>
-            <a:r>
-              <a:rPr lang="ko-KR" altLang="en-US" sz="1333" dirty="0"/>
-              <a:t>관리</a:t>
-            </a:r>
-            <a:endParaRPr sz="1333" dirty="0"/>
-          </a:p>
-        </p:txBody>
-      </p:sp>
-      <p:sp>
-        <p:nvSpPr>
-          <p:cNvPr id="96" name="Google Shape;96;p13"/>
+              <a:rPr lang="ko" altLang="en-US" sz="1333"/>
+              <a:t>회원 관리</a:t>
+            </a:r>
+            <a:endParaRPr sz="1333"/>
+          </a:p>
+        </p:txBody>
+      </p:sp>
+      <p:cxnSp>
+        <p:nvCxnSpPr>
+          <p:cNvPr id="116" name="Google Shape;116;p13"/>
+          <p:cNvCxnSpPr>
+            <a:cxnSpLocks/>
+            <a:stCxn id="60" idx="1"/>
+          </p:cNvCxnSpPr>
+          <p:nvPr/>
+        </p:nvCxnSpPr>
+        <p:spPr>
+          <a:xfrm flipH="1">
+            <a:off x="9811581" y="2432761"/>
+            <a:ext cx="1431080" cy="2745159"/>
+          </a:xfrm>
+          <a:prstGeom prst="straightConnector1">
+            <a:avLst/>
+          </a:prstGeom>
+          <a:noFill/>
+          <a:ln w="9525" cap="flat" cmpd="sng">
+            <a:solidFill>
+              <a:schemeClr val="dk2"/>
+            </a:solidFill>
+            <a:prstDash val="solid"/>
+            <a:round/>
+            <a:headEnd type="none" w="med" len="med"/>
+            <a:tailEnd type="triangle" w="med" len="med"/>
+          </a:ln>
+        </p:spPr>
+      </p:cxnSp>
+      <p:cxnSp>
+        <p:nvCxnSpPr>
+          <p:cNvPr id="117" name="Google Shape;117;p13"/>
+          <p:cNvCxnSpPr>
+            <a:stCxn id="60" idx="1"/>
+            <a:endCxn id="114" idx="3"/>
+          </p:cNvCxnSpPr>
+          <p:nvPr/>
+        </p:nvCxnSpPr>
+        <p:spPr>
+          <a:xfrm flipH="1">
+            <a:off x="9793861" y="2438667"/>
+            <a:ext cx="1454706" cy="1744955"/>
+          </a:xfrm>
+          <a:prstGeom prst="straightConnector1">
+            <a:avLst/>
+          </a:prstGeom>
+          <a:noFill/>
+          <a:ln w="9525" cap="flat" cmpd="sng">
+            <a:solidFill>
+              <a:schemeClr val="dk2"/>
+            </a:solidFill>
+            <a:prstDash val="solid"/>
+            <a:round/>
+            <a:headEnd type="none" w="med" len="med"/>
+            <a:tailEnd type="triangle" w="med" len="med"/>
+          </a:ln>
+        </p:spPr>
+      </p:cxnSp>
+      <p:sp>
+        <p:nvSpPr>
+          <p:cNvPr id="132" name="Google Shape;102;p13">
+            <a:extLst>
+              <a:ext uri="{FF2B5EF4-FFF2-40B4-BE49-F238E27FC236}">
+                <a16:creationId xmlns:a16="http://schemas.microsoft.com/office/drawing/2014/main" id="{D4EAD755-BB98-41D1-9C16-8CC51AD0D492}"/>
+              </a:ext>
+            </a:extLst>
+          </p:cNvPr>
           <p:cNvSpPr/>
           <p:nvPr/>
         </p:nvSpPr>
         <p:spPr>
           <a:xfrm>
-            <a:off x="7924261" y="119674"/>
-            <a:ext cx="1869600" cy="512000"/>
+            <a:off x="1835907" y="2988101"/>
+            <a:ext cx="2219626" cy="412143"/>
           </a:xfrm>
           <a:prstGeom prst="rect">
             <a:avLst/>
@@ -4227,77 +4427,20 @@
           <a:p>
             <a:pPr algn="ctr"/>
             <a:r>
-              <a:rPr lang="ko" altLang="en-US" sz="1333"/>
-              <a:t>회원 관리</a:t>
-            </a:r>
-            <a:endParaRPr sz="1333"/>
-          </a:p>
-        </p:txBody>
-      </p:sp>
-      <p:cxnSp>
-        <p:nvCxnSpPr>
-          <p:cNvPr id="116" name="Google Shape;116;p13"/>
-          <p:cNvCxnSpPr>
-            <a:stCxn id="60" idx="1"/>
-            <a:endCxn id="113" idx="3"/>
-          </p:cNvCxnSpPr>
-          <p:nvPr/>
-        </p:nvCxnSpPr>
-        <p:spPr>
-          <a:xfrm flipH="1">
-            <a:off x="9793861" y="2438667"/>
-            <a:ext cx="1454706" cy="3648927"/>
-          </a:xfrm>
-          <a:prstGeom prst="straightConnector1">
-            <a:avLst/>
-          </a:prstGeom>
-          <a:noFill/>
-          <a:ln w="9525" cap="flat" cmpd="sng">
-            <a:solidFill>
-              <a:schemeClr val="dk2"/>
-            </a:solidFill>
-            <a:prstDash val="solid"/>
-            <a:round/>
-            <a:headEnd type="none" w="med" len="med"/>
-            <a:tailEnd type="triangle" w="med" len="med"/>
-          </a:ln>
-        </p:spPr>
-      </p:cxnSp>
-      <p:cxnSp>
-        <p:nvCxnSpPr>
-          <p:cNvPr id="117" name="Google Shape;117;p13"/>
-          <p:cNvCxnSpPr>
-            <a:stCxn id="60" idx="1"/>
-            <a:endCxn id="114" idx="3"/>
-          </p:cNvCxnSpPr>
-          <p:nvPr/>
-        </p:nvCxnSpPr>
-        <p:spPr>
-          <a:xfrm flipH="1">
-            <a:off x="9793861" y="2438667"/>
-            <a:ext cx="1454706" cy="1744955"/>
-          </a:xfrm>
-          <a:prstGeom prst="straightConnector1">
-            <a:avLst/>
-          </a:prstGeom>
-          <a:noFill/>
-          <a:ln w="9525" cap="flat" cmpd="sng">
-            <a:solidFill>
-              <a:schemeClr val="dk2"/>
-            </a:solidFill>
-            <a:prstDash val="solid"/>
-            <a:round/>
-            <a:headEnd type="none" w="med" len="med"/>
-            <a:tailEnd type="triangle" w="med" len="med"/>
-          </a:ln>
-        </p:spPr>
-      </p:cxnSp>
-      <p:sp>
-        <p:nvSpPr>
-          <p:cNvPr id="132" name="Google Shape;102;p13">
-            <a:extLst>
-              <a:ext uri="{FF2B5EF4-FFF2-40B4-BE49-F238E27FC236}">
-                <a16:creationId xmlns="" xmlns:a16="http://schemas.microsoft.com/office/drawing/2014/main" id="{D4EAD755-BB98-41D1-9C16-8CC51AD0D492}"/>
+              <a:rPr lang="ko-KR" altLang="en-US" sz="1300" dirty="0">
+                <a:ea typeface="맑은 고딕"/>
+              </a:rPr>
+              <a:t>강연 조회</a:t>
+            </a:r>
+          </a:p>
+        </p:txBody>
+      </p:sp>
+      <p:sp>
+        <p:nvSpPr>
+          <p:cNvPr id="133" name="Google Shape;102;p13">
+            <a:extLst>
+              <a:ext uri="{FF2B5EF4-FFF2-40B4-BE49-F238E27FC236}">
+                <a16:creationId xmlns:a16="http://schemas.microsoft.com/office/drawing/2014/main" id="{85AB7D6F-8B57-4DEC-9E37-3F7B85052802}"/>
               </a:ext>
             </a:extLst>
           </p:cNvPr>
@@ -4306,7 +4449,7 @@
         </p:nvSpPr>
         <p:spPr>
           <a:xfrm>
-            <a:off x="1835907" y="2988101"/>
+            <a:off x="1835907" y="5756671"/>
             <a:ext cx="2219626" cy="412143"/>
           </a:xfrm>
           <a:prstGeom prst="rect">
@@ -4333,27 +4476,111 @@
           <a:p>
             <a:pPr algn="ctr"/>
             <a:r>
-              <a:rPr lang="ko-KR" altLang="en-US" sz="1333" dirty="0" err="1" smtClean="0"/>
-              <a:t>렌탈</a:t>
-            </a:r>
-            <a:r>
-              <a:rPr lang="ko-KR" altLang="en-US" sz="1333" dirty="0" smtClean="0"/>
-              <a:t> 상품 </a:t>
-            </a:r>
-            <a:r>
-              <a:rPr lang="ko-KR" altLang="en-US" sz="1333" dirty="0"/>
-              <a:t>조회</a:t>
-            </a:r>
-            <a:endParaRPr sz="1333" dirty="0"/>
-          </a:p>
-        </p:txBody>
-      </p:sp>
-      <p:sp>
-        <p:nvSpPr>
-          <p:cNvPr id="133" name="Google Shape;102;p13">
-            <a:extLst>
-              <a:ext uri="{FF2B5EF4-FFF2-40B4-BE49-F238E27FC236}">
-                <a16:creationId xmlns="" xmlns:a16="http://schemas.microsoft.com/office/drawing/2014/main" id="{85AB7D6F-8B57-4DEC-9E37-3F7B85052802}"/>
+              <a:rPr lang="en-US" sz="1300" dirty="0"/>
+              <a:t>Q&amp;A </a:t>
+            </a:r>
+            <a:r>
+              <a:rPr lang="ko-KR" altLang="en-US" sz="1300" dirty="0">
+                <a:ea typeface="맑은 고딕"/>
+              </a:rPr>
+              <a:t>등록</a:t>
+            </a:r>
+            <a:endParaRPr sz="1300" dirty="0">
+              <a:ea typeface="맑은 고딕"/>
+            </a:endParaRPr>
+          </a:p>
+        </p:txBody>
+      </p:sp>
+      <p:cxnSp>
+        <p:nvCxnSpPr>
+          <p:cNvPr id="28" name="직선 화살표 연결선 27">
+            <a:extLst>
+              <a:ext uri="{FF2B5EF4-FFF2-40B4-BE49-F238E27FC236}">
+                <a16:creationId xmlns:a16="http://schemas.microsoft.com/office/drawing/2014/main" id="{772C3FB8-3FDC-4065-966D-CC2A9530C386}"/>
+              </a:ext>
+            </a:extLst>
+          </p:cNvPr>
+          <p:cNvCxnSpPr>
+            <a:stCxn id="54" idx="3"/>
+            <a:endCxn id="132" idx="1"/>
+          </p:cNvCxnSpPr>
+          <p:nvPr/>
+        </p:nvCxnSpPr>
+        <p:spPr>
+          <a:xfrm flipV="1">
+            <a:off x="957867" y="3194173"/>
+            <a:ext cx="878040" cy="37152"/>
+          </a:xfrm>
+          <a:prstGeom prst="straightConnector1">
+            <a:avLst/>
+          </a:prstGeom>
+          <a:ln>
+            <a:tailEnd type="triangle"/>
+          </a:ln>
+        </p:spPr>
+        <p:style>
+          <a:lnRef idx="1">
+            <a:schemeClr val="dk1"/>
+          </a:lnRef>
+          <a:fillRef idx="0">
+            <a:schemeClr val="dk1"/>
+          </a:fillRef>
+          <a:effectRef idx="0">
+            <a:schemeClr val="dk1"/>
+          </a:effectRef>
+          <a:fontRef idx="minor">
+            <a:schemeClr val="tx1"/>
+          </a:fontRef>
+        </p:style>
+      </p:cxnSp>
+      <p:cxnSp>
+        <p:nvCxnSpPr>
+          <p:cNvPr id="40" name="직선 화살표 연결선 39">
+            <a:extLst>
+              <a:ext uri="{FF2B5EF4-FFF2-40B4-BE49-F238E27FC236}">
+                <a16:creationId xmlns:a16="http://schemas.microsoft.com/office/drawing/2014/main" id="{9BAA9AE0-8263-4AD7-8D96-4564D0DF4032}"/>
+              </a:ext>
+            </a:extLst>
+          </p:cNvPr>
+          <p:cNvCxnSpPr>
+            <a:stCxn id="54" idx="3"/>
+            <a:endCxn id="133" idx="1"/>
+          </p:cNvCxnSpPr>
+          <p:nvPr/>
+        </p:nvCxnSpPr>
+        <p:spPr>
+          <a:xfrm>
+            <a:off x="957867" y="3231325"/>
+            <a:ext cx="878040" cy="2731418"/>
+          </a:xfrm>
+          <a:prstGeom prst="straightConnector1">
+            <a:avLst/>
+          </a:prstGeom>
+          <a:ln>
+            <a:tailEnd type="triangle"/>
+          </a:ln>
+        </p:spPr>
+        <p:style>
+          <a:lnRef idx="1">
+            <a:schemeClr val="dk1"/>
+          </a:lnRef>
+          <a:fillRef idx="0">
+            <a:schemeClr val="dk1"/>
+          </a:fillRef>
+          <a:effectRef idx="0">
+            <a:schemeClr val="dk1"/>
+          </a:effectRef>
+          <a:fontRef idx="minor">
+            <a:schemeClr val="tx1"/>
+          </a:fontRef>
+        </p:style>
+      </p:cxnSp>
+      <p:sp>
+        <p:nvSpPr>
+          <p:cNvPr id="140" name="Google Shape;102;p13">
+            <a:extLst>
+              <a:ext uri="{FF2B5EF4-FFF2-40B4-BE49-F238E27FC236}">
+                <a16:creationId xmlns:a16="http://schemas.microsoft.com/office/drawing/2014/main" id="{66D0C005-DEF3-48FD-A074-0C0ABD142A2A}"/>
               </a:ext>
             </a:extLst>
           </p:cNvPr>
@@ -4362,7 +4589,7 @@
         </p:nvSpPr>
         <p:spPr>
           <a:xfrm>
-            <a:off x="1835907" y="5756671"/>
+            <a:off x="1835907" y="3541815"/>
             <a:ext cx="2219626" cy="412143"/>
           </a:xfrm>
           <a:prstGeom prst="rect">
@@ -4389,23 +4616,20 @@
           <a:p>
             <a:pPr algn="ctr"/>
             <a:r>
-              <a:rPr lang="en-US" sz="1333" dirty="0" smtClean="0"/>
-              <a:t>Q&amp;A </a:t>
-            </a:r>
-            <a:r>
-              <a:rPr lang="ko-KR" altLang="en-US" sz="1333" dirty="0" smtClean="0"/>
-              <a:t>등록 및 조회</a:t>
-            </a:r>
-            <a:endParaRPr sz="1333" dirty="0"/>
-          </a:p>
-        </p:txBody>
-      </p:sp>
-      <p:sp>
-        <p:nvSpPr>
-          <p:cNvPr id="134" name="Google Shape;102;p13">
-            <a:extLst>
-              <a:ext uri="{FF2B5EF4-FFF2-40B4-BE49-F238E27FC236}">
-                <a16:creationId xmlns="" xmlns:a16="http://schemas.microsoft.com/office/drawing/2014/main" id="{D3A6E16D-F04D-438A-910E-015063641DEE}"/>
+              <a:rPr lang="ko-KR" altLang="en-US" sz="1300" dirty="0">
+                <a:ea typeface="맑은 고딕"/>
+              </a:rPr>
+              <a:t>강연 참여 신청</a:t>
+            </a:r>
+          </a:p>
+        </p:txBody>
+      </p:sp>
+      <p:sp>
+        <p:nvSpPr>
+          <p:cNvPr id="156" name="Google Shape;102;p13">
+            <a:extLst>
+              <a:ext uri="{FF2B5EF4-FFF2-40B4-BE49-F238E27FC236}">
+                <a16:creationId xmlns:a16="http://schemas.microsoft.com/office/drawing/2014/main" id="{C704DD7E-8B1F-4B5A-832E-6B178666BEB8}"/>
               </a:ext>
             </a:extLst>
           </p:cNvPr>
@@ -4414,8 +4638,8 @@
         </p:nvSpPr>
         <p:spPr>
           <a:xfrm>
-            <a:off x="4811672" y="961608"/>
-            <a:ext cx="1699072" cy="339162"/>
+            <a:off x="1835907" y="2434387"/>
+            <a:ext cx="2219626" cy="412143"/>
           </a:xfrm>
           <a:prstGeom prst="rect">
             <a:avLst/>
@@ -4441,65 +4665,26 @@
           <a:p>
             <a:pPr algn="ctr"/>
             <a:r>
-              <a:rPr lang="ko-KR" altLang="en-US" sz="1333" dirty="0"/>
-              <a:t>상세 </a:t>
-            </a:r>
-            <a:r>
-              <a:rPr lang="ko-KR" altLang="en-US" sz="1333" dirty="0" smtClean="0"/>
-              <a:t>내용 조회</a:t>
-            </a:r>
-            <a:endParaRPr lang="en-US" altLang="ko-KR" sz="1333" dirty="0" smtClean="0"/>
-          </a:p>
-        </p:txBody>
-      </p:sp>
-      <p:cxnSp>
-        <p:nvCxnSpPr>
-          <p:cNvPr id="13" name="직선 화살표 연결선 12">
-            <a:extLst>
-              <a:ext uri="{FF2B5EF4-FFF2-40B4-BE49-F238E27FC236}">
-                <a16:creationId xmlns="" xmlns:a16="http://schemas.microsoft.com/office/drawing/2014/main" id="{8D075E94-0CF2-4C33-9C68-54B7C926C541}"/>
-              </a:ext>
-            </a:extLst>
-          </p:cNvPr>
-          <p:cNvCxnSpPr>
-            <a:stCxn id="134" idx="1"/>
-            <a:endCxn id="132" idx="3"/>
-          </p:cNvCxnSpPr>
-          <p:nvPr/>
-        </p:nvCxnSpPr>
-        <p:spPr>
-          <a:xfrm flipH="1">
-            <a:off x="4055533" y="1131189"/>
-            <a:ext cx="756139" cy="2062984"/>
-          </a:xfrm>
-          <a:prstGeom prst="straightConnector1">
-            <a:avLst/>
-          </a:prstGeom>
-          <a:ln>
-            <a:tailEnd type="triangle"/>
-          </a:ln>
-        </p:spPr>
-        <p:style>
-          <a:lnRef idx="1">
-            <a:schemeClr val="dk1"/>
-          </a:lnRef>
-          <a:fillRef idx="0">
-            <a:schemeClr val="dk1"/>
-          </a:fillRef>
-          <a:effectRef idx="0">
-            <a:schemeClr val="dk1"/>
-          </a:effectRef>
-          <a:fontRef idx="minor">
-            <a:schemeClr val="tx1"/>
-          </a:fontRef>
-        </p:style>
-      </p:cxnSp>
-      <p:sp>
-        <p:nvSpPr>
-          <p:cNvPr id="135" name="Google Shape;102;p13">
-            <a:extLst>
-              <a:ext uri="{FF2B5EF4-FFF2-40B4-BE49-F238E27FC236}">
-                <a16:creationId xmlns="" xmlns:a16="http://schemas.microsoft.com/office/drawing/2014/main" id="{5101804D-D6A1-4286-8A27-033B15070974}"/>
+              <a:rPr lang="ko-KR" altLang="en-US" sz="1300" dirty="0" err="1">
+                <a:ea typeface="맑은 고딕"/>
+              </a:rPr>
+              <a:t>강연장</a:t>
+            </a:r>
+            <a:r>
+              <a:rPr lang="ko-KR" altLang="en-US" sz="1300" dirty="0">
+                <a:ea typeface="맑은 고딕"/>
+              </a:rPr>
+              <a:t> 대여 및 강연 개최</a:t>
+            </a:r>
+          </a:p>
+        </p:txBody>
+      </p:sp>
+      <p:sp>
+        <p:nvSpPr>
+          <p:cNvPr id="61" name="Google Shape;102;p13">
+            <a:extLst>
+              <a:ext uri="{FF2B5EF4-FFF2-40B4-BE49-F238E27FC236}">
+                <a16:creationId xmlns:a16="http://schemas.microsoft.com/office/drawing/2014/main" id="{6AB88040-6CCB-4E2E-A198-3B518EE2CAAB}"/>
               </a:ext>
             </a:extLst>
           </p:cNvPr>
@@ -4508,8 +4693,8 @@
         </p:nvSpPr>
         <p:spPr>
           <a:xfrm>
-            <a:off x="4811672" y="1444155"/>
-            <a:ext cx="1699072" cy="542259"/>
+            <a:off x="4811672" y="3312680"/>
+            <a:ext cx="1699072" cy="353851"/>
           </a:xfrm>
           <a:prstGeom prst="rect">
             <a:avLst/>
@@ -4535,45 +4720,34 @@
           <a:p>
             <a:pPr algn="ctr"/>
             <a:r>
-              <a:rPr lang="ko-KR" altLang="en-US" sz="1333" dirty="0"/>
-              <a:t>메인 </a:t>
-            </a:r>
-            <a:r>
-              <a:rPr lang="ko-KR" altLang="en-US" sz="1333" dirty="0" smtClean="0"/>
-              <a:t>화면</a:t>
-            </a:r>
-            <a:endParaRPr lang="en-US" altLang="ko-KR" sz="1333" dirty="0" smtClean="0"/>
-          </a:p>
-          <a:p>
-            <a:pPr algn="ctr"/>
-            <a:r>
-              <a:rPr lang="ko-KR" altLang="en-US" sz="1333" dirty="0" smtClean="0"/>
-              <a:t>추천 상품 조회</a:t>
-            </a:r>
-            <a:endParaRPr sz="1333" dirty="0"/>
+              <a:rPr lang="ko-KR" altLang="en-US" sz="1300" dirty="0">
+                <a:ea typeface="맑은 고딕"/>
+              </a:rPr>
+              <a:t>사용자 인증</a:t>
+            </a:r>
           </a:p>
         </p:txBody>
       </p:sp>
       <p:cxnSp>
         <p:nvCxnSpPr>
-          <p:cNvPr id="21" name="직선 화살표 연결선 20">
-            <a:extLst>
-              <a:ext uri="{FF2B5EF4-FFF2-40B4-BE49-F238E27FC236}">
-                <a16:creationId xmlns="" xmlns:a16="http://schemas.microsoft.com/office/drawing/2014/main" id="{A104D6FE-FDB9-4CFD-80F0-810AB4EDD095}"/>
+          <p:cNvPr id="64" name="직선 화살표 연결선 63">
+            <a:extLst>
+              <a:ext uri="{FF2B5EF4-FFF2-40B4-BE49-F238E27FC236}">
+                <a16:creationId xmlns:a16="http://schemas.microsoft.com/office/drawing/2014/main" id="{CE2FE515-B154-4255-AE81-D1963396C1ED}"/>
               </a:ext>
             </a:extLst>
           </p:cNvPr>
           <p:cNvCxnSpPr>
             <a:cxnSpLocks/>
-            <a:stCxn id="135" idx="1"/>
-            <a:endCxn id="132" idx="3"/>
+            <a:stCxn id="54" idx="3"/>
+            <a:endCxn id="140" idx="1"/>
           </p:cNvCxnSpPr>
           <p:nvPr/>
         </p:nvCxnSpPr>
         <p:spPr>
-          <a:xfrm flipH="1">
-            <a:off x="4055533" y="1715285"/>
-            <a:ext cx="756139" cy="1478888"/>
+          <a:xfrm>
+            <a:off x="957867" y="3231325"/>
+            <a:ext cx="878040" cy="516562"/>
           </a:xfrm>
           <a:prstGeom prst="straightConnector1">
             <a:avLst/>
@@ -4597,12 +4771,55 @@
           </a:fontRef>
         </p:style>
       </p:cxnSp>
-      <p:sp>
-        <p:nvSpPr>
-          <p:cNvPr id="136" name="Google Shape;102;p13">
-            <a:extLst>
-              <a:ext uri="{FF2B5EF4-FFF2-40B4-BE49-F238E27FC236}">
-                <a16:creationId xmlns="" xmlns:a16="http://schemas.microsoft.com/office/drawing/2014/main" id="{737557CC-446E-40A6-A817-32FD75CC9000}"/>
+      <p:cxnSp>
+        <p:nvCxnSpPr>
+          <p:cNvPr id="67" name="직선 화살표 연결선 66">
+            <a:extLst>
+              <a:ext uri="{FF2B5EF4-FFF2-40B4-BE49-F238E27FC236}">
+                <a16:creationId xmlns:a16="http://schemas.microsoft.com/office/drawing/2014/main" id="{035063CF-0BE5-4174-A7B5-34F632784F0C}"/>
+              </a:ext>
+            </a:extLst>
+          </p:cNvPr>
+          <p:cNvCxnSpPr>
+            <a:cxnSpLocks/>
+            <a:stCxn id="54" idx="3"/>
+            <a:endCxn id="156" idx="1"/>
+          </p:cNvCxnSpPr>
+          <p:nvPr/>
+        </p:nvCxnSpPr>
+        <p:spPr>
+          <a:xfrm flipV="1">
+            <a:off x="969680" y="413528"/>
+            <a:ext cx="854414" cy="2805984"/>
+          </a:xfrm>
+          <a:prstGeom prst="straightConnector1">
+            <a:avLst/>
+          </a:prstGeom>
+          <a:ln>
+            <a:tailEnd type="triangle"/>
+          </a:ln>
+        </p:spPr>
+        <p:style>
+          <a:lnRef idx="1">
+            <a:schemeClr val="dk1"/>
+          </a:lnRef>
+          <a:fillRef idx="0">
+            <a:schemeClr val="dk1"/>
+          </a:fillRef>
+          <a:effectRef idx="0">
+            <a:schemeClr val="dk1"/>
+          </a:effectRef>
+          <a:fontRef idx="minor">
+            <a:schemeClr val="tx1"/>
+          </a:fontRef>
+        </p:style>
+      </p:cxnSp>
+      <p:sp>
+        <p:nvSpPr>
+          <p:cNvPr id="144" name="Google Shape;102;p13">
+            <a:extLst>
+              <a:ext uri="{FF2B5EF4-FFF2-40B4-BE49-F238E27FC236}">
+                <a16:creationId xmlns:a16="http://schemas.microsoft.com/office/drawing/2014/main" id="{C704DD7E-8B1F-4B5A-832E-6B178666BEB8}"/>
               </a:ext>
             </a:extLst>
           </p:cNvPr>
@@ -4611,8 +4828,8 @@
         </p:nvSpPr>
         <p:spPr>
           <a:xfrm>
-            <a:off x="4811672" y="2129799"/>
-            <a:ext cx="1699072" cy="542259"/>
+            <a:off x="1835907" y="219531"/>
+            <a:ext cx="2219626" cy="412143"/>
           </a:xfrm>
           <a:prstGeom prst="rect">
             <a:avLst/>
@@ -4638,157 +4855,27 @@
           <a:p>
             <a:pPr algn="ctr"/>
             <a:r>
-              <a:rPr lang="ko-KR" altLang="en-US" sz="1333" dirty="0" err="1" smtClean="0"/>
-              <a:t>카테고리별</a:t>
-            </a:r>
-            <a:endParaRPr lang="en-US" altLang="ko-KR" sz="1333" dirty="0" smtClean="0"/>
-          </a:p>
-          <a:p>
-            <a:pPr algn="ctr"/>
-            <a:r>
-              <a:rPr lang="ko-KR" altLang="en-US" sz="1333" dirty="0" smtClean="0"/>
-              <a:t>아이템 </a:t>
-            </a:r>
-            <a:r>
-              <a:rPr lang="ko-KR" altLang="en-US" sz="1333" dirty="0" smtClean="0"/>
-              <a:t>조회</a:t>
+              <a:rPr lang="ko-KR" altLang="en-US" sz="1333" dirty="0"/>
+              <a:t>로그인 </a:t>
+            </a:r>
+            <a:r>
+              <a:rPr lang="en-US" altLang="ko-KR" sz="1333" dirty="0"/>
+              <a:t>/ </a:t>
+            </a:r>
+            <a:r>
+              <a:rPr lang="ko-KR" altLang="en-US" sz="1333" dirty="0"/>
+              <a:t>회원가입</a:t>
             </a:r>
             <a:endParaRPr sz="1333" dirty="0"/>
           </a:p>
         </p:txBody>
       </p:sp>
-      <p:cxnSp>
-        <p:nvCxnSpPr>
-          <p:cNvPr id="26" name="직선 화살표 연결선 25">
-            <a:extLst>
-              <a:ext uri="{FF2B5EF4-FFF2-40B4-BE49-F238E27FC236}">
-                <a16:creationId xmlns="" xmlns:a16="http://schemas.microsoft.com/office/drawing/2014/main" id="{EB97819E-5731-4A26-AD2A-4CA936973276}"/>
-              </a:ext>
-            </a:extLst>
-          </p:cNvPr>
-          <p:cNvCxnSpPr>
-            <a:stCxn id="136" idx="1"/>
-            <a:endCxn id="132" idx="3"/>
-          </p:cNvCxnSpPr>
-          <p:nvPr/>
-        </p:nvCxnSpPr>
-        <p:spPr>
-          <a:xfrm flipH="1">
-            <a:off x="4055533" y="2400929"/>
-            <a:ext cx="756139" cy="793244"/>
-          </a:xfrm>
-          <a:prstGeom prst="straightConnector1">
-            <a:avLst/>
-          </a:prstGeom>
-          <a:ln>
-            <a:tailEnd type="triangle"/>
-          </a:ln>
-        </p:spPr>
-        <p:style>
-          <a:lnRef idx="1">
-            <a:schemeClr val="dk1"/>
-          </a:lnRef>
-          <a:fillRef idx="0">
-            <a:schemeClr val="dk1"/>
-          </a:fillRef>
-          <a:effectRef idx="0">
-            <a:schemeClr val="dk1"/>
-          </a:effectRef>
-          <a:fontRef idx="minor">
-            <a:schemeClr val="tx1"/>
-          </a:fontRef>
-        </p:style>
-      </p:cxnSp>
-      <p:cxnSp>
-        <p:nvCxnSpPr>
-          <p:cNvPr id="28" name="직선 화살표 연결선 27">
-            <a:extLst>
-              <a:ext uri="{FF2B5EF4-FFF2-40B4-BE49-F238E27FC236}">
-                <a16:creationId xmlns="" xmlns:a16="http://schemas.microsoft.com/office/drawing/2014/main" id="{772C3FB8-3FDC-4065-966D-CC2A9530C386}"/>
-              </a:ext>
-            </a:extLst>
-          </p:cNvPr>
-          <p:cNvCxnSpPr>
-            <a:stCxn id="54" idx="3"/>
-            <a:endCxn id="132" idx="1"/>
-          </p:cNvCxnSpPr>
-          <p:nvPr/>
-        </p:nvCxnSpPr>
-        <p:spPr>
-          <a:xfrm flipV="1">
-            <a:off x="957867" y="3194173"/>
-            <a:ext cx="878040" cy="37152"/>
-          </a:xfrm>
-          <a:prstGeom prst="straightConnector1">
-            <a:avLst/>
-          </a:prstGeom>
-          <a:ln>
-            <a:tailEnd type="triangle"/>
-          </a:ln>
-        </p:spPr>
-        <p:style>
-          <a:lnRef idx="1">
-            <a:schemeClr val="dk1"/>
-          </a:lnRef>
-          <a:fillRef idx="0">
-            <a:schemeClr val="dk1"/>
-          </a:fillRef>
-          <a:effectRef idx="0">
-            <a:schemeClr val="dk1"/>
-          </a:effectRef>
-          <a:fontRef idx="minor">
-            <a:schemeClr val="tx1"/>
-          </a:fontRef>
-        </p:style>
-      </p:cxnSp>
-      <p:cxnSp>
-        <p:nvCxnSpPr>
-          <p:cNvPr id="40" name="직선 화살표 연결선 39">
-            <a:extLst>
-              <a:ext uri="{FF2B5EF4-FFF2-40B4-BE49-F238E27FC236}">
-                <a16:creationId xmlns="" xmlns:a16="http://schemas.microsoft.com/office/drawing/2014/main" id="{9BAA9AE0-8263-4AD7-8D96-4564D0DF4032}"/>
-              </a:ext>
-            </a:extLst>
-          </p:cNvPr>
-          <p:cNvCxnSpPr>
-            <a:stCxn id="54" idx="3"/>
-            <a:endCxn id="133" idx="1"/>
-          </p:cNvCxnSpPr>
-          <p:nvPr/>
-        </p:nvCxnSpPr>
-        <p:spPr>
-          <a:xfrm>
-            <a:off x="957867" y="3231325"/>
-            <a:ext cx="878040" cy="2731418"/>
-          </a:xfrm>
-          <a:prstGeom prst="straightConnector1">
-            <a:avLst/>
-          </a:prstGeom>
-          <a:ln>
-            <a:tailEnd type="triangle"/>
-          </a:ln>
-        </p:spPr>
-        <p:style>
-          <a:lnRef idx="1">
-            <a:schemeClr val="dk1"/>
-          </a:lnRef>
-          <a:fillRef idx="0">
-            <a:schemeClr val="dk1"/>
-          </a:fillRef>
-          <a:effectRef idx="0">
-            <a:schemeClr val="dk1"/>
-          </a:effectRef>
-          <a:fontRef idx="minor">
-            <a:schemeClr val="tx1"/>
-          </a:fontRef>
-        </p:style>
-      </p:cxnSp>
-      <p:sp>
-        <p:nvSpPr>
-          <p:cNvPr id="140" name="Google Shape;102;p13">
-            <a:extLst>
-              <a:ext uri="{FF2B5EF4-FFF2-40B4-BE49-F238E27FC236}">
-                <a16:creationId xmlns="" xmlns:a16="http://schemas.microsoft.com/office/drawing/2014/main" id="{66D0C005-DEF3-48FD-A074-0C0ABD142A2A}"/>
+      <p:sp>
+        <p:nvSpPr>
+          <p:cNvPr id="146" name="Google Shape;102;p13">
+            <a:extLst>
+              <a:ext uri="{FF2B5EF4-FFF2-40B4-BE49-F238E27FC236}">
+                <a16:creationId xmlns:a16="http://schemas.microsoft.com/office/drawing/2014/main" id="{C704DD7E-8B1F-4B5A-832E-6B178666BEB8}"/>
               </a:ext>
             </a:extLst>
           </p:cNvPr>
@@ -4797,7 +4884,7 @@
         </p:nvSpPr>
         <p:spPr>
           <a:xfrm>
-            <a:off x="1835907" y="3541815"/>
+            <a:off x="1835907" y="773245"/>
             <a:ext cx="2219626" cy="412143"/>
           </a:xfrm>
           <a:prstGeom prst="rect">
@@ -4824,23 +4911,26 @@
           <a:p>
             <a:pPr algn="ctr"/>
             <a:r>
-              <a:rPr lang="ko-KR" altLang="en-US" sz="1333" dirty="0" smtClean="0"/>
-              <a:t>상품 </a:t>
-            </a:r>
-            <a:r>
-              <a:rPr lang="ko-KR" altLang="en-US" sz="1333" dirty="0" err="1" smtClean="0"/>
-              <a:t>렌탈</a:t>
-            </a:r>
-            <a:endParaRPr sz="1333" dirty="0"/>
-          </a:p>
-        </p:txBody>
-      </p:sp>
-      <p:sp>
-        <p:nvSpPr>
-          <p:cNvPr id="142" name="Google Shape;102;p13">
-            <a:extLst>
-              <a:ext uri="{FF2B5EF4-FFF2-40B4-BE49-F238E27FC236}">
-                <a16:creationId xmlns="" xmlns:a16="http://schemas.microsoft.com/office/drawing/2014/main" id="{FD360B97-08F3-48C9-BA9A-3E33688CFEA6}"/>
+              <a:rPr lang="ko-KR" altLang="en-US" sz="1300" dirty="0" err="1">
+                <a:ea typeface="맑은 고딕"/>
+              </a:rPr>
+              <a:t>메인화면</a:t>
+            </a:r>
+            <a:r>
+              <a:rPr lang="ko-KR" altLang="en-US" sz="1300" dirty="0">
+                <a:ea typeface="맑은 고딕"/>
+              </a:rPr>
+              <a:t> 컨텐츠 확인</a:t>
+            </a:r>
+          </a:p>
+        </p:txBody>
+      </p:sp>
+      <p:sp>
+        <p:nvSpPr>
+          <p:cNvPr id="217" name="Google Shape;102;p13">
+            <a:extLst>
+              <a:ext uri="{FF2B5EF4-FFF2-40B4-BE49-F238E27FC236}">
+                <a16:creationId xmlns:a16="http://schemas.microsoft.com/office/drawing/2014/main" id="{66D0C005-DEF3-48FD-A074-0C0ABD142A2A}"/>
               </a:ext>
             </a:extLst>
           </p:cNvPr>
@@ -4849,8 +4939,8 @@
         </p:nvSpPr>
         <p:spPr>
           <a:xfrm>
-            <a:off x="4811672" y="2815443"/>
-            <a:ext cx="1699072" cy="353851"/>
+            <a:off x="1841813" y="4649243"/>
+            <a:ext cx="2213720" cy="937863"/>
           </a:xfrm>
           <a:prstGeom prst="rect">
             <a:avLst/>
@@ -4876,19 +4966,47 @@
           <a:p>
             <a:pPr algn="ctr"/>
             <a:r>
-              <a:rPr lang="ko-KR" altLang="en-US" sz="1333" dirty="0" smtClean="0"/>
-              <a:t> 상품 문의</a:t>
-            </a:r>
-            <a:endParaRPr sz="1333" dirty="0"/>
-          </a:p>
-        </p:txBody>
-      </p:sp>
-      <p:sp>
-        <p:nvSpPr>
-          <p:cNvPr id="143" name="Google Shape;102;p13">
-            <a:extLst>
-              <a:ext uri="{FF2B5EF4-FFF2-40B4-BE49-F238E27FC236}">
-                <a16:creationId xmlns="" xmlns:a16="http://schemas.microsoft.com/office/drawing/2014/main" id="{BD2B7044-AE64-4FDD-A94F-3B6D34A54012}"/>
+              <a:rPr lang="ko-KR" altLang="en-US" sz="1300" dirty="0">
+                <a:ea typeface="맑은 고딕"/>
+              </a:rPr>
+              <a:t>마이페이지(</a:t>
+            </a:r>
+          </a:p>
+          <a:p>
+            <a:pPr algn="ctr"/>
+            <a:r>
+              <a:rPr lang="ko-KR" altLang="en-US" sz="1300" dirty="0" err="1">
+                <a:ea typeface="맑은 고딕"/>
+              </a:rPr>
+              <a:t>강연장</a:t>
+            </a:r>
+            <a:r>
+              <a:rPr lang="ko-KR" altLang="en-US" sz="1300" dirty="0">
+                <a:ea typeface="맑은 고딕"/>
+              </a:rPr>
+              <a:t>, 강연 관련 정보확인, Q&amp;A, </a:t>
+            </a:r>
+            <a:r>
+              <a:rPr lang="ko-KR" altLang="en-US" sz="1300" dirty="0" err="1">
+                <a:ea typeface="맑은 고딕"/>
+              </a:rPr>
+              <a:t>강연장</a:t>
+            </a:r>
+            <a:r>
+              <a:rPr lang="ko-KR" altLang="en-US" sz="1300" dirty="0">
+                <a:ea typeface="맑은 고딕"/>
+              </a:rPr>
+              <a:t>, 강연 문의 내용 확인)</a:t>
+            </a:r>
+          </a:p>
+        </p:txBody>
+      </p:sp>
+      <p:sp>
+        <p:nvSpPr>
+          <p:cNvPr id="230" name="Google Shape;102;p13">
+            <a:extLst>
+              <a:ext uri="{FF2B5EF4-FFF2-40B4-BE49-F238E27FC236}">
+                <a16:creationId xmlns:a16="http://schemas.microsoft.com/office/drawing/2014/main" id="{C704DD7E-8B1F-4B5A-832E-6B178666BEB8}"/>
               </a:ext>
             </a:extLst>
           </p:cNvPr>
@@ -4897,8 +5015,8 @@
         </p:nvSpPr>
         <p:spPr>
           <a:xfrm>
-            <a:off x="4811673" y="4110102"/>
-            <a:ext cx="1699072" cy="353851"/>
+            <a:off x="1835907" y="1880673"/>
+            <a:ext cx="2219626" cy="412143"/>
           </a:xfrm>
           <a:prstGeom prst="rect">
             <a:avLst/>
@@ -4924,103 +5042,44 @@
           <a:p>
             <a:pPr algn="ctr"/>
             <a:r>
-              <a:rPr lang="ko-KR" altLang="en-US" sz="1333" dirty="0" smtClean="0"/>
-              <a:t>평점 등록</a:t>
-            </a:r>
-            <a:endParaRPr sz="1333" dirty="0"/>
-          </a:p>
-        </p:txBody>
-      </p:sp>
-      <p:cxnSp>
-        <p:nvCxnSpPr>
-          <p:cNvPr id="145" name="직선 화살표 연결선 144">
-            <a:extLst>
-              <a:ext uri="{FF2B5EF4-FFF2-40B4-BE49-F238E27FC236}">
-                <a16:creationId xmlns="" xmlns:a16="http://schemas.microsoft.com/office/drawing/2014/main" id="{36BE17A4-D36C-4B3A-A5DF-EECDF148F3CC}"/>
-              </a:ext>
-            </a:extLst>
-          </p:cNvPr>
-          <p:cNvCxnSpPr>
-            <a:stCxn id="142" idx="1"/>
-            <a:endCxn id="132" idx="3"/>
-          </p:cNvCxnSpPr>
-          <p:nvPr/>
-        </p:nvCxnSpPr>
-        <p:spPr>
-          <a:xfrm flipH="1">
-            <a:off x="4055533" y="2992369"/>
-            <a:ext cx="756139" cy="201804"/>
-          </a:xfrm>
-          <a:prstGeom prst="straightConnector1">
-            <a:avLst/>
-          </a:prstGeom>
-          <a:ln>
-            <a:tailEnd type="triangle"/>
-          </a:ln>
-        </p:spPr>
-        <p:style>
-          <a:lnRef idx="1">
-            <a:schemeClr val="dk1"/>
-          </a:lnRef>
-          <a:fillRef idx="0">
-            <a:schemeClr val="dk1"/>
-          </a:fillRef>
-          <a:effectRef idx="0">
-            <a:schemeClr val="dk1"/>
-          </a:effectRef>
-          <a:fontRef idx="minor">
-            <a:schemeClr val="tx1"/>
-          </a:fontRef>
-        </p:style>
-      </p:cxnSp>
-      <p:cxnSp>
-        <p:nvCxnSpPr>
-          <p:cNvPr id="147" name="직선 화살표 연결선 146">
-            <a:extLst>
-              <a:ext uri="{FF2B5EF4-FFF2-40B4-BE49-F238E27FC236}">
-                <a16:creationId xmlns="" xmlns:a16="http://schemas.microsoft.com/office/drawing/2014/main" id="{89986B8B-B851-49EA-BE61-F97E9FD46851}"/>
-              </a:ext>
-            </a:extLst>
-          </p:cNvPr>
-          <p:cNvCxnSpPr>
-            <a:stCxn id="143" idx="1"/>
-            <a:endCxn id="256" idx="3"/>
-          </p:cNvCxnSpPr>
-          <p:nvPr/>
-        </p:nvCxnSpPr>
-        <p:spPr>
-          <a:xfrm flipH="1">
-            <a:off x="4055533" y="4287028"/>
-            <a:ext cx="756140" cy="14573"/>
-          </a:xfrm>
-          <a:prstGeom prst="straightConnector1">
-            <a:avLst/>
-          </a:prstGeom>
-          <a:ln>
-            <a:tailEnd type="triangle"/>
-          </a:ln>
-        </p:spPr>
-        <p:style>
-          <a:lnRef idx="1">
-            <a:schemeClr val="dk1"/>
-          </a:lnRef>
-          <a:fillRef idx="0">
-            <a:schemeClr val="dk1"/>
-          </a:fillRef>
-          <a:effectRef idx="0">
-            <a:schemeClr val="dk1"/>
-          </a:effectRef>
-          <a:fontRef idx="minor">
-            <a:schemeClr val="tx1"/>
-          </a:fontRef>
-        </p:style>
-      </p:cxnSp>
-      <p:sp>
-        <p:nvSpPr>
-          <p:cNvPr id="156" name="Google Shape;102;p13">
-            <a:extLst>
-              <a:ext uri="{FF2B5EF4-FFF2-40B4-BE49-F238E27FC236}">
-                <a16:creationId xmlns="" xmlns:a16="http://schemas.microsoft.com/office/drawing/2014/main" id="{C704DD7E-8B1F-4B5A-832E-6B178666BEB8}"/>
+              <a:rPr lang="en-US" altLang="ko-KR" sz="1300" dirty="0" err="1">
+                <a:ea typeface="맑은 고딕"/>
+              </a:rPr>
+              <a:t>강연장</a:t>
+            </a:r>
+            <a:r>
+              <a:rPr lang="en-US" altLang="ko-KR" sz="1300" dirty="0">
+                <a:ea typeface="맑은 고딕"/>
+              </a:rPr>
+              <a:t> </a:t>
+            </a:r>
+            <a:r>
+              <a:rPr lang="en-US" altLang="ko-KR" sz="1300" dirty="0" err="1">
+                <a:ea typeface="맑은 고딕"/>
+              </a:rPr>
+              <a:t>정보</a:t>
+            </a:r>
+            <a:r>
+              <a:rPr lang="en-US" altLang="ko-KR" sz="1300" dirty="0">
+                <a:ea typeface="맑은 고딕"/>
+              </a:rPr>
+              <a:t> </a:t>
+            </a:r>
+            <a:r>
+              <a:rPr lang="en-US" altLang="ko-KR" sz="1300" dirty="0" err="1">
+                <a:ea typeface="맑은 고딕"/>
+              </a:rPr>
+              <a:t>확인</a:t>
+            </a:r>
+          </a:p>
+        </p:txBody>
+      </p:sp>
+      <p:sp>
+        <p:nvSpPr>
+          <p:cNvPr id="246" name="Google Shape;102;p13">
+            <a:extLst>
+              <a:ext uri="{FF2B5EF4-FFF2-40B4-BE49-F238E27FC236}">
+                <a16:creationId xmlns:a16="http://schemas.microsoft.com/office/drawing/2014/main" id="{C704DD7E-8B1F-4B5A-832E-6B178666BEB8}"/>
               </a:ext>
             </a:extLst>
           </p:cNvPr>
@@ -5029,7 +5088,7 @@
         </p:nvSpPr>
         <p:spPr>
           <a:xfrm>
-            <a:off x="1835907" y="2434387"/>
+            <a:off x="1835907" y="1326959"/>
             <a:ext cx="2219626" cy="412143"/>
           </a:xfrm>
           <a:prstGeom prst="rect">
@@ -5056,27 +5115,29 @@
           <a:p>
             <a:pPr algn="ctr"/>
             <a:r>
-              <a:rPr lang="ko-KR" altLang="en-US" sz="1333" dirty="0" err="1" smtClean="0"/>
-              <a:t>렌탈</a:t>
-            </a:r>
-            <a:r>
-              <a:rPr lang="ko-KR" altLang="en-US" sz="1333" dirty="0" smtClean="0"/>
-              <a:t> 상품 </a:t>
-            </a:r>
-            <a:r>
-              <a:rPr lang="ko-KR" altLang="en-US" sz="1333" dirty="0"/>
-              <a:t>등록</a:t>
-            </a:r>
-            <a:endParaRPr sz="1333" dirty="0"/>
-          </a:p>
-        </p:txBody>
-      </p:sp>
-      <p:sp>
-        <p:nvSpPr>
-          <p:cNvPr id="61" name="Google Shape;102;p13">
-            <a:extLst>
-              <a:ext uri="{FF2B5EF4-FFF2-40B4-BE49-F238E27FC236}">
-                <a16:creationId xmlns="" xmlns:a16="http://schemas.microsoft.com/office/drawing/2014/main" id="{6AB88040-6CCB-4E2E-A198-3B518EE2CAAB}"/>
+              <a:rPr lang="ko-KR" altLang="en-US" sz="1300" dirty="0">
+                <a:ea typeface="맑은 고딕"/>
+              </a:rPr>
+              <a:t>커뮤니티 확인</a:t>
+            </a:r>
+          </a:p>
+          <a:p>
+            <a:pPr algn="ctr"/>
+            <a:r>
+              <a:rPr lang="ko-KR" altLang="en-US" sz="1300" dirty="0">
+                <a:ea typeface="맑은 고딕"/>
+              </a:rPr>
+              <a:t>(공지사항, FAQ)</a:t>
+            </a:r>
+          </a:p>
+        </p:txBody>
+      </p:sp>
+      <p:sp>
+        <p:nvSpPr>
+          <p:cNvPr id="256" name="Google Shape;102;p13">
+            <a:extLst>
+              <a:ext uri="{FF2B5EF4-FFF2-40B4-BE49-F238E27FC236}">
+                <a16:creationId xmlns:a16="http://schemas.microsoft.com/office/drawing/2014/main" id="{66D0C005-DEF3-48FD-A074-0C0ABD142A2A}"/>
               </a:ext>
             </a:extLst>
           </p:cNvPr>
@@ -5085,8 +5146,8 @@
         </p:nvSpPr>
         <p:spPr>
           <a:xfrm>
-            <a:off x="4811672" y="3312680"/>
-            <a:ext cx="1699072" cy="353851"/>
+            <a:off x="1835907" y="4095529"/>
+            <a:ext cx="2219626" cy="412143"/>
           </a:xfrm>
           <a:prstGeom prst="rect">
             <a:avLst/>
@@ -5112,158 +5173,24 @@
           <a:p>
             <a:pPr algn="ctr"/>
             <a:r>
-              <a:rPr lang="ko-KR" altLang="en-US" sz="1333" dirty="0"/>
-              <a:t>신고</a:t>
-            </a:r>
-            <a:endParaRPr sz="1333" dirty="0"/>
-          </a:p>
-        </p:txBody>
-      </p:sp>
-      <p:cxnSp>
-        <p:nvCxnSpPr>
-          <p:cNvPr id="62" name="직선 화살표 연결선 61">
-            <a:extLst>
-              <a:ext uri="{FF2B5EF4-FFF2-40B4-BE49-F238E27FC236}">
-                <a16:creationId xmlns="" xmlns:a16="http://schemas.microsoft.com/office/drawing/2014/main" id="{0FE7E1A2-AFBD-447F-934C-59A4FF4A4A31}"/>
-              </a:ext>
-            </a:extLst>
-          </p:cNvPr>
-          <p:cNvCxnSpPr>
-            <a:cxnSpLocks/>
-            <a:stCxn id="61" idx="1"/>
-            <a:endCxn id="132" idx="3"/>
-          </p:cNvCxnSpPr>
-          <p:nvPr/>
-        </p:nvCxnSpPr>
-        <p:spPr>
-          <a:xfrm flipH="1" flipV="1">
-            <a:off x="4055533" y="3194173"/>
-            <a:ext cx="756139" cy="295433"/>
-          </a:xfrm>
-          <a:prstGeom prst="straightConnector1">
-            <a:avLst/>
-          </a:prstGeom>
-          <a:ln>
-            <a:tailEnd type="triangle"/>
-          </a:ln>
-        </p:spPr>
-        <p:style>
-          <a:lnRef idx="1">
-            <a:schemeClr val="dk1"/>
-          </a:lnRef>
-          <a:fillRef idx="0">
-            <a:schemeClr val="dk1"/>
-          </a:fillRef>
-          <a:effectRef idx="0">
-            <a:schemeClr val="dk1"/>
-          </a:effectRef>
-          <a:fontRef idx="minor">
-            <a:schemeClr val="tx1"/>
-          </a:fontRef>
-        </p:style>
-      </p:cxnSp>
-      <p:cxnSp>
-        <p:nvCxnSpPr>
-          <p:cNvPr id="64" name="직선 화살표 연결선 63">
-            <a:extLst>
-              <a:ext uri="{FF2B5EF4-FFF2-40B4-BE49-F238E27FC236}">
-                <a16:creationId xmlns="" xmlns:a16="http://schemas.microsoft.com/office/drawing/2014/main" id="{CE2FE515-B154-4255-AE81-D1963396C1ED}"/>
-              </a:ext>
-            </a:extLst>
-          </p:cNvPr>
-          <p:cNvCxnSpPr>
-            <a:cxnSpLocks/>
-            <a:stCxn id="54" idx="3"/>
-            <a:endCxn id="140" idx="1"/>
-          </p:cNvCxnSpPr>
-          <p:nvPr/>
-        </p:nvCxnSpPr>
-        <p:spPr>
-          <a:xfrm>
-            <a:off x="957867" y="3231325"/>
-            <a:ext cx="878040" cy="516562"/>
-          </a:xfrm>
-          <a:prstGeom prst="straightConnector1">
-            <a:avLst/>
-          </a:prstGeom>
-          <a:ln>
-            <a:tailEnd type="triangle"/>
-          </a:ln>
-        </p:spPr>
-        <p:style>
-          <a:lnRef idx="1">
-            <a:schemeClr val="dk1"/>
-          </a:lnRef>
-          <a:fillRef idx="0">
-            <a:schemeClr val="dk1"/>
-          </a:fillRef>
-          <a:effectRef idx="0">
-            <a:schemeClr val="dk1"/>
-          </a:effectRef>
-          <a:fontRef idx="minor">
-            <a:schemeClr val="tx1"/>
-          </a:fontRef>
-        </p:style>
-      </p:cxnSp>
-      <p:cxnSp>
-        <p:nvCxnSpPr>
-          <p:cNvPr id="67" name="직선 화살표 연결선 66">
-            <a:extLst>
-              <a:ext uri="{FF2B5EF4-FFF2-40B4-BE49-F238E27FC236}">
-                <a16:creationId xmlns="" xmlns:a16="http://schemas.microsoft.com/office/drawing/2014/main" id="{035063CF-0BE5-4174-A7B5-34F632784F0C}"/>
-              </a:ext>
-            </a:extLst>
-          </p:cNvPr>
-          <p:cNvCxnSpPr>
-            <a:cxnSpLocks/>
-            <a:stCxn id="54" idx="3"/>
-            <a:endCxn id="156" idx="1"/>
-          </p:cNvCxnSpPr>
-          <p:nvPr/>
-        </p:nvCxnSpPr>
-        <p:spPr>
-          <a:xfrm flipV="1">
-            <a:off x="957867" y="2640459"/>
-            <a:ext cx="878040" cy="590866"/>
-          </a:xfrm>
-          <a:prstGeom prst="straightConnector1">
-            <a:avLst/>
-          </a:prstGeom>
-          <a:ln>
-            <a:tailEnd type="triangle"/>
-          </a:ln>
-        </p:spPr>
-        <p:style>
-          <a:lnRef idx="1">
-            <a:schemeClr val="dk1"/>
-          </a:lnRef>
-          <a:fillRef idx="0">
-            <a:schemeClr val="dk1"/>
-          </a:fillRef>
-          <a:effectRef idx="0">
-            <a:schemeClr val="dk1"/>
-          </a:effectRef>
-          <a:fontRef idx="minor">
-            <a:schemeClr val="tx1"/>
-          </a:fontRef>
-        </p:style>
-      </p:cxnSp>
-      <p:sp>
-        <p:nvSpPr>
-          <p:cNvPr id="144" name="Google Shape;102;p13">
-            <a:extLst>
-              <a:ext uri="{FF2B5EF4-FFF2-40B4-BE49-F238E27FC236}">
-                <a16:creationId xmlns="" xmlns:a16="http://schemas.microsoft.com/office/drawing/2014/main" id="{C704DD7E-8B1F-4B5A-832E-6B178666BEB8}"/>
-              </a:ext>
-            </a:extLst>
-          </p:cNvPr>
+              <a:rPr lang="ko-KR" altLang="en-US" sz="1300" dirty="0">
+                <a:ea typeface="맑은 고딕"/>
+              </a:rPr>
+              <a:t>불량 강연 신고</a:t>
+            </a:r>
+          </a:p>
+        </p:txBody>
+      </p:sp>
+      <p:sp>
+        <p:nvSpPr>
+          <p:cNvPr id="287" name="Google Shape;105;p13"/>
           <p:cNvSpPr/>
           <p:nvPr/>
         </p:nvSpPr>
         <p:spPr>
           <a:xfrm>
-            <a:off x="1835907" y="219531"/>
-            <a:ext cx="2219626" cy="412143"/>
+            <a:off x="7924261" y="2975635"/>
+            <a:ext cx="1869600" cy="512000"/>
           </a:xfrm>
           <a:prstGeom prst="rect">
             <a:avLst/>
@@ -5289,16 +5216,10 @@
           <a:p>
             <a:pPr algn="ctr"/>
             <a:r>
-              <a:rPr lang="ko-KR" altLang="en-US" sz="1333" dirty="0" smtClean="0"/>
-              <a:t>로그인 </a:t>
-            </a:r>
-            <a:r>
-              <a:rPr lang="en-US" altLang="ko-KR" sz="1333" dirty="0" smtClean="0"/>
-              <a:t>/ </a:t>
-            </a:r>
-            <a:r>
-              <a:rPr lang="ko-KR" altLang="en-US" sz="1333" dirty="0" smtClean="0"/>
-              <a:t>회원가입</a:t>
+              <a:rPr lang="ko-KR" altLang="en-US" sz="1300" dirty="0">
+                <a:ea typeface="맑은 고딕"/>
+              </a:rPr>
+              <a:t>강연 조회 및 관리</a:t>
             </a:r>
             <a:endParaRPr sz="1333" dirty="0"/>
           </a:p>
@@ -5306,20 +5227,14 @@
       </p:sp>
       <p:sp>
         <p:nvSpPr>
-          <p:cNvPr id="146" name="Google Shape;102;p13">
-            <a:extLst>
-              <a:ext uri="{FF2B5EF4-FFF2-40B4-BE49-F238E27FC236}">
-                <a16:creationId xmlns="" xmlns:a16="http://schemas.microsoft.com/office/drawing/2014/main" id="{C704DD7E-8B1F-4B5A-832E-6B178666BEB8}"/>
-              </a:ext>
-            </a:extLst>
-          </p:cNvPr>
+          <p:cNvPr id="95" name="Google Shape;114;p13"/>
           <p:cNvSpPr/>
           <p:nvPr/>
         </p:nvSpPr>
         <p:spPr>
           <a:xfrm>
-            <a:off x="1835907" y="773245"/>
-            <a:ext cx="2219626" cy="412143"/>
+            <a:off x="7924261" y="4879609"/>
+            <a:ext cx="1869600" cy="512000"/>
           </a:xfrm>
           <a:prstGeom prst="rect">
             <a:avLst/>
@@ -5345,45 +5260,784 @@
           <a:p>
             <a:pPr algn="ctr"/>
             <a:r>
-              <a:rPr lang="ko-KR" altLang="en-US" sz="1333" dirty="0" smtClean="0"/>
-              <a:t>등급</a:t>
-            </a:r>
-            <a:r>
-              <a:rPr lang="en-US" altLang="ko-KR" sz="1333" dirty="0" smtClean="0"/>
-              <a:t>, </a:t>
-            </a:r>
-            <a:r>
-              <a:rPr lang="ko-KR" altLang="en-US" sz="1333" dirty="0" smtClean="0"/>
-              <a:t>포인트</a:t>
-            </a:r>
-            <a:r>
-              <a:rPr lang="en-US" altLang="ko-KR" sz="1333" dirty="0" smtClean="0"/>
-              <a:t>, </a:t>
-            </a:r>
-            <a:r>
-              <a:rPr lang="ko-KR" altLang="en-US" sz="1333" dirty="0" smtClean="0"/>
-              <a:t>쿠폰 제도</a:t>
-            </a:r>
-            <a:endParaRPr sz="1333" dirty="0"/>
-          </a:p>
-        </p:txBody>
-      </p:sp>
-      <p:sp>
-        <p:nvSpPr>
-          <p:cNvPr id="214" name="Google Shape;102;p13">
-            <a:extLst>
-              <a:ext uri="{FF2B5EF4-FFF2-40B4-BE49-F238E27FC236}">
-                <a16:creationId xmlns="" xmlns:a16="http://schemas.microsoft.com/office/drawing/2014/main" id="{85AB7D6F-8B57-4DEC-9E37-3F7B85052802}"/>
-              </a:ext>
-            </a:extLst>
-          </p:cNvPr>
+              <a:rPr lang="en-US" sz="1300" dirty="0"/>
+              <a:t>Q&amp;A </a:t>
+            </a:r>
+            <a:r>
+              <a:rPr lang="ko-KR" altLang="en-US" sz="1300" dirty="0">
+                <a:ea typeface="맑은 고딕"/>
+              </a:rPr>
+              <a:t>확인</a:t>
+            </a:r>
+            <a:r>
+              <a:rPr lang="en-US" altLang="ko-KR" sz="1300" dirty="0">
+                <a:ea typeface="맑은 고딕"/>
+              </a:rPr>
+              <a:t> </a:t>
+            </a:r>
+            <a:r>
+              <a:rPr lang="ko-KR" altLang="en-US" sz="1300" dirty="0">
+                <a:ea typeface="맑은 고딕"/>
+              </a:rPr>
+              <a:t>및</a:t>
+            </a:r>
+            <a:r>
+              <a:rPr lang="en-US" altLang="ko-KR" sz="1300" dirty="0">
+                <a:ea typeface="맑은 고딕"/>
+              </a:rPr>
+              <a:t> </a:t>
+            </a:r>
+            <a:r>
+              <a:rPr lang="ko-KR" altLang="en-US" sz="1300" dirty="0">
+                <a:ea typeface="맑은 고딕"/>
+              </a:rPr>
+              <a:t>답변</a:t>
+            </a:r>
+          </a:p>
+        </p:txBody>
+      </p:sp>
+      <p:cxnSp>
+        <p:nvCxnSpPr>
+          <p:cNvPr id="111" name="직선 화살표 연결선 110">
+            <a:extLst>
+              <a:ext uri="{FF2B5EF4-FFF2-40B4-BE49-F238E27FC236}">
+                <a16:creationId xmlns:a16="http://schemas.microsoft.com/office/drawing/2014/main" id="{89986B8B-B851-49EA-BE61-F97E9FD46851}"/>
+              </a:ext>
+            </a:extLst>
+          </p:cNvPr>
+          <p:cNvCxnSpPr>
+            <a:cxnSpLocks/>
+          </p:cNvCxnSpPr>
+          <p:nvPr/>
+        </p:nvCxnSpPr>
+        <p:spPr>
+          <a:xfrm flipH="1" flipV="1">
+            <a:off x="4073254" y="360628"/>
+            <a:ext cx="732123" cy="3128022"/>
+          </a:xfrm>
+          <a:prstGeom prst="straightConnector1">
+            <a:avLst/>
+          </a:prstGeom>
+          <a:ln>
+            <a:tailEnd type="triangle"/>
+          </a:ln>
+        </p:spPr>
+        <p:style>
+          <a:lnRef idx="1">
+            <a:schemeClr val="dk1"/>
+          </a:lnRef>
+          <a:fillRef idx="0">
+            <a:schemeClr val="dk1"/>
+          </a:fillRef>
+          <a:effectRef idx="0">
+            <a:schemeClr val="dk1"/>
+          </a:effectRef>
+          <a:fontRef idx="minor">
+            <a:schemeClr val="tx1"/>
+          </a:fontRef>
+        </p:style>
+      </p:cxnSp>
+      <p:cxnSp>
+        <p:nvCxnSpPr>
+          <p:cNvPr id="35" name="직선 화살표 연결선 34">
+            <a:extLst>
+              <a:ext uri="{FF2B5EF4-FFF2-40B4-BE49-F238E27FC236}">
+                <a16:creationId xmlns:a16="http://schemas.microsoft.com/office/drawing/2014/main" id="{2C1E6536-E3FA-4DFA-ADCF-282FCB7C91C5}"/>
+              </a:ext>
+            </a:extLst>
+          </p:cNvPr>
+          <p:cNvCxnSpPr>
+            <a:cxnSpLocks/>
+          </p:cNvCxnSpPr>
+          <p:nvPr/>
+        </p:nvCxnSpPr>
+        <p:spPr>
+          <a:xfrm flipH="1" flipV="1">
+            <a:off x="4055534" y="2634814"/>
+            <a:ext cx="743935" cy="847929"/>
+          </a:xfrm>
+          <a:prstGeom prst="straightConnector1">
+            <a:avLst/>
+          </a:prstGeom>
+          <a:ln>
+            <a:tailEnd type="triangle"/>
+          </a:ln>
+        </p:spPr>
+        <p:style>
+          <a:lnRef idx="1">
+            <a:schemeClr val="dk1"/>
+          </a:lnRef>
+          <a:fillRef idx="0">
+            <a:schemeClr val="dk1"/>
+          </a:fillRef>
+          <a:effectRef idx="0">
+            <a:schemeClr val="dk1"/>
+          </a:effectRef>
+          <a:fontRef idx="minor">
+            <a:schemeClr val="tx1"/>
+          </a:fontRef>
+        </p:style>
+      </p:cxnSp>
+      <p:cxnSp>
+        <p:nvCxnSpPr>
+          <p:cNvPr id="36" name="직선 화살표 연결선 35">
+            <a:extLst>
+              <a:ext uri="{FF2B5EF4-FFF2-40B4-BE49-F238E27FC236}">
+                <a16:creationId xmlns:a16="http://schemas.microsoft.com/office/drawing/2014/main" id="{E36DDE23-CA43-4411-8B45-517020BDEFAA}"/>
+              </a:ext>
+            </a:extLst>
+          </p:cNvPr>
+          <p:cNvCxnSpPr>
+            <a:cxnSpLocks/>
+          </p:cNvCxnSpPr>
+          <p:nvPr/>
+        </p:nvCxnSpPr>
+        <p:spPr>
+          <a:xfrm flipH="1">
+            <a:off x="4055533" y="3488649"/>
+            <a:ext cx="714401" cy="286211"/>
+          </a:xfrm>
+          <a:prstGeom prst="straightConnector1">
+            <a:avLst/>
+          </a:prstGeom>
+          <a:ln>
+            <a:tailEnd type="triangle"/>
+          </a:ln>
+        </p:spPr>
+        <p:style>
+          <a:lnRef idx="1">
+            <a:schemeClr val="dk1"/>
+          </a:lnRef>
+          <a:fillRef idx="0">
+            <a:schemeClr val="dk1"/>
+          </a:fillRef>
+          <a:effectRef idx="0">
+            <a:schemeClr val="dk1"/>
+          </a:effectRef>
+          <a:fontRef idx="minor">
+            <a:schemeClr val="tx1"/>
+          </a:fontRef>
+        </p:style>
+      </p:cxnSp>
+      <p:cxnSp>
+        <p:nvCxnSpPr>
+          <p:cNvPr id="37" name="직선 화살표 연결선 36">
+            <a:extLst>
+              <a:ext uri="{FF2B5EF4-FFF2-40B4-BE49-F238E27FC236}">
+                <a16:creationId xmlns:a16="http://schemas.microsoft.com/office/drawing/2014/main" id="{002F05ED-77C9-4A87-85FD-D433D7D2C1B7}"/>
+              </a:ext>
+            </a:extLst>
+          </p:cNvPr>
+          <p:cNvCxnSpPr>
+            <a:cxnSpLocks/>
+          </p:cNvCxnSpPr>
+          <p:nvPr/>
+        </p:nvCxnSpPr>
+        <p:spPr>
+          <a:xfrm flipH="1">
+            <a:off x="4055534" y="3482743"/>
+            <a:ext cx="732122" cy="841466"/>
+          </a:xfrm>
+          <a:prstGeom prst="straightConnector1">
+            <a:avLst/>
+          </a:prstGeom>
+          <a:ln>
+            <a:tailEnd type="triangle"/>
+          </a:ln>
+        </p:spPr>
+        <p:style>
+          <a:lnRef idx="1">
+            <a:schemeClr val="dk1"/>
+          </a:lnRef>
+          <a:fillRef idx="0">
+            <a:schemeClr val="dk1"/>
+          </a:fillRef>
+          <a:effectRef idx="0">
+            <a:schemeClr val="dk1"/>
+          </a:effectRef>
+          <a:fontRef idx="minor">
+            <a:schemeClr val="tx1"/>
+          </a:fontRef>
+        </p:style>
+      </p:cxnSp>
+      <p:cxnSp>
+        <p:nvCxnSpPr>
+          <p:cNvPr id="38" name="직선 화살표 연결선 37">
+            <a:extLst>
+              <a:ext uri="{FF2B5EF4-FFF2-40B4-BE49-F238E27FC236}">
+                <a16:creationId xmlns:a16="http://schemas.microsoft.com/office/drawing/2014/main" id="{4BF19A09-4A9B-4710-A98E-995E5605ACFE}"/>
+              </a:ext>
+            </a:extLst>
+          </p:cNvPr>
+          <p:cNvCxnSpPr>
+            <a:cxnSpLocks/>
+          </p:cNvCxnSpPr>
+          <p:nvPr/>
+        </p:nvCxnSpPr>
+        <p:spPr>
+          <a:xfrm flipH="1">
+            <a:off x="4049626" y="3512278"/>
+            <a:ext cx="732122" cy="1703884"/>
+          </a:xfrm>
+          <a:prstGeom prst="straightConnector1">
+            <a:avLst/>
+          </a:prstGeom>
+          <a:ln>
+            <a:tailEnd type="triangle"/>
+          </a:ln>
+        </p:spPr>
+        <p:style>
+          <a:lnRef idx="1">
+            <a:schemeClr val="dk1"/>
+          </a:lnRef>
+          <a:fillRef idx="0">
+            <a:schemeClr val="dk1"/>
+          </a:fillRef>
+          <a:effectRef idx="0">
+            <a:schemeClr val="dk1"/>
+          </a:effectRef>
+          <a:fontRef idx="minor">
+            <a:schemeClr val="tx1"/>
+          </a:fontRef>
+        </p:style>
+      </p:cxnSp>
+      <p:cxnSp>
+        <p:nvCxnSpPr>
+          <p:cNvPr id="39" name="직선 화살표 연결선 38">
+            <a:extLst>
+              <a:ext uri="{FF2B5EF4-FFF2-40B4-BE49-F238E27FC236}">
+                <a16:creationId xmlns:a16="http://schemas.microsoft.com/office/drawing/2014/main" id="{8BA3BF8C-D657-48AC-B7FB-D8A204CC5CA4}"/>
+              </a:ext>
+            </a:extLst>
+          </p:cNvPr>
+          <p:cNvCxnSpPr>
+            <a:cxnSpLocks/>
+          </p:cNvCxnSpPr>
+          <p:nvPr/>
+        </p:nvCxnSpPr>
+        <p:spPr>
+          <a:xfrm flipH="1">
+            <a:off x="4067347" y="3494557"/>
+            <a:ext cx="732122" cy="2519046"/>
+          </a:xfrm>
+          <a:prstGeom prst="straightConnector1">
+            <a:avLst/>
+          </a:prstGeom>
+          <a:ln>
+            <a:tailEnd type="triangle"/>
+          </a:ln>
+        </p:spPr>
+        <p:style>
+          <a:lnRef idx="1">
+            <a:schemeClr val="dk1"/>
+          </a:lnRef>
+          <a:fillRef idx="0">
+            <a:schemeClr val="dk1"/>
+          </a:fillRef>
+          <a:effectRef idx="0">
+            <a:schemeClr val="dk1"/>
+          </a:effectRef>
+          <a:fontRef idx="minor">
+            <a:schemeClr val="tx1"/>
+          </a:fontRef>
+        </p:style>
+      </p:cxnSp>
+      <p:cxnSp>
+        <p:nvCxnSpPr>
+          <p:cNvPr id="41" name="직선 화살표 연결선 40">
+            <a:extLst>
+              <a:ext uri="{FF2B5EF4-FFF2-40B4-BE49-F238E27FC236}">
+                <a16:creationId xmlns:a16="http://schemas.microsoft.com/office/drawing/2014/main" id="{1AE1DDCE-CE87-44A6-AEF2-AD65F004710B}"/>
+              </a:ext>
+            </a:extLst>
+          </p:cNvPr>
+          <p:cNvCxnSpPr>
+            <a:cxnSpLocks/>
+          </p:cNvCxnSpPr>
+          <p:nvPr/>
+        </p:nvCxnSpPr>
+        <p:spPr>
+          <a:xfrm flipV="1">
+            <a:off x="6506585" y="360627"/>
+            <a:ext cx="1423924" cy="3151651"/>
+          </a:xfrm>
+          <a:prstGeom prst="straightConnector1">
+            <a:avLst/>
+          </a:prstGeom>
+          <a:ln>
+            <a:tailEnd type="triangle"/>
+          </a:ln>
+        </p:spPr>
+        <p:style>
+          <a:lnRef idx="1">
+            <a:schemeClr val="dk1"/>
+          </a:lnRef>
+          <a:fillRef idx="0">
+            <a:schemeClr val="dk1"/>
+          </a:fillRef>
+          <a:effectRef idx="0">
+            <a:schemeClr val="dk1"/>
+          </a:effectRef>
+          <a:fontRef idx="minor">
+            <a:schemeClr val="tx1"/>
+          </a:fontRef>
+        </p:style>
+      </p:cxnSp>
+      <p:cxnSp>
+        <p:nvCxnSpPr>
+          <p:cNvPr id="42" name="직선 화살표 연결선 41">
+            <a:extLst>
+              <a:ext uri="{FF2B5EF4-FFF2-40B4-BE49-F238E27FC236}">
+                <a16:creationId xmlns:a16="http://schemas.microsoft.com/office/drawing/2014/main" id="{46636C51-3BE8-4FE2-8756-683C5CE6E327}"/>
+              </a:ext>
+            </a:extLst>
+          </p:cNvPr>
+          <p:cNvCxnSpPr>
+            <a:cxnSpLocks/>
+          </p:cNvCxnSpPr>
+          <p:nvPr/>
+        </p:nvCxnSpPr>
+        <p:spPr>
+          <a:xfrm flipV="1">
+            <a:off x="6506585" y="1335276"/>
+            <a:ext cx="1394389" cy="2153375"/>
+          </a:xfrm>
+          <a:prstGeom prst="straightConnector1">
+            <a:avLst/>
+          </a:prstGeom>
+          <a:ln>
+            <a:tailEnd type="triangle"/>
+          </a:ln>
+        </p:spPr>
+        <p:style>
+          <a:lnRef idx="1">
+            <a:schemeClr val="dk1"/>
+          </a:lnRef>
+          <a:fillRef idx="0">
+            <a:schemeClr val="dk1"/>
+          </a:fillRef>
+          <a:effectRef idx="0">
+            <a:schemeClr val="dk1"/>
+          </a:effectRef>
+          <a:fontRef idx="minor">
+            <a:schemeClr val="tx1"/>
+          </a:fontRef>
+        </p:style>
+      </p:cxnSp>
+      <p:cxnSp>
+        <p:nvCxnSpPr>
+          <p:cNvPr id="43" name="직선 화살표 연결선 42">
+            <a:extLst>
+              <a:ext uri="{FF2B5EF4-FFF2-40B4-BE49-F238E27FC236}">
+                <a16:creationId xmlns:a16="http://schemas.microsoft.com/office/drawing/2014/main" id="{26BEC31F-B7F2-4911-85DF-360C39C744D7}"/>
+              </a:ext>
+            </a:extLst>
+          </p:cNvPr>
+          <p:cNvCxnSpPr>
+            <a:cxnSpLocks/>
+          </p:cNvCxnSpPr>
+          <p:nvPr/>
+        </p:nvCxnSpPr>
+        <p:spPr>
+          <a:xfrm flipV="1">
+            <a:off x="6500678" y="2268577"/>
+            <a:ext cx="1406203" cy="1237794"/>
+          </a:xfrm>
+          <a:prstGeom prst="straightConnector1">
+            <a:avLst/>
+          </a:prstGeom>
+          <a:ln>
+            <a:tailEnd type="triangle"/>
+          </a:ln>
+        </p:spPr>
+        <p:style>
+          <a:lnRef idx="1">
+            <a:schemeClr val="dk1"/>
+          </a:lnRef>
+          <a:fillRef idx="0">
+            <a:schemeClr val="dk1"/>
+          </a:fillRef>
+          <a:effectRef idx="0">
+            <a:schemeClr val="dk1"/>
+          </a:effectRef>
+          <a:fontRef idx="minor">
+            <a:schemeClr val="tx1"/>
+          </a:fontRef>
+        </p:style>
+      </p:cxnSp>
+      <p:cxnSp>
+        <p:nvCxnSpPr>
+          <p:cNvPr id="44" name="직선 화살표 연결선 43">
+            <a:extLst>
+              <a:ext uri="{FF2B5EF4-FFF2-40B4-BE49-F238E27FC236}">
+                <a16:creationId xmlns:a16="http://schemas.microsoft.com/office/drawing/2014/main" id="{34904F99-E564-4DFB-B3A1-76E0F1A61AFA}"/>
+              </a:ext>
+            </a:extLst>
+          </p:cNvPr>
+          <p:cNvCxnSpPr>
+            <a:cxnSpLocks/>
+          </p:cNvCxnSpPr>
+          <p:nvPr/>
+        </p:nvCxnSpPr>
+        <p:spPr>
+          <a:xfrm flipV="1">
+            <a:off x="6482957" y="3249135"/>
+            <a:ext cx="1435738" cy="251330"/>
+          </a:xfrm>
+          <a:prstGeom prst="straightConnector1">
+            <a:avLst/>
+          </a:prstGeom>
+          <a:ln>
+            <a:tailEnd type="triangle"/>
+          </a:ln>
+        </p:spPr>
+        <p:style>
+          <a:lnRef idx="1">
+            <a:schemeClr val="dk1"/>
+          </a:lnRef>
+          <a:fillRef idx="0">
+            <a:schemeClr val="dk1"/>
+          </a:fillRef>
+          <a:effectRef idx="0">
+            <a:schemeClr val="dk1"/>
+          </a:effectRef>
+          <a:fontRef idx="minor">
+            <a:schemeClr val="tx1"/>
+          </a:fontRef>
+        </p:style>
+      </p:cxnSp>
+      <p:cxnSp>
+        <p:nvCxnSpPr>
+          <p:cNvPr id="45" name="직선 화살표 연결선 44">
+            <a:extLst>
+              <a:ext uri="{FF2B5EF4-FFF2-40B4-BE49-F238E27FC236}">
+                <a16:creationId xmlns:a16="http://schemas.microsoft.com/office/drawing/2014/main" id="{0C36EF3A-CACF-4F19-B112-C35F2FE9E65B}"/>
+              </a:ext>
+            </a:extLst>
+          </p:cNvPr>
+          <p:cNvCxnSpPr>
+            <a:cxnSpLocks/>
+          </p:cNvCxnSpPr>
+          <p:nvPr/>
+        </p:nvCxnSpPr>
+        <p:spPr>
+          <a:xfrm>
+            <a:off x="6488864" y="3512278"/>
+            <a:ext cx="1453460" cy="693786"/>
+          </a:xfrm>
+          <a:prstGeom prst="straightConnector1">
+            <a:avLst/>
+          </a:prstGeom>
+          <a:ln>
+            <a:tailEnd type="triangle"/>
+          </a:ln>
+        </p:spPr>
+        <p:style>
+          <a:lnRef idx="1">
+            <a:schemeClr val="dk1"/>
+          </a:lnRef>
+          <a:fillRef idx="0">
+            <a:schemeClr val="dk1"/>
+          </a:fillRef>
+          <a:effectRef idx="0">
+            <a:schemeClr val="dk1"/>
+          </a:effectRef>
+          <a:fontRef idx="minor">
+            <a:schemeClr val="tx1"/>
+          </a:fontRef>
+        </p:style>
+      </p:cxnSp>
+      <p:cxnSp>
+        <p:nvCxnSpPr>
+          <p:cNvPr id="46" name="직선 화살표 연결선 45">
+            <a:extLst>
+              <a:ext uri="{FF2B5EF4-FFF2-40B4-BE49-F238E27FC236}">
+                <a16:creationId xmlns:a16="http://schemas.microsoft.com/office/drawing/2014/main" id="{40BF2654-4001-47E5-BFD4-0BDDD0AC34BF}"/>
+              </a:ext>
+            </a:extLst>
+          </p:cNvPr>
+          <p:cNvCxnSpPr>
+            <a:cxnSpLocks/>
+          </p:cNvCxnSpPr>
+          <p:nvPr/>
+        </p:nvCxnSpPr>
+        <p:spPr>
+          <a:xfrm>
+            <a:off x="6500678" y="3524093"/>
+            <a:ext cx="1400297" cy="1627086"/>
+          </a:xfrm>
+          <a:prstGeom prst="straightConnector1">
+            <a:avLst/>
+          </a:prstGeom>
+          <a:ln>
+            <a:tailEnd type="triangle"/>
+          </a:ln>
+        </p:spPr>
+        <p:style>
+          <a:lnRef idx="1">
+            <a:schemeClr val="dk1"/>
+          </a:lnRef>
+          <a:fillRef idx="0">
+            <a:schemeClr val="dk1"/>
+          </a:fillRef>
+          <a:effectRef idx="0">
+            <a:schemeClr val="dk1"/>
+          </a:effectRef>
+          <a:fontRef idx="minor">
+            <a:schemeClr val="tx1"/>
+          </a:fontRef>
+        </p:style>
+      </p:cxnSp>
+    </p:spTree>
+    <p:extLst>
+      <p:ext uri="{BB962C8B-B14F-4D97-AF65-F5344CB8AC3E}">
+        <p14:creationId xmlns:p14="http://schemas.microsoft.com/office/powerpoint/2010/main" val="2717854701"/>
+      </p:ext>
+    </p:extLst>
+  </p:cSld>
+  <p:clrMapOvr>
+    <a:masterClrMapping/>
+  </p:clrMapOvr>
+</p:sld>
+</file>
+
+<file path=ppt/slides/slide2.xml><?xml version="1.0" encoding="utf-8"?>
+<p:sld xmlns:a="http://schemas.openxmlformats.org/drawingml/2006/main" xmlns:r="http://schemas.openxmlformats.org/officeDocument/2006/relationships" xmlns:p="http://schemas.openxmlformats.org/presentationml/2006/main">
+  <p:cSld>
+    <p:spTree>
+      <p:nvGrpSpPr>
+        <p:cNvPr id="1" name="Shape 53"/>
+        <p:cNvGrpSpPr/>
+        <p:nvPr/>
+      </p:nvGrpSpPr>
+      <p:grpSpPr>
+        <a:xfrm>
+          <a:off x="0" y="0"/>
+          <a:ext cx="0" cy="0"/>
+          <a:chOff x="0" y="0"/>
+          <a:chExt cx="0" cy="0"/>
+        </a:xfrm>
+      </p:grpSpPr>
+      <p:pic>
+        <p:nvPicPr>
+          <p:cNvPr id="54" name="Google Shape;54;p13"/>
+          <p:cNvPicPr preferRelativeResize="0"/>
+          <p:nvPr/>
+        </p:nvPicPr>
+        <p:blipFill>
+          <a:blip r:embed="rId3">
+            <a:alphaModFix/>
+          </a:blip>
+          <a:stretch>
+            <a:fillRect/>
+          </a:stretch>
+        </p:blipFill>
+        <p:spPr>
+          <a:xfrm>
+            <a:off x="249867" y="2523325"/>
+            <a:ext cx="708000" cy="1416000"/>
+          </a:xfrm>
+          <a:prstGeom prst="rect">
+            <a:avLst/>
+          </a:prstGeom>
+          <a:noFill/>
+          <a:ln>
+            <a:noFill/>
+          </a:ln>
+        </p:spPr>
+      </p:pic>
+      <p:sp>
+        <p:nvSpPr>
+          <p:cNvPr id="58" name="Google Shape;58;p13"/>
+          <p:cNvSpPr txBox="1"/>
+          <p:nvPr/>
+        </p:nvSpPr>
+        <p:spPr>
+          <a:xfrm>
+            <a:off x="190214" y="4006937"/>
+            <a:ext cx="827305" cy="404200"/>
+          </a:xfrm>
+          <a:prstGeom prst="rect">
+            <a:avLst/>
+          </a:prstGeom>
+          <a:noFill/>
+          <a:ln>
+            <a:noFill/>
+          </a:ln>
+        </p:spPr>
+        <p:txBody>
+          <a:bodyPr spcFirstLastPara="1" wrap="square" lIns="121900" tIns="121900" rIns="121900" bIns="121900" anchor="t" anchorCtr="0">
+            <a:noAutofit/>
+          </a:bodyPr>
+          <a:lstStyle/>
+          <a:p>
+            <a:r>
+              <a:rPr lang="ko-KR" altLang="en-US" sz="1333" b="1"/>
+              <a:t>사용자</a:t>
+            </a:r>
+            <a:endParaRPr sz="1333" b="1" dirty="0"/>
+          </a:p>
+        </p:txBody>
+      </p:sp>
+      <p:pic>
+        <p:nvPicPr>
+          <p:cNvPr id="60" name="Google Shape;60;p13"/>
+          <p:cNvPicPr preferRelativeResize="0"/>
+          <p:nvPr/>
+        </p:nvPicPr>
+        <p:blipFill>
+          <a:blip r:embed="rId3">
+            <a:alphaModFix/>
+          </a:blip>
+          <a:stretch>
+            <a:fillRect/>
+          </a:stretch>
+        </p:blipFill>
+        <p:spPr>
+          <a:xfrm>
+            <a:off x="11248567" y="1730667"/>
+            <a:ext cx="708000" cy="1416000"/>
+          </a:xfrm>
+          <a:prstGeom prst="rect">
+            <a:avLst/>
+          </a:prstGeom>
+          <a:noFill/>
+          <a:ln>
+            <a:noFill/>
+          </a:ln>
+        </p:spPr>
+      </p:pic>
+      <p:sp>
+        <p:nvSpPr>
+          <p:cNvPr id="71" name="Google Shape;71;p13"/>
+          <p:cNvSpPr txBox="1"/>
+          <p:nvPr/>
+        </p:nvSpPr>
+        <p:spPr>
+          <a:xfrm>
+            <a:off x="10934559" y="3076157"/>
+            <a:ext cx="1336000" cy="326400"/>
+          </a:xfrm>
+          <a:prstGeom prst="rect">
+            <a:avLst/>
+          </a:prstGeom>
+          <a:noFill/>
+          <a:ln>
+            <a:noFill/>
+          </a:ln>
+        </p:spPr>
+        <p:txBody>
+          <a:bodyPr spcFirstLastPara="1" wrap="square" lIns="121900" tIns="121900" rIns="121900" bIns="121900" anchor="t" anchorCtr="0">
+            <a:noAutofit/>
+          </a:bodyPr>
+          <a:lstStyle/>
+          <a:p>
+            <a:pPr algn="ctr"/>
+            <a:r>
+              <a:rPr lang="ko" altLang="en-US" sz="1333" b="1"/>
+              <a:t>관리자</a:t>
+            </a:r>
+            <a:endParaRPr sz="1333" b="1"/>
+          </a:p>
+        </p:txBody>
+      </p:sp>
+      <p:cxnSp>
+        <p:nvCxnSpPr>
+          <p:cNvPr id="101" name="Google Shape;101;p13"/>
+          <p:cNvCxnSpPr>
+            <a:stCxn id="60" idx="1"/>
+            <a:endCxn id="102" idx="3"/>
+          </p:cNvCxnSpPr>
+          <p:nvPr/>
+        </p:nvCxnSpPr>
+        <p:spPr>
+          <a:xfrm flipH="1" flipV="1">
+            <a:off x="9793861" y="1327661"/>
+            <a:ext cx="1454706" cy="1111006"/>
+          </a:xfrm>
+          <a:prstGeom prst="straightConnector1">
+            <a:avLst/>
+          </a:prstGeom>
+          <a:noFill/>
+          <a:ln w="9525" cap="flat" cmpd="sng">
+            <a:solidFill>
+              <a:schemeClr val="dk2"/>
+            </a:solidFill>
+            <a:prstDash val="solid"/>
+            <a:round/>
+            <a:headEnd type="none" w="med" len="med"/>
+            <a:tailEnd type="triangle" w="med" len="med"/>
+          </a:ln>
+        </p:spPr>
+      </p:cxnSp>
+      <p:cxnSp>
+        <p:nvCxnSpPr>
+          <p:cNvPr id="103" name="Google Shape;103;p13"/>
+          <p:cNvCxnSpPr>
+            <a:stCxn id="60" idx="1"/>
+            <a:endCxn id="96" idx="3"/>
+          </p:cNvCxnSpPr>
+          <p:nvPr/>
+        </p:nvCxnSpPr>
+        <p:spPr>
+          <a:xfrm flipH="1" flipV="1">
+            <a:off x="9793861" y="375674"/>
+            <a:ext cx="1454706" cy="2062993"/>
+          </a:xfrm>
+          <a:prstGeom prst="straightConnector1">
+            <a:avLst/>
+          </a:prstGeom>
+          <a:noFill/>
+          <a:ln w="9525" cap="flat" cmpd="sng">
+            <a:solidFill>
+              <a:schemeClr val="dk2"/>
+            </a:solidFill>
+            <a:prstDash val="solid"/>
+            <a:round/>
+            <a:headEnd type="none" w="med" len="med"/>
+            <a:tailEnd type="triangle" w="med" len="med"/>
+          </a:ln>
+        </p:spPr>
+      </p:cxnSp>
+      <p:cxnSp>
+        <p:nvCxnSpPr>
+          <p:cNvPr id="104" name="Google Shape;104;p13"/>
+          <p:cNvCxnSpPr>
+            <a:stCxn id="60" idx="1"/>
+            <a:endCxn id="105" idx="3"/>
+          </p:cNvCxnSpPr>
+          <p:nvPr/>
+        </p:nvCxnSpPr>
+        <p:spPr>
+          <a:xfrm flipH="1" flipV="1">
+            <a:off x="9793861" y="2279648"/>
+            <a:ext cx="1454706" cy="159019"/>
+          </a:xfrm>
+          <a:prstGeom prst="straightConnector1">
+            <a:avLst/>
+          </a:prstGeom>
+          <a:noFill/>
+          <a:ln w="9525" cap="flat" cmpd="sng">
+            <a:solidFill>
+              <a:schemeClr val="dk2"/>
+            </a:solidFill>
+            <a:prstDash val="solid"/>
+            <a:round/>
+            <a:headEnd type="none" w="med" len="med"/>
+            <a:tailEnd type="triangle" w="med" len="med"/>
+          </a:ln>
+        </p:spPr>
+      </p:cxnSp>
+      <p:sp>
+        <p:nvSpPr>
+          <p:cNvPr id="102" name="Google Shape;102;p13"/>
           <p:cNvSpPr/>
           <p:nvPr/>
         </p:nvSpPr>
         <p:spPr>
           <a:xfrm>
-            <a:off x="1835907" y="6310390"/>
-            <a:ext cx="2219626" cy="412143"/>
+            <a:off x="7924261" y="1071661"/>
+            <a:ext cx="1869600" cy="512000"/>
           </a:xfrm>
           <a:prstGeom prst="rect">
             <a:avLst/>
@@ -5409,16 +6063,12 @@
           <a:p>
             <a:pPr algn="ctr"/>
             <a:r>
-              <a:rPr lang="ko-KR" altLang="en-US" sz="1333" dirty="0" smtClean="0"/>
-              <a:t>공지사항 </a:t>
-            </a:r>
-            <a:r>
-              <a:rPr lang="en-US" altLang="ko-KR" sz="1333" dirty="0" smtClean="0"/>
-              <a:t>FAQ </a:t>
-            </a:r>
-            <a:r>
-              <a:rPr lang="ko-KR" altLang="en-US" sz="1333" dirty="0" smtClean="0"/>
-              <a:t>이용가이드 게시판</a:t>
+              <a:rPr lang="ko-KR" altLang="en-US" sz="1333" dirty="0" err="1"/>
+              <a:t>캐러셀</a:t>
+            </a:r>
+            <a:r>
+              <a:rPr lang="ko-KR" altLang="en-US" sz="1333" dirty="0"/>
+              <a:t> 배너 관리</a:t>
             </a:r>
             <a:endParaRPr sz="1333" dirty="0"/>
           </a:p>
@@ -5426,20 +6076,14 @@
       </p:sp>
       <p:sp>
         <p:nvSpPr>
-          <p:cNvPr id="217" name="Google Shape;102;p13">
-            <a:extLst>
-              <a:ext uri="{FF2B5EF4-FFF2-40B4-BE49-F238E27FC236}">
-                <a16:creationId xmlns="" xmlns:a16="http://schemas.microsoft.com/office/drawing/2014/main" id="{66D0C005-DEF3-48FD-A074-0C0ABD142A2A}"/>
-              </a:ext>
-            </a:extLst>
-          </p:cNvPr>
+          <p:cNvPr id="105" name="Google Shape;105;p13"/>
           <p:cNvSpPr/>
           <p:nvPr/>
         </p:nvSpPr>
         <p:spPr>
           <a:xfrm>
-            <a:off x="1835907" y="4649243"/>
-            <a:ext cx="2219626" cy="412143"/>
+            <a:off x="7924261" y="2023648"/>
+            <a:ext cx="1869600" cy="512000"/>
           </a:xfrm>
           <a:prstGeom prst="rect">
             <a:avLst/>
@@ -5465,16 +6109,16 @@
           <a:p>
             <a:pPr algn="ctr"/>
             <a:r>
-              <a:rPr lang="ko-KR" altLang="en-US" sz="1333" dirty="0" smtClean="0"/>
-              <a:t>상품 </a:t>
-            </a:r>
-            <a:r>
-              <a:rPr lang="ko-KR" altLang="en-US" sz="1333" dirty="0" err="1" smtClean="0"/>
-              <a:t>렌탈</a:t>
-            </a:r>
-            <a:r>
-              <a:rPr lang="ko-KR" altLang="en-US" sz="1333" dirty="0" smtClean="0"/>
-              <a:t> 요청</a:t>
+              <a:rPr lang="ko-KR" altLang="en-US" sz="1333" dirty="0"/>
+              <a:t>메인 화면</a:t>
+            </a:r>
+            <a:endParaRPr lang="en-US" altLang="ko-KR" sz="1333" dirty="0"/>
+          </a:p>
+          <a:p>
+            <a:pPr algn="ctr"/>
+            <a:r>
+              <a:rPr lang="ko-KR" altLang="en-US" sz="1333" dirty="0"/>
+              <a:t>추천상품 관리</a:t>
             </a:r>
             <a:endParaRPr sz="1333" dirty="0"/>
           </a:p>
@@ -5482,20 +6126,14 @@
       </p:sp>
       <p:sp>
         <p:nvSpPr>
-          <p:cNvPr id="230" name="Google Shape;102;p13">
-            <a:extLst>
-              <a:ext uri="{FF2B5EF4-FFF2-40B4-BE49-F238E27FC236}">
-                <a16:creationId xmlns="" xmlns:a16="http://schemas.microsoft.com/office/drawing/2014/main" id="{C704DD7E-8B1F-4B5A-832E-6B178666BEB8}"/>
-              </a:ext>
-            </a:extLst>
-          </p:cNvPr>
+          <p:cNvPr id="113" name="Google Shape;113;p13"/>
           <p:cNvSpPr/>
           <p:nvPr/>
         </p:nvSpPr>
         <p:spPr>
           <a:xfrm>
-            <a:off x="1835907" y="1880673"/>
-            <a:ext cx="2219626" cy="412143"/>
+            <a:off x="7924261" y="5831594"/>
+            <a:ext cx="1869600" cy="512000"/>
           </a:xfrm>
           <a:prstGeom prst="rect">
             <a:avLst/>
@@ -5521,41 +6159,31 @@
           <a:p>
             <a:pPr algn="ctr"/>
             <a:r>
-              <a:rPr lang="en-US" altLang="ko-KR" sz="1333" dirty="0" smtClean="0"/>
-              <a:t>E</a:t>
-            </a:r>
-            <a:r>
-              <a:rPr lang="ko-KR" altLang="en-US" sz="1333" dirty="0" smtClean="0"/>
-              <a:t>머니 충전 </a:t>
-            </a:r>
-            <a:r>
-              <a:rPr lang="en-US" altLang="ko-KR" sz="1333" dirty="0" smtClean="0"/>
-              <a:t>/ </a:t>
-            </a:r>
-            <a:r>
-              <a:rPr lang="ko-KR" altLang="en-US" sz="1333" dirty="0" smtClean="0"/>
-              <a:t>출금</a:t>
-            </a:r>
-            <a:endParaRPr sz="1333" dirty="0"/>
-          </a:p>
-        </p:txBody>
-      </p:sp>
-      <p:sp>
-        <p:nvSpPr>
-          <p:cNvPr id="232" name="Google Shape;102;p13">
-            <a:extLst>
-              <a:ext uri="{FF2B5EF4-FFF2-40B4-BE49-F238E27FC236}">
-                <a16:creationId xmlns="" xmlns:a16="http://schemas.microsoft.com/office/drawing/2014/main" id="{66D0C005-DEF3-48FD-A074-0C0ABD142A2A}"/>
-              </a:ext>
-            </a:extLst>
-          </p:cNvPr>
+              <a:rPr lang="ko-KR" altLang="en-US" sz="1333" dirty="0"/>
+              <a:t>공지사항 </a:t>
+            </a:r>
+            <a:r>
+              <a:rPr lang="en-US" sz="1333" dirty="0"/>
+              <a:t>FAQ </a:t>
+            </a:r>
+            <a:r>
+              <a:rPr lang="ko-KR" altLang="en-US" sz="1333" dirty="0"/>
+              <a:t>이용정보 관리</a:t>
+            </a:r>
+            <a:endParaRPr sz="1333" b="1" dirty="0"/>
+          </a:p>
+        </p:txBody>
+      </p:sp>
+      <p:sp>
+        <p:nvSpPr>
+          <p:cNvPr id="114" name="Google Shape;114;p13"/>
           <p:cNvSpPr/>
           <p:nvPr/>
         </p:nvSpPr>
         <p:spPr>
           <a:xfrm>
-            <a:off x="1835907" y="5202957"/>
-            <a:ext cx="2219626" cy="412143"/>
+            <a:off x="7924261" y="3927622"/>
+            <a:ext cx="1869600" cy="512000"/>
           </a:xfrm>
           <a:prstGeom prst="rect">
             <a:avLst/>
@@ -5581,28 +6209,8 @@
           <a:p>
             <a:pPr algn="ctr"/>
             <a:r>
-              <a:rPr lang="ko-KR" altLang="en-US" sz="1333" dirty="0" smtClean="0"/>
-              <a:t>상품 </a:t>
-            </a:r>
-            <a:r>
-              <a:rPr lang="ko-KR" altLang="en-US" sz="1333" dirty="0" err="1" smtClean="0"/>
-              <a:t>찜하기</a:t>
-            </a:r>
-            <a:r>
-              <a:rPr lang="ko-KR" altLang="en-US" sz="1333" dirty="0" smtClean="0"/>
-              <a:t> </a:t>
-            </a:r>
-            <a:r>
-              <a:rPr lang="en-US" altLang="ko-KR" sz="1333" dirty="0" smtClean="0"/>
-              <a:t>/ </a:t>
-            </a:r>
-            <a:r>
-              <a:rPr lang="ko-KR" altLang="en-US" sz="1333" dirty="0" smtClean="0"/>
-              <a:t>회원 </a:t>
-            </a:r>
-            <a:r>
-              <a:rPr lang="ko-KR" altLang="en-US" sz="1333" dirty="0" err="1" smtClean="0"/>
-              <a:t>팔로우</a:t>
+              <a:rPr lang="ko-KR" altLang="en-US" sz="1333" dirty="0"/>
+              <a:t>상품 관리</a:t>
             </a:r>
             <a:endParaRPr sz="1333" dirty="0"/>
           </a:p>
@@ -5610,20 +6218,14 @@
       </p:sp>
       <p:sp>
         <p:nvSpPr>
-          <p:cNvPr id="246" name="Google Shape;102;p13">
-            <a:extLst>
-              <a:ext uri="{FF2B5EF4-FFF2-40B4-BE49-F238E27FC236}">
-                <a16:creationId xmlns="" xmlns:a16="http://schemas.microsoft.com/office/drawing/2014/main" id="{C704DD7E-8B1F-4B5A-832E-6B178666BEB8}"/>
-              </a:ext>
-            </a:extLst>
-          </p:cNvPr>
+          <p:cNvPr id="96" name="Google Shape;96;p13"/>
           <p:cNvSpPr/>
           <p:nvPr/>
         </p:nvSpPr>
         <p:spPr>
           <a:xfrm>
-            <a:off x="1835907" y="1326959"/>
-            <a:ext cx="2219626" cy="412143"/>
+            <a:off x="7924261" y="119674"/>
+            <a:ext cx="1869600" cy="512000"/>
           </a:xfrm>
           <a:prstGeom prst="rect">
             <a:avLst/>
@@ -5649,47 +6251,77 @@
           <a:p>
             <a:pPr algn="ctr"/>
             <a:r>
-              <a:rPr lang="en-US" sz="1333" dirty="0" smtClean="0"/>
-              <a:t>Q&amp;A, </a:t>
-            </a:r>
-            <a:r>
-              <a:rPr lang="ko-KR" altLang="en-US" sz="1333" dirty="0" err="1" smtClean="0"/>
-              <a:t>상품렌탈</a:t>
-            </a:r>
-            <a:r>
-              <a:rPr lang="en-US" altLang="ko-KR" sz="1333" dirty="0" smtClean="0"/>
-              <a:t>, </a:t>
-            </a:r>
-            <a:r>
-              <a:rPr lang="ko-KR" altLang="en-US" sz="1333" dirty="0" err="1" smtClean="0"/>
-              <a:t>렌탈요청</a:t>
-            </a:r>
-            <a:r>
-              <a:rPr lang="en-US" altLang="ko-KR" sz="1333" dirty="0" smtClean="0"/>
-              <a:t>, </a:t>
-            </a:r>
-            <a:r>
-              <a:rPr lang="ko-KR" altLang="en-US" sz="1333" dirty="0" smtClean="0"/>
-              <a:t>상품 문의</a:t>
-            </a:r>
-            <a:r>
-              <a:rPr lang="en-US" altLang="ko-KR" sz="1333" dirty="0" smtClean="0"/>
-              <a:t>, </a:t>
-            </a:r>
-            <a:r>
-              <a:rPr lang="ko-KR" altLang="en-US" sz="1333" dirty="0" smtClean="0"/>
-              <a:t>상품 신고 알림</a:t>
-            </a:r>
-            <a:endParaRPr sz="1333" dirty="0"/>
-          </a:p>
-        </p:txBody>
-      </p:sp>
-      <p:sp>
-        <p:nvSpPr>
-          <p:cNvPr id="256" name="Google Shape;102;p13">
-            <a:extLst>
-              <a:ext uri="{FF2B5EF4-FFF2-40B4-BE49-F238E27FC236}">
-                <a16:creationId xmlns="" xmlns:a16="http://schemas.microsoft.com/office/drawing/2014/main" id="{66D0C005-DEF3-48FD-A074-0C0ABD142A2A}"/>
+              <a:rPr lang="ko" altLang="en-US" sz="1333"/>
+              <a:t>회원 관리</a:t>
+            </a:r>
+            <a:endParaRPr sz="1333"/>
+          </a:p>
+        </p:txBody>
+      </p:sp>
+      <p:cxnSp>
+        <p:nvCxnSpPr>
+          <p:cNvPr id="116" name="Google Shape;116;p13"/>
+          <p:cNvCxnSpPr>
+            <a:stCxn id="60" idx="1"/>
+            <a:endCxn id="113" idx="3"/>
+          </p:cNvCxnSpPr>
+          <p:nvPr/>
+        </p:nvCxnSpPr>
+        <p:spPr>
+          <a:xfrm flipH="1">
+            <a:off x="9793861" y="2438667"/>
+            <a:ext cx="1454706" cy="3648927"/>
+          </a:xfrm>
+          <a:prstGeom prst="straightConnector1">
+            <a:avLst/>
+          </a:prstGeom>
+          <a:noFill/>
+          <a:ln w="9525" cap="flat" cmpd="sng">
+            <a:solidFill>
+              <a:schemeClr val="dk2"/>
+            </a:solidFill>
+            <a:prstDash val="solid"/>
+            <a:round/>
+            <a:headEnd type="none" w="med" len="med"/>
+            <a:tailEnd type="triangle" w="med" len="med"/>
+          </a:ln>
+        </p:spPr>
+      </p:cxnSp>
+      <p:cxnSp>
+        <p:nvCxnSpPr>
+          <p:cNvPr id="117" name="Google Shape;117;p13"/>
+          <p:cNvCxnSpPr>
+            <a:stCxn id="60" idx="1"/>
+            <a:endCxn id="114" idx="3"/>
+          </p:cNvCxnSpPr>
+          <p:nvPr/>
+        </p:nvCxnSpPr>
+        <p:spPr>
+          <a:xfrm flipH="1">
+            <a:off x="9793861" y="2438667"/>
+            <a:ext cx="1454706" cy="1744955"/>
+          </a:xfrm>
+          <a:prstGeom prst="straightConnector1">
+            <a:avLst/>
+          </a:prstGeom>
+          <a:noFill/>
+          <a:ln w="9525" cap="flat" cmpd="sng">
+            <a:solidFill>
+              <a:schemeClr val="dk2"/>
+            </a:solidFill>
+            <a:prstDash val="solid"/>
+            <a:round/>
+            <a:headEnd type="none" w="med" len="med"/>
+            <a:tailEnd type="triangle" w="med" len="med"/>
+          </a:ln>
+        </p:spPr>
+      </p:cxnSp>
+      <p:sp>
+        <p:nvSpPr>
+          <p:cNvPr id="132" name="Google Shape;102;p13">
+            <a:extLst>
+              <a:ext uri="{FF2B5EF4-FFF2-40B4-BE49-F238E27FC236}">
+                <a16:creationId xmlns:a16="http://schemas.microsoft.com/office/drawing/2014/main" id="{D4EAD755-BB98-41D1-9C16-8CC51AD0D492}"/>
               </a:ext>
             </a:extLst>
           </p:cNvPr>
@@ -5698,7 +6330,7 @@
         </p:nvSpPr>
         <p:spPr>
           <a:xfrm>
-            <a:off x="1835907" y="4095529"/>
+            <a:off x="1835907" y="2988101"/>
             <a:ext cx="2219626" cy="412143"/>
           </a:xfrm>
           <a:prstGeom prst="rect">
@@ -5725,16 +6357,12 @@
           <a:p>
             <a:pPr algn="ctr"/>
             <a:r>
-              <a:rPr lang="ko-KR" altLang="en-US" sz="1333" dirty="0" err="1" smtClean="0"/>
+              <a:rPr lang="ko-KR" altLang="en-US" sz="1333" dirty="0" err="1"/>
               <a:t>렌탈</a:t>
             </a:r>
             <a:r>
-              <a:rPr lang="ko-KR" altLang="en-US" sz="1333" dirty="0" smtClean="0"/>
-              <a:t> 상품 반</a:t>
-            </a:r>
-            <a:r>
               <a:rPr lang="ko-KR" altLang="en-US" sz="1333" dirty="0"/>
-              <a:t>납</a:t>
+              <a:t> 상품 조회</a:t>
             </a:r>
             <a:endParaRPr sz="1333" dirty="0"/>
           </a:p>
@@ -5742,14 +6370,20 @@
       </p:sp>
       <p:sp>
         <p:nvSpPr>
-          <p:cNvPr id="287" name="Google Shape;105;p13"/>
+          <p:cNvPr id="133" name="Google Shape;102;p13">
+            <a:extLst>
+              <a:ext uri="{FF2B5EF4-FFF2-40B4-BE49-F238E27FC236}">
+                <a16:creationId xmlns:a16="http://schemas.microsoft.com/office/drawing/2014/main" id="{85AB7D6F-8B57-4DEC-9E37-3F7B85052802}"/>
+              </a:ext>
+            </a:extLst>
+          </p:cNvPr>
           <p:cNvSpPr/>
           <p:nvPr/>
         </p:nvSpPr>
         <p:spPr>
           <a:xfrm>
-            <a:off x="7924261" y="2975635"/>
-            <a:ext cx="1869600" cy="512000"/>
+            <a:off x="1835907" y="5756671"/>
+            <a:ext cx="2219626" cy="412143"/>
           </a:xfrm>
           <a:prstGeom prst="rect">
             <a:avLst/>
@@ -5775,8 +6409,12 @@
           <a:p>
             <a:pPr algn="ctr"/>
             <a:r>
-              <a:rPr lang="ko-KR" altLang="en-US" sz="1333" dirty="0" smtClean="0"/>
-              <a:t>카테고리 관리</a:t>
+              <a:rPr lang="en-US" sz="1333" dirty="0"/>
+              <a:t>Q&amp;A </a:t>
+            </a:r>
+            <a:r>
+              <a:rPr lang="ko-KR" altLang="en-US" sz="1333" dirty="0"/>
+              <a:t>등록 및 조회</a:t>
             </a:r>
             <a:endParaRPr sz="1333" dirty="0"/>
           </a:p>
@@ -5784,10 +6422,10 @@
       </p:sp>
       <p:sp>
         <p:nvSpPr>
-          <p:cNvPr id="293" name="Google Shape;102;p13">
-            <a:extLst>
-              <a:ext uri="{FF2B5EF4-FFF2-40B4-BE49-F238E27FC236}">
-                <a16:creationId xmlns="" xmlns:a16="http://schemas.microsoft.com/office/drawing/2014/main" id="{BD2B7044-AE64-4FDD-A94F-3B6D34A54012}"/>
+          <p:cNvPr id="134" name="Google Shape;102;p13">
+            <a:extLst>
+              <a:ext uri="{FF2B5EF4-FFF2-40B4-BE49-F238E27FC236}">
+                <a16:creationId xmlns:a16="http://schemas.microsoft.com/office/drawing/2014/main" id="{D3A6E16D-F04D-438A-910E-015063641DEE}"/>
               </a:ext>
             </a:extLst>
           </p:cNvPr>
@@ -5796,8 +6434,8 @@
         </p:nvSpPr>
         <p:spPr>
           <a:xfrm>
-            <a:off x="4811673" y="4543707"/>
-            <a:ext cx="1699071" cy="353851"/>
+            <a:off x="4811672" y="961608"/>
+            <a:ext cx="1699072" cy="339162"/>
           </a:xfrm>
           <a:prstGeom prst="rect">
             <a:avLst/>
@@ -5823,19 +6461,61 @@
           <a:p>
             <a:pPr algn="ctr"/>
             <a:r>
-              <a:rPr lang="ko-KR" altLang="en-US" sz="1333" smtClean="0"/>
-              <a:t>후기 등록</a:t>
-            </a:r>
-            <a:endParaRPr lang="en-US" altLang="ko-KR" sz="1333" dirty="0" smtClean="0"/>
-          </a:p>
-        </p:txBody>
-      </p:sp>
-      <p:sp>
-        <p:nvSpPr>
-          <p:cNvPr id="84" name="Google Shape;102;p13">
-            <a:extLst>
-              <a:ext uri="{FF2B5EF4-FFF2-40B4-BE49-F238E27FC236}">
-                <a16:creationId xmlns="" xmlns:a16="http://schemas.microsoft.com/office/drawing/2014/main" id="{BD2B7044-AE64-4FDD-A94F-3B6D34A54012}"/>
+              <a:rPr lang="ko-KR" altLang="en-US" sz="1333" dirty="0"/>
+              <a:t>상세 내용 조회</a:t>
+            </a:r>
+            <a:endParaRPr lang="en-US" altLang="ko-KR" sz="1333" dirty="0"/>
+          </a:p>
+        </p:txBody>
+      </p:sp>
+      <p:cxnSp>
+        <p:nvCxnSpPr>
+          <p:cNvPr id="13" name="직선 화살표 연결선 12">
+            <a:extLst>
+              <a:ext uri="{FF2B5EF4-FFF2-40B4-BE49-F238E27FC236}">
+                <a16:creationId xmlns:a16="http://schemas.microsoft.com/office/drawing/2014/main" id="{8D075E94-0CF2-4C33-9C68-54B7C926C541}"/>
+              </a:ext>
+            </a:extLst>
+          </p:cNvPr>
+          <p:cNvCxnSpPr>
+            <a:stCxn id="134" idx="1"/>
+            <a:endCxn id="132" idx="3"/>
+          </p:cNvCxnSpPr>
+          <p:nvPr/>
+        </p:nvCxnSpPr>
+        <p:spPr>
+          <a:xfrm flipH="1">
+            <a:off x="4055533" y="1131189"/>
+            <a:ext cx="756139" cy="2062984"/>
+          </a:xfrm>
+          <a:prstGeom prst="straightConnector1">
+            <a:avLst/>
+          </a:prstGeom>
+          <a:ln>
+            <a:tailEnd type="triangle"/>
+          </a:ln>
+        </p:spPr>
+        <p:style>
+          <a:lnRef idx="1">
+            <a:schemeClr val="dk1"/>
+          </a:lnRef>
+          <a:fillRef idx="0">
+            <a:schemeClr val="dk1"/>
+          </a:fillRef>
+          <a:effectRef idx="0">
+            <a:schemeClr val="dk1"/>
+          </a:effectRef>
+          <a:fontRef idx="minor">
+            <a:schemeClr val="tx1"/>
+          </a:fontRef>
+        </p:style>
+      </p:cxnSp>
+      <p:sp>
+        <p:nvSpPr>
+          <p:cNvPr id="135" name="Google Shape;102;p13">
+            <a:extLst>
+              <a:ext uri="{FF2B5EF4-FFF2-40B4-BE49-F238E27FC236}">
+                <a16:creationId xmlns:a16="http://schemas.microsoft.com/office/drawing/2014/main" id="{5101804D-D6A1-4286-8A27-033B15070974}"/>
               </a:ext>
             </a:extLst>
           </p:cNvPr>
@@ -5844,8 +6524,8 @@
         </p:nvSpPr>
         <p:spPr>
           <a:xfrm>
-            <a:off x="4811674" y="4977313"/>
-            <a:ext cx="1699071" cy="353851"/>
+            <a:off x="4811672" y="1444155"/>
+            <a:ext cx="1699072" cy="542259"/>
           </a:xfrm>
           <a:prstGeom prst="rect">
             <a:avLst/>
@@ -5871,32 +6551,41 @@
           <a:p>
             <a:pPr algn="ctr"/>
             <a:r>
-              <a:rPr lang="ko-KR" altLang="en-US" sz="1333" dirty="0" smtClean="0"/>
-              <a:t>후기 답변 등록</a:t>
-            </a:r>
-            <a:endParaRPr lang="en-US" altLang="ko-KR" sz="1333" dirty="0" smtClean="0"/>
+              <a:rPr lang="ko-KR" altLang="en-US" sz="1333" dirty="0"/>
+              <a:t>메인 화면</a:t>
+            </a:r>
+            <a:endParaRPr lang="en-US" altLang="ko-KR" sz="1333" dirty="0"/>
+          </a:p>
+          <a:p>
+            <a:pPr algn="ctr"/>
+            <a:r>
+              <a:rPr lang="ko-KR" altLang="en-US" sz="1333" dirty="0"/>
+              <a:t>추천 상품 조회</a:t>
+            </a:r>
+            <a:endParaRPr sz="1333" dirty="0"/>
           </a:p>
         </p:txBody>
       </p:sp>
       <p:cxnSp>
         <p:nvCxnSpPr>
-          <p:cNvPr id="85" name="직선 화살표 연결선 84">
-            <a:extLst>
-              <a:ext uri="{FF2B5EF4-FFF2-40B4-BE49-F238E27FC236}">
-                <a16:creationId xmlns="" xmlns:a16="http://schemas.microsoft.com/office/drawing/2014/main" id="{89986B8B-B851-49EA-BE61-F97E9FD46851}"/>
+          <p:cNvPr id="21" name="직선 화살표 연결선 20">
+            <a:extLst>
+              <a:ext uri="{FF2B5EF4-FFF2-40B4-BE49-F238E27FC236}">
+                <a16:creationId xmlns:a16="http://schemas.microsoft.com/office/drawing/2014/main" id="{A104D6FE-FDB9-4CFD-80F0-810AB4EDD095}"/>
               </a:ext>
             </a:extLst>
           </p:cNvPr>
           <p:cNvCxnSpPr>
-            <a:stCxn id="293" idx="1"/>
-            <a:endCxn id="256" idx="3"/>
+            <a:cxnSpLocks/>
+            <a:stCxn id="135" idx="1"/>
+            <a:endCxn id="132" idx="3"/>
           </p:cNvCxnSpPr>
           <p:nvPr/>
         </p:nvCxnSpPr>
         <p:spPr>
-          <a:xfrm flipH="1" flipV="1">
-            <a:off x="4055533" y="4301601"/>
-            <a:ext cx="756140" cy="419032"/>
+          <a:xfrm flipH="1">
+            <a:off x="4055533" y="1715285"/>
+            <a:ext cx="756139" cy="1478888"/>
           </a:xfrm>
           <a:prstGeom prst="straightConnector1">
             <a:avLst/>
@@ -5920,58 +6609,22 @@
           </a:fontRef>
         </p:style>
       </p:cxnSp>
-      <p:cxnSp>
-        <p:nvCxnSpPr>
-          <p:cNvPr id="88" name="직선 화살표 연결선 87">
-            <a:extLst>
-              <a:ext uri="{FF2B5EF4-FFF2-40B4-BE49-F238E27FC236}">
-                <a16:creationId xmlns="" xmlns:a16="http://schemas.microsoft.com/office/drawing/2014/main" id="{89986B8B-B851-49EA-BE61-F97E9FD46851}"/>
-              </a:ext>
-            </a:extLst>
-          </p:cNvPr>
-          <p:cNvCxnSpPr>
-            <a:stCxn id="84" idx="1"/>
-            <a:endCxn id="256" idx="3"/>
-          </p:cNvCxnSpPr>
-          <p:nvPr/>
-        </p:nvCxnSpPr>
-        <p:spPr>
-          <a:xfrm flipH="1" flipV="1">
-            <a:off x="4055533" y="4301601"/>
-            <a:ext cx="756141" cy="852638"/>
-          </a:xfrm>
-          <a:prstGeom prst="straightConnector1">
-            <a:avLst/>
-          </a:prstGeom>
-          <a:ln>
-            <a:tailEnd type="triangle"/>
-          </a:ln>
-        </p:spPr>
-        <p:style>
-          <a:lnRef idx="1">
-            <a:schemeClr val="dk1"/>
-          </a:lnRef>
-          <a:fillRef idx="0">
-            <a:schemeClr val="dk1"/>
-          </a:fillRef>
-          <a:effectRef idx="0">
-            <a:schemeClr val="dk1"/>
-          </a:effectRef>
-          <a:fontRef idx="minor">
-            <a:schemeClr val="tx1"/>
-          </a:fontRef>
-        </p:style>
-      </p:cxnSp>
-      <p:sp>
-        <p:nvSpPr>
-          <p:cNvPr id="95" name="Google Shape;114;p13"/>
+      <p:sp>
+        <p:nvSpPr>
+          <p:cNvPr id="136" name="Google Shape;102;p13">
+            <a:extLst>
+              <a:ext uri="{FF2B5EF4-FFF2-40B4-BE49-F238E27FC236}">
+                <a16:creationId xmlns:a16="http://schemas.microsoft.com/office/drawing/2014/main" id="{737557CC-446E-40A6-A817-32FD75CC9000}"/>
+              </a:ext>
+            </a:extLst>
+          </p:cNvPr>
           <p:cNvSpPr/>
           <p:nvPr/>
         </p:nvSpPr>
         <p:spPr>
           <a:xfrm>
-            <a:off x="7924261" y="4879609"/>
-            <a:ext cx="1869600" cy="512000"/>
+            <a:off x="4811672" y="2129799"/>
+            <a:ext cx="1699072" cy="542259"/>
           </a:xfrm>
           <a:prstGeom prst="rect">
             <a:avLst/>
@@ -5997,11 +6650,1358 @@
           <a:p>
             <a:pPr algn="ctr"/>
             <a:r>
-              <a:rPr lang="en-US" sz="1333" dirty="0" smtClean="0"/>
+              <a:rPr lang="ko-KR" altLang="en-US" sz="1333" dirty="0" err="1"/>
+              <a:t>카테고리별</a:t>
+            </a:r>
+            <a:endParaRPr lang="en-US" altLang="ko-KR" sz="1333" dirty="0"/>
+          </a:p>
+          <a:p>
+            <a:pPr algn="ctr"/>
+            <a:r>
+              <a:rPr lang="ko-KR" altLang="en-US" sz="1333" dirty="0"/>
+              <a:t>아이템 조회</a:t>
+            </a:r>
+            <a:endParaRPr sz="1333" dirty="0"/>
+          </a:p>
+        </p:txBody>
+      </p:sp>
+      <p:cxnSp>
+        <p:nvCxnSpPr>
+          <p:cNvPr id="26" name="직선 화살표 연결선 25">
+            <a:extLst>
+              <a:ext uri="{FF2B5EF4-FFF2-40B4-BE49-F238E27FC236}">
+                <a16:creationId xmlns:a16="http://schemas.microsoft.com/office/drawing/2014/main" id="{EB97819E-5731-4A26-AD2A-4CA936973276}"/>
+              </a:ext>
+            </a:extLst>
+          </p:cNvPr>
+          <p:cNvCxnSpPr>
+            <a:stCxn id="136" idx="1"/>
+            <a:endCxn id="132" idx="3"/>
+          </p:cNvCxnSpPr>
+          <p:nvPr/>
+        </p:nvCxnSpPr>
+        <p:spPr>
+          <a:xfrm flipH="1">
+            <a:off x="4055533" y="2400929"/>
+            <a:ext cx="756139" cy="793244"/>
+          </a:xfrm>
+          <a:prstGeom prst="straightConnector1">
+            <a:avLst/>
+          </a:prstGeom>
+          <a:ln>
+            <a:tailEnd type="triangle"/>
+          </a:ln>
+        </p:spPr>
+        <p:style>
+          <a:lnRef idx="1">
+            <a:schemeClr val="dk1"/>
+          </a:lnRef>
+          <a:fillRef idx="0">
+            <a:schemeClr val="dk1"/>
+          </a:fillRef>
+          <a:effectRef idx="0">
+            <a:schemeClr val="dk1"/>
+          </a:effectRef>
+          <a:fontRef idx="minor">
+            <a:schemeClr val="tx1"/>
+          </a:fontRef>
+        </p:style>
+      </p:cxnSp>
+      <p:cxnSp>
+        <p:nvCxnSpPr>
+          <p:cNvPr id="28" name="직선 화살표 연결선 27">
+            <a:extLst>
+              <a:ext uri="{FF2B5EF4-FFF2-40B4-BE49-F238E27FC236}">
+                <a16:creationId xmlns:a16="http://schemas.microsoft.com/office/drawing/2014/main" id="{772C3FB8-3FDC-4065-966D-CC2A9530C386}"/>
+              </a:ext>
+            </a:extLst>
+          </p:cNvPr>
+          <p:cNvCxnSpPr>
+            <a:stCxn id="54" idx="3"/>
+            <a:endCxn id="132" idx="1"/>
+          </p:cNvCxnSpPr>
+          <p:nvPr/>
+        </p:nvCxnSpPr>
+        <p:spPr>
+          <a:xfrm flipV="1">
+            <a:off x="957867" y="3194173"/>
+            <a:ext cx="878040" cy="37152"/>
+          </a:xfrm>
+          <a:prstGeom prst="straightConnector1">
+            <a:avLst/>
+          </a:prstGeom>
+          <a:ln>
+            <a:tailEnd type="triangle"/>
+          </a:ln>
+        </p:spPr>
+        <p:style>
+          <a:lnRef idx="1">
+            <a:schemeClr val="dk1"/>
+          </a:lnRef>
+          <a:fillRef idx="0">
+            <a:schemeClr val="dk1"/>
+          </a:fillRef>
+          <a:effectRef idx="0">
+            <a:schemeClr val="dk1"/>
+          </a:effectRef>
+          <a:fontRef idx="minor">
+            <a:schemeClr val="tx1"/>
+          </a:fontRef>
+        </p:style>
+      </p:cxnSp>
+      <p:cxnSp>
+        <p:nvCxnSpPr>
+          <p:cNvPr id="40" name="직선 화살표 연결선 39">
+            <a:extLst>
+              <a:ext uri="{FF2B5EF4-FFF2-40B4-BE49-F238E27FC236}">
+                <a16:creationId xmlns:a16="http://schemas.microsoft.com/office/drawing/2014/main" id="{9BAA9AE0-8263-4AD7-8D96-4564D0DF4032}"/>
+              </a:ext>
+            </a:extLst>
+          </p:cNvPr>
+          <p:cNvCxnSpPr>
+            <a:stCxn id="54" idx="3"/>
+            <a:endCxn id="133" idx="1"/>
+          </p:cNvCxnSpPr>
+          <p:nvPr/>
+        </p:nvCxnSpPr>
+        <p:spPr>
+          <a:xfrm>
+            <a:off x="957867" y="3231325"/>
+            <a:ext cx="878040" cy="2731418"/>
+          </a:xfrm>
+          <a:prstGeom prst="straightConnector1">
+            <a:avLst/>
+          </a:prstGeom>
+          <a:ln>
+            <a:tailEnd type="triangle"/>
+          </a:ln>
+        </p:spPr>
+        <p:style>
+          <a:lnRef idx="1">
+            <a:schemeClr val="dk1"/>
+          </a:lnRef>
+          <a:fillRef idx="0">
+            <a:schemeClr val="dk1"/>
+          </a:fillRef>
+          <a:effectRef idx="0">
+            <a:schemeClr val="dk1"/>
+          </a:effectRef>
+          <a:fontRef idx="minor">
+            <a:schemeClr val="tx1"/>
+          </a:fontRef>
+        </p:style>
+      </p:cxnSp>
+      <p:sp>
+        <p:nvSpPr>
+          <p:cNvPr id="140" name="Google Shape;102;p13">
+            <a:extLst>
+              <a:ext uri="{FF2B5EF4-FFF2-40B4-BE49-F238E27FC236}">
+                <a16:creationId xmlns:a16="http://schemas.microsoft.com/office/drawing/2014/main" id="{66D0C005-DEF3-48FD-A074-0C0ABD142A2A}"/>
+              </a:ext>
+            </a:extLst>
+          </p:cNvPr>
+          <p:cNvSpPr/>
+          <p:nvPr/>
+        </p:nvSpPr>
+        <p:spPr>
+          <a:xfrm>
+            <a:off x="1835907" y="3541815"/>
+            <a:ext cx="2219626" cy="412143"/>
+          </a:xfrm>
+          <a:prstGeom prst="rect">
+            <a:avLst/>
+          </a:prstGeom>
+          <a:solidFill>
+            <a:schemeClr val="lt2"/>
+          </a:solidFill>
+          <a:ln w="9525" cap="flat" cmpd="sng">
+            <a:solidFill>
+              <a:schemeClr val="dk2"/>
+            </a:solidFill>
+            <a:prstDash val="solid"/>
+            <a:round/>
+            <a:headEnd type="none" w="sm" len="sm"/>
+            <a:tailEnd type="none" w="sm" len="sm"/>
+          </a:ln>
+        </p:spPr>
+        <p:txBody>
+          <a:bodyPr spcFirstLastPara="1" wrap="square" lIns="121900" tIns="121900" rIns="121900" bIns="121900" anchor="ctr" anchorCtr="0">
+            <a:noAutofit/>
+          </a:bodyPr>
+          <a:lstStyle/>
+          <a:p>
+            <a:pPr algn="ctr"/>
+            <a:r>
+              <a:rPr lang="ko-KR" altLang="en-US" sz="1333" dirty="0"/>
+              <a:t>상품 </a:t>
+            </a:r>
+            <a:r>
+              <a:rPr lang="ko-KR" altLang="en-US" sz="1333" dirty="0" err="1"/>
+              <a:t>렌탈</a:t>
+            </a:r>
+            <a:endParaRPr sz="1333" dirty="0"/>
+          </a:p>
+        </p:txBody>
+      </p:sp>
+      <p:sp>
+        <p:nvSpPr>
+          <p:cNvPr id="142" name="Google Shape;102;p13">
+            <a:extLst>
+              <a:ext uri="{FF2B5EF4-FFF2-40B4-BE49-F238E27FC236}">
+                <a16:creationId xmlns:a16="http://schemas.microsoft.com/office/drawing/2014/main" id="{FD360B97-08F3-48C9-BA9A-3E33688CFEA6}"/>
+              </a:ext>
+            </a:extLst>
+          </p:cNvPr>
+          <p:cNvSpPr/>
+          <p:nvPr/>
+        </p:nvSpPr>
+        <p:spPr>
+          <a:xfrm>
+            <a:off x="4811672" y="2815443"/>
+            <a:ext cx="1699072" cy="353851"/>
+          </a:xfrm>
+          <a:prstGeom prst="rect">
+            <a:avLst/>
+          </a:prstGeom>
+          <a:solidFill>
+            <a:schemeClr val="lt2"/>
+          </a:solidFill>
+          <a:ln w="9525" cap="flat" cmpd="sng">
+            <a:solidFill>
+              <a:schemeClr val="dk2"/>
+            </a:solidFill>
+            <a:prstDash val="solid"/>
+            <a:round/>
+            <a:headEnd type="none" w="sm" len="sm"/>
+            <a:tailEnd type="none" w="sm" len="sm"/>
+          </a:ln>
+        </p:spPr>
+        <p:txBody>
+          <a:bodyPr spcFirstLastPara="1" wrap="square" lIns="121900" tIns="121900" rIns="121900" bIns="121900" anchor="ctr" anchorCtr="0">
+            <a:noAutofit/>
+          </a:bodyPr>
+          <a:lstStyle/>
+          <a:p>
+            <a:pPr algn="ctr"/>
+            <a:r>
+              <a:rPr lang="ko-KR" altLang="en-US" sz="1333" dirty="0"/>
+              <a:t> 상품 문의</a:t>
+            </a:r>
+            <a:endParaRPr sz="1333" dirty="0"/>
+          </a:p>
+        </p:txBody>
+      </p:sp>
+      <p:sp>
+        <p:nvSpPr>
+          <p:cNvPr id="143" name="Google Shape;102;p13">
+            <a:extLst>
+              <a:ext uri="{FF2B5EF4-FFF2-40B4-BE49-F238E27FC236}">
+                <a16:creationId xmlns:a16="http://schemas.microsoft.com/office/drawing/2014/main" id="{BD2B7044-AE64-4FDD-A94F-3B6D34A54012}"/>
+              </a:ext>
+            </a:extLst>
+          </p:cNvPr>
+          <p:cNvSpPr/>
+          <p:nvPr/>
+        </p:nvSpPr>
+        <p:spPr>
+          <a:xfrm>
+            <a:off x="4811673" y="4110102"/>
+            <a:ext cx="1699072" cy="353851"/>
+          </a:xfrm>
+          <a:prstGeom prst="rect">
+            <a:avLst/>
+          </a:prstGeom>
+          <a:solidFill>
+            <a:schemeClr val="lt2"/>
+          </a:solidFill>
+          <a:ln w="9525" cap="flat" cmpd="sng">
+            <a:solidFill>
+              <a:schemeClr val="dk2"/>
+            </a:solidFill>
+            <a:prstDash val="solid"/>
+            <a:round/>
+            <a:headEnd type="none" w="sm" len="sm"/>
+            <a:tailEnd type="none" w="sm" len="sm"/>
+          </a:ln>
+        </p:spPr>
+        <p:txBody>
+          <a:bodyPr spcFirstLastPara="1" wrap="square" lIns="121900" tIns="121900" rIns="121900" bIns="121900" anchor="ctr" anchorCtr="0">
+            <a:noAutofit/>
+          </a:bodyPr>
+          <a:lstStyle/>
+          <a:p>
+            <a:pPr algn="ctr"/>
+            <a:r>
+              <a:rPr lang="ko-KR" altLang="en-US" sz="1333" dirty="0"/>
+              <a:t>평점 등록</a:t>
+            </a:r>
+            <a:endParaRPr sz="1333" dirty="0"/>
+          </a:p>
+        </p:txBody>
+      </p:sp>
+      <p:cxnSp>
+        <p:nvCxnSpPr>
+          <p:cNvPr id="145" name="직선 화살표 연결선 144">
+            <a:extLst>
+              <a:ext uri="{FF2B5EF4-FFF2-40B4-BE49-F238E27FC236}">
+                <a16:creationId xmlns:a16="http://schemas.microsoft.com/office/drawing/2014/main" id="{36BE17A4-D36C-4B3A-A5DF-EECDF148F3CC}"/>
+              </a:ext>
+            </a:extLst>
+          </p:cNvPr>
+          <p:cNvCxnSpPr>
+            <a:stCxn id="142" idx="1"/>
+            <a:endCxn id="132" idx="3"/>
+          </p:cNvCxnSpPr>
+          <p:nvPr/>
+        </p:nvCxnSpPr>
+        <p:spPr>
+          <a:xfrm flipH="1">
+            <a:off x="4055533" y="2992369"/>
+            <a:ext cx="756139" cy="201804"/>
+          </a:xfrm>
+          <a:prstGeom prst="straightConnector1">
+            <a:avLst/>
+          </a:prstGeom>
+          <a:ln>
+            <a:tailEnd type="triangle"/>
+          </a:ln>
+        </p:spPr>
+        <p:style>
+          <a:lnRef idx="1">
+            <a:schemeClr val="dk1"/>
+          </a:lnRef>
+          <a:fillRef idx="0">
+            <a:schemeClr val="dk1"/>
+          </a:fillRef>
+          <a:effectRef idx="0">
+            <a:schemeClr val="dk1"/>
+          </a:effectRef>
+          <a:fontRef idx="minor">
+            <a:schemeClr val="tx1"/>
+          </a:fontRef>
+        </p:style>
+      </p:cxnSp>
+      <p:cxnSp>
+        <p:nvCxnSpPr>
+          <p:cNvPr id="147" name="직선 화살표 연결선 146">
+            <a:extLst>
+              <a:ext uri="{FF2B5EF4-FFF2-40B4-BE49-F238E27FC236}">
+                <a16:creationId xmlns:a16="http://schemas.microsoft.com/office/drawing/2014/main" id="{89986B8B-B851-49EA-BE61-F97E9FD46851}"/>
+              </a:ext>
+            </a:extLst>
+          </p:cNvPr>
+          <p:cNvCxnSpPr>
+            <a:stCxn id="143" idx="1"/>
+            <a:endCxn id="256" idx="3"/>
+          </p:cNvCxnSpPr>
+          <p:nvPr/>
+        </p:nvCxnSpPr>
+        <p:spPr>
+          <a:xfrm flipH="1">
+            <a:off x="4055533" y="4287028"/>
+            <a:ext cx="756140" cy="14573"/>
+          </a:xfrm>
+          <a:prstGeom prst="straightConnector1">
+            <a:avLst/>
+          </a:prstGeom>
+          <a:ln>
+            <a:tailEnd type="triangle"/>
+          </a:ln>
+        </p:spPr>
+        <p:style>
+          <a:lnRef idx="1">
+            <a:schemeClr val="dk1"/>
+          </a:lnRef>
+          <a:fillRef idx="0">
+            <a:schemeClr val="dk1"/>
+          </a:fillRef>
+          <a:effectRef idx="0">
+            <a:schemeClr val="dk1"/>
+          </a:effectRef>
+          <a:fontRef idx="minor">
+            <a:schemeClr val="tx1"/>
+          </a:fontRef>
+        </p:style>
+      </p:cxnSp>
+      <p:sp>
+        <p:nvSpPr>
+          <p:cNvPr id="156" name="Google Shape;102;p13">
+            <a:extLst>
+              <a:ext uri="{FF2B5EF4-FFF2-40B4-BE49-F238E27FC236}">
+                <a16:creationId xmlns:a16="http://schemas.microsoft.com/office/drawing/2014/main" id="{C704DD7E-8B1F-4B5A-832E-6B178666BEB8}"/>
+              </a:ext>
+            </a:extLst>
+          </p:cNvPr>
+          <p:cNvSpPr/>
+          <p:nvPr/>
+        </p:nvSpPr>
+        <p:spPr>
+          <a:xfrm>
+            <a:off x="1835907" y="2434387"/>
+            <a:ext cx="2219626" cy="412143"/>
+          </a:xfrm>
+          <a:prstGeom prst="rect">
+            <a:avLst/>
+          </a:prstGeom>
+          <a:solidFill>
+            <a:schemeClr val="lt2"/>
+          </a:solidFill>
+          <a:ln w="9525" cap="flat" cmpd="sng">
+            <a:solidFill>
+              <a:schemeClr val="dk2"/>
+            </a:solidFill>
+            <a:prstDash val="solid"/>
+            <a:round/>
+            <a:headEnd type="none" w="sm" len="sm"/>
+            <a:tailEnd type="none" w="sm" len="sm"/>
+          </a:ln>
+        </p:spPr>
+        <p:txBody>
+          <a:bodyPr spcFirstLastPara="1" wrap="square" lIns="121900" tIns="121900" rIns="121900" bIns="121900" anchor="ctr" anchorCtr="0">
+            <a:noAutofit/>
+          </a:bodyPr>
+          <a:lstStyle/>
+          <a:p>
+            <a:pPr algn="ctr"/>
+            <a:r>
+              <a:rPr lang="ko-KR" altLang="en-US" sz="1333" dirty="0" err="1"/>
+              <a:t>렌탈</a:t>
+            </a:r>
+            <a:r>
+              <a:rPr lang="ko-KR" altLang="en-US" sz="1333" dirty="0"/>
+              <a:t> 상품 등록</a:t>
+            </a:r>
+            <a:endParaRPr sz="1333" dirty="0"/>
+          </a:p>
+        </p:txBody>
+      </p:sp>
+      <p:sp>
+        <p:nvSpPr>
+          <p:cNvPr id="61" name="Google Shape;102;p13">
+            <a:extLst>
+              <a:ext uri="{FF2B5EF4-FFF2-40B4-BE49-F238E27FC236}">
+                <a16:creationId xmlns:a16="http://schemas.microsoft.com/office/drawing/2014/main" id="{6AB88040-6CCB-4E2E-A198-3B518EE2CAAB}"/>
+              </a:ext>
+            </a:extLst>
+          </p:cNvPr>
+          <p:cNvSpPr/>
+          <p:nvPr/>
+        </p:nvSpPr>
+        <p:spPr>
+          <a:xfrm>
+            <a:off x="4811672" y="3312680"/>
+            <a:ext cx="1699072" cy="353851"/>
+          </a:xfrm>
+          <a:prstGeom prst="rect">
+            <a:avLst/>
+          </a:prstGeom>
+          <a:solidFill>
+            <a:schemeClr val="lt2"/>
+          </a:solidFill>
+          <a:ln w="9525" cap="flat" cmpd="sng">
+            <a:solidFill>
+              <a:schemeClr val="dk2"/>
+            </a:solidFill>
+            <a:prstDash val="solid"/>
+            <a:round/>
+            <a:headEnd type="none" w="sm" len="sm"/>
+            <a:tailEnd type="none" w="sm" len="sm"/>
+          </a:ln>
+        </p:spPr>
+        <p:txBody>
+          <a:bodyPr spcFirstLastPara="1" wrap="square" lIns="121900" tIns="121900" rIns="121900" bIns="121900" anchor="ctr" anchorCtr="0">
+            <a:noAutofit/>
+          </a:bodyPr>
+          <a:lstStyle/>
+          <a:p>
+            <a:pPr algn="ctr"/>
+            <a:r>
+              <a:rPr lang="ko-KR" altLang="en-US" sz="1333" dirty="0"/>
+              <a:t>신고</a:t>
+            </a:r>
+            <a:endParaRPr sz="1333" dirty="0"/>
+          </a:p>
+        </p:txBody>
+      </p:sp>
+      <p:cxnSp>
+        <p:nvCxnSpPr>
+          <p:cNvPr id="62" name="직선 화살표 연결선 61">
+            <a:extLst>
+              <a:ext uri="{FF2B5EF4-FFF2-40B4-BE49-F238E27FC236}">
+                <a16:creationId xmlns:a16="http://schemas.microsoft.com/office/drawing/2014/main" id="{0FE7E1A2-AFBD-447F-934C-59A4FF4A4A31}"/>
+              </a:ext>
+            </a:extLst>
+          </p:cNvPr>
+          <p:cNvCxnSpPr>
+            <a:cxnSpLocks/>
+            <a:stCxn id="61" idx="1"/>
+            <a:endCxn id="132" idx="3"/>
+          </p:cNvCxnSpPr>
+          <p:nvPr/>
+        </p:nvCxnSpPr>
+        <p:spPr>
+          <a:xfrm flipH="1" flipV="1">
+            <a:off x="4055533" y="3194173"/>
+            <a:ext cx="756139" cy="295433"/>
+          </a:xfrm>
+          <a:prstGeom prst="straightConnector1">
+            <a:avLst/>
+          </a:prstGeom>
+          <a:ln>
+            <a:tailEnd type="triangle"/>
+          </a:ln>
+        </p:spPr>
+        <p:style>
+          <a:lnRef idx="1">
+            <a:schemeClr val="dk1"/>
+          </a:lnRef>
+          <a:fillRef idx="0">
+            <a:schemeClr val="dk1"/>
+          </a:fillRef>
+          <a:effectRef idx="0">
+            <a:schemeClr val="dk1"/>
+          </a:effectRef>
+          <a:fontRef idx="minor">
+            <a:schemeClr val="tx1"/>
+          </a:fontRef>
+        </p:style>
+      </p:cxnSp>
+      <p:cxnSp>
+        <p:nvCxnSpPr>
+          <p:cNvPr id="64" name="직선 화살표 연결선 63">
+            <a:extLst>
+              <a:ext uri="{FF2B5EF4-FFF2-40B4-BE49-F238E27FC236}">
+                <a16:creationId xmlns:a16="http://schemas.microsoft.com/office/drawing/2014/main" id="{CE2FE515-B154-4255-AE81-D1963396C1ED}"/>
+              </a:ext>
+            </a:extLst>
+          </p:cNvPr>
+          <p:cNvCxnSpPr>
+            <a:cxnSpLocks/>
+            <a:stCxn id="54" idx="3"/>
+            <a:endCxn id="140" idx="1"/>
+          </p:cNvCxnSpPr>
+          <p:nvPr/>
+        </p:nvCxnSpPr>
+        <p:spPr>
+          <a:xfrm>
+            <a:off x="957867" y="3231325"/>
+            <a:ext cx="878040" cy="516562"/>
+          </a:xfrm>
+          <a:prstGeom prst="straightConnector1">
+            <a:avLst/>
+          </a:prstGeom>
+          <a:ln>
+            <a:tailEnd type="triangle"/>
+          </a:ln>
+        </p:spPr>
+        <p:style>
+          <a:lnRef idx="1">
+            <a:schemeClr val="dk1"/>
+          </a:lnRef>
+          <a:fillRef idx="0">
+            <a:schemeClr val="dk1"/>
+          </a:fillRef>
+          <a:effectRef idx="0">
+            <a:schemeClr val="dk1"/>
+          </a:effectRef>
+          <a:fontRef idx="minor">
+            <a:schemeClr val="tx1"/>
+          </a:fontRef>
+        </p:style>
+      </p:cxnSp>
+      <p:cxnSp>
+        <p:nvCxnSpPr>
+          <p:cNvPr id="67" name="직선 화살표 연결선 66">
+            <a:extLst>
+              <a:ext uri="{FF2B5EF4-FFF2-40B4-BE49-F238E27FC236}">
+                <a16:creationId xmlns:a16="http://schemas.microsoft.com/office/drawing/2014/main" id="{035063CF-0BE5-4174-A7B5-34F632784F0C}"/>
+              </a:ext>
+            </a:extLst>
+          </p:cNvPr>
+          <p:cNvCxnSpPr>
+            <a:cxnSpLocks/>
+            <a:stCxn id="54" idx="3"/>
+            <a:endCxn id="156" idx="1"/>
+          </p:cNvCxnSpPr>
+          <p:nvPr/>
+        </p:nvCxnSpPr>
+        <p:spPr>
+          <a:xfrm flipV="1">
+            <a:off x="957867" y="2640459"/>
+            <a:ext cx="878040" cy="590866"/>
+          </a:xfrm>
+          <a:prstGeom prst="straightConnector1">
+            <a:avLst/>
+          </a:prstGeom>
+          <a:ln>
+            <a:tailEnd type="triangle"/>
+          </a:ln>
+        </p:spPr>
+        <p:style>
+          <a:lnRef idx="1">
+            <a:schemeClr val="dk1"/>
+          </a:lnRef>
+          <a:fillRef idx="0">
+            <a:schemeClr val="dk1"/>
+          </a:fillRef>
+          <a:effectRef idx="0">
+            <a:schemeClr val="dk1"/>
+          </a:effectRef>
+          <a:fontRef idx="minor">
+            <a:schemeClr val="tx1"/>
+          </a:fontRef>
+        </p:style>
+      </p:cxnSp>
+      <p:sp>
+        <p:nvSpPr>
+          <p:cNvPr id="144" name="Google Shape;102;p13">
+            <a:extLst>
+              <a:ext uri="{FF2B5EF4-FFF2-40B4-BE49-F238E27FC236}">
+                <a16:creationId xmlns:a16="http://schemas.microsoft.com/office/drawing/2014/main" id="{C704DD7E-8B1F-4B5A-832E-6B178666BEB8}"/>
+              </a:ext>
+            </a:extLst>
+          </p:cNvPr>
+          <p:cNvSpPr/>
+          <p:nvPr/>
+        </p:nvSpPr>
+        <p:spPr>
+          <a:xfrm>
+            <a:off x="1835907" y="219531"/>
+            <a:ext cx="2219626" cy="412143"/>
+          </a:xfrm>
+          <a:prstGeom prst="rect">
+            <a:avLst/>
+          </a:prstGeom>
+          <a:solidFill>
+            <a:schemeClr val="lt2"/>
+          </a:solidFill>
+          <a:ln w="9525" cap="flat" cmpd="sng">
+            <a:solidFill>
+              <a:schemeClr val="dk2"/>
+            </a:solidFill>
+            <a:prstDash val="solid"/>
+            <a:round/>
+            <a:headEnd type="none" w="sm" len="sm"/>
+            <a:tailEnd type="none" w="sm" len="sm"/>
+          </a:ln>
+        </p:spPr>
+        <p:txBody>
+          <a:bodyPr spcFirstLastPara="1" wrap="square" lIns="121900" tIns="121900" rIns="121900" bIns="121900" anchor="ctr" anchorCtr="0">
+            <a:noAutofit/>
+          </a:bodyPr>
+          <a:lstStyle/>
+          <a:p>
+            <a:pPr algn="ctr"/>
+            <a:r>
+              <a:rPr lang="ko-KR" altLang="en-US" sz="1333" dirty="0"/>
+              <a:t>로그인 </a:t>
+            </a:r>
+            <a:r>
+              <a:rPr lang="en-US" altLang="ko-KR" sz="1333" dirty="0"/>
+              <a:t>/ </a:t>
+            </a:r>
+            <a:r>
+              <a:rPr lang="ko-KR" altLang="en-US" sz="1333" dirty="0"/>
+              <a:t>회원가입</a:t>
+            </a:r>
+            <a:endParaRPr sz="1333" dirty="0"/>
+          </a:p>
+        </p:txBody>
+      </p:sp>
+      <p:sp>
+        <p:nvSpPr>
+          <p:cNvPr id="146" name="Google Shape;102;p13">
+            <a:extLst>
+              <a:ext uri="{FF2B5EF4-FFF2-40B4-BE49-F238E27FC236}">
+                <a16:creationId xmlns:a16="http://schemas.microsoft.com/office/drawing/2014/main" id="{C704DD7E-8B1F-4B5A-832E-6B178666BEB8}"/>
+              </a:ext>
+            </a:extLst>
+          </p:cNvPr>
+          <p:cNvSpPr/>
+          <p:nvPr/>
+        </p:nvSpPr>
+        <p:spPr>
+          <a:xfrm>
+            <a:off x="1835907" y="773245"/>
+            <a:ext cx="2219626" cy="412143"/>
+          </a:xfrm>
+          <a:prstGeom prst="rect">
+            <a:avLst/>
+          </a:prstGeom>
+          <a:solidFill>
+            <a:schemeClr val="lt2"/>
+          </a:solidFill>
+          <a:ln w="9525" cap="flat" cmpd="sng">
+            <a:solidFill>
+              <a:schemeClr val="dk2"/>
+            </a:solidFill>
+            <a:prstDash val="solid"/>
+            <a:round/>
+            <a:headEnd type="none" w="sm" len="sm"/>
+            <a:tailEnd type="none" w="sm" len="sm"/>
+          </a:ln>
+        </p:spPr>
+        <p:txBody>
+          <a:bodyPr spcFirstLastPara="1" wrap="square" lIns="121900" tIns="121900" rIns="121900" bIns="121900" anchor="ctr" anchorCtr="0">
+            <a:noAutofit/>
+          </a:bodyPr>
+          <a:lstStyle/>
+          <a:p>
+            <a:pPr algn="ctr"/>
+            <a:r>
+              <a:rPr lang="ko-KR" altLang="en-US" sz="1333" dirty="0"/>
+              <a:t>등급</a:t>
+            </a:r>
+            <a:r>
+              <a:rPr lang="en-US" altLang="ko-KR" sz="1333" dirty="0"/>
+              <a:t>, </a:t>
+            </a:r>
+            <a:r>
+              <a:rPr lang="ko-KR" altLang="en-US" sz="1333" dirty="0"/>
+              <a:t>포인트</a:t>
+            </a:r>
+            <a:r>
+              <a:rPr lang="en-US" altLang="ko-KR" sz="1333" dirty="0"/>
+              <a:t>, </a:t>
+            </a:r>
+            <a:r>
+              <a:rPr lang="ko-KR" altLang="en-US" sz="1333" dirty="0"/>
+              <a:t>쿠폰 제도</a:t>
+            </a:r>
+            <a:endParaRPr sz="1333" dirty="0"/>
+          </a:p>
+        </p:txBody>
+      </p:sp>
+      <p:sp>
+        <p:nvSpPr>
+          <p:cNvPr id="214" name="Google Shape;102;p13">
+            <a:extLst>
+              <a:ext uri="{FF2B5EF4-FFF2-40B4-BE49-F238E27FC236}">
+                <a16:creationId xmlns:a16="http://schemas.microsoft.com/office/drawing/2014/main" id="{85AB7D6F-8B57-4DEC-9E37-3F7B85052802}"/>
+              </a:ext>
+            </a:extLst>
+          </p:cNvPr>
+          <p:cNvSpPr/>
+          <p:nvPr/>
+        </p:nvSpPr>
+        <p:spPr>
+          <a:xfrm>
+            <a:off x="1835907" y="6310390"/>
+            <a:ext cx="2219626" cy="412143"/>
+          </a:xfrm>
+          <a:prstGeom prst="rect">
+            <a:avLst/>
+          </a:prstGeom>
+          <a:solidFill>
+            <a:schemeClr val="lt2"/>
+          </a:solidFill>
+          <a:ln w="9525" cap="flat" cmpd="sng">
+            <a:solidFill>
+              <a:schemeClr val="dk2"/>
+            </a:solidFill>
+            <a:prstDash val="solid"/>
+            <a:round/>
+            <a:headEnd type="none" w="sm" len="sm"/>
+            <a:tailEnd type="none" w="sm" len="sm"/>
+          </a:ln>
+        </p:spPr>
+        <p:txBody>
+          <a:bodyPr spcFirstLastPara="1" wrap="square" lIns="121900" tIns="121900" rIns="121900" bIns="121900" anchor="ctr" anchorCtr="0">
+            <a:noAutofit/>
+          </a:bodyPr>
+          <a:lstStyle/>
+          <a:p>
+            <a:pPr algn="ctr"/>
+            <a:r>
+              <a:rPr lang="ko-KR" altLang="en-US" sz="1333" dirty="0"/>
+              <a:t>공지사항 </a:t>
+            </a:r>
+            <a:r>
+              <a:rPr lang="en-US" altLang="ko-KR" sz="1333" dirty="0"/>
+              <a:t>FAQ </a:t>
+            </a:r>
+            <a:r>
+              <a:rPr lang="ko-KR" altLang="en-US" sz="1333" dirty="0"/>
+              <a:t>이용가이드 게시판</a:t>
+            </a:r>
+            <a:endParaRPr sz="1333" dirty="0"/>
+          </a:p>
+        </p:txBody>
+      </p:sp>
+      <p:sp>
+        <p:nvSpPr>
+          <p:cNvPr id="217" name="Google Shape;102;p13">
+            <a:extLst>
+              <a:ext uri="{FF2B5EF4-FFF2-40B4-BE49-F238E27FC236}">
+                <a16:creationId xmlns:a16="http://schemas.microsoft.com/office/drawing/2014/main" id="{66D0C005-DEF3-48FD-A074-0C0ABD142A2A}"/>
+              </a:ext>
+            </a:extLst>
+          </p:cNvPr>
+          <p:cNvSpPr/>
+          <p:nvPr/>
+        </p:nvSpPr>
+        <p:spPr>
+          <a:xfrm>
+            <a:off x="1835907" y="4649243"/>
+            <a:ext cx="2219626" cy="412143"/>
+          </a:xfrm>
+          <a:prstGeom prst="rect">
+            <a:avLst/>
+          </a:prstGeom>
+          <a:solidFill>
+            <a:schemeClr val="lt2"/>
+          </a:solidFill>
+          <a:ln w="9525" cap="flat" cmpd="sng">
+            <a:solidFill>
+              <a:schemeClr val="dk2"/>
+            </a:solidFill>
+            <a:prstDash val="solid"/>
+            <a:round/>
+            <a:headEnd type="none" w="sm" len="sm"/>
+            <a:tailEnd type="none" w="sm" len="sm"/>
+          </a:ln>
+        </p:spPr>
+        <p:txBody>
+          <a:bodyPr spcFirstLastPara="1" wrap="square" lIns="121900" tIns="121900" rIns="121900" bIns="121900" anchor="ctr" anchorCtr="0">
+            <a:noAutofit/>
+          </a:bodyPr>
+          <a:lstStyle/>
+          <a:p>
+            <a:pPr algn="ctr"/>
+            <a:r>
+              <a:rPr lang="ko-KR" altLang="en-US" sz="1333" dirty="0"/>
+              <a:t>상품 </a:t>
+            </a:r>
+            <a:r>
+              <a:rPr lang="ko-KR" altLang="en-US" sz="1333" dirty="0" err="1"/>
+              <a:t>렌탈</a:t>
+            </a:r>
+            <a:r>
+              <a:rPr lang="ko-KR" altLang="en-US" sz="1333" dirty="0"/>
+              <a:t> 요청</a:t>
+            </a:r>
+            <a:endParaRPr sz="1333" dirty="0"/>
+          </a:p>
+        </p:txBody>
+      </p:sp>
+      <p:sp>
+        <p:nvSpPr>
+          <p:cNvPr id="230" name="Google Shape;102;p13">
+            <a:extLst>
+              <a:ext uri="{FF2B5EF4-FFF2-40B4-BE49-F238E27FC236}">
+                <a16:creationId xmlns:a16="http://schemas.microsoft.com/office/drawing/2014/main" id="{C704DD7E-8B1F-4B5A-832E-6B178666BEB8}"/>
+              </a:ext>
+            </a:extLst>
+          </p:cNvPr>
+          <p:cNvSpPr/>
+          <p:nvPr/>
+        </p:nvSpPr>
+        <p:spPr>
+          <a:xfrm>
+            <a:off x="1835907" y="1880673"/>
+            <a:ext cx="2219626" cy="412143"/>
+          </a:xfrm>
+          <a:prstGeom prst="rect">
+            <a:avLst/>
+          </a:prstGeom>
+          <a:solidFill>
+            <a:schemeClr val="lt2"/>
+          </a:solidFill>
+          <a:ln w="9525" cap="flat" cmpd="sng">
+            <a:solidFill>
+              <a:schemeClr val="dk2"/>
+            </a:solidFill>
+            <a:prstDash val="solid"/>
+            <a:round/>
+            <a:headEnd type="none" w="sm" len="sm"/>
+            <a:tailEnd type="none" w="sm" len="sm"/>
+          </a:ln>
+        </p:spPr>
+        <p:txBody>
+          <a:bodyPr spcFirstLastPara="1" wrap="square" lIns="121900" tIns="121900" rIns="121900" bIns="121900" anchor="ctr" anchorCtr="0">
+            <a:noAutofit/>
+          </a:bodyPr>
+          <a:lstStyle/>
+          <a:p>
+            <a:pPr algn="ctr"/>
+            <a:r>
+              <a:rPr lang="en-US" altLang="ko-KR" sz="1333" dirty="0"/>
+              <a:t>E</a:t>
+            </a:r>
+            <a:r>
+              <a:rPr lang="ko-KR" altLang="en-US" sz="1333" dirty="0"/>
+              <a:t>머니 충전 </a:t>
+            </a:r>
+            <a:r>
+              <a:rPr lang="en-US" altLang="ko-KR" sz="1333" dirty="0"/>
+              <a:t>/ </a:t>
+            </a:r>
+            <a:r>
+              <a:rPr lang="ko-KR" altLang="en-US" sz="1333" dirty="0"/>
+              <a:t>출금</a:t>
+            </a:r>
+            <a:endParaRPr sz="1333" dirty="0"/>
+          </a:p>
+        </p:txBody>
+      </p:sp>
+      <p:sp>
+        <p:nvSpPr>
+          <p:cNvPr id="232" name="Google Shape;102;p13">
+            <a:extLst>
+              <a:ext uri="{FF2B5EF4-FFF2-40B4-BE49-F238E27FC236}">
+                <a16:creationId xmlns:a16="http://schemas.microsoft.com/office/drawing/2014/main" id="{66D0C005-DEF3-48FD-A074-0C0ABD142A2A}"/>
+              </a:ext>
+            </a:extLst>
+          </p:cNvPr>
+          <p:cNvSpPr/>
+          <p:nvPr/>
+        </p:nvSpPr>
+        <p:spPr>
+          <a:xfrm>
+            <a:off x="1835907" y="5202957"/>
+            <a:ext cx="2219626" cy="412143"/>
+          </a:xfrm>
+          <a:prstGeom prst="rect">
+            <a:avLst/>
+          </a:prstGeom>
+          <a:solidFill>
+            <a:schemeClr val="lt2"/>
+          </a:solidFill>
+          <a:ln w="9525" cap="flat" cmpd="sng">
+            <a:solidFill>
+              <a:schemeClr val="dk2"/>
+            </a:solidFill>
+            <a:prstDash val="solid"/>
+            <a:round/>
+            <a:headEnd type="none" w="sm" len="sm"/>
+            <a:tailEnd type="none" w="sm" len="sm"/>
+          </a:ln>
+        </p:spPr>
+        <p:txBody>
+          <a:bodyPr spcFirstLastPara="1" wrap="square" lIns="121900" tIns="121900" rIns="121900" bIns="121900" anchor="ctr" anchorCtr="0">
+            <a:noAutofit/>
+          </a:bodyPr>
+          <a:lstStyle/>
+          <a:p>
+            <a:pPr algn="ctr"/>
+            <a:r>
+              <a:rPr lang="ko-KR" altLang="en-US" sz="1333" dirty="0"/>
+              <a:t>상품 </a:t>
+            </a:r>
+            <a:r>
+              <a:rPr lang="ko-KR" altLang="en-US" sz="1333" dirty="0" err="1"/>
+              <a:t>찜하기</a:t>
+            </a:r>
+            <a:r>
+              <a:rPr lang="ko-KR" altLang="en-US" sz="1333" dirty="0"/>
+              <a:t> </a:t>
+            </a:r>
+            <a:r>
+              <a:rPr lang="en-US" altLang="ko-KR" sz="1333" dirty="0"/>
+              <a:t>/ </a:t>
+            </a:r>
+            <a:r>
+              <a:rPr lang="ko-KR" altLang="en-US" sz="1333" dirty="0"/>
+              <a:t>회원 </a:t>
+            </a:r>
+            <a:r>
+              <a:rPr lang="ko-KR" altLang="en-US" sz="1333" dirty="0" err="1"/>
+              <a:t>팔로우</a:t>
+            </a:r>
+            <a:endParaRPr sz="1333" dirty="0"/>
+          </a:p>
+        </p:txBody>
+      </p:sp>
+      <p:sp>
+        <p:nvSpPr>
+          <p:cNvPr id="246" name="Google Shape;102;p13">
+            <a:extLst>
+              <a:ext uri="{FF2B5EF4-FFF2-40B4-BE49-F238E27FC236}">
+                <a16:creationId xmlns:a16="http://schemas.microsoft.com/office/drawing/2014/main" id="{C704DD7E-8B1F-4B5A-832E-6B178666BEB8}"/>
+              </a:ext>
+            </a:extLst>
+          </p:cNvPr>
+          <p:cNvSpPr/>
+          <p:nvPr/>
+        </p:nvSpPr>
+        <p:spPr>
+          <a:xfrm>
+            <a:off x="1835907" y="1326959"/>
+            <a:ext cx="2219626" cy="412143"/>
+          </a:xfrm>
+          <a:prstGeom prst="rect">
+            <a:avLst/>
+          </a:prstGeom>
+          <a:solidFill>
+            <a:schemeClr val="lt2"/>
+          </a:solidFill>
+          <a:ln w="9525" cap="flat" cmpd="sng">
+            <a:solidFill>
+              <a:schemeClr val="dk2"/>
+            </a:solidFill>
+            <a:prstDash val="solid"/>
+            <a:round/>
+            <a:headEnd type="none" w="sm" len="sm"/>
+            <a:tailEnd type="none" w="sm" len="sm"/>
+          </a:ln>
+        </p:spPr>
+        <p:txBody>
+          <a:bodyPr spcFirstLastPara="1" wrap="square" lIns="121900" tIns="121900" rIns="121900" bIns="121900" anchor="ctr" anchorCtr="0">
+            <a:noAutofit/>
+          </a:bodyPr>
+          <a:lstStyle/>
+          <a:p>
+            <a:pPr algn="ctr"/>
+            <a:r>
+              <a:rPr lang="en-US" sz="1333" dirty="0"/>
+              <a:t>Q&amp;A, </a:t>
+            </a:r>
+            <a:r>
+              <a:rPr lang="ko-KR" altLang="en-US" sz="1333" dirty="0" err="1"/>
+              <a:t>상품렌탈</a:t>
+            </a:r>
+            <a:r>
+              <a:rPr lang="en-US" altLang="ko-KR" sz="1333" dirty="0"/>
+              <a:t>, </a:t>
+            </a:r>
+            <a:r>
+              <a:rPr lang="ko-KR" altLang="en-US" sz="1333" dirty="0" err="1"/>
+              <a:t>렌탈요청</a:t>
+            </a:r>
+            <a:r>
+              <a:rPr lang="en-US" altLang="ko-KR" sz="1333" dirty="0"/>
+              <a:t>, </a:t>
+            </a:r>
+            <a:r>
+              <a:rPr lang="ko-KR" altLang="en-US" sz="1333" dirty="0"/>
+              <a:t>상품 문의</a:t>
+            </a:r>
+            <a:r>
+              <a:rPr lang="en-US" altLang="ko-KR" sz="1333" dirty="0"/>
+              <a:t>, </a:t>
+            </a:r>
+            <a:r>
+              <a:rPr lang="ko-KR" altLang="en-US" sz="1333" dirty="0"/>
+              <a:t>상품 신고 알림</a:t>
+            </a:r>
+            <a:endParaRPr sz="1333" dirty="0"/>
+          </a:p>
+        </p:txBody>
+      </p:sp>
+      <p:sp>
+        <p:nvSpPr>
+          <p:cNvPr id="256" name="Google Shape;102;p13">
+            <a:extLst>
+              <a:ext uri="{FF2B5EF4-FFF2-40B4-BE49-F238E27FC236}">
+                <a16:creationId xmlns:a16="http://schemas.microsoft.com/office/drawing/2014/main" id="{66D0C005-DEF3-48FD-A074-0C0ABD142A2A}"/>
+              </a:ext>
+            </a:extLst>
+          </p:cNvPr>
+          <p:cNvSpPr/>
+          <p:nvPr/>
+        </p:nvSpPr>
+        <p:spPr>
+          <a:xfrm>
+            <a:off x="1835907" y="4095529"/>
+            <a:ext cx="2219626" cy="412143"/>
+          </a:xfrm>
+          <a:prstGeom prst="rect">
+            <a:avLst/>
+          </a:prstGeom>
+          <a:solidFill>
+            <a:schemeClr val="lt2"/>
+          </a:solidFill>
+          <a:ln w="9525" cap="flat" cmpd="sng">
+            <a:solidFill>
+              <a:schemeClr val="dk2"/>
+            </a:solidFill>
+            <a:prstDash val="solid"/>
+            <a:round/>
+            <a:headEnd type="none" w="sm" len="sm"/>
+            <a:tailEnd type="none" w="sm" len="sm"/>
+          </a:ln>
+        </p:spPr>
+        <p:txBody>
+          <a:bodyPr spcFirstLastPara="1" wrap="square" lIns="121900" tIns="121900" rIns="121900" bIns="121900" anchor="ctr" anchorCtr="0">
+            <a:noAutofit/>
+          </a:bodyPr>
+          <a:lstStyle/>
+          <a:p>
+            <a:pPr algn="ctr"/>
+            <a:r>
+              <a:rPr lang="ko-KR" altLang="en-US" sz="1333" dirty="0" err="1"/>
+              <a:t>렌탈</a:t>
+            </a:r>
+            <a:r>
+              <a:rPr lang="ko-KR" altLang="en-US" sz="1333" dirty="0"/>
+              <a:t> 상품 반납</a:t>
+            </a:r>
+            <a:endParaRPr sz="1333" dirty="0"/>
+          </a:p>
+        </p:txBody>
+      </p:sp>
+      <p:sp>
+        <p:nvSpPr>
+          <p:cNvPr id="287" name="Google Shape;105;p13"/>
+          <p:cNvSpPr/>
+          <p:nvPr/>
+        </p:nvSpPr>
+        <p:spPr>
+          <a:xfrm>
+            <a:off x="7924261" y="2975635"/>
+            <a:ext cx="1869600" cy="512000"/>
+          </a:xfrm>
+          <a:prstGeom prst="rect">
+            <a:avLst/>
+          </a:prstGeom>
+          <a:solidFill>
+            <a:schemeClr val="lt2"/>
+          </a:solidFill>
+          <a:ln w="9525" cap="flat" cmpd="sng">
+            <a:solidFill>
+              <a:schemeClr val="dk2"/>
+            </a:solidFill>
+            <a:prstDash val="solid"/>
+            <a:round/>
+            <a:headEnd type="none" w="sm" len="sm"/>
+            <a:tailEnd type="none" w="sm" len="sm"/>
+          </a:ln>
+        </p:spPr>
+        <p:txBody>
+          <a:bodyPr spcFirstLastPara="1" wrap="square" lIns="121900" tIns="121900" rIns="121900" bIns="121900" anchor="ctr" anchorCtr="0">
+            <a:noAutofit/>
+          </a:bodyPr>
+          <a:lstStyle/>
+          <a:p>
+            <a:pPr algn="ctr"/>
+            <a:r>
+              <a:rPr lang="ko-KR" altLang="en-US" sz="1333" dirty="0"/>
+              <a:t>카테고리 관리</a:t>
+            </a:r>
+            <a:endParaRPr sz="1333" dirty="0"/>
+          </a:p>
+        </p:txBody>
+      </p:sp>
+      <p:sp>
+        <p:nvSpPr>
+          <p:cNvPr id="293" name="Google Shape;102;p13">
+            <a:extLst>
+              <a:ext uri="{FF2B5EF4-FFF2-40B4-BE49-F238E27FC236}">
+                <a16:creationId xmlns:a16="http://schemas.microsoft.com/office/drawing/2014/main" id="{BD2B7044-AE64-4FDD-A94F-3B6D34A54012}"/>
+              </a:ext>
+            </a:extLst>
+          </p:cNvPr>
+          <p:cNvSpPr/>
+          <p:nvPr/>
+        </p:nvSpPr>
+        <p:spPr>
+          <a:xfrm>
+            <a:off x="4811673" y="4543707"/>
+            <a:ext cx="1699071" cy="353851"/>
+          </a:xfrm>
+          <a:prstGeom prst="rect">
+            <a:avLst/>
+          </a:prstGeom>
+          <a:solidFill>
+            <a:schemeClr val="lt2"/>
+          </a:solidFill>
+          <a:ln w="9525" cap="flat" cmpd="sng">
+            <a:solidFill>
+              <a:schemeClr val="dk2"/>
+            </a:solidFill>
+            <a:prstDash val="solid"/>
+            <a:round/>
+            <a:headEnd type="none" w="sm" len="sm"/>
+            <a:tailEnd type="none" w="sm" len="sm"/>
+          </a:ln>
+        </p:spPr>
+        <p:txBody>
+          <a:bodyPr spcFirstLastPara="1" wrap="square" lIns="121900" tIns="121900" rIns="121900" bIns="121900" anchor="ctr" anchorCtr="0">
+            <a:noAutofit/>
+          </a:bodyPr>
+          <a:lstStyle/>
+          <a:p>
+            <a:pPr algn="ctr"/>
+            <a:r>
+              <a:rPr lang="ko-KR" altLang="en-US" sz="1333"/>
+              <a:t>후기 등록</a:t>
+            </a:r>
+            <a:endParaRPr lang="en-US" altLang="ko-KR" sz="1333" dirty="0"/>
+          </a:p>
+        </p:txBody>
+      </p:sp>
+      <p:sp>
+        <p:nvSpPr>
+          <p:cNvPr id="84" name="Google Shape;102;p13">
+            <a:extLst>
+              <a:ext uri="{FF2B5EF4-FFF2-40B4-BE49-F238E27FC236}">
+                <a16:creationId xmlns:a16="http://schemas.microsoft.com/office/drawing/2014/main" id="{BD2B7044-AE64-4FDD-A94F-3B6D34A54012}"/>
+              </a:ext>
+            </a:extLst>
+          </p:cNvPr>
+          <p:cNvSpPr/>
+          <p:nvPr/>
+        </p:nvSpPr>
+        <p:spPr>
+          <a:xfrm>
+            <a:off x="4811674" y="4977313"/>
+            <a:ext cx="1699071" cy="353851"/>
+          </a:xfrm>
+          <a:prstGeom prst="rect">
+            <a:avLst/>
+          </a:prstGeom>
+          <a:solidFill>
+            <a:schemeClr val="lt2"/>
+          </a:solidFill>
+          <a:ln w="9525" cap="flat" cmpd="sng">
+            <a:solidFill>
+              <a:schemeClr val="dk2"/>
+            </a:solidFill>
+            <a:prstDash val="solid"/>
+            <a:round/>
+            <a:headEnd type="none" w="sm" len="sm"/>
+            <a:tailEnd type="none" w="sm" len="sm"/>
+          </a:ln>
+        </p:spPr>
+        <p:txBody>
+          <a:bodyPr spcFirstLastPara="1" wrap="square" lIns="121900" tIns="121900" rIns="121900" bIns="121900" anchor="ctr" anchorCtr="0">
+            <a:noAutofit/>
+          </a:bodyPr>
+          <a:lstStyle/>
+          <a:p>
+            <a:pPr algn="ctr"/>
+            <a:r>
+              <a:rPr lang="ko-KR" altLang="en-US" sz="1333" dirty="0"/>
+              <a:t>후기 답변 등록</a:t>
+            </a:r>
+            <a:endParaRPr lang="en-US" altLang="ko-KR" sz="1333" dirty="0"/>
+          </a:p>
+        </p:txBody>
+      </p:sp>
+      <p:cxnSp>
+        <p:nvCxnSpPr>
+          <p:cNvPr id="85" name="직선 화살표 연결선 84">
+            <a:extLst>
+              <a:ext uri="{FF2B5EF4-FFF2-40B4-BE49-F238E27FC236}">
+                <a16:creationId xmlns:a16="http://schemas.microsoft.com/office/drawing/2014/main" id="{89986B8B-B851-49EA-BE61-F97E9FD46851}"/>
+              </a:ext>
+            </a:extLst>
+          </p:cNvPr>
+          <p:cNvCxnSpPr>
+            <a:stCxn id="293" idx="1"/>
+            <a:endCxn id="256" idx="3"/>
+          </p:cNvCxnSpPr>
+          <p:nvPr/>
+        </p:nvCxnSpPr>
+        <p:spPr>
+          <a:xfrm flipH="1" flipV="1">
+            <a:off x="4055533" y="4301601"/>
+            <a:ext cx="756140" cy="419032"/>
+          </a:xfrm>
+          <a:prstGeom prst="straightConnector1">
+            <a:avLst/>
+          </a:prstGeom>
+          <a:ln>
+            <a:tailEnd type="triangle"/>
+          </a:ln>
+        </p:spPr>
+        <p:style>
+          <a:lnRef idx="1">
+            <a:schemeClr val="dk1"/>
+          </a:lnRef>
+          <a:fillRef idx="0">
+            <a:schemeClr val="dk1"/>
+          </a:fillRef>
+          <a:effectRef idx="0">
+            <a:schemeClr val="dk1"/>
+          </a:effectRef>
+          <a:fontRef idx="minor">
+            <a:schemeClr val="tx1"/>
+          </a:fontRef>
+        </p:style>
+      </p:cxnSp>
+      <p:cxnSp>
+        <p:nvCxnSpPr>
+          <p:cNvPr id="88" name="직선 화살표 연결선 87">
+            <a:extLst>
+              <a:ext uri="{FF2B5EF4-FFF2-40B4-BE49-F238E27FC236}">
+                <a16:creationId xmlns:a16="http://schemas.microsoft.com/office/drawing/2014/main" id="{89986B8B-B851-49EA-BE61-F97E9FD46851}"/>
+              </a:ext>
+            </a:extLst>
+          </p:cNvPr>
+          <p:cNvCxnSpPr>
+            <a:stCxn id="84" idx="1"/>
+            <a:endCxn id="256" idx="3"/>
+          </p:cNvCxnSpPr>
+          <p:nvPr/>
+        </p:nvCxnSpPr>
+        <p:spPr>
+          <a:xfrm flipH="1" flipV="1">
+            <a:off x="4055533" y="4301601"/>
+            <a:ext cx="756141" cy="852638"/>
+          </a:xfrm>
+          <a:prstGeom prst="straightConnector1">
+            <a:avLst/>
+          </a:prstGeom>
+          <a:ln>
+            <a:tailEnd type="triangle"/>
+          </a:ln>
+        </p:spPr>
+        <p:style>
+          <a:lnRef idx="1">
+            <a:schemeClr val="dk1"/>
+          </a:lnRef>
+          <a:fillRef idx="0">
+            <a:schemeClr val="dk1"/>
+          </a:fillRef>
+          <a:effectRef idx="0">
+            <a:schemeClr val="dk1"/>
+          </a:effectRef>
+          <a:fontRef idx="minor">
+            <a:schemeClr val="tx1"/>
+          </a:fontRef>
+        </p:style>
+      </p:cxnSp>
+      <p:sp>
+        <p:nvSpPr>
+          <p:cNvPr id="95" name="Google Shape;114;p13"/>
+          <p:cNvSpPr/>
+          <p:nvPr/>
+        </p:nvSpPr>
+        <p:spPr>
+          <a:xfrm>
+            <a:off x="7924261" y="4879609"/>
+            <a:ext cx="1869600" cy="512000"/>
+          </a:xfrm>
+          <a:prstGeom prst="rect">
+            <a:avLst/>
+          </a:prstGeom>
+          <a:solidFill>
+            <a:schemeClr val="lt2"/>
+          </a:solidFill>
+          <a:ln w="9525" cap="flat" cmpd="sng">
+            <a:solidFill>
+              <a:schemeClr val="dk2"/>
+            </a:solidFill>
+            <a:prstDash val="solid"/>
+            <a:round/>
+            <a:headEnd type="none" w="sm" len="sm"/>
+            <a:tailEnd type="none" w="sm" len="sm"/>
+          </a:ln>
+        </p:spPr>
+        <p:txBody>
+          <a:bodyPr spcFirstLastPara="1" wrap="square" lIns="121900" tIns="121900" rIns="121900" bIns="121900" anchor="ctr" anchorCtr="0">
+            <a:noAutofit/>
+          </a:bodyPr>
+          <a:lstStyle/>
+          <a:p>
+            <a:pPr algn="ctr"/>
+            <a:r>
+              <a:rPr lang="en-US" sz="1333" dirty="0"/>
               <a:t>Q&amp;A </a:t>
             </a:r>
             <a:r>
-              <a:rPr lang="ko-KR" altLang="en-US" sz="1333" dirty="0" smtClean="0"/>
+              <a:rPr lang="ko-KR" altLang="en-US" sz="1333" dirty="0"/>
               <a:t>답변</a:t>
             </a:r>
             <a:endParaRPr sz="1333" dirty="0"/>
@@ -6013,7 +8013,7 @@
           <p:cNvPr id="98" name="직선 화살표 연결선 97">
             <a:extLst>
               <a:ext uri="{FF2B5EF4-FFF2-40B4-BE49-F238E27FC236}">
-                <a16:creationId xmlns="" xmlns:a16="http://schemas.microsoft.com/office/drawing/2014/main" id="{89986B8B-B851-49EA-BE61-F97E9FD46851}"/>
+                <a16:creationId xmlns:a16="http://schemas.microsoft.com/office/drawing/2014/main" id="{89986B8B-B851-49EA-BE61-F97E9FD46851}"/>
               </a:ext>
             </a:extLst>
           </p:cNvPr>
@@ -6055,7 +8055,7 @@
           <p:cNvPr id="106" name="직선 화살표 연결선 105">
             <a:extLst>
               <a:ext uri="{FF2B5EF4-FFF2-40B4-BE49-F238E27FC236}">
-                <a16:creationId xmlns="" xmlns:a16="http://schemas.microsoft.com/office/drawing/2014/main" id="{89986B8B-B851-49EA-BE61-F97E9FD46851}"/>
+                <a16:creationId xmlns:a16="http://schemas.microsoft.com/office/drawing/2014/main" id="{89986B8B-B851-49EA-BE61-F97E9FD46851}"/>
               </a:ext>
             </a:extLst>
           </p:cNvPr>
@@ -6096,7 +8096,7 @@
           <p:cNvPr id="107" name="직선 화살표 연결선 106">
             <a:extLst>
               <a:ext uri="{FF2B5EF4-FFF2-40B4-BE49-F238E27FC236}">
-                <a16:creationId xmlns="" xmlns:a16="http://schemas.microsoft.com/office/drawing/2014/main" id="{89986B8B-B851-49EA-BE61-F97E9FD46851}"/>
+                <a16:creationId xmlns:a16="http://schemas.microsoft.com/office/drawing/2014/main" id="{89986B8B-B851-49EA-BE61-F97E9FD46851}"/>
               </a:ext>
             </a:extLst>
           </p:cNvPr>
@@ -6138,7 +8138,7 @@
           <p:cNvPr id="108" name="직선 화살표 연결선 107">
             <a:extLst>
               <a:ext uri="{FF2B5EF4-FFF2-40B4-BE49-F238E27FC236}">
-                <a16:creationId xmlns="" xmlns:a16="http://schemas.microsoft.com/office/drawing/2014/main" id="{89986B8B-B851-49EA-BE61-F97E9FD46851}"/>
+                <a16:creationId xmlns:a16="http://schemas.microsoft.com/office/drawing/2014/main" id="{89986B8B-B851-49EA-BE61-F97E9FD46851}"/>
               </a:ext>
             </a:extLst>
           </p:cNvPr>
@@ -6180,7 +8180,7 @@
           <p:cNvPr id="111" name="직선 화살표 연결선 110">
             <a:extLst>
               <a:ext uri="{FF2B5EF4-FFF2-40B4-BE49-F238E27FC236}">
-                <a16:creationId xmlns="" xmlns:a16="http://schemas.microsoft.com/office/drawing/2014/main" id="{89986B8B-B851-49EA-BE61-F97E9FD46851}"/>
+                <a16:creationId xmlns:a16="http://schemas.microsoft.com/office/drawing/2014/main" id="{89986B8B-B851-49EA-BE61-F97E9FD46851}"/>
               </a:ext>
             </a:extLst>
           </p:cNvPr>
@@ -6222,7 +8222,7 @@
           <p:cNvPr id="115" name="직선 화살표 연결선 114">
             <a:extLst>
               <a:ext uri="{FF2B5EF4-FFF2-40B4-BE49-F238E27FC236}">
-                <a16:creationId xmlns="" xmlns:a16="http://schemas.microsoft.com/office/drawing/2014/main" id="{89986B8B-B851-49EA-BE61-F97E9FD46851}"/>
+                <a16:creationId xmlns:a16="http://schemas.microsoft.com/office/drawing/2014/main" id="{89986B8B-B851-49EA-BE61-F97E9FD46851}"/>
               </a:ext>
             </a:extLst>
           </p:cNvPr>
@@ -6556,7 +8556,7 @@
   <a:extraClrSchemeLst/>
   <a:extLst>
     <a:ext uri="{05A4C25C-085E-4340-85A3-A5531E510DB2}">
-      <thm15:themeFamily xmlns="" xmlns:thm15="http://schemas.microsoft.com/office/thememl/2012/main" name="Office Theme" id="{62F939B6-93AF-4DB8-9C6B-D6C7DFDC589F}" vid="{4A3C46E8-61CC-4603-A589-7422A47A8E4A}"/>
+      <thm15:themeFamily xmlns:thm15="http://schemas.microsoft.com/office/thememl/2012/main" name="Office Theme" id="{62F939B6-93AF-4DB8-9C6B-D6C7DFDC589F}" vid="{4A3C46E8-61CC-4603-A589-7422A47A8E4A}"/>
     </a:ext>
   </a:extLst>
 </a:theme>
@@ -6851,7 +8851,7 @@
   <a:extraClrSchemeLst/>
   <a:extLst>
     <a:ext uri="{05A4C25C-085E-4340-85A3-A5531E510DB2}">
-      <thm15:themeFamily xmlns="" xmlns:thm15="http://schemas.microsoft.com/office/thememl/2012/main" name="Office Theme" id="{62F939B6-93AF-4DB8-9C6B-D6C7DFDC589F}" vid="{4A3C46E8-61CC-4603-A589-7422A47A8E4A}"/>
+      <thm15:themeFamily xmlns:thm15="http://schemas.microsoft.com/office/thememl/2012/main" name="Office Theme" id="{62F939B6-93AF-4DB8-9C6B-D6C7DFDC589F}" vid="{4A3C46E8-61CC-4603-A589-7422A47A8E4A}"/>
     </a:ext>
   </a:extLst>
 </a:theme>
